--- a/安全认证方案.pptx
+++ b/安全认证方案.pptx
@@ -6,6 +6,7 @@
   </p:sldMasterIdLst>
   <p:sldIdLst>
     <p:sldId id="256" r:id="rId2"/>
+    <p:sldId id="257" r:id="rId3"/>
   </p:sldIdLst>
   <p:sldSz cx="12192000" cy="6858000"/>
   <p:notesSz cx="6858000" cy="9144000"/>
@@ -104,6 +105,11 @@
       </a:defRPr>
     </a:lvl9pPr>
   </p:defaultTextStyle>
+  <p:extLst>
+    <p:ext uri="{EFAFB233-063F-42B5-8137-9DF3F51BA10A}">
+      <p15:sldGuideLst xmlns:p15="http://schemas.microsoft.com/office/powerpoint/2012/main"/>
+    </p:ext>
+  </p:extLst>
 </p:presentation>
 </file>
 
@@ -254,7 +260,7 @@
           <a:p>
             <a:fld id="{C0ED74D5-C5FA-45E3-A277-33329A496674}" type="datetimeFigureOut">
               <a:rPr lang="zh-CN" altLang="en-US" smtClean="0"/>
-              <a:t>2018/5/23</a:t>
+              <a:t>2018/5/24</a:t>
             </a:fld>
             <a:endParaRPr lang="zh-CN" altLang="en-US"/>
           </a:p>
@@ -452,7 +458,7 @@
           <a:p>
             <a:fld id="{C0ED74D5-C5FA-45E3-A277-33329A496674}" type="datetimeFigureOut">
               <a:rPr lang="zh-CN" altLang="en-US" smtClean="0"/>
-              <a:t>2018/5/23</a:t>
+              <a:t>2018/5/24</a:t>
             </a:fld>
             <a:endParaRPr lang="zh-CN" altLang="en-US"/>
           </a:p>
@@ -660,7 +666,7 @@
           <a:p>
             <a:fld id="{C0ED74D5-C5FA-45E3-A277-33329A496674}" type="datetimeFigureOut">
               <a:rPr lang="zh-CN" altLang="en-US" smtClean="0"/>
-              <a:t>2018/5/23</a:t>
+              <a:t>2018/5/24</a:t>
             </a:fld>
             <a:endParaRPr lang="zh-CN" altLang="en-US"/>
           </a:p>
@@ -858,7 +864,7 @@
           <a:p>
             <a:fld id="{C0ED74D5-C5FA-45E3-A277-33329A496674}" type="datetimeFigureOut">
               <a:rPr lang="zh-CN" altLang="en-US" smtClean="0"/>
-              <a:t>2018/5/23</a:t>
+              <a:t>2018/5/24</a:t>
             </a:fld>
             <a:endParaRPr lang="zh-CN" altLang="en-US"/>
           </a:p>
@@ -1133,7 +1139,7 @@
           <a:p>
             <a:fld id="{C0ED74D5-C5FA-45E3-A277-33329A496674}" type="datetimeFigureOut">
               <a:rPr lang="zh-CN" altLang="en-US" smtClean="0"/>
-              <a:t>2018/5/23</a:t>
+              <a:t>2018/5/24</a:t>
             </a:fld>
             <a:endParaRPr lang="zh-CN" altLang="en-US"/>
           </a:p>
@@ -1398,7 +1404,7 @@
           <a:p>
             <a:fld id="{C0ED74D5-C5FA-45E3-A277-33329A496674}" type="datetimeFigureOut">
               <a:rPr lang="zh-CN" altLang="en-US" smtClean="0"/>
-              <a:t>2018/5/23</a:t>
+              <a:t>2018/5/24</a:t>
             </a:fld>
             <a:endParaRPr lang="zh-CN" altLang="en-US"/>
           </a:p>
@@ -1810,7 +1816,7 @@
           <a:p>
             <a:fld id="{C0ED74D5-C5FA-45E3-A277-33329A496674}" type="datetimeFigureOut">
               <a:rPr lang="zh-CN" altLang="en-US" smtClean="0"/>
-              <a:t>2018/5/23</a:t>
+              <a:t>2018/5/24</a:t>
             </a:fld>
             <a:endParaRPr lang="zh-CN" altLang="en-US"/>
           </a:p>
@@ -1951,7 +1957,7 @@
           <a:p>
             <a:fld id="{C0ED74D5-C5FA-45E3-A277-33329A496674}" type="datetimeFigureOut">
               <a:rPr lang="zh-CN" altLang="en-US" smtClean="0"/>
-              <a:t>2018/5/23</a:t>
+              <a:t>2018/5/24</a:t>
             </a:fld>
             <a:endParaRPr lang="zh-CN" altLang="en-US"/>
           </a:p>
@@ -2064,7 +2070,7 @@
           <a:p>
             <a:fld id="{C0ED74D5-C5FA-45E3-A277-33329A496674}" type="datetimeFigureOut">
               <a:rPr lang="zh-CN" altLang="en-US" smtClean="0"/>
-              <a:t>2018/5/23</a:t>
+              <a:t>2018/5/24</a:t>
             </a:fld>
             <a:endParaRPr lang="zh-CN" altLang="en-US"/>
           </a:p>
@@ -2375,7 +2381,7 @@
           <a:p>
             <a:fld id="{C0ED74D5-C5FA-45E3-A277-33329A496674}" type="datetimeFigureOut">
               <a:rPr lang="zh-CN" altLang="en-US" smtClean="0"/>
-              <a:t>2018/5/23</a:t>
+              <a:t>2018/5/24</a:t>
             </a:fld>
             <a:endParaRPr lang="zh-CN" altLang="en-US"/>
           </a:p>
@@ -2663,7 +2669,7 @@
           <a:p>
             <a:fld id="{C0ED74D5-C5FA-45E3-A277-33329A496674}" type="datetimeFigureOut">
               <a:rPr lang="zh-CN" altLang="en-US" smtClean="0"/>
-              <a:t>2018/5/23</a:t>
+              <a:t>2018/5/24</a:t>
             </a:fld>
             <a:endParaRPr lang="zh-CN" altLang="en-US"/>
           </a:p>
@@ -2904,7 +2910,7 @@
           <a:p>
             <a:fld id="{C0ED74D5-C5FA-45E3-A277-33329A496674}" type="datetimeFigureOut">
               <a:rPr lang="zh-CN" altLang="en-US" smtClean="0"/>
-              <a:t>2018/5/23</a:t>
+              <a:t>2018/5/24</a:t>
             </a:fld>
             <a:endParaRPr lang="zh-CN" altLang="en-US"/>
           </a:p>
@@ -7486,6 +7492,2673 @@
 </p:sld>
 </file>
 
+<file path=ppt/slides/slide2.xml><?xml version="1.0" encoding="utf-8"?>
+<p:sld xmlns:a="http://schemas.openxmlformats.org/drawingml/2006/main" xmlns:r="http://schemas.openxmlformats.org/officeDocument/2006/relationships" xmlns:p="http://schemas.openxmlformats.org/presentationml/2006/main">
+  <p:cSld>
+    <p:spTree>
+      <p:nvGrpSpPr>
+        <p:cNvPr id="1" name=""/>
+        <p:cNvGrpSpPr/>
+        <p:nvPr/>
+      </p:nvGrpSpPr>
+      <p:grpSpPr>
+        <a:xfrm>
+          <a:off x="0" y="0"/>
+          <a:ext cx="0" cy="0"/>
+          <a:chOff x="0" y="0"/>
+          <a:chExt cx="0" cy="0"/>
+        </a:xfrm>
+      </p:grpSpPr>
+      <p:grpSp>
+        <p:nvGrpSpPr>
+          <p:cNvPr id="6" name="组合 5">
+            <a:extLst>
+              <a:ext uri="{FF2B5EF4-FFF2-40B4-BE49-F238E27FC236}">
+                <a16:creationId xmlns:a16="http://schemas.microsoft.com/office/drawing/2014/main" id="{21731A87-D0C0-4757-B074-01F295A10484}"/>
+              </a:ext>
+            </a:extLst>
+          </p:cNvPr>
+          <p:cNvGrpSpPr/>
+          <p:nvPr/>
+        </p:nvGrpSpPr>
+        <p:grpSpPr>
+          <a:xfrm>
+            <a:off x="164616" y="178180"/>
+            <a:ext cx="2804616" cy="368580"/>
+            <a:chOff x="164616" y="178180"/>
+            <a:chExt cx="2804616" cy="368580"/>
+          </a:xfrm>
+        </p:grpSpPr>
+        <p:cxnSp>
+          <p:nvCxnSpPr>
+            <p:cNvPr id="7" name="直接连接符 6">
+              <a:extLst>
+                <a:ext uri="{FF2B5EF4-FFF2-40B4-BE49-F238E27FC236}">
+                  <a16:creationId xmlns:a16="http://schemas.microsoft.com/office/drawing/2014/main" id="{48FF492C-59C1-4AF3-923E-E438B9FA4415}"/>
+                </a:ext>
+              </a:extLst>
+            </p:cNvPr>
+            <p:cNvCxnSpPr>
+              <a:cxnSpLocks/>
+            </p:cNvCxnSpPr>
+            <p:nvPr/>
+          </p:nvCxnSpPr>
+          <p:spPr>
+            <a:xfrm flipV="1">
+              <a:off x="164616" y="535956"/>
+              <a:ext cx="2804616" cy="10804"/>
+            </a:xfrm>
+            <a:prstGeom prst="line">
+              <a:avLst/>
+            </a:prstGeom>
+            <a:ln>
+              <a:solidFill>
+                <a:srgbClr val="314865"/>
+              </a:solidFill>
+            </a:ln>
+          </p:spPr>
+          <p:style>
+            <a:lnRef idx="1">
+              <a:schemeClr val="accent1"/>
+            </a:lnRef>
+            <a:fillRef idx="0">
+              <a:schemeClr val="accent1"/>
+            </a:fillRef>
+            <a:effectRef idx="0">
+              <a:schemeClr val="accent1"/>
+            </a:effectRef>
+            <a:fontRef idx="minor">
+              <a:schemeClr val="tx1"/>
+            </a:fontRef>
+          </p:style>
+        </p:cxnSp>
+        <p:sp>
+          <p:nvSpPr>
+            <p:cNvPr id="8" name="文本框 7">
+              <a:extLst>
+                <a:ext uri="{FF2B5EF4-FFF2-40B4-BE49-F238E27FC236}">
+                  <a16:creationId xmlns:a16="http://schemas.microsoft.com/office/drawing/2014/main" id="{25E90EB0-AA04-4953-AC10-265068A0B90A}"/>
+                </a:ext>
+              </a:extLst>
+            </p:cNvPr>
+            <p:cNvSpPr txBox="1"/>
+            <p:nvPr/>
+          </p:nvSpPr>
+          <p:spPr>
+            <a:xfrm>
+              <a:off x="534486" y="178180"/>
+              <a:ext cx="2434746" cy="338554"/>
+            </a:xfrm>
+            <a:prstGeom prst="rect">
+              <a:avLst/>
+            </a:prstGeom>
+            <a:noFill/>
+          </p:spPr>
+          <p:txBody>
+            <a:bodyPr wrap="square" rtlCol="0">
+              <a:spAutoFit/>
+            </a:bodyPr>
+            <a:lstStyle/>
+            <a:p>
+              <a:pPr>
+                <a:spcBef>
+                  <a:spcPct val="20000"/>
+                </a:spcBef>
+                <a:buClr>
+                  <a:schemeClr val="hlink"/>
+                </a:buClr>
+                <a:buSzPct val="65000"/>
+              </a:pPr>
+              <a:r>
+                <a:rPr lang="en-US" altLang="zh-CN" sz="1600" b="1" dirty="0">
+                  <a:solidFill>
+                    <a:srgbClr val="314865"/>
+                  </a:solidFill>
+                  <a:effectLst>
+                    <a:innerShdw blurRad="63500" dist="50800" dir="13500000">
+                      <a:prstClr val="black">
+                        <a:alpha val="50000"/>
+                      </a:prstClr>
+                    </a:innerShdw>
+                  </a:effectLst>
+                  <a:latin typeface="Arial"/>
+                  <a:ea typeface="微软雅黑"/>
+                  <a:sym typeface="Arial"/>
+                </a:rPr>
+                <a:t>Digest</a:t>
+              </a:r>
+              <a:r>
+                <a:rPr lang="zh-CN" altLang="en-US" sz="1600" b="1" dirty="0">
+                  <a:solidFill>
+                    <a:srgbClr val="314865"/>
+                  </a:solidFill>
+                  <a:effectLst>
+                    <a:innerShdw blurRad="63500" dist="50800" dir="13500000">
+                      <a:prstClr val="black">
+                        <a:alpha val="50000"/>
+                      </a:prstClr>
+                    </a:innerShdw>
+                  </a:effectLst>
+                  <a:latin typeface="Arial"/>
+                  <a:ea typeface="微软雅黑"/>
+                  <a:sym typeface="Arial"/>
+                </a:rPr>
+                <a:t>认证流程</a:t>
+              </a:r>
+            </a:p>
+          </p:txBody>
+        </p:sp>
+        <p:sp>
+          <p:nvSpPr>
+            <p:cNvPr id="9" name="矩形 8">
+              <a:extLst>
+                <a:ext uri="{FF2B5EF4-FFF2-40B4-BE49-F238E27FC236}">
+                  <a16:creationId xmlns:a16="http://schemas.microsoft.com/office/drawing/2014/main" id="{456055DA-91F2-49B3-864A-ACCC01963373}"/>
+                </a:ext>
+              </a:extLst>
+            </p:cNvPr>
+            <p:cNvSpPr/>
+            <p:nvPr/>
+          </p:nvSpPr>
+          <p:spPr>
+            <a:xfrm>
+              <a:off x="164616" y="178180"/>
+              <a:ext cx="47829" cy="284416"/>
+            </a:xfrm>
+            <a:prstGeom prst="rect">
+              <a:avLst/>
+            </a:prstGeom>
+            <a:solidFill>
+              <a:srgbClr val="314865"/>
+            </a:solidFill>
+            <a:ln>
+              <a:solidFill>
+                <a:srgbClr val="314865"/>
+              </a:solidFill>
+            </a:ln>
+          </p:spPr>
+          <p:style>
+            <a:lnRef idx="2">
+              <a:schemeClr val="accent1">
+                <a:shade val="50000"/>
+              </a:schemeClr>
+            </a:lnRef>
+            <a:fillRef idx="1">
+              <a:schemeClr val="accent1"/>
+            </a:fillRef>
+            <a:effectRef idx="0">
+              <a:schemeClr val="accent1"/>
+            </a:effectRef>
+            <a:fontRef idx="minor">
+              <a:schemeClr val="lt1"/>
+            </a:fontRef>
+          </p:style>
+          <p:txBody>
+            <a:bodyPr rtlCol="0" anchor="ctr"/>
+            <a:lstStyle/>
+            <a:p>
+              <a:pPr algn="ctr"/>
+              <a:endParaRPr lang="zh-CN" altLang="en-US">
+                <a:latin typeface="Arial"/>
+                <a:ea typeface="微软雅黑"/>
+                <a:sym typeface="Arial"/>
+              </a:endParaRPr>
+            </a:p>
+          </p:txBody>
+        </p:sp>
+        <p:sp>
+          <p:nvSpPr>
+            <p:cNvPr id="10" name="矩形 9">
+              <a:extLst>
+                <a:ext uri="{FF2B5EF4-FFF2-40B4-BE49-F238E27FC236}">
+                  <a16:creationId xmlns:a16="http://schemas.microsoft.com/office/drawing/2014/main" id="{EB6CA4EC-9C90-4C31-8C68-06052C1A2AA3}"/>
+                </a:ext>
+              </a:extLst>
+            </p:cNvPr>
+            <p:cNvSpPr/>
+            <p:nvPr/>
+          </p:nvSpPr>
+          <p:spPr>
+            <a:xfrm>
+              <a:off x="275779" y="252586"/>
+              <a:ext cx="47828" cy="210010"/>
+            </a:xfrm>
+            <a:prstGeom prst="rect">
+              <a:avLst/>
+            </a:prstGeom>
+            <a:solidFill>
+              <a:srgbClr val="314865"/>
+            </a:solidFill>
+            <a:ln>
+              <a:solidFill>
+                <a:srgbClr val="314865"/>
+              </a:solidFill>
+            </a:ln>
+          </p:spPr>
+          <p:style>
+            <a:lnRef idx="2">
+              <a:schemeClr val="accent1">
+                <a:shade val="50000"/>
+              </a:schemeClr>
+            </a:lnRef>
+            <a:fillRef idx="1">
+              <a:schemeClr val="accent1"/>
+            </a:fillRef>
+            <a:effectRef idx="0">
+              <a:schemeClr val="accent1"/>
+            </a:effectRef>
+            <a:fontRef idx="minor">
+              <a:schemeClr val="lt1"/>
+            </a:fontRef>
+          </p:style>
+          <p:txBody>
+            <a:bodyPr rtlCol="0" anchor="ctr"/>
+            <a:lstStyle/>
+            <a:p>
+              <a:pPr algn="ctr"/>
+              <a:endParaRPr lang="zh-CN" altLang="en-US">
+                <a:latin typeface="Arial"/>
+                <a:ea typeface="微软雅黑"/>
+                <a:sym typeface="Arial"/>
+              </a:endParaRPr>
+            </a:p>
+          </p:txBody>
+        </p:sp>
+        <p:sp>
+          <p:nvSpPr>
+            <p:cNvPr id="11" name="矩形 10">
+              <a:extLst>
+                <a:ext uri="{FF2B5EF4-FFF2-40B4-BE49-F238E27FC236}">
+                  <a16:creationId xmlns:a16="http://schemas.microsoft.com/office/drawing/2014/main" id="{9AEF28BD-0D71-433D-B507-26228BA5CB32}"/>
+                </a:ext>
+              </a:extLst>
+            </p:cNvPr>
+            <p:cNvSpPr/>
+            <p:nvPr/>
+          </p:nvSpPr>
+          <p:spPr>
+            <a:xfrm flipH="1">
+              <a:off x="377808" y="320388"/>
+              <a:ext cx="47827" cy="142208"/>
+            </a:xfrm>
+            <a:prstGeom prst="rect">
+              <a:avLst/>
+            </a:prstGeom>
+            <a:solidFill>
+              <a:srgbClr val="314865"/>
+            </a:solidFill>
+            <a:ln>
+              <a:solidFill>
+                <a:srgbClr val="314865"/>
+              </a:solidFill>
+            </a:ln>
+          </p:spPr>
+          <p:style>
+            <a:lnRef idx="2">
+              <a:schemeClr val="accent1">
+                <a:shade val="50000"/>
+              </a:schemeClr>
+            </a:lnRef>
+            <a:fillRef idx="1">
+              <a:schemeClr val="accent1"/>
+            </a:fillRef>
+            <a:effectRef idx="0">
+              <a:schemeClr val="accent1"/>
+            </a:effectRef>
+            <a:fontRef idx="minor">
+              <a:schemeClr val="lt1"/>
+            </a:fontRef>
+          </p:style>
+          <p:txBody>
+            <a:bodyPr rtlCol="0" anchor="ctr"/>
+            <a:lstStyle/>
+            <a:p>
+              <a:pPr algn="ctr"/>
+              <a:endParaRPr lang="zh-CN" altLang="en-US">
+                <a:latin typeface="Arial"/>
+                <a:ea typeface="微软雅黑"/>
+                <a:sym typeface="Arial"/>
+              </a:endParaRPr>
+            </a:p>
+          </p:txBody>
+        </p:sp>
+      </p:grpSp>
+      <p:sp>
+        <p:nvSpPr>
+          <p:cNvPr id="12" name="Freeform 30">
+            <a:extLst>
+              <a:ext uri="{FF2B5EF4-FFF2-40B4-BE49-F238E27FC236}">
+                <a16:creationId xmlns:a16="http://schemas.microsoft.com/office/drawing/2014/main" id="{9F160D26-3601-40C2-BED5-8173894C63F4}"/>
+              </a:ext>
+            </a:extLst>
+          </p:cNvPr>
+          <p:cNvSpPr>
+            <a:spLocks noEditPoints="1"/>
+          </p:cNvSpPr>
+          <p:nvPr/>
+        </p:nvSpPr>
+        <p:spPr bwMode="auto">
+          <a:xfrm>
+            <a:off x="142821" y="3007200"/>
+            <a:ext cx="1475405" cy="1187859"/>
+          </a:xfrm>
+          <a:custGeom>
+            <a:avLst/>
+            <a:gdLst>
+              <a:gd name="T0" fmla="*/ 52273 w 111"/>
+              <a:gd name="T1" fmla="*/ 264427 h 95"/>
+              <a:gd name="T2" fmla="*/ 46123 w 111"/>
+              <a:gd name="T3" fmla="*/ 261353 h 95"/>
+              <a:gd name="T4" fmla="*/ 46123 w 111"/>
+              <a:gd name="T5" fmla="*/ 252128 h 95"/>
+              <a:gd name="T6" fmla="*/ 122995 w 111"/>
+              <a:gd name="T7" fmla="*/ 190634 h 95"/>
+              <a:gd name="T8" fmla="*/ 126070 w 111"/>
+              <a:gd name="T9" fmla="*/ 190634 h 95"/>
+              <a:gd name="T10" fmla="*/ 132220 w 111"/>
+              <a:gd name="T11" fmla="*/ 193708 h 95"/>
+              <a:gd name="T12" fmla="*/ 129145 w 111"/>
+              <a:gd name="T13" fmla="*/ 202933 h 95"/>
+              <a:gd name="T14" fmla="*/ 58423 w 111"/>
+              <a:gd name="T15" fmla="*/ 261353 h 95"/>
+              <a:gd name="T16" fmla="*/ 52273 w 111"/>
+              <a:gd name="T17" fmla="*/ 264427 h 95"/>
+              <a:gd name="T18" fmla="*/ 138370 w 111"/>
+              <a:gd name="T19" fmla="*/ 144513 h 95"/>
+              <a:gd name="T20" fmla="*/ 132220 w 111"/>
+              <a:gd name="T21" fmla="*/ 141438 h 95"/>
+              <a:gd name="T22" fmla="*/ 110696 w 111"/>
+              <a:gd name="T23" fmla="*/ 92242 h 95"/>
+              <a:gd name="T24" fmla="*/ 172193 w 111"/>
+              <a:gd name="T25" fmla="*/ 27673 h 95"/>
+              <a:gd name="T26" fmla="*/ 178343 w 111"/>
+              <a:gd name="T27" fmla="*/ 36897 h 95"/>
+              <a:gd name="T28" fmla="*/ 172193 w 111"/>
+              <a:gd name="T29" fmla="*/ 43046 h 95"/>
+              <a:gd name="T30" fmla="*/ 122995 w 111"/>
+              <a:gd name="T31" fmla="*/ 92242 h 95"/>
+              <a:gd name="T32" fmla="*/ 141445 w 111"/>
+              <a:gd name="T33" fmla="*/ 129139 h 95"/>
+              <a:gd name="T34" fmla="*/ 141445 w 111"/>
+              <a:gd name="T35" fmla="*/ 141438 h 95"/>
+              <a:gd name="T36" fmla="*/ 138370 w 111"/>
+              <a:gd name="T37" fmla="*/ 144513 h 95"/>
+              <a:gd name="T38" fmla="*/ 172193 w 111"/>
+              <a:gd name="T39" fmla="*/ 0 h 95"/>
+              <a:gd name="T40" fmla="*/ 83022 w 111"/>
+              <a:gd name="T41" fmla="*/ 92242 h 95"/>
+              <a:gd name="T42" fmla="*/ 116846 w 111"/>
+              <a:gd name="T43" fmla="*/ 162961 h 95"/>
+              <a:gd name="T44" fmla="*/ 0 w 111"/>
+              <a:gd name="T45" fmla="*/ 285951 h 95"/>
+              <a:gd name="T46" fmla="*/ 0 w 111"/>
+              <a:gd name="T47" fmla="*/ 289025 h 95"/>
+              <a:gd name="T48" fmla="*/ 6150 w 111"/>
+              <a:gd name="T49" fmla="*/ 292100 h 95"/>
+              <a:gd name="T50" fmla="*/ 338237 w 111"/>
+              <a:gd name="T51" fmla="*/ 292100 h 95"/>
+              <a:gd name="T52" fmla="*/ 341312 w 111"/>
+              <a:gd name="T53" fmla="*/ 289025 h 95"/>
+              <a:gd name="T54" fmla="*/ 341312 w 111"/>
+              <a:gd name="T55" fmla="*/ 285951 h 95"/>
+              <a:gd name="T56" fmla="*/ 227541 w 111"/>
+              <a:gd name="T57" fmla="*/ 162961 h 95"/>
+              <a:gd name="T58" fmla="*/ 258290 w 111"/>
+              <a:gd name="T59" fmla="*/ 92242 h 95"/>
+              <a:gd name="T60" fmla="*/ 172193 w 111"/>
+              <a:gd name="T61" fmla="*/ 0 h 95"/>
+              <a:gd name="T62" fmla="*/ 0 60000 65536"/>
+              <a:gd name="T63" fmla="*/ 0 60000 65536"/>
+              <a:gd name="T64" fmla="*/ 0 60000 65536"/>
+              <a:gd name="T65" fmla="*/ 0 60000 65536"/>
+              <a:gd name="T66" fmla="*/ 0 60000 65536"/>
+              <a:gd name="T67" fmla="*/ 0 60000 65536"/>
+              <a:gd name="T68" fmla="*/ 0 60000 65536"/>
+              <a:gd name="T69" fmla="*/ 0 60000 65536"/>
+              <a:gd name="T70" fmla="*/ 0 60000 65536"/>
+              <a:gd name="T71" fmla="*/ 0 60000 65536"/>
+              <a:gd name="T72" fmla="*/ 0 60000 65536"/>
+              <a:gd name="T73" fmla="*/ 0 60000 65536"/>
+              <a:gd name="T74" fmla="*/ 0 60000 65536"/>
+              <a:gd name="T75" fmla="*/ 0 60000 65536"/>
+              <a:gd name="T76" fmla="*/ 0 60000 65536"/>
+              <a:gd name="T77" fmla="*/ 0 60000 65536"/>
+              <a:gd name="T78" fmla="*/ 0 60000 65536"/>
+              <a:gd name="T79" fmla="*/ 0 60000 65536"/>
+              <a:gd name="T80" fmla="*/ 0 60000 65536"/>
+              <a:gd name="T81" fmla="*/ 0 60000 65536"/>
+              <a:gd name="T82" fmla="*/ 0 60000 65536"/>
+              <a:gd name="T83" fmla="*/ 0 60000 65536"/>
+              <a:gd name="T84" fmla="*/ 0 60000 65536"/>
+              <a:gd name="T85" fmla="*/ 0 60000 65536"/>
+              <a:gd name="T86" fmla="*/ 0 60000 65536"/>
+              <a:gd name="T87" fmla="*/ 0 60000 65536"/>
+              <a:gd name="T88" fmla="*/ 0 60000 65536"/>
+              <a:gd name="T89" fmla="*/ 0 60000 65536"/>
+              <a:gd name="T90" fmla="*/ 0 60000 65536"/>
+              <a:gd name="T91" fmla="*/ 0 60000 65536"/>
+              <a:gd name="T92" fmla="*/ 0 60000 65536"/>
+            </a:gdLst>
+            <a:ahLst/>
+            <a:cxnLst>
+              <a:cxn ang="T62">
+                <a:pos x="T0" y="T1"/>
+              </a:cxn>
+              <a:cxn ang="T63">
+                <a:pos x="T2" y="T3"/>
+              </a:cxn>
+              <a:cxn ang="T64">
+                <a:pos x="T4" y="T5"/>
+              </a:cxn>
+              <a:cxn ang="T65">
+                <a:pos x="T6" y="T7"/>
+              </a:cxn>
+              <a:cxn ang="T66">
+                <a:pos x="T8" y="T9"/>
+              </a:cxn>
+              <a:cxn ang="T67">
+                <a:pos x="T10" y="T11"/>
+              </a:cxn>
+              <a:cxn ang="T68">
+                <a:pos x="T12" y="T13"/>
+              </a:cxn>
+              <a:cxn ang="T69">
+                <a:pos x="T14" y="T15"/>
+              </a:cxn>
+              <a:cxn ang="T70">
+                <a:pos x="T16" y="T17"/>
+              </a:cxn>
+              <a:cxn ang="T71">
+                <a:pos x="T18" y="T19"/>
+              </a:cxn>
+              <a:cxn ang="T72">
+                <a:pos x="T20" y="T21"/>
+              </a:cxn>
+              <a:cxn ang="T73">
+                <a:pos x="T22" y="T23"/>
+              </a:cxn>
+              <a:cxn ang="T74">
+                <a:pos x="T24" y="T25"/>
+              </a:cxn>
+              <a:cxn ang="T75">
+                <a:pos x="T26" y="T27"/>
+              </a:cxn>
+              <a:cxn ang="T76">
+                <a:pos x="T28" y="T29"/>
+              </a:cxn>
+              <a:cxn ang="T77">
+                <a:pos x="T30" y="T31"/>
+              </a:cxn>
+              <a:cxn ang="T78">
+                <a:pos x="T32" y="T33"/>
+              </a:cxn>
+              <a:cxn ang="T79">
+                <a:pos x="T34" y="T35"/>
+              </a:cxn>
+              <a:cxn ang="T80">
+                <a:pos x="T36" y="T37"/>
+              </a:cxn>
+              <a:cxn ang="T81">
+                <a:pos x="T38" y="T39"/>
+              </a:cxn>
+              <a:cxn ang="T82">
+                <a:pos x="T40" y="T41"/>
+              </a:cxn>
+              <a:cxn ang="T83">
+                <a:pos x="T42" y="T43"/>
+              </a:cxn>
+              <a:cxn ang="T84">
+                <a:pos x="T44" y="T45"/>
+              </a:cxn>
+              <a:cxn ang="T85">
+                <a:pos x="T46" y="T47"/>
+              </a:cxn>
+              <a:cxn ang="T86">
+                <a:pos x="T48" y="T49"/>
+              </a:cxn>
+              <a:cxn ang="T87">
+                <a:pos x="T50" y="T51"/>
+              </a:cxn>
+              <a:cxn ang="T88">
+                <a:pos x="T52" y="T53"/>
+              </a:cxn>
+              <a:cxn ang="T89">
+                <a:pos x="T54" y="T55"/>
+              </a:cxn>
+              <a:cxn ang="T90">
+                <a:pos x="T56" y="T57"/>
+              </a:cxn>
+              <a:cxn ang="T91">
+                <a:pos x="T58" y="T59"/>
+              </a:cxn>
+              <a:cxn ang="T92">
+                <a:pos x="T60" y="T61"/>
+              </a:cxn>
+            </a:cxnLst>
+            <a:rect l="0" t="0" r="r" b="b"/>
+            <a:pathLst>
+              <a:path w="111" h="95">
+                <a:moveTo>
+                  <a:pt x="17" y="86"/>
+                </a:moveTo>
+                <a:cubicBezTo>
+                  <a:pt x="16" y="86"/>
+                  <a:pt x="16" y="86"/>
+                  <a:pt x="15" y="85"/>
+                </a:cubicBezTo>
+                <a:cubicBezTo>
+                  <a:pt x="14" y="85"/>
+                  <a:pt x="14" y="83"/>
+                  <a:pt x="15" y="82"/>
+                </a:cubicBezTo>
+                <a:cubicBezTo>
+                  <a:pt x="21" y="73"/>
+                  <a:pt x="30" y="65"/>
+                  <a:pt x="40" y="62"/>
+                </a:cubicBezTo>
+                <a:cubicBezTo>
+                  <a:pt x="41" y="62"/>
+                  <a:pt x="41" y="62"/>
+                  <a:pt x="41" y="62"/>
+                </a:cubicBezTo>
+                <a:cubicBezTo>
+                  <a:pt x="42" y="62"/>
+                  <a:pt x="43" y="62"/>
+                  <a:pt x="43" y="63"/>
+                </a:cubicBezTo>
+                <a:cubicBezTo>
+                  <a:pt x="44" y="65"/>
+                  <a:pt x="43" y="66"/>
+                  <a:pt x="42" y="66"/>
+                </a:cubicBezTo>
+                <a:cubicBezTo>
+                  <a:pt x="32" y="70"/>
+                  <a:pt x="24" y="76"/>
+                  <a:pt x="19" y="85"/>
+                </a:cubicBezTo>
+                <a:cubicBezTo>
+                  <a:pt x="18" y="86"/>
+                  <a:pt x="17" y="86"/>
+                  <a:pt x="17" y="86"/>
+                </a:cubicBezTo>
+                <a:moveTo>
+                  <a:pt x="45" y="47"/>
+                </a:moveTo>
+                <a:cubicBezTo>
+                  <a:pt x="44" y="47"/>
+                  <a:pt x="44" y="47"/>
+                  <a:pt x="43" y="46"/>
+                </a:cubicBezTo>
+                <a:cubicBezTo>
+                  <a:pt x="38" y="42"/>
+                  <a:pt x="36" y="36"/>
+                  <a:pt x="36" y="30"/>
+                </a:cubicBezTo>
+                <a:cubicBezTo>
+                  <a:pt x="36" y="18"/>
+                  <a:pt x="45" y="9"/>
+                  <a:pt x="56" y="9"/>
+                </a:cubicBezTo>
+                <a:cubicBezTo>
+                  <a:pt x="57" y="9"/>
+                  <a:pt x="58" y="10"/>
+                  <a:pt x="58" y="12"/>
+                </a:cubicBezTo>
+                <a:cubicBezTo>
+                  <a:pt x="58" y="13"/>
+                  <a:pt x="57" y="14"/>
+                  <a:pt x="56" y="14"/>
+                </a:cubicBezTo>
+                <a:cubicBezTo>
+                  <a:pt x="47" y="14"/>
+                  <a:pt x="40" y="21"/>
+                  <a:pt x="40" y="30"/>
+                </a:cubicBezTo>
+                <a:cubicBezTo>
+                  <a:pt x="40" y="35"/>
+                  <a:pt x="42" y="39"/>
+                  <a:pt x="46" y="42"/>
+                </a:cubicBezTo>
+                <a:cubicBezTo>
+                  <a:pt x="47" y="43"/>
+                  <a:pt x="47" y="45"/>
+                  <a:pt x="46" y="46"/>
+                </a:cubicBezTo>
+                <a:cubicBezTo>
+                  <a:pt x="46" y="46"/>
+                  <a:pt x="45" y="47"/>
+                  <a:pt x="45" y="47"/>
+                </a:cubicBezTo>
+                <a:moveTo>
+                  <a:pt x="56" y="0"/>
+                </a:moveTo>
+                <a:cubicBezTo>
+                  <a:pt x="40" y="0"/>
+                  <a:pt x="27" y="14"/>
+                  <a:pt x="27" y="30"/>
+                </a:cubicBezTo>
+                <a:cubicBezTo>
+                  <a:pt x="27" y="39"/>
+                  <a:pt x="31" y="48"/>
+                  <a:pt x="38" y="53"/>
+                </a:cubicBezTo>
+                <a:cubicBezTo>
+                  <a:pt x="20" y="59"/>
+                  <a:pt x="6" y="74"/>
+                  <a:pt x="0" y="93"/>
+                </a:cubicBezTo>
+                <a:cubicBezTo>
+                  <a:pt x="0" y="94"/>
+                  <a:pt x="0" y="94"/>
+                  <a:pt x="0" y="94"/>
+                </a:cubicBezTo>
+                <a:cubicBezTo>
+                  <a:pt x="1" y="95"/>
+                  <a:pt x="1" y="95"/>
+                  <a:pt x="2" y="95"/>
+                </a:cubicBezTo>
+                <a:cubicBezTo>
+                  <a:pt x="110" y="95"/>
+                  <a:pt x="110" y="95"/>
+                  <a:pt x="110" y="95"/>
+                </a:cubicBezTo>
+                <a:cubicBezTo>
+                  <a:pt x="110" y="95"/>
+                  <a:pt x="111" y="95"/>
+                  <a:pt x="111" y="94"/>
+                </a:cubicBezTo>
+                <a:cubicBezTo>
+                  <a:pt x="111" y="94"/>
+                  <a:pt x="111" y="94"/>
+                  <a:pt x="111" y="93"/>
+                </a:cubicBezTo>
+                <a:cubicBezTo>
+                  <a:pt x="106" y="74"/>
+                  <a:pt x="91" y="59"/>
+                  <a:pt x="74" y="53"/>
+                </a:cubicBezTo>
+                <a:cubicBezTo>
+                  <a:pt x="80" y="48"/>
+                  <a:pt x="84" y="39"/>
+                  <a:pt x="84" y="30"/>
+                </a:cubicBezTo>
+                <a:cubicBezTo>
+                  <a:pt x="84" y="14"/>
+                  <a:pt x="71" y="0"/>
+                  <a:pt x="56" y="0"/>
+                </a:cubicBezTo>
+              </a:path>
+            </a:pathLst>
+          </a:custGeom>
+          <a:solidFill>
+            <a:srgbClr val="65AECF"/>
+          </a:solidFill>
+          <a:ln>
+            <a:noFill/>
+          </a:ln>
+        </p:spPr>
+        <p:txBody>
+          <a:bodyPr/>
+          <a:lstStyle/>
+          <a:p>
+            <a:pPr marL="0" marR="0" lvl="0" indent="0" defTabSz="914400" eaLnBrk="0" fontAlgn="auto" latinLnBrk="0" hangingPunct="0">
+              <a:lnSpc>
+                <a:spcPct val="100000"/>
+              </a:lnSpc>
+              <a:spcBef>
+                <a:spcPts val="0"/>
+              </a:spcBef>
+              <a:spcAft>
+                <a:spcPts val="0"/>
+              </a:spcAft>
+              <a:buClrTx/>
+              <a:buSzTx/>
+              <a:buFont typeface="Arial" panose="020B0604020202020204" pitchFamily="34" charset="0"/>
+              <a:buNone/>
+              <a:tabLst/>
+              <a:defRPr/>
+            </a:pPr>
+            <a:endParaRPr kumimoji="0" lang="zh-CN" altLang="en-US" sz="1800" b="0" i="0" u="none" strike="noStrike" kern="0" cap="none" spc="0" normalizeH="0" baseline="0" noProof="0">
+              <a:ln>
+                <a:noFill/>
+              </a:ln>
+              <a:solidFill>
+                <a:srgbClr val="000000"/>
+              </a:solidFill>
+              <a:effectLst/>
+              <a:uLnTx/>
+              <a:uFillTx/>
+              <a:latin typeface="Calibri" panose="020F0502020204030204" pitchFamily="34" charset="0"/>
+            </a:endParaRPr>
+          </a:p>
+        </p:txBody>
+      </p:sp>
+      <p:sp>
+        <p:nvSpPr>
+          <p:cNvPr id="13" name="矩形 12">
+            <a:extLst>
+              <a:ext uri="{FF2B5EF4-FFF2-40B4-BE49-F238E27FC236}">
+                <a16:creationId xmlns:a16="http://schemas.microsoft.com/office/drawing/2014/main" id="{796AF0AE-BD43-4782-AEEA-9C1B8F5A9487}"/>
+              </a:ext>
+            </a:extLst>
+          </p:cNvPr>
+          <p:cNvSpPr/>
+          <p:nvPr/>
+        </p:nvSpPr>
+        <p:spPr>
+          <a:xfrm>
+            <a:off x="3549045" y="1068319"/>
+            <a:ext cx="1187089" cy="3665989"/>
+          </a:xfrm>
+          <a:prstGeom prst="rect">
+            <a:avLst/>
+          </a:prstGeom>
+          <a:solidFill>
+            <a:srgbClr val="00B0F0"/>
+          </a:solidFill>
+          <a:ln>
+            <a:solidFill>
+              <a:srgbClr val="00B0F0"/>
+            </a:solidFill>
+          </a:ln>
+        </p:spPr>
+        <p:style>
+          <a:lnRef idx="2">
+            <a:schemeClr val="accent3">
+              <a:shade val="50000"/>
+            </a:schemeClr>
+          </a:lnRef>
+          <a:fillRef idx="1">
+            <a:schemeClr val="accent3"/>
+          </a:fillRef>
+          <a:effectRef idx="0">
+            <a:schemeClr val="accent3"/>
+          </a:effectRef>
+          <a:fontRef idx="minor">
+            <a:schemeClr val="lt1"/>
+          </a:fontRef>
+        </p:style>
+        <p:txBody>
+          <a:bodyPr vert="horz" rtlCol="0" anchor="ctr"/>
+          <a:lstStyle/>
+          <a:p>
+            <a:pPr algn="ctr"/>
+            <a:endParaRPr lang="zh-CN" altLang="en-US" dirty="0"/>
+          </a:p>
+        </p:txBody>
+      </p:sp>
+      <p:sp>
+        <p:nvSpPr>
+          <p:cNvPr id="15" name="矩形 14">
+            <a:extLst>
+              <a:ext uri="{FF2B5EF4-FFF2-40B4-BE49-F238E27FC236}">
+                <a16:creationId xmlns:a16="http://schemas.microsoft.com/office/drawing/2014/main" id="{11631EC2-1242-4519-80AC-E6610087B7C7}"/>
+              </a:ext>
+            </a:extLst>
+          </p:cNvPr>
+          <p:cNvSpPr/>
+          <p:nvPr/>
+        </p:nvSpPr>
+        <p:spPr>
+          <a:xfrm>
+            <a:off x="9756897" y="1068319"/>
+            <a:ext cx="1187089" cy="3665989"/>
+          </a:xfrm>
+          <a:prstGeom prst="rect">
+            <a:avLst/>
+          </a:prstGeom>
+          <a:solidFill>
+            <a:srgbClr val="00B0F0"/>
+          </a:solidFill>
+          <a:ln>
+            <a:solidFill>
+              <a:srgbClr val="00B0F0"/>
+            </a:solidFill>
+          </a:ln>
+        </p:spPr>
+        <p:style>
+          <a:lnRef idx="2">
+            <a:schemeClr val="accent3">
+              <a:shade val="50000"/>
+            </a:schemeClr>
+          </a:lnRef>
+          <a:fillRef idx="1">
+            <a:schemeClr val="accent3"/>
+          </a:fillRef>
+          <a:effectRef idx="0">
+            <a:schemeClr val="accent3"/>
+          </a:effectRef>
+          <a:fontRef idx="minor">
+            <a:schemeClr val="lt1"/>
+          </a:fontRef>
+        </p:style>
+        <p:txBody>
+          <a:bodyPr vert="horz" rtlCol="0" anchor="ctr"/>
+          <a:lstStyle/>
+          <a:p>
+            <a:pPr algn="ctr"/>
+            <a:endParaRPr lang="zh-CN" altLang="en-US" dirty="0"/>
+          </a:p>
+        </p:txBody>
+      </p:sp>
+      <p:cxnSp>
+        <p:nvCxnSpPr>
+          <p:cNvPr id="16" name="直接箭头连接符 15">
+            <a:extLst>
+              <a:ext uri="{FF2B5EF4-FFF2-40B4-BE49-F238E27FC236}">
+                <a16:creationId xmlns:a16="http://schemas.microsoft.com/office/drawing/2014/main" id="{84455E3E-392C-4AC9-8F6D-45CC062706BE}"/>
+              </a:ext>
+            </a:extLst>
+          </p:cNvPr>
+          <p:cNvCxnSpPr>
+            <a:cxnSpLocks/>
+          </p:cNvCxnSpPr>
+          <p:nvPr/>
+        </p:nvCxnSpPr>
+        <p:spPr>
+          <a:xfrm flipV="1">
+            <a:off x="1168454" y="1445824"/>
+            <a:ext cx="2380591" cy="1614380"/>
+          </a:xfrm>
+          <a:prstGeom prst="straightConnector1">
+            <a:avLst/>
+          </a:prstGeom>
+          <a:ln>
+            <a:solidFill>
+              <a:schemeClr val="tx2"/>
+            </a:solidFill>
+            <a:tailEnd type="triangle"/>
+          </a:ln>
+        </p:spPr>
+        <p:style>
+          <a:lnRef idx="1">
+            <a:schemeClr val="accent1"/>
+          </a:lnRef>
+          <a:fillRef idx="0">
+            <a:schemeClr val="accent1"/>
+          </a:fillRef>
+          <a:effectRef idx="0">
+            <a:schemeClr val="accent1"/>
+          </a:effectRef>
+          <a:fontRef idx="minor">
+            <a:schemeClr val="tx1"/>
+          </a:fontRef>
+        </p:style>
+      </p:cxnSp>
+      <p:sp>
+        <p:nvSpPr>
+          <p:cNvPr id="20" name="矩形 19">
+            <a:extLst>
+              <a:ext uri="{FF2B5EF4-FFF2-40B4-BE49-F238E27FC236}">
+                <a16:creationId xmlns:a16="http://schemas.microsoft.com/office/drawing/2014/main" id="{4A6276DF-230A-49D6-8128-43FE48D2EAC5}"/>
+              </a:ext>
+            </a:extLst>
+          </p:cNvPr>
+          <p:cNvSpPr/>
+          <p:nvPr/>
+        </p:nvSpPr>
+        <p:spPr>
+          <a:xfrm>
+            <a:off x="3704007" y="698987"/>
+            <a:ext cx="877163" cy="369332"/>
+          </a:xfrm>
+          <a:prstGeom prst="rect">
+            <a:avLst/>
+          </a:prstGeom>
+        </p:spPr>
+        <p:txBody>
+          <a:bodyPr wrap="none">
+            <a:spAutoFit/>
+          </a:bodyPr>
+          <a:lstStyle/>
+          <a:p>
+            <a:r>
+              <a:rPr lang="zh-CN" altLang="en-US" dirty="0">
+                <a:solidFill>
+                  <a:schemeClr val="bg2">
+                    <a:lumMod val="50000"/>
+                  </a:schemeClr>
+                </a:solidFill>
+                <a:latin typeface="Arial"/>
+                <a:ea typeface="微软雅黑"/>
+                <a:sym typeface="Arial"/>
+              </a:rPr>
+              <a:t>浏览器</a:t>
+            </a:r>
+            <a:endParaRPr lang="zh-CN" altLang="en-US" dirty="0"/>
+          </a:p>
+        </p:txBody>
+      </p:sp>
+      <p:sp>
+        <p:nvSpPr>
+          <p:cNvPr id="21" name="矩形 20">
+            <a:extLst>
+              <a:ext uri="{FF2B5EF4-FFF2-40B4-BE49-F238E27FC236}">
+                <a16:creationId xmlns:a16="http://schemas.microsoft.com/office/drawing/2014/main" id="{F570655A-D5C1-4736-87F0-9B4B97763F9D}"/>
+              </a:ext>
+            </a:extLst>
+          </p:cNvPr>
+          <p:cNvSpPr/>
+          <p:nvPr/>
+        </p:nvSpPr>
+        <p:spPr>
+          <a:xfrm>
+            <a:off x="9911859" y="698987"/>
+            <a:ext cx="877163" cy="369332"/>
+          </a:xfrm>
+          <a:prstGeom prst="rect">
+            <a:avLst/>
+          </a:prstGeom>
+        </p:spPr>
+        <p:txBody>
+          <a:bodyPr wrap="none">
+            <a:spAutoFit/>
+          </a:bodyPr>
+          <a:lstStyle/>
+          <a:p>
+            <a:r>
+              <a:rPr lang="zh-CN" altLang="en-US" dirty="0">
+                <a:solidFill>
+                  <a:schemeClr val="bg2">
+                    <a:lumMod val="50000"/>
+                  </a:schemeClr>
+                </a:solidFill>
+                <a:latin typeface="Arial"/>
+                <a:ea typeface="微软雅黑"/>
+                <a:sym typeface="Arial"/>
+              </a:rPr>
+              <a:t>服务器</a:t>
+            </a:r>
+            <a:endParaRPr lang="zh-CN" altLang="en-US" dirty="0"/>
+          </a:p>
+        </p:txBody>
+      </p:sp>
+      <p:sp>
+        <p:nvSpPr>
+          <p:cNvPr id="22" name="矩形 21">
+            <a:extLst>
+              <a:ext uri="{FF2B5EF4-FFF2-40B4-BE49-F238E27FC236}">
+                <a16:creationId xmlns:a16="http://schemas.microsoft.com/office/drawing/2014/main" id="{BD507D5C-740F-4A9A-96C8-03DA5A5CB9E0}"/>
+              </a:ext>
+            </a:extLst>
+          </p:cNvPr>
+          <p:cNvSpPr/>
+          <p:nvPr/>
+        </p:nvSpPr>
+        <p:spPr>
+          <a:xfrm rot="19546551">
+            <a:off x="1904077" y="2014809"/>
+            <a:ext cx="931665" cy="246221"/>
+          </a:xfrm>
+          <a:prstGeom prst="rect">
+            <a:avLst/>
+          </a:prstGeom>
+        </p:spPr>
+        <p:txBody>
+          <a:bodyPr wrap="none">
+            <a:spAutoFit/>
+          </a:bodyPr>
+          <a:lstStyle/>
+          <a:p>
+            <a:r>
+              <a:rPr lang="en-US" altLang="zh-CN" sz="1000" dirty="0">
+                <a:solidFill>
+                  <a:srgbClr val="314865"/>
+                </a:solidFill>
+                <a:latin typeface="Arial"/>
+                <a:ea typeface="微软雅黑"/>
+                <a:sym typeface="Arial"/>
+              </a:rPr>
+              <a:t>0.</a:t>
+            </a:r>
+            <a:r>
+              <a:rPr lang="zh-CN" altLang="en-US" sz="1000" dirty="0">
+                <a:solidFill>
+                  <a:srgbClr val="314865"/>
+                </a:solidFill>
+                <a:latin typeface="Arial"/>
+                <a:ea typeface="微软雅黑"/>
+                <a:sym typeface="Arial"/>
+              </a:rPr>
+              <a:t>打开浏览器</a:t>
+            </a:r>
+            <a:endParaRPr lang="zh-CN" altLang="en-US" sz="1000" dirty="0"/>
+          </a:p>
+        </p:txBody>
+      </p:sp>
+      <p:cxnSp>
+        <p:nvCxnSpPr>
+          <p:cNvPr id="23" name="直接箭头连接符 22">
+            <a:extLst>
+              <a:ext uri="{FF2B5EF4-FFF2-40B4-BE49-F238E27FC236}">
+                <a16:creationId xmlns:a16="http://schemas.microsoft.com/office/drawing/2014/main" id="{CAFED7EA-02C4-49C1-85D9-50DD4E0854A0}"/>
+              </a:ext>
+            </a:extLst>
+          </p:cNvPr>
+          <p:cNvCxnSpPr>
+            <a:cxnSpLocks/>
+          </p:cNvCxnSpPr>
+          <p:nvPr/>
+        </p:nvCxnSpPr>
+        <p:spPr>
+          <a:xfrm>
+            <a:off x="4736132" y="1445824"/>
+            <a:ext cx="5016189" cy="0"/>
+          </a:xfrm>
+          <a:prstGeom prst="straightConnector1">
+            <a:avLst/>
+          </a:prstGeom>
+          <a:ln>
+            <a:solidFill>
+              <a:schemeClr val="tx2"/>
+            </a:solidFill>
+            <a:tailEnd type="triangle"/>
+          </a:ln>
+        </p:spPr>
+        <p:style>
+          <a:lnRef idx="1">
+            <a:schemeClr val="accent1"/>
+          </a:lnRef>
+          <a:fillRef idx="0">
+            <a:schemeClr val="accent1"/>
+          </a:fillRef>
+          <a:effectRef idx="0">
+            <a:schemeClr val="accent1"/>
+          </a:effectRef>
+          <a:fontRef idx="minor">
+            <a:schemeClr val="tx1"/>
+          </a:fontRef>
+        </p:style>
+      </p:cxnSp>
+      <p:sp>
+        <p:nvSpPr>
+          <p:cNvPr id="26" name="矩形 25">
+            <a:extLst>
+              <a:ext uri="{FF2B5EF4-FFF2-40B4-BE49-F238E27FC236}">
+                <a16:creationId xmlns:a16="http://schemas.microsoft.com/office/drawing/2014/main" id="{1C2720C6-F948-4E4E-B2CA-0F3543B83905}"/>
+              </a:ext>
+            </a:extLst>
+          </p:cNvPr>
+          <p:cNvSpPr/>
+          <p:nvPr/>
+        </p:nvSpPr>
+        <p:spPr>
+          <a:xfrm>
+            <a:off x="5637671" y="1227548"/>
+            <a:ext cx="2308645" cy="246221"/>
+          </a:xfrm>
+          <a:prstGeom prst="rect">
+            <a:avLst/>
+          </a:prstGeom>
+        </p:spPr>
+        <p:txBody>
+          <a:bodyPr wrap="none">
+            <a:spAutoFit/>
+          </a:bodyPr>
+          <a:lstStyle/>
+          <a:p>
+            <a:r>
+              <a:rPr lang="en-US" altLang="zh-CN" sz="1000" dirty="0">
+                <a:solidFill>
+                  <a:srgbClr val="314865"/>
+                </a:solidFill>
+                <a:latin typeface="Arial"/>
+                <a:ea typeface="微软雅黑"/>
+                <a:sym typeface="Arial"/>
+              </a:rPr>
+              <a:t>1.</a:t>
+            </a:r>
+            <a:r>
+              <a:rPr lang="zh-CN" altLang="en-US" sz="1000" dirty="0">
+                <a:solidFill>
+                  <a:srgbClr val="314865"/>
+                </a:solidFill>
+                <a:latin typeface="Arial"/>
+                <a:ea typeface="微软雅黑"/>
+                <a:sym typeface="Arial"/>
+              </a:rPr>
+              <a:t>访问</a:t>
+            </a:r>
+            <a:r>
+              <a:rPr lang="en-US" altLang="zh-CN" sz="1000" dirty="0">
+                <a:solidFill>
+                  <a:srgbClr val="314865"/>
+                </a:solidFill>
+                <a:latin typeface="Arial"/>
+                <a:ea typeface="微软雅黑"/>
+                <a:sym typeface="Arial"/>
+              </a:rPr>
+              <a:t>http://localhost:8080/demo.json</a:t>
+            </a:r>
+            <a:endParaRPr lang="zh-CN" altLang="en-US" sz="1000" dirty="0"/>
+          </a:p>
+        </p:txBody>
+      </p:sp>
+      <p:cxnSp>
+        <p:nvCxnSpPr>
+          <p:cNvPr id="27" name="直接箭头连接符 26">
+            <a:extLst>
+              <a:ext uri="{FF2B5EF4-FFF2-40B4-BE49-F238E27FC236}">
+                <a16:creationId xmlns:a16="http://schemas.microsoft.com/office/drawing/2014/main" id="{5B8B3713-AC2F-4441-B80E-91E260CC42A0}"/>
+              </a:ext>
+            </a:extLst>
+          </p:cNvPr>
+          <p:cNvCxnSpPr>
+            <a:cxnSpLocks/>
+          </p:cNvCxnSpPr>
+          <p:nvPr/>
+        </p:nvCxnSpPr>
+        <p:spPr>
+          <a:xfrm flipH="1">
+            <a:off x="4736134" y="1964501"/>
+            <a:ext cx="5007159" cy="31153"/>
+          </a:xfrm>
+          <a:prstGeom prst="straightConnector1">
+            <a:avLst/>
+          </a:prstGeom>
+          <a:ln>
+            <a:solidFill>
+              <a:schemeClr val="tx2"/>
+            </a:solidFill>
+            <a:tailEnd type="triangle"/>
+          </a:ln>
+        </p:spPr>
+        <p:style>
+          <a:lnRef idx="1">
+            <a:schemeClr val="accent1"/>
+          </a:lnRef>
+          <a:fillRef idx="0">
+            <a:schemeClr val="accent1"/>
+          </a:fillRef>
+          <a:effectRef idx="0">
+            <a:schemeClr val="accent1"/>
+          </a:effectRef>
+          <a:fontRef idx="minor">
+            <a:schemeClr val="tx1"/>
+          </a:fontRef>
+        </p:style>
+      </p:cxnSp>
+      <p:sp>
+        <p:nvSpPr>
+          <p:cNvPr id="39" name="矩形: 圆角 38">
+            <a:extLst>
+              <a:ext uri="{FF2B5EF4-FFF2-40B4-BE49-F238E27FC236}">
+                <a16:creationId xmlns:a16="http://schemas.microsoft.com/office/drawing/2014/main" id="{40A925D3-C509-414D-A258-8629B7A24C47}"/>
+              </a:ext>
+            </a:extLst>
+          </p:cNvPr>
+          <p:cNvSpPr/>
+          <p:nvPr/>
+        </p:nvSpPr>
+        <p:spPr>
+          <a:xfrm>
+            <a:off x="9863878" y="1437651"/>
+            <a:ext cx="973123" cy="554997"/>
+          </a:xfrm>
+          <a:prstGeom prst="roundRect">
+            <a:avLst/>
+          </a:prstGeom>
+        </p:spPr>
+        <p:style>
+          <a:lnRef idx="2">
+            <a:schemeClr val="accent6">
+              <a:shade val="50000"/>
+            </a:schemeClr>
+          </a:lnRef>
+          <a:fillRef idx="1">
+            <a:schemeClr val="accent6"/>
+          </a:fillRef>
+          <a:effectRef idx="0">
+            <a:schemeClr val="accent6"/>
+          </a:effectRef>
+          <a:fontRef idx="minor">
+            <a:schemeClr val="lt1"/>
+          </a:fontRef>
+        </p:style>
+        <p:txBody>
+          <a:bodyPr rtlCol="0" anchor="ctr"/>
+          <a:lstStyle/>
+          <a:p>
+            <a:pPr algn="ctr"/>
+            <a:r>
+              <a:rPr lang="en-US" altLang="zh-CN" sz="1000" dirty="0"/>
+              <a:t>2.</a:t>
+            </a:r>
+            <a:r>
+              <a:rPr lang="zh-CN" altLang="en-US" sz="1000" dirty="0"/>
+              <a:t>认证判断</a:t>
+            </a:r>
+          </a:p>
+        </p:txBody>
+      </p:sp>
+      <p:sp>
+        <p:nvSpPr>
+          <p:cNvPr id="40" name="矩形 39">
+            <a:extLst>
+              <a:ext uri="{FF2B5EF4-FFF2-40B4-BE49-F238E27FC236}">
+                <a16:creationId xmlns:a16="http://schemas.microsoft.com/office/drawing/2014/main" id="{6C091AF3-EB8F-439F-A993-D80D49051AC4}"/>
+              </a:ext>
+            </a:extLst>
+          </p:cNvPr>
+          <p:cNvSpPr/>
+          <p:nvPr/>
+        </p:nvSpPr>
+        <p:spPr>
+          <a:xfrm>
+            <a:off x="5614127" y="1496048"/>
+            <a:ext cx="2481770" cy="553998"/>
+          </a:xfrm>
+          <a:prstGeom prst="rect">
+            <a:avLst/>
+          </a:prstGeom>
+        </p:spPr>
+        <p:txBody>
+          <a:bodyPr wrap="none">
+            <a:spAutoFit/>
+          </a:bodyPr>
+          <a:lstStyle/>
+          <a:p>
+            <a:r>
+              <a:rPr lang="en-US" altLang="zh-CN" sz="1000" dirty="0">
+                <a:solidFill>
+                  <a:srgbClr val="314865"/>
+                </a:solidFill>
+                <a:latin typeface="Arial"/>
+                <a:ea typeface="微软雅黑"/>
+                <a:sym typeface="Arial"/>
+              </a:rPr>
+              <a:t>3.</a:t>
+            </a:r>
+            <a:r>
+              <a:rPr lang="zh-CN" altLang="en-US" sz="1000" dirty="0">
+                <a:solidFill>
+                  <a:srgbClr val="314865"/>
+                </a:solidFill>
+                <a:latin typeface="Arial"/>
+                <a:ea typeface="微软雅黑"/>
+                <a:sym typeface="Arial"/>
+              </a:rPr>
+              <a:t>未提供凭证返回状态</a:t>
+            </a:r>
+            <a:endParaRPr lang="en-US" altLang="zh-CN" sz="1000" dirty="0">
+              <a:solidFill>
+                <a:srgbClr val="314865"/>
+              </a:solidFill>
+              <a:latin typeface="Arial"/>
+              <a:ea typeface="微软雅黑"/>
+              <a:sym typeface="Arial"/>
+            </a:endParaRPr>
+          </a:p>
+          <a:p>
+            <a:r>
+              <a:rPr lang="en-US" altLang="zh-CN" sz="1000" dirty="0">
+                <a:solidFill>
+                  <a:srgbClr val="314865"/>
+                </a:solidFill>
+                <a:latin typeface="Arial"/>
+                <a:ea typeface="微软雅黑"/>
+                <a:sym typeface="Arial"/>
+              </a:rPr>
+              <a:t>Http Status :  401 Unauthorized  </a:t>
+            </a:r>
+          </a:p>
+          <a:p>
+            <a:r>
+              <a:rPr lang="en-US" altLang="zh-CN" sz="1000" dirty="0">
+                <a:solidFill>
+                  <a:srgbClr val="314865"/>
+                </a:solidFill>
+                <a:latin typeface="Arial"/>
+                <a:ea typeface="微软雅黑"/>
+                <a:sym typeface="Arial"/>
+              </a:rPr>
+              <a:t>Response Header:  </a:t>
+            </a:r>
+            <a:r>
+              <a:rPr lang="zh-CN" altLang="en-US" sz="1000" dirty="0">
+                <a:solidFill>
+                  <a:srgbClr val="314865"/>
+                </a:solidFill>
+                <a:latin typeface="Arial"/>
+                <a:ea typeface="微软雅黑"/>
+                <a:sym typeface="Arial"/>
+              </a:rPr>
+              <a:t>见</a:t>
+            </a:r>
+            <a:r>
+              <a:rPr lang="en-US" altLang="zh-CN" sz="1000" dirty="0" err="1">
+                <a:solidFill>
+                  <a:srgbClr val="FF0000"/>
+                </a:solidFill>
+                <a:latin typeface="Arial"/>
+                <a:ea typeface="微软雅黑"/>
+                <a:sym typeface="Arial"/>
+              </a:rPr>
+              <a:t>ResponseHeader</a:t>
+            </a:r>
+            <a:endParaRPr lang="zh-CN" altLang="en-US" sz="1000" dirty="0">
+              <a:solidFill>
+                <a:srgbClr val="FF0000"/>
+              </a:solidFill>
+            </a:endParaRPr>
+          </a:p>
+        </p:txBody>
+      </p:sp>
+      <p:cxnSp>
+        <p:nvCxnSpPr>
+          <p:cNvPr id="43" name="直接箭头连接符 42">
+            <a:extLst>
+              <a:ext uri="{FF2B5EF4-FFF2-40B4-BE49-F238E27FC236}">
+                <a16:creationId xmlns:a16="http://schemas.microsoft.com/office/drawing/2014/main" id="{B5C55398-13A1-4EA9-A721-E510F23C9BA1}"/>
+              </a:ext>
+            </a:extLst>
+          </p:cNvPr>
+          <p:cNvCxnSpPr>
+            <a:cxnSpLocks/>
+          </p:cNvCxnSpPr>
+          <p:nvPr/>
+        </p:nvCxnSpPr>
+        <p:spPr>
+          <a:xfrm flipH="1">
+            <a:off x="1275439" y="2107550"/>
+            <a:ext cx="2273608" cy="1252664"/>
+          </a:xfrm>
+          <a:prstGeom prst="straightConnector1">
+            <a:avLst/>
+          </a:prstGeom>
+          <a:ln>
+            <a:solidFill>
+              <a:schemeClr val="tx2"/>
+            </a:solidFill>
+            <a:tailEnd type="triangle"/>
+          </a:ln>
+        </p:spPr>
+        <p:style>
+          <a:lnRef idx="1">
+            <a:schemeClr val="accent1"/>
+          </a:lnRef>
+          <a:fillRef idx="0">
+            <a:schemeClr val="accent1"/>
+          </a:fillRef>
+          <a:effectRef idx="0">
+            <a:schemeClr val="accent1"/>
+          </a:effectRef>
+          <a:fontRef idx="minor">
+            <a:schemeClr val="tx1"/>
+          </a:fontRef>
+        </p:style>
+      </p:cxnSp>
+      <p:sp>
+        <p:nvSpPr>
+          <p:cNvPr id="48" name="矩形 47">
+            <a:extLst>
+              <a:ext uri="{FF2B5EF4-FFF2-40B4-BE49-F238E27FC236}">
+                <a16:creationId xmlns:a16="http://schemas.microsoft.com/office/drawing/2014/main" id="{AC3DDB74-87E4-40CE-B262-4513BAF33B27}"/>
+              </a:ext>
+            </a:extLst>
+          </p:cNvPr>
+          <p:cNvSpPr/>
+          <p:nvPr/>
+        </p:nvSpPr>
+        <p:spPr>
+          <a:xfrm rot="19546551">
+            <a:off x="2201775" y="2520298"/>
+            <a:ext cx="675185" cy="246221"/>
+          </a:xfrm>
+          <a:prstGeom prst="rect">
+            <a:avLst/>
+          </a:prstGeom>
+        </p:spPr>
+        <p:txBody>
+          <a:bodyPr wrap="none">
+            <a:spAutoFit/>
+          </a:bodyPr>
+          <a:lstStyle/>
+          <a:p>
+            <a:r>
+              <a:rPr lang="en-US" altLang="zh-CN" sz="1000" dirty="0">
+                <a:solidFill>
+                  <a:srgbClr val="314865"/>
+                </a:solidFill>
+                <a:latin typeface="Arial"/>
+                <a:ea typeface="微软雅黑"/>
+                <a:sym typeface="Arial"/>
+              </a:rPr>
+              <a:t>4.</a:t>
+            </a:r>
+            <a:r>
+              <a:rPr lang="zh-CN" altLang="en-US" sz="1000" dirty="0">
+                <a:solidFill>
+                  <a:srgbClr val="314865"/>
+                </a:solidFill>
+                <a:latin typeface="Arial"/>
+                <a:ea typeface="微软雅黑"/>
+                <a:sym typeface="Arial"/>
+              </a:rPr>
+              <a:t>登录框</a:t>
+            </a:r>
+            <a:endParaRPr lang="zh-CN" altLang="en-US" sz="1000" dirty="0"/>
+          </a:p>
+        </p:txBody>
+      </p:sp>
+      <p:cxnSp>
+        <p:nvCxnSpPr>
+          <p:cNvPr id="49" name="直接箭头连接符 48">
+            <a:extLst>
+              <a:ext uri="{FF2B5EF4-FFF2-40B4-BE49-F238E27FC236}">
+                <a16:creationId xmlns:a16="http://schemas.microsoft.com/office/drawing/2014/main" id="{538B6067-9D53-4BF4-9680-9F74616BBA12}"/>
+              </a:ext>
+            </a:extLst>
+          </p:cNvPr>
+          <p:cNvCxnSpPr>
+            <a:cxnSpLocks/>
+          </p:cNvCxnSpPr>
+          <p:nvPr/>
+        </p:nvCxnSpPr>
+        <p:spPr>
+          <a:xfrm flipV="1">
+            <a:off x="1285772" y="2721526"/>
+            <a:ext cx="2263272" cy="777477"/>
+          </a:xfrm>
+          <a:prstGeom prst="straightConnector1">
+            <a:avLst/>
+          </a:prstGeom>
+          <a:ln>
+            <a:solidFill>
+              <a:schemeClr val="tx2"/>
+            </a:solidFill>
+            <a:tailEnd type="triangle"/>
+          </a:ln>
+        </p:spPr>
+        <p:style>
+          <a:lnRef idx="1">
+            <a:schemeClr val="accent1"/>
+          </a:lnRef>
+          <a:fillRef idx="0">
+            <a:schemeClr val="accent1"/>
+          </a:fillRef>
+          <a:effectRef idx="0">
+            <a:schemeClr val="accent1"/>
+          </a:effectRef>
+          <a:fontRef idx="minor">
+            <a:schemeClr val="tx1"/>
+          </a:fontRef>
+        </p:style>
+      </p:cxnSp>
+      <p:sp>
+        <p:nvSpPr>
+          <p:cNvPr id="53" name="矩形 52">
+            <a:extLst>
+              <a:ext uri="{FF2B5EF4-FFF2-40B4-BE49-F238E27FC236}">
+                <a16:creationId xmlns:a16="http://schemas.microsoft.com/office/drawing/2014/main" id="{E7BC3B5A-96A5-4510-839C-F661BB76BF5B}"/>
+              </a:ext>
+            </a:extLst>
+          </p:cNvPr>
+          <p:cNvSpPr/>
+          <p:nvPr/>
+        </p:nvSpPr>
+        <p:spPr>
+          <a:xfrm rot="20441946">
+            <a:off x="1330115" y="2889264"/>
+            <a:ext cx="2299027" cy="246221"/>
+          </a:xfrm>
+          <a:prstGeom prst="rect">
+            <a:avLst/>
+          </a:prstGeom>
+        </p:spPr>
+        <p:txBody>
+          <a:bodyPr wrap="none">
+            <a:spAutoFit/>
+          </a:bodyPr>
+          <a:lstStyle/>
+          <a:p>
+            <a:r>
+              <a:rPr lang="en-US" altLang="zh-CN" sz="1000" dirty="0">
+                <a:solidFill>
+                  <a:srgbClr val="314865"/>
+                </a:solidFill>
+                <a:latin typeface="Arial"/>
+                <a:ea typeface="微软雅黑"/>
+                <a:sym typeface="Arial"/>
+              </a:rPr>
+              <a:t>5.</a:t>
+            </a:r>
+            <a:r>
+              <a:rPr lang="zh-CN" altLang="en-US" sz="1000" dirty="0">
+                <a:solidFill>
+                  <a:srgbClr val="314865"/>
+                </a:solidFill>
+                <a:latin typeface="Arial"/>
+                <a:ea typeface="微软雅黑"/>
+                <a:sym typeface="Arial"/>
+              </a:rPr>
+              <a:t>输入</a:t>
+            </a:r>
+            <a:r>
+              <a:rPr lang="en-US" altLang="zh-CN" sz="1000" dirty="0">
+                <a:solidFill>
+                  <a:srgbClr val="314865"/>
+                </a:solidFill>
+                <a:latin typeface="Arial"/>
+                <a:ea typeface="微软雅黑"/>
+                <a:sym typeface="Arial"/>
+              </a:rPr>
+              <a:t>user=admin password=123456</a:t>
+            </a:r>
+            <a:endParaRPr lang="zh-CN" altLang="en-US" sz="1000" dirty="0"/>
+          </a:p>
+        </p:txBody>
+      </p:sp>
+      <p:cxnSp>
+        <p:nvCxnSpPr>
+          <p:cNvPr id="58" name="直接箭头连接符 57">
+            <a:extLst>
+              <a:ext uri="{FF2B5EF4-FFF2-40B4-BE49-F238E27FC236}">
+                <a16:creationId xmlns:a16="http://schemas.microsoft.com/office/drawing/2014/main" id="{F6F4D88B-AA36-4B0B-982C-2864F024FB08}"/>
+              </a:ext>
+            </a:extLst>
+          </p:cNvPr>
+          <p:cNvCxnSpPr>
+            <a:cxnSpLocks/>
+          </p:cNvCxnSpPr>
+          <p:nvPr/>
+        </p:nvCxnSpPr>
+        <p:spPr>
+          <a:xfrm>
+            <a:off x="4708929" y="2557780"/>
+            <a:ext cx="5047965" cy="0"/>
+          </a:xfrm>
+          <a:prstGeom prst="straightConnector1">
+            <a:avLst/>
+          </a:prstGeom>
+          <a:ln>
+            <a:solidFill>
+              <a:schemeClr val="tx2"/>
+            </a:solidFill>
+            <a:tailEnd type="triangle"/>
+          </a:ln>
+        </p:spPr>
+        <p:style>
+          <a:lnRef idx="1">
+            <a:schemeClr val="accent1"/>
+          </a:lnRef>
+          <a:fillRef idx="0">
+            <a:schemeClr val="accent1"/>
+          </a:fillRef>
+          <a:effectRef idx="0">
+            <a:schemeClr val="accent1"/>
+          </a:effectRef>
+          <a:fontRef idx="minor">
+            <a:schemeClr val="tx1"/>
+          </a:fontRef>
+        </p:style>
+      </p:cxnSp>
+      <p:sp>
+        <p:nvSpPr>
+          <p:cNvPr id="61" name="矩形 60">
+            <a:extLst>
+              <a:ext uri="{FF2B5EF4-FFF2-40B4-BE49-F238E27FC236}">
+                <a16:creationId xmlns:a16="http://schemas.microsoft.com/office/drawing/2014/main" id="{4412B065-B052-4802-B7B8-3A7BC8556347}"/>
+              </a:ext>
+            </a:extLst>
+          </p:cNvPr>
+          <p:cNvSpPr/>
+          <p:nvPr/>
+        </p:nvSpPr>
+        <p:spPr>
+          <a:xfrm>
+            <a:off x="5571564" y="2216263"/>
+            <a:ext cx="2382383" cy="400110"/>
+          </a:xfrm>
+          <a:prstGeom prst="rect">
+            <a:avLst/>
+          </a:prstGeom>
+        </p:spPr>
+        <p:txBody>
+          <a:bodyPr wrap="none">
+            <a:spAutoFit/>
+          </a:bodyPr>
+          <a:lstStyle/>
+          <a:p>
+            <a:r>
+              <a:rPr lang="en-US" altLang="zh-CN" sz="1000" dirty="0">
+                <a:solidFill>
+                  <a:srgbClr val="314865"/>
+                </a:solidFill>
+                <a:latin typeface="Arial"/>
+                <a:ea typeface="微软雅黑"/>
+                <a:sym typeface="Arial"/>
+              </a:rPr>
+              <a:t>6.</a:t>
+            </a:r>
+            <a:r>
+              <a:rPr lang="zh-CN" altLang="en-US" sz="1000" dirty="0">
+                <a:solidFill>
+                  <a:srgbClr val="314865"/>
+                </a:solidFill>
+                <a:latin typeface="Arial"/>
+                <a:ea typeface="微软雅黑"/>
+                <a:sym typeface="Arial"/>
+              </a:rPr>
+              <a:t>浏览器对用户名密码做</a:t>
+            </a:r>
+            <a:r>
+              <a:rPr lang="en-US" altLang="zh-CN" sz="1000" dirty="0">
+                <a:solidFill>
+                  <a:srgbClr val="314865"/>
+                </a:solidFill>
+                <a:latin typeface="Arial"/>
+                <a:ea typeface="微软雅黑"/>
+                <a:sym typeface="Arial"/>
+              </a:rPr>
+              <a:t>base64</a:t>
+            </a:r>
+            <a:r>
+              <a:rPr lang="zh-CN" altLang="en-US" sz="1000" dirty="0">
+                <a:solidFill>
+                  <a:srgbClr val="314865"/>
+                </a:solidFill>
+                <a:latin typeface="Arial"/>
+                <a:ea typeface="微软雅黑"/>
+                <a:sym typeface="Arial"/>
+              </a:rPr>
+              <a:t>编码</a:t>
+            </a:r>
+            <a:endParaRPr lang="en-US" altLang="zh-CN" sz="1000" dirty="0">
+              <a:solidFill>
+                <a:srgbClr val="314865"/>
+              </a:solidFill>
+              <a:latin typeface="Arial"/>
+              <a:ea typeface="微软雅黑"/>
+              <a:sym typeface="Arial"/>
+            </a:endParaRPr>
+          </a:p>
+          <a:p>
+            <a:r>
+              <a:rPr lang="en-US" altLang="zh-CN" sz="1000" dirty="0">
+                <a:solidFill>
+                  <a:srgbClr val="314865"/>
+                </a:solidFill>
+                <a:latin typeface="Arial"/>
+                <a:ea typeface="微软雅黑"/>
+                <a:sym typeface="Arial"/>
+              </a:rPr>
+              <a:t>Response Header:  </a:t>
+            </a:r>
+            <a:r>
+              <a:rPr lang="zh-CN" altLang="en-US" sz="1000" dirty="0">
+                <a:solidFill>
+                  <a:srgbClr val="314865"/>
+                </a:solidFill>
+                <a:latin typeface="Arial"/>
+                <a:ea typeface="微软雅黑"/>
+                <a:sym typeface="Arial"/>
+              </a:rPr>
+              <a:t>见</a:t>
+            </a:r>
+            <a:r>
+              <a:rPr lang="en-US" altLang="zh-CN" sz="1000" dirty="0" err="1">
+                <a:solidFill>
+                  <a:srgbClr val="FF0000"/>
+                </a:solidFill>
+                <a:latin typeface="Arial"/>
+                <a:ea typeface="微软雅黑"/>
+                <a:sym typeface="Arial"/>
+              </a:rPr>
+              <a:t>RequestHeader</a:t>
+            </a:r>
+            <a:endParaRPr lang="zh-CN" altLang="en-US" sz="1000" dirty="0">
+              <a:solidFill>
+                <a:srgbClr val="FF0000"/>
+              </a:solidFill>
+            </a:endParaRPr>
+          </a:p>
+        </p:txBody>
+      </p:sp>
+      <p:cxnSp>
+        <p:nvCxnSpPr>
+          <p:cNvPr id="63" name="直接箭头连接符 62">
+            <a:extLst>
+              <a:ext uri="{FF2B5EF4-FFF2-40B4-BE49-F238E27FC236}">
+                <a16:creationId xmlns:a16="http://schemas.microsoft.com/office/drawing/2014/main" id="{62E7D8C6-E606-463A-AB84-2FEAEA348FA8}"/>
+              </a:ext>
+            </a:extLst>
+          </p:cNvPr>
+          <p:cNvCxnSpPr>
+            <a:cxnSpLocks/>
+          </p:cNvCxnSpPr>
+          <p:nvPr/>
+        </p:nvCxnSpPr>
+        <p:spPr>
+          <a:xfrm flipH="1">
+            <a:off x="4722529" y="3118404"/>
+            <a:ext cx="5020764" cy="3006"/>
+          </a:xfrm>
+          <a:prstGeom prst="straightConnector1">
+            <a:avLst/>
+          </a:prstGeom>
+          <a:ln>
+            <a:solidFill>
+              <a:schemeClr val="tx2"/>
+            </a:solidFill>
+            <a:tailEnd type="triangle"/>
+          </a:ln>
+        </p:spPr>
+        <p:style>
+          <a:lnRef idx="1">
+            <a:schemeClr val="accent1"/>
+          </a:lnRef>
+          <a:fillRef idx="0">
+            <a:schemeClr val="accent1"/>
+          </a:fillRef>
+          <a:effectRef idx="0">
+            <a:schemeClr val="accent1"/>
+          </a:effectRef>
+          <a:fontRef idx="minor">
+            <a:schemeClr val="tx1"/>
+          </a:fontRef>
+        </p:style>
+      </p:cxnSp>
+      <p:sp>
+        <p:nvSpPr>
+          <p:cNvPr id="64" name="矩形: 圆角 63">
+            <a:extLst>
+              <a:ext uri="{FF2B5EF4-FFF2-40B4-BE49-F238E27FC236}">
+                <a16:creationId xmlns:a16="http://schemas.microsoft.com/office/drawing/2014/main" id="{6AEE202D-EF0B-4F9A-98DE-32ACCB18D91E}"/>
+              </a:ext>
+            </a:extLst>
+          </p:cNvPr>
+          <p:cNvSpPr/>
+          <p:nvPr/>
+        </p:nvSpPr>
+        <p:spPr>
+          <a:xfrm>
+            <a:off x="9863877" y="2563407"/>
+            <a:ext cx="973123" cy="554997"/>
+          </a:xfrm>
+          <a:prstGeom prst="roundRect">
+            <a:avLst/>
+          </a:prstGeom>
+        </p:spPr>
+        <p:style>
+          <a:lnRef idx="2">
+            <a:schemeClr val="accent6">
+              <a:shade val="50000"/>
+            </a:schemeClr>
+          </a:lnRef>
+          <a:fillRef idx="1">
+            <a:schemeClr val="accent6"/>
+          </a:fillRef>
+          <a:effectRef idx="0">
+            <a:schemeClr val="accent6"/>
+          </a:effectRef>
+          <a:fontRef idx="minor">
+            <a:schemeClr val="lt1"/>
+          </a:fontRef>
+        </p:style>
+        <p:txBody>
+          <a:bodyPr rtlCol="0" anchor="ctr"/>
+          <a:lstStyle/>
+          <a:p>
+            <a:pPr algn="ctr"/>
+            <a:r>
+              <a:rPr lang="en-US" altLang="zh-CN" sz="1000" dirty="0"/>
+              <a:t>7.</a:t>
+            </a:r>
+            <a:r>
+              <a:rPr lang="zh-CN" altLang="en-US" sz="1000" dirty="0"/>
+              <a:t>认证判断</a:t>
+            </a:r>
+          </a:p>
+        </p:txBody>
+      </p:sp>
+      <p:sp>
+        <p:nvSpPr>
+          <p:cNvPr id="65" name="矩形 64">
+            <a:extLst>
+              <a:ext uri="{FF2B5EF4-FFF2-40B4-BE49-F238E27FC236}">
+                <a16:creationId xmlns:a16="http://schemas.microsoft.com/office/drawing/2014/main" id="{63D44AAC-44EC-456C-85B9-E564EA94FBA4}"/>
+              </a:ext>
+            </a:extLst>
+          </p:cNvPr>
+          <p:cNvSpPr/>
+          <p:nvPr/>
+        </p:nvSpPr>
+        <p:spPr>
+          <a:xfrm>
+            <a:off x="5578513" y="2631172"/>
+            <a:ext cx="1606530" cy="553998"/>
+          </a:xfrm>
+          <a:prstGeom prst="rect">
+            <a:avLst/>
+          </a:prstGeom>
+        </p:spPr>
+        <p:txBody>
+          <a:bodyPr wrap="none">
+            <a:spAutoFit/>
+          </a:bodyPr>
+          <a:lstStyle/>
+          <a:p>
+            <a:r>
+              <a:rPr lang="en-US" altLang="zh-CN" sz="1000" dirty="0">
+                <a:solidFill>
+                  <a:srgbClr val="314865"/>
+                </a:solidFill>
+                <a:latin typeface="Arial"/>
+                <a:ea typeface="微软雅黑"/>
+                <a:sym typeface="Arial"/>
+              </a:rPr>
+              <a:t>8.</a:t>
+            </a:r>
+            <a:r>
+              <a:rPr lang="zh-CN" altLang="en-US" sz="1000" dirty="0">
+                <a:solidFill>
+                  <a:srgbClr val="314865"/>
+                </a:solidFill>
+                <a:latin typeface="Arial"/>
+                <a:ea typeface="微软雅黑"/>
+                <a:sym typeface="Arial"/>
+              </a:rPr>
+              <a:t>凭证合法</a:t>
+            </a:r>
+            <a:endParaRPr lang="en-US" altLang="zh-CN" sz="1000" dirty="0">
+              <a:solidFill>
+                <a:srgbClr val="314865"/>
+              </a:solidFill>
+              <a:latin typeface="Arial"/>
+              <a:ea typeface="微软雅黑"/>
+              <a:sym typeface="Arial"/>
+            </a:endParaRPr>
+          </a:p>
+          <a:p>
+            <a:r>
+              <a:rPr lang="en-US" altLang="zh-CN" sz="1000" dirty="0">
+                <a:solidFill>
+                  <a:srgbClr val="314865"/>
+                </a:solidFill>
+                <a:latin typeface="Arial"/>
+                <a:ea typeface="微软雅黑"/>
+                <a:sym typeface="Arial"/>
+              </a:rPr>
+              <a:t>Http Status : 200 OK</a:t>
+            </a:r>
+          </a:p>
+          <a:p>
+            <a:r>
+              <a:rPr lang="en-US" altLang="zh-CN" sz="1000" dirty="0">
+                <a:solidFill>
+                  <a:srgbClr val="314865"/>
+                </a:solidFill>
+                <a:latin typeface="Arial"/>
+                <a:ea typeface="微软雅黑"/>
+                <a:sym typeface="Arial"/>
+              </a:rPr>
+              <a:t>Body : </a:t>
+            </a:r>
+            <a:r>
+              <a:rPr lang="zh-CN" altLang="en-US" sz="1000" dirty="0">
+                <a:solidFill>
+                  <a:srgbClr val="314865"/>
+                </a:solidFill>
+                <a:latin typeface="Arial"/>
+                <a:ea typeface="微软雅黑"/>
+                <a:sym typeface="Arial"/>
+              </a:rPr>
+              <a:t>服务器返回的内容</a:t>
+            </a:r>
+            <a:endParaRPr lang="zh-CN" altLang="en-US" sz="1000" dirty="0"/>
+          </a:p>
+        </p:txBody>
+      </p:sp>
+      <p:sp>
+        <p:nvSpPr>
+          <p:cNvPr id="66" name="矩形: 圆角 65">
+            <a:extLst>
+              <a:ext uri="{FF2B5EF4-FFF2-40B4-BE49-F238E27FC236}">
+                <a16:creationId xmlns:a16="http://schemas.microsoft.com/office/drawing/2014/main" id="{B236463D-7821-4D7E-8E28-39EB8BF01D3D}"/>
+              </a:ext>
+            </a:extLst>
+          </p:cNvPr>
+          <p:cNvSpPr/>
+          <p:nvPr/>
+        </p:nvSpPr>
+        <p:spPr>
+          <a:xfrm>
+            <a:off x="3696961" y="3185170"/>
+            <a:ext cx="973123" cy="554997"/>
+          </a:xfrm>
+          <a:prstGeom prst="roundRect">
+            <a:avLst/>
+          </a:prstGeom>
+        </p:spPr>
+        <p:style>
+          <a:lnRef idx="2">
+            <a:schemeClr val="accent6">
+              <a:shade val="50000"/>
+            </a:schemeClr>
+          </a:lnRef>
+          <a:fillRef idx="1">
+            <a:schemeClr val="accent6"/>
+          </a:fillRef>
+          <a:effectRef idx="0">
+            <a:schemeClr val="accent6"/>
+          </a:effectRef>
+          <a:fontRef idx="minor">
+            <a:schemeClr val="lt1"/>
+          </a:fontRef>
+        </p:style>
+        <p:txBody>
+          <a:bodyPr rtlCol="0" anchor="ctr"/>
+          <a:lstStyle/>
+          <a:p>
+            <a:pPr algn="ctr"/>
+            <a:r>
+              <a:rPr lang="en-US" altLang="zh-CN" sz="1000" dirty="0"/>
+              <a:t>8.</a:t>
+            </a:r>
+            <a:r>
+              <a:rPr lang="zh-CN" altLang="en-US" sz="1000" dirty="0"/>
+              <a:t>缓存凭证</a:t>
+            </a:r>
+          </a:p>
+        </p:txBody>
+      </p:sp>
+      <p:cxnSp>
+        <p:nvCxnSpPr>
+          <p:cNvPr id="67" name="直接箭头连接符 66">
+            <a:extLst>
+              <a:ext uri="{FF2B5EF4-FFF2-40B4-BE49-F238E27FC236}">
+                <a16:creationId xmlns:a16="http://schemas.microsoft.com/office/drawing/2014/main" id="{9ADEE8CB-451C-4C26-947B-B6888DCE42A8}"/>
+              </a:ext>
+            </a:extLst>
+          </p:cNvPr>
+          <p:cNvCxnSpPr>
+            <a:cxnSpLocks/>
+          </p:cNvCxnSpPr>
+          <p:nvPr/>
+        </p:nvCxnSpPr>
+        <p:spPr>
+          <a:xfrm>
+            <a:off x="4731557" y="3740167"/>
+            <a:ext cx="5020764" cy="0"/>
+          </a:xfrm>
+          <a:prstGeom prst="straightConnector1">
+            <a:avLst/>
+          </a:prstGeom>
+          <a:ln>
+            <a:solidFill>
+              <a:schemeClr val="tx2"/>
+            </a:solidFill>
+            <a:tailEnd type="triangle"/>
+          </a:ln>
+        </p:spPr>
+        <p:style>
+          <a:lnRef idx="1">
+            <a:schemeClr val="accent1"/>
+          </a:lnRef>
+          <a:fillRef idx="0">
+            <a:schemeClr val="accent1"/>
+          </a:fillRef>
+          <a:effectRef idx="0">
+            <a:schemeClr val="accent1"/>
+          </a:effectRef>
+          <a:fontRef idx="minor">
+            <a:schemeClr val="tx1"/>
+          </a:fontRef>
+        </p:style>
+      </p:cxnSp>
+      <p:sp>
+        <p:nvSpPr>
+          <p:cNvPr id="68" name="矩形 67">
+            <a:extLst>
+              <a:ext uri="{FF2B5EF4-FFF2-40B4-BE49-F238E27FC236}">
+                <a16:creationId xmlns:a16="http://schemas.microsoft.com/office/drawing/2014/main" id="{CBB789AD-835B-477D-974F-6AFCF521FEFD}"/>
+              </a:ext>
+            </a:extLst>
+          </p:cNvPr>
+          <p:cNvSpPr/>
+          <p:nvPr/>
+        </p:nvSpPr>
+        <p:spPr>
+          <a:xfrm>
+            <a:off x="5578513" y="3392737"/>
+            <a:ext cx="2379177" cy="553998"/>
+          </a:xfrm>
+          <a:prstGeom prst="rect">
+            <a:avLst/>
+          </a:prstGeom>
+        </p:spPr>
+        <p:txBody>
+          <a:bodyPr wrap="none">
+            <a:spAutoFit/>
+          </a:bodyPr>
+          <a:lstStyle/>
+          <a:p>
+            <a:r>
+              <a:rPr lang="en-US" altLang="zh-CN" sz="1000" dirty="0">
+                <a:solidFill>
+                  <a:srgbClr val="314865"/>
+                </a:solidFill>
+                <a:latin typeface="Arial"/>
+                <a:ea typeface="微软雅黑"/>
+                <a:sym typeface="Arial"/>
+              </a:rPr>
+              <a:t>10.</a:t>
+            </a:r>
+            <a:r>
+              <a:rPr lang="zh-CN" altLang="en-US" sz="1000" dirty="0">
+                <a:solidFill>
+                  <a:srgbClr val="314865"/>
+                </a:solidFill>
+                <a:latin typeface="Arial"/>
+                <a:ea typeface="微软雅黑"/>
+                <a:sym typeface="Arial"/>
+              </a:rPr>
+              <a:t>访问</a:t>
+            </a:r>
+            <a:r>
+              <a:rPr lang="en-US" altLang="zh-CN" sz="1000" dirty="0">
+                <a:solidFill>
+                  <a:srgbClr val="314865"/>
+                </a:solidFill>
+                <a:latin typeface="Arial"/>
+                <a:ea typeface="微软雅黑"/>
+                <a:sym typeface="Arial"/>
+                <a:hlinkClick r:id="rId2"/>
+              </a:rPr>
+              <a:t>http://localhost:8080/demo.json</a:t>
+            </a:r>
+            <a:endParaRPr lang="en-US" altLang="zh-CN" sz="1000" dirty="0">
+              <a:solidFill>
+                <a:srgbClr val="314865"/>
+              </a:solidFill>
+              <a:latin typeface="Arial"/>
+              <a:ea typeface="微软雅黑"/>
+              <a:sym typeface="Arial"/>
+            </a:endParaRPr>
+          </a:p>
+          <a:p>
+            <a:r>
+              <a:rPr lang="zh-CN" altLang="en-US" sz="1000" dirty="0">
+                <a:solidFill>
+                  <a:srgbClr val="314865"/>
+                </a:solidFill>
+                <a:latin typeface="Arial"/>
+                <a:ea typeface="微软雅黑"/>
+              </a:rPr>
+              <a:t>浏览器自动添加</a:t>
+            </a:r>
+            <a:r>
+              <a:rPr lang="en-US" altLang="zh-CN" sz="1000" dirty="0" err="1">
+                <a:solidFill>
+                  <a:srgbClr val="FF0000"/>
+                </a:solidFill>
+                <a:latin typeface="Arial"/>
+                <a:ea typeface="微软雅黑"/>
+                <a:sym typeface="Arial"/>
+              </a:rPr>
+              <a:t>RequestHeader</a:t>
+            </a:r>
+            <a:endParaRPr lang="zh-CN" altLang="en-US" sz="1000" dirty="0">
+              <a:solidFill>
+                <a:srgbClr val="314865"/>
+              </a:solidFill>
+              <a:latin typeface="Arial"/>
+              <a:ea typeface="微软雅黑"/>
+            </a:endParaRPr>
+          </a:p>
+          <a:p>
+            <a:endParaRPr lang="zh-CN" altLang="en-US" sz="1000" dirty="0"/>
+          </a:p>
+        </p:txBody>
+      </p:sp>
+      <p:sp>
+        <p:nvSpPr>
+          <p:cNvPr id="69" name="矩形: 圆角 68">
+            <a:extLst>
+              <a:ext uri="{FF2B5EF4-FFF2-40B4-BE49-F238E27FC236}">
+                <a16:creationId xmlns:a16="http://schemas.microsoft.com/office/drawing/2014/main" id="{B5CAEA83-0648-4CBF-941C-CB500C1187FF}"/>
+              </a:ext>
+            </a:extLst>
+          </p:cNvPr>
+          <p:cNvSpPr/>
+          <p:nvPr/>
+        </p:nvSpPr>
+        <p:spPr>
+          <a:xfrm>
+            <a:off x="9841066" y="3768112"/>
+            <a:ext cx="973123" cy="554997"/>
+          </a:xfrm>
+          <a:prstGeom prst="roundRect">
+            <a:avLst/>
+          </a:prstGeom>
+        </p:spPr>
+        <p:style>
+          <a:lnRef idx="2">
+            <a:schemeClr val="accent6">
+              <a:shade val="50000"/>
+            </a:schemeClr>
+          </a:lnRef>
+          <a:fillRef idx="1">
+            <a:schemeClr val="accent6"/>
+          </a:fillRef>
+          <a:effectRef idx="0">
+            <a:schemeClr val="accent6"/>
+          </a:effectRef>
+          <a:fontRef idx="minor">
+            <a:schemeClr val="lt1"/>
+          </a:fontRef>
+        </p:style>
+        <p:txBody>
+          <a:bodyPr rtlCol="0" anchor="ctr"/>
+          <a:lstStyle/>
+          <a:p>
+            <a:pPr algn="ctr"/>
+            <a:r>
+              <a:rPr lang="en-US" altLang="zh-CN" sz="1000" dirty="0"/>
+              <a:t>11.</a:t>
+            </a:r>
+            <a:r>
+              <a:rPr lang="zh-CN" altLang="en-US" sz="1000" dirty="0"/>
+              <a:t>认证判断</a:t>
+            </a:r>
+          </a:p>
+        </p:txBody>
+      </p:sp>
+      <p:cxnSp>
+        <p:nvCxnSpPr>
+          <p:cNvPr id="70" name="直接箭头连接符 69">
+            <a:extLst>
+              <a:ext uri="{FF2B5EF4-FFF2-40B4-BE49-F238E27FC236}">
+                <a16:creationId xmlns:a16="http://schemas.microsoft.com/office/drawing/2014/main" id="{29A94E32-9695-4E73-A94D-DE329184BB85}"/>
+              </a:ext>
+            </a:extLst>
+          </p:cNvPr>
+          <p:cNvCxnSpPr>
+            <a:cxnSpLocks/>
+          </p:cNvCxnSpPr>
+          <p:nvPr/>
+        </p:nvCxnSpPr>
+        <p:spPr>
+          <a:xfrm flipH="1">
+            <a:off x="4722529" y="4322209"/>
+            <a:ext cx="5020764" cy="3006"/>
+          </a:xfrm>
+          <a:prstGeom prst="straightConnector1">
+            <a:avLst/>
+          </a:prstGeom>
+          <a:ln>
+            <a:solidFill>
+              <a:schemeClr val="tx2"/>
+            </a:solidFill>
+            <a:tailEnd type="triangle"/>
+          </a:ln>
+        </p:spPr>
+        <p:style>
+          <a:lnRef idx="1">
+            <a:schemeClr val="accent1"/>
+          </a:lnRef>
+          <a:fillRef idx="0">
+            <a:schemeClr val="accent1"/>
+          </a:fillRef>
+          <a:effectRef idx="0">
+            <a:schemeClr val="accent1"/>
+          </a:effectRef>
+          <a:fontRef idx="minor">
+            <a:schemeClr val="tx1"/>
+          </a:fontRef>
+        </p:style>
+      </p:cxnSp>
+      <p:sp>
+        <p:nvSpPr>
+          <p:cNvPr id="71" name="矩形 70">
+            <a:extLst>
+              <a:ext uri="{FF2B5EF4-FFF2-40B4-BE49-F238E27FC236}">
+                <a16:creationId xmlns:a16="http://schemas.microsoft.com/office/drawing/2014/main" id="{4F28642B-B882-4E6B-B1A4-3B0D20596E55}"/>
+              </a:ext>
+            </a:extLst>
+          </p:cNvPr>
+          <p:cNvSpPr/>
+          <p:nvPr/>
+        </p:nvSpPr>
+        <p:spPr>
+          <a:xfrm>
+            <a:off x="5578513" y="3834977"/>
+            <a:ext cx="1606530" cy="553998"/>
+          </a:xfrm>
+          <a:prstGeom prst="rect">
+            <a:avLst/>
+          </a:prstGeom>
+        </p:spPr>
+        <p:txBody>
+          <a:bodyPr wrap="none">
+            <a:spAutoFit/>
+          </a:bodyPr>
+          <a:lstStyle/>
+          <a:p>
+            <a:r>
+              <a:rPr lang="en-US" altLang="zh-CN" sz="1000" dirty="0">
+                <a:solidFill>
+                  <a:srgbClr val="314865"/>
+                </a:solidFill>
+                <a:latin typeface="Arial"/>
+                <a:ea typeface="微软雅黑"/>
+                <a:sym typeface="Arial"/>
+              </a:rPr>
+              <a:t>12.</a:t>
+            </a:r>
+            <a:r>
+              <a:rPr lang="zh-CN" altLang="en-US" sz="1000" dirty="0">
+                <a:solidFill>
+                  <a:srgbClr val="314865"/>
+                </a:solidFill>
+                <a:latin typeface="Arial"/>
+                <a:ea typeface="微软雅黑"/>
+                <a:sym typeface="Arial"/>
+              </a:rPr>
+              <a:t>凭证合法</a:t>
+            </a:r>
+            <a:endParaRPr lang="en-US" altLang="zh-CN" sz="1000" dirty="0">
+              <a:solidFill>
+                <a:srgbClr val="314865"/>
+              </a:solidFill>
+              <a:latin typeface="Arial"/>
+              <a:ea typeface="微软雅黑"/>
+              <a:sym typeface="Arial"/>
+            </a:endParaRPr>
+          </a:p>
+          <a:p>
+            <a:r>
+              <a:rPr lang="en-US" altLang="zh-CN" sz="1000" dirty="0">
+                <a:solidFill>
+                  <a:srgbClr val="314865"/>
+                </a:solidFill>
+                <a:latin typeface="Arial"/>
+                <a:ea typeface="微软雅黑"/>
+                <a:sym typeface="Arial"/>
+              </a:rPr>
+              <a:t>Http Status : 200 OK</a:t>
+            </a:r>
+          </a:p>
+          <a:p>
+            <a:r>
+              <a:rPr lang="en-US" altLang="zh-CN" sz="1000" dirty="0">
+                <a:solidFill>
+                  <a:srgbClr val="314865"/>
+                </a:solidFill>
+                <a:latin typeface="Arial"/>
+                <a:ea typeface="微软雅黑"/>
+                <a:sym typeface="Arial"/>
+              </a:rPr>
+              <a:t>Body : </a:t>
+            </a:r>
+            <a:r>
+              <a:rPr lang="zh-CN" altLang="en-US" sz="1000" dirty="0">
+                <a:solidFill>
+                  <a:srgbClr val="314865"/>
+                </a:solidFill>
+                <a:latin typeface="Arial"/>
+                <a:ea typeface="微软雅黑"/>
+                <a:sym typeface="Arial"/>
+              </a:rPr>
+              <a:t>服务器返回的内容</a:t>
+            </a:r>
+            <a:endParaRPr lang="zh-CN" altLang="en-US" sz="1000" dirty="0"/>
+          </a:p>
+        </p:txBody>
+      </p:sp>
+      <p:cxnSp>
+        <p:nvCxnSpPr>
+          <p:cNvPr id="72" name="直接箭头连接符 71">
+            <a:extLst>
+              <a:ext uri="{FF2B5EF4-FFF2-40B4-BE49-F238E27FC236}">
+                <a16:creationId xmlns:a16="http://schemas.microsoft.com/office/drawing/2014/main" id="{358DB2B0-1DE4-405D-AF29-4CC60444EC61}"/>
+              </a:ext>
+            </a:extLst>
+          </p:cNvPr>
+          <p:cNvCxnSpPr>
+            <a:cxnSpLocks/>
+          </p:cNvCxnSpPr>
+          <p:nvPr/>
+        </p:nvCxnSpPr>
+        <p:spPr>
+          <a:xfrm>
+            <a:off x="1384220" y="3601129"/>
+            <a:ext cx="2151220" cy="183548"/>
+          </a:xfrm>
+          <a:prstGeom prst="straightConnector1">
+            <a:avLst/>
+          </a:prstGeom>
+          <a:ln>
+            <a:solidFill>
+              <a:schemeClr val="tx2"/>
+            </a:solidFill>
+            <a:tailEnd type="triangle"/>
+          </a:ln>
+        </p:spPr>
+        <p:style>
+          <a:lnRef idx="1">
+            <a:schemeClr val="accent1"/>
+          </a:lnRef>
+          <a:fillRef idx="0">
+            <a:schemeClr val="accent1"/>
+          </a:fillRef>
+          <a:effectRef idx="0">
+            <a:schemeClr val="accent1"/>
+          </a:effectRef>
+          <a:fontRef idx="minor">
+            <a:schemeClr val="tx1"/>
+          </a:fontRef>
+        </p:style>
+      </p:cxnSp>
+      <p:sp>
+        <p:nvSpPr>
+          <p:cNvPr id="77" name="矩形 76">
+            <a:extLst>
+              <a:ext uri="{FF2B5EF4-FFF2-40B4-BE49-F238E27FC236}">
+                <a16:creationId xmlns:a16="http://schemas.microsoft.com/office/drawing/2014/main" id="{9F8E1BE8-394D-424F-875F-F6B9E1828F8D}"/>
+              </a:ext>
+            </a:extLst>
+          </p:cNvPr>
+          <p:cNvSpPr/>
+          <p:nvPr/>
+        </p:nvSpPr>
+        <p:spPr>
+          <a:xfrm rot="169029">
+            <a:off x="2058118" y="3447888"/>
+            <a:ext cx="803425" cy="246221"/>
+          </a:xfrm>
+          <a:prstGeom prst="rect">
+            <a:avLst/>
+          </a:prstGeom>
+        </p:spPr>
+        <p:txBody>
+          <a:bodyPr wrap="none">
+            <a:spAutoFit/>
+          </a:bodyPr>
+          <a:lstStyle/>
+          <a:p>
+            <a:r>
+              <a:rPr lang="en-US" altLang="zh-CN" sz="1000" dirty="0">
+                <a:solidFill>
+                  <a:srgbClr val="314865"/>
+                </a:solidFill>
+                <a:latin typeface="Arial"/>
+                <a:ea typeface="微软雅黑"/>
+                <a:sym typeface="Arial"/>
+              </a:rPr>
+              <a:t>9.</a:t>
+            </a:r>
+            <a:r>
+              <a:rPr lang="zh-CN" altLang="en-US" sz="1000" dirty="0">
+                <a:solidFill>
+                  <a:srgbClr val="314865"/>
+                </a:solidFill>
+                <a:latin typeface="Arial"/>
+                <a:ea typeface="微软雅黑"/>
+                <a:sym typeface="Arial"/>
+              </a:rPr>
+              <a:t>再次请求</a:t>
+            </a:r>
+            <a:endParaRPr lang="zh-CN" altLang="en-US" sz="1000" dirty="0"/>
+          </a:p>
+        </p:txBody>
+      </p:sp>
+      <p:sp>
+        <p:nvSpPr>
+          <p:cNvPr id="80" name="矩形 79">
+            <a:extLst>
+              <a:ext uri="{FF2B5EF4-FFF2-40B4-BE49-F238E27FC236}">
+                <a16:creationId xmlns:a16="http://schemas.microsoft.com/office/drawing/2014/main" id="{41EFD15C-2960-4B59-BE1D-B3141F418EED}"/>
+              </a:ext>
+            </a:extLst>
+          </p:cNvPr>
+          <p:cNvSpPr/>
+          <p:nvPr/>
+        </p:nvSpPr>
+        <p:spPr>
+          <a:xfrm>
+            <a:off x="555003" y="4252248"/>
+            <a:ext cx="646331" cy="369332"/>
+          </a:xfrm>
+          <a:prstGeom prst="rect">
+            <a:avLst/>
+          </a:prstGeom>
+        </p:spPr>
+        <p:txBody>
+          <a:bodyPr wrap="none">
+            <a:spAutoFit/>
+          </a:bodyPr>
+          <a:lstStyle/>
+          <a:p>
+            <a:r>
+              <a:rPr lang="zh-CN" altLang="en-US" dirty="0">
+                <a:solidFill>
+                  <a:schemeClr val="bg2">
+                    <a:lumMod val="50000"/>
+                  </a:schemeClr>
+                </a:solidFill>
+                <a:latin typeface="Arial"/>
+                <a:ea typeface="微软雅黑"/>
+                <a:sym typeface="Arial"/>
+              </a:rPr>
+              <a:t>用户</a:t>
+            </a:r>
+            <a:endParaRPr lang="zh-CN" altLang="en-US" dirty="0"/>
+          </a:p>
+        </p:txBody>
+      </p:sp>
+      <p:sp>
+        <p:nvSpPr>
+          <p:cNvPr id="5" name="矩形 4">
+            <a:extLst>
+              <a:ext uri="{FF2B5EF4-FFF2-40B4-BE49-F238E27FC236}">
+                <a16:creationId xmlns:a16="http://schemas.microsoft.com/office/drawing/2014/main" id="{F419F0B4-E733-4CD8-8140-4FDA42B3F980}"/>
+              </a:ext>
+            </a:extLst>
+          </p:cNvPr>
+          <p:cNvSpPr/>
+          <p:nvPr/>
+        </p:nvSpPr>
+        <p:spPr>
+          <a:xfrm>
+            <a:off x="1201334" y="6298335"/>
+            <a:ext cx="9578189" cy="400110"/>
+          </a:xfrm>
+          <a:prstGeom prst="rect">
+            <a:avLst/>
+          </a:prstGeom>
+        </p:spPr>
+        <p:txBody>
+          <a:bodyPr wrap="square">
+            <a:spAutoFit/>
+          </a:bodyPr>
+          <a:lstStyle/>
+          <a:p>
+            <a:r>
+              <a:rPr lang="zh-CN" altLang="en-US" sz="1000" dirty="0">
+                <a:latin typeface="微软雅黑" panose="020B0503020204020204" pitchFamily="34" charset="-122"/>
+                <a:ea typeface="微软雅黑" panose="020B0503020204020204" pitchFamily="34" charset="-122"/>
+              </a:rPr>
+              <a:t>Authorization: Digest username="admin", realm="testrealm@host.com", nonce="51522d56-17f2-45cb-9ba4-1feb7b3ef190", uri="/dir/index.html", response="3f9dbfd7d3a018a82a9fde3b044aa267", opaque="1153b141-2e9c-4126-bfe2-6dfbe2106573"</a:t>
+            </a:r>
+          </a:p>
+        </p:txBody>
+      </p:sp>
+      <p:sp>
+        <p:nvSpPr>
+          <p:cNvPr id="14" name="矩形 13">
+            <a:extLst>
+              <a:ext uri="{FF2B5EF4-FFF2-40B4-BE49-F238E27FC236}">
+                <a16:creationId xmlns:a16="http://schemas.microsoft.com/office/drawing/2014/main" id="{0B7D95B0-3300-4856-9691-61B59465CA7A}"/>
+              </a:ext>
+            </a:extLst>
+          </p:cNvPr>
+          <p:cNvSpPr/>
+          <p:nvPr/>
+        </p:nvSpPr>
+        <p:spPr>
+          <a:xfrm>
+            <a:off x="1165211" y="5585037"/>
+            <a:ext cx="11026789" cy="246221"/>
+          </a:xfrm>
+          <a:prstGeom prst="rect">
+            <a:avLst/>
+          </a:prstGeom>
+        </p:spPr>
+        <p:txBody>
+          <a:bodyPr wrap="square">
+            <a:spAutoFit/>
+          </a:bodyPr>
+          <a:lstStyle/>
+          <a:p>
+            <a:r>
+              <a:rPr lang="en-US" altLang="zh-CN" sz="1000" dirty="0">
+                <a:latin typeface="微软雅黑" panose="020B0503020204020204" pitchFamily="34" charset="-122"/>
+                <a:ea typeface="微软雅黑" panose="020B0503020204020204" pitchFamily="34" charset="-122"/>
+                <a:sym typeface="Arial"/>
+              </a:rPr>
+              <a:t>WWW-Authenticate: </a:t>
+            </a:r>
+            <a:r>
+              <a:rPr lang="zh-CN" altLang="en-US" sz="1000" dirty="0">
+                <a:latin typeface="微软雅黑" panose="020B0503020204020204" pitchFamily="34" charset="-122"/>
+                <a:ea typeface="微软雅黑" panose="020B0503020204020204" pitchFamily="34" charset="-122"/>
+              </a:rPr>
+              <a:t>Digest realm="testrealm@host.com",qop=auth,nonce="51522d56-17f2-45cb-9ba4-1feb7b3ef190",opaque="1153b141-2e9c-4126-bfe2-6dfbe2106573"</a:t>
+            </a:r>
+          </a:p>
+        </p:txBody>
+      </p:sp>
+      <p:sp>
+        <p:nvSpPr>
+          <p:cNvPr id="17" name="矩形 16">
+            <a:extLst>
+              <a:ext uri="{FF2B5EF4-FFF2-40B4-BE49-F238E27FC236}">
+                <a16:creationId xmlns:a16="http://schemas.microsoft.com/office/drawing/2014/main" id="{FF83D265-BCFB-4063-AC14-9AA888277EAF}"/>
+              </a:ext>
+            </a:extLst>
+          </p:cNvPr>
+          <p:cNvSpPr/>
+          <p:nvPr/>
+        </p:nvSpPr>
+        <p:spPr>
+          <a:xfrm>
+            <a:off x="188530" y="5205083"/>
+            <a:ext cx="2121093" cy="369332"/>
+          </a:xfrm>
+          <a:prstGeom prst="rect">
+            <a:avLst/>
+          </a:prstGeom>
+        </p:spPr>
+        <p:txBody>
+          <a:bodyPr wrap="none">
+            <a:spAutoFit/>
+          </a:bodyPr>
+          <a:lstStyle/>
+          <a:p>
+            <a:r>
+              <a:rPr lang="en-US" altLang="zh-CN" dirty="0" err="1">
+                <a:solidFill>
+                  <a:srgbClr val="FF0000"/>
+                </a:solidFill>
+                <a:latin typeface="Arial"/>
+                <a:ea typeface="微软雅黑"/>
+                <a:sym typeface="Arial"/>
+              </a:rPr>
+              <a:t>ResponseHeader</a:t>
+            </a:r>
+            <a:r>
+              <a:rPr lang="en-US" altLang="zh-CN" dirty="0">
+                <a:solidFill>
+                  <a:srgbClr val="FF0000"/>
+                </a:solidFill>
+                <a:latin typeface="Arial"/>
+                <a:ea typeface="微软雅黑"/>
+                <a:sym typeface="Arial"/>
+              </a:rPr>
+              <a:t>:</a:t>
+            </a:r>
+            <a:endParaRPr lang="zh-CN" altLang="en-US" dirty="0">
+              <a:solidFill>
+                <a:srgbClr val="FF0000"/>
+              </a:solidFill>
+            </a:endParaRPr>
+          </a:p>
+        </p:txBody>
+      </p:sp>
+      <p:sp>
+        <p:nvSpPr>
+          <p:cNvPr id="52" name="矩形 51">
+            <a:extLst>
+              <a:ext uri="{FF2B5EF4-FFF2-40B4-BE49-F238E27FC236}">
+                <a16:creationId xmlns:a16="http://schemas.microsoft.com/office/drawing/2014/main" id="{AA76C9AB-669D-46FB-ACFC-B77E16105905}"/>
+              </a:ext>
+            </a:extLst>
+          </p:cNvPr>
+          <p:cNvSpPr/>
+          <p:nvPr/>
+        </p:nvSpPr>
+        <p:spPr>
+          <a:xfrm>
+            <a:off x="164616" y="5984333"/>
+            <a:ext cx="1864613" cy="369332"/>
+          </a:xfrm>
+          <a:prstGeom prst="rect">
+            <a:avLst/>
+          </a:prstGeom>
+        </p:spPr>
+        <p:txBody>
+          <a:bodyPr wrap="none">
+            <a:spAutoFit/>
+          </a:bodyPr>
+          <a:lstStyle/>
+          <a:p>
+            <a:r>
+              <a:rPr lang="en-US" altLang="zh-CN" dirty="0" err="1">
+                <a:solidFill>
+                  <a:srgbClr val="FF0000"/>
+                </a:solidFill>
+                <a:latin typeface="Arial"/>
+                <a:ea typeface="微软雅黑"/>
+                <a:sym typeface="Arial"/>
+              </a:rPr>
+              <a:t>RequestHeader</a:t>
+            </a:r>
+            <a:r>
+              <a:rPr lang="en-US" altLang="zh-CN" dirty="0">
+                <a:solidFill>
+                  <a:srgbClr val="FF0000"/>
+                </a:solidFill>
+                <a:latin typeface="Arial"/>
+                <a:ea typeface="微软雅黑"/>
+                <a:sym typeface="Arial"/>
+              </a:rPr>
+              <a:t>:</a:t>
+            </a:r>
+            <a:endParaRPr lang="zh-CN" altLang="en-US" dirty="0">
+              <a:solidFill>
+                <a:srgbClr val="FF0000"/>
+              </a:solidFill>
+              <a:latin typeface="Arial"/>
+              <a:ea typeface="微软雅黑"/>
+            </a:endParaRPr>
+          </a:p>
+        </p:txBody>
+      </p:sp>
+    </p:spTree>
+    <p:extLst>
+      <p:ext uri="{BB962C8B-B14F-4D97-AF65-F5344CB8AC3E}">
+        <p14:creationId xmlns:p14="http://schemas.microsoft.com/office/powerpoint/2010/main" val="1723399571"/>
+      </p:ext>
+    </p:extLst>
+  </p:cSld>
+  <p:clrMapOvr>
+    <a:masterClrMapping/>
+  </p:clrMapOvr>
+</p:sld>
+</file>
+
 <file path=ppt/theme/theme1.xml><?xml version="1.0" encoding="utf-8"?>
 <a:theme xmlns:a="http://schemas.openxmlformats.org/drawingml/2006/main" name="Office 主题​​">
   <a:themeElements>

--- a/安全认证方案.pptx
+++ b/安全认证方案.pptx
@@ -7,6 +7,8 @@
   <p:sldIdLst>
     <p:sldId id="256" r:id="rId2"/>
     <p:sldId id="257" r:id="rId3"/>
+    <p:sldId id="258" r:id="rId4"/>
+    <p:sldId id="259" r:id="rId5"/>
   </p:sldIdLst>
   <p:sldSz cx="12192000" cy="6858000"/>
   <p:notesSz cx="6858000" cy="9144000"/>
@@ -260,7 +262,7 @@
           <a:p>
             <a:fld id="{C0ED74D5-C5FA-45E3-A277-33329A496674}" type="datetimeFigureOut">
               <a:rPr lang="zh-CN" altLang="en-US" smtClean="0"/>
-              <a:t>2018/5/24</a:t>
+              <a:t>2018/5/26</a:t>
             </a:fld>
             <a:endParaRPr lang="zh-CN" altLang="en-US"/>
           </a:p>
@@ -458,7 +460,7 @@
           <a:p>
             <a:fld id="{C0ED74D5-C5FA-45E3-A277-33329A496674}" type="datetimeFigureOut">
               <a:rPr lang="zh-CN" altLang="en-US" smtClean="0"/>
-              <a:t>2018/5/24</a:t>
+              <a:t>2018/5/26</a:t>
             </a:fld>
             <a:endParaRPr lang="zh-CN" altLang="en-US"/>
           </a:p>
@@ -666,7 +668,7 @@
           <a:p>
             <a:fld id="{C0ED74D5-C5FA-45E3-A277-33329A496674}" type="datetimeFigureOut">
               <a:rPr lang="zh-CN" altLang="en-US" smtClean="0"/>
-              <a:t>2018/5/24</a:t>
+              <a:t>2018/5/26</a:t>
             </a:fld>
             <a:endParaRPr lang="zh-CN" altLang="en-US"/>
           </a:p>
@@ -864,7 +866,7 @@
           <a:p>
             <a:fld id="{C0ED74D5-C5FA-45E3-A277-33329A496674}" type="datetimeFigureOut">
               <a:rPr lang="zh-CN" altLang="en-US" smtClean="0"/>
-              <a:t>2018/5/24</a:t>
+              <a:t>2018/5/26</a:t>
             </a:fld>
             <a:endParaRPr lang="zh-CN" altLang="en-US"/>
           </a:p>
@@ -1139,7 +1141,7 @@
           <a:p>
             <a:fld id="{C0ED74D5-C5FA-45E3-A277-33329A496674}" type="datetimeFigureOut">
               <a:rPr lang="zh-CN" altLang="en-US" smtClean="0"/>
-              <a:t>2018/5/24</a:t>
+              <a:t>2018/5/26</a:t>
             </a:fld>
             <a:endParaRPr lang="zh-CN" altLang="en-US"/>
           </a:p>
@@ -1404,7 +1406,7 @@
           <a:p>
             <a:fld id="{C0ED74D5-C5FA-45E3-A277-33329A496674}" type="datetimeFigureOut">
               <a:rPr lang="zh-CN" altLang="en-US" smtClean="0"/>
-              <a:t>2018/5/24</a:t>
+              <a:t>2018/5/26</a:t>
             </a:fld>
             <a:endParaRPr lang="zh-CN" altLang="en-US"/>
           </a:p>
@@ -1816,7 +1818,7 @@
           <a:p>
             <a:fld id="{C0ED74D5-C5FA-45E3-A277-33329A496674}" type="datetimeFigureOut">
               <a:rPr lang="zh-CN" altLang="en-US" smtClean="0"/>
-              <a:t>2018/5/24</a:t>
+              <a:t>2018/5/26</a:t>
             </a:fld>
             <a:endParaRPr lang="zh-CN" altLang="en-US"/>
           </a:p>
@@ -1957,7 +1959,7 @@
           <a:p>
             <a:fld id="{C0ED74D5-C5FA-45E3-A277-33329A496674}" type="datetimeFigureOut">
               <a:rPr lang="zh-CN" altLang="en-US" smtClean="0"/>
-              <a:t>2018/5/24</a:t>
+              <a:t>2018/5/26</a:t>
             </a:fld>
             <a:endParaRPr lang="zh-CN" altLang="en-US"/>
           </a:p>
@@ -2070,7 +2072,7 @@
           <a:p>
             <a:fld id="{C0ED74D5-C5FA-45E3-A277-33329A496674}" type="datetimeFigureOut">
               <a:rPr lang="zh-CN" altLang="en-US" smtClean="0"/>
-              <a:t>2018/5/24</a:t>
+              <a:t>2018/5/26</a:t>
             </a:fld>
             <a:endParaRPr lang="zh-CN" altLang="en-US"/>
           </a:p>
@@ -2381,7 +2383,7 @@
           <a:p>
             <a:fld id="{C0ED74D5-C5FA-45E3-A277-33329A496674}" type="datetimeFigureOut">
               <a:rPr lang="zh-CN" altLang="en-US" smtClean="0"/>
-              <a:t>2018/5/24</a:t>
+              <a:t>2018/5/26</a:t>
             </a:fld>
             <a:endParaRPr lang="zh-CN" altLang="en-US"/>
           </a:p>
@@ -2669,7 +2671,7 @@
           <a:p>
             <a:fld id="{C0ED74D5-C5FA-45E3-A277-33329A496674}" type="datetimeFigureOut">
               <a:rPr lang="zh-CN" altLang="en-US" smtClean="0"/>
-              <a:t>2018/5/24</a:t>
+              <a:t>2018/5/26</a:t>
             </a:fld>
             <a:endParaRPr lang="zh-CN" altLang="en-US"/>
           </a:p>
@@ -2910,7 +2912,7 @@
           <a:p>
             <a:fld id="{C0ED74D5-C5FA-45E3-A277-33329A496674}" type="datetimeFigureOut">
               <a:rPr lang="zh-CN" altLang="en-US" smtClean="0"/>
-              <a:t>2018/5/24</a:t>
+              <a:t>2018/5/26</a:t>
             </a:fld>
             <a:endParaRPr lang="zh-CN" altLang="en-US"/>
           </a:p>
@@ -10159,6 +10161,3303 @@
 </p:sld>
 </file>
 
+<file path=ppt/slides/slide3.xml><?xml version="1.0" encoding="utf-8"?>
+<p:sld xmlns:a="http://schemas.openxmlformats.org/drawingml/2006/main" xmlns:r="http://schemas.openxmlformats.org/officeDocument/2006/relationships" xmlns:p="http://schemas.openxmlformats.org/presentationml/2006/main">
+  <p:cSld>
+    <p:spTree>
+      <p:nvGrpSpPr>
+        <p:cNvPr id="1" name=""/>
+        <p:cNvGrpSpPr/>
+        <p:nvPr/>
+      </p:nvGrpSpPr>
+      <p:grpSpPr>
+        <a:xfrm>
+          <a:off x="0" y="0"/>
+          <a:ext cx="0" cy="0"/>
+          <a:chOff x="0" y="0"/>
+          <a:chExt cx="0" cy="0"/>
+        </a:xfrm>
+      </p:grpSpPr>
+      <p:grpSp>
+        <p:nvGrpSpPr>
+          <p:cNvPr id="4" name="组合 3">
+            <a:extLst>
+              <a:ext uri="{FF2B5EF4-FFF2-40B4-BE49-F238E27FC236}">
+                <a16:creationId xmlns:a16="http://schemas.microsoft.com/office/drawing/2014/main" id="{D126B20B-638C-4CBA-9E72-E039DC3345AE}"/>
+              </a:ext>
+            </a:extLst>
+          </p:cNvPr>
+          <p:cNvGrpSpPr/>
+          <p:nvPr/>
+        </p:nvGrpSpPr>
+        <p:grpSpPr>
+          <a:xfrm>
+            <a:off x="164616" y="178180"/>
+            <a:ext cx="2804616" cy="368580"/>
+            <a:chOff x="164616" y="178180"/>
+            <a:chExt cx="2804616" cy="368580"/>
+          </a:xfrm>
+        </p:grpSpPr>
+        <p:cxnSp>
+          <p:nvCxnSpPr>
+            <p:cNvPr id="5" name="直接连接符 4">
+              <a:extLst>
+                <a:ext uri="{FF2B5EF4-FFF2-40B4-BE49-F238E27FC236}">
+                  <a16:creationId xmlns:a16="http://schemas.microsoft.com/office/drawing/2014/main" id="{A4A783B5-AFC3-42CF-A822-758B539C8AB2}"/>
+                </a:ext>
+              </a:extLst>
+            </p:cNvPr>
+            <p:cNvCxnSpPr>
+              <a:cxnSpLocks/>
+            </p:cNvCxnSpPr>
+            <p:nvPr/>
+          </p:nvCxnSpPr>
+          <p:spPr>
+            <a:xfrm flipV="1">
+              <a:off x="164616" y="535956"/>
+              <a:ext cx="2804616" cy="10804"/>
+            </a:xfrm>
+            <a:prstGeom prst="line">
+              <a:avLst/>
+            </a:prstGeom>
+            <a:ln>
+              <a:solidFill>
+                <a:srgbClr val="314865"/>
+              </a:solidFill>
+            </a:ln>
+          </p:spPr>
+          <p:style>
+            <a:lnRef idx="1">
+              <a:schemeClr val="accent1"/>
+            </a:lnRef>
+            <a:fillRef idx="0">
+              <a:schemeClr val="accent1"/>
+            </a:fillRef>
+            <a:effectRef idx="0">
+              <a:schemeClr val="accent1"/>
+            </a:effectRef>
+            <a:fontRef idx="minor">
+              <a:schemeClr val="tx1"/>
+            </a:fontRef>
+          </p:style>
+        </p:cxnSp>
+        <p:sp>
+          <p:nvSpPr>
+            <p:cNvPr id="6" name="文本框 5">
+              <a:extLst>
+                <a:ext uri="{FF2B5EF4-FFF2-40B4-BE49-F238E27FC236}">
+                  <a16:creationId xmlns:a16="http://schemas.microsoft.com/office/drawing/2014/main" id="{0BEB8658-5AEA-4109-B9EA-9EDC1A50E3F3}"/>
+                </a:ext>
+              </a:extLst>
+            </p:cNvPr>
+            <p:cNvSpPr txBox="1"/>
+            <p:nvPr/>
+          </p:nvSpPr>
+          <p:spPr>
+            <a:xfrm>
+              <a:off x="534486" y="178180"/>
+              <a:ext cx="2434746" cy="338554"/>
+            </a:xfrm>
+            <a:prstGeom prst="rect">
+              <a:avLst/>
+            </a:prstGeom>
+            <a:noFill/>
+          </p:spPr>
+          <p:txBody>
+            <a:bodyPr wrap="square" rtlCol="0">
+              <a:spAutoFit/>
+            </a:bodyPr>
+            <a:lstStyle/>
+            <a:p>
+              <a:pPr>
+                <a:spcBef>
+                  <a:spcPct val="20000"/>
+                </a:spcBef>
+                <a:buClr>
+                  <a:schemeClr val="hlink"/>
+                </a:buClr>
+                <a:buSzPct val="65000"/>
+              </a:pPr>
+              <a:r>
+                <a:rPr lang="en-US" altLang="zh-CN" sz="1600" b="1" dirty="0">
+                  <a:solidFill>
+                    <a:srgbClr val="314865"/>
+                  </a:solidFill>
+                  <a:effectLst>
+                    <a:innerShdw blurRad="63500" dist="50800" dir="13500000">
+                      <a:prstClr val="black">
+                        <a:alpha val="50000"/>
+                      </a:prstClr>
+                    </a:innerShdw>
+                  </a:effectLst>
+                  <a:latin typeface="Arial"/>
+                  <a:ea typeface="微软雅黑"/>
+                  <a:sym typeface="Arial"/>
+                </a:rPr>
+                <a:t>APPKEY+</a:t>
+              </a:r>
+              <a:r>
+                <a:rPr lang="zh-CN" altLang="en-US" sz="1600" b="1" dirty="0">
+                  <a:solidFill>
+                    <a:srgbClr val="314865"/>
+                  </a:solidFill>
+                  <a:effectLst>
+                    <a:innerShdw blurRad="63500" dist="50800" dir="13500000">
+                      <a:prstClr val="black">
+                        <a:alpha val="50000"/>
+                      </a:prstClr>
+                    </a:innerShdw>
+                  </a:effectLst>
+                  <a:latin typeface="Arial"/>
+                  <a:ea typeface="微软雅黑"/>
+                  <a:sym typeface="Arial"/>
+                </a:rPr>
+                <a:t>签名认证流程</a:t>
+              </a:r>
+            </a:p>
+          </p:txBody>
+        </p:sp>
+        <p:sp>
+          <p:nvSpPr>
+            <p:cNvPr id="7" name="矩形 6">
+              <a:extLst>
+                <a:ext uri="{FF2B5EF4-FFF2-40B4-BE49-F238E27FC236}">
+                  <a16:creationId xmlns:a16="http://schemas.microsoft.com/office/drawing/2014/main" id="{1BBB0821-D362-4CD9-9AB6-D06832ED4F32}"/>
+                </a:ext>
+              </a:extLst>
+            </p:cNvPr>
+            <p:cNvSpPr/>
+            <p:nvPr/>
+          </p:nvSpPr>
+          <p:spPr>
+            <a:xfrm>
+              <a:off x="164616" y="178180"/>
+              <a:ext cx="47829" cy="284416"/>
+            </a:xfrm>
+            <a:prstGeom prst="rect">
+              <a:avLst/>
+            </a:prstGeom>
+            <a:solidFill>
+              <a:srgbClr val="314865"/>
+            </a:solidFill>
+            <a:ln>
+              <a:solidFill>
+                <a:srgbClr val="314865"/>
+              </a:solidFill>
+            </a:ln>
+          </p:spPr>
+          <p:style>
+            <a:lnRef idx="2">
+              <a:schemeClr val="accent1">
+                <a:shade val="50000"/>
+              </a:schemeClr>
+            </a:lnRef>
+            <a:fillRef idx="1">
+              <a:schemeClr val="accent1"/>
+            </a:fillRef>
+            <a:effectRef idx="0">
+              <a:schemeClr val="accent1"/>
+            </a:effectRef>
+            <a:fontRef idx="minor">
+              <a:schemeClr val="lt1"/>
+            </a:fontRef>
+          </p:style>
+          <p:txBody>
+            <a:bodyPr rtlCol="0" anchor="ctr"/>
+            <a:lstStyle/>
+            <a:p>
+              <a:pPr algn="ctr"/>
+              <a:endParaRPr lang="zh-CN" altLang="en-US">
+                <a:latin typeface="Arial"/>
+                <a:ea typeface="微软雅黑"/>
+                <a:sym typeface="Arial"/>
+              </a:endParaRPr>
+            </a:p>
+          </p:txBody>
+        </p:sp>
+        <p:sp>
+          <p:nvSpPr>
+            <p:cNvPr id="8" name="矩形 7">
+              <a:extLst>
+                <a:ext uri="{FF2B5EF4-FFF2-40B4-BE49-F238E27FC236}">
+                  <a16:creationId xmlns:a16="http://schemas.microsoft.com/office/drawing/2014/main" id="{FA709FFC-472F-4012-B301-1C7AC45DDAA7}"/>
+                </a:ext>
+              </a:extLst>
+            </p:cNvPr>
+            <p:cNvSpPr/>
+            <p:nvPr/>
+          </p:nvSpPr>
+          <p:spPr>
+            <a:xfrm>
+              <a:off x="275779" y="252586"/>
+              <a:ext cx="47828" cy="210010"/>
+            </a:xfrm>
+            <a:prstGeom prst="rect">
+              <a:avLst/>
+            </a:prstGeom>
+            <a:solidFill>
+              <a:srgbClr val="314865"/>
+            </a:solidFill>
+            <a:ln>
+              <a:solidFill>
+                <a:srgbClr val="314865"/>
+              </a:solidFill>
+            </a:ln>
+          </p:spPr>
+          <p:style>
+            <a:lnRef idx="2">
+              <a:schemeClr val="accent1">
+                <a:shade val="50000"/>
+              </a:schemeClr>
+            </a:lnRef>
+            <a:fillRef idx="1">
+              <a:schemeClr val="accent1"/>
+            </a:fillRef>
+            <a:effectRef idx="0">
+              <a:schemeClr val="accent1"/>
+            </a:effectRef>
+            <a:fontRef idx="minor">
+              <a:schemeClr val="lt1"/>
+            </a:fontRef>
+          </p:style>
+          <p:txBody>
+            <a:bodyPr rtlCol="0" anchor="ctr"/>
+            <a:lstStyle/>
+            <a:p>
+              <a:pPr algn="ctr"/>
+              <a:endParaRPr lang="zh-CN" altLang="en-US">
+                <a:latin typeface="Arial"/>
+                <a:ea typeface="微软雅黑"/>
+                <a:sym typeface="Arial"/>
+              </a:endParaRPr>
+            </a:p>
+          </p:txBody>
+        </p:sp>
+        <p:sp>
+          <p:nvSpPr>
+            <p:cNvPr id="9" name="矩形 8">
+              <a:extLst>
+                <a:ext uri="{FF2B5EF4-FFF2-40B4-BE49-F238E27FC236}">
+                  <a16:creationId xmlns:a16="http://schemas.microsoft.com/office/drawing/2014/main" id="{6F0DBCDF-E276-498C-BDFE-0E13FAD8E828}"/>
+                </a:ext>
+              </a:extLst>
+            </p:cNvPr>
+            <p:cNvSpPr/>
+            <p:nvPr/>
+          </p:nvSpPr>
+          <p:spPr>
+            <a:xfrm flipH="1">
+              <a:off x="377808" y="320388"/>
+              <a:ext cx="47827" cy="142208"/>
+            </a:xfrm>
+            <a:prstGeom prst="rect">
+              <a:avLst/>
+            </a:prstGeom>
+            <a:solidFill>
+              <a:srgbClr val="314865"/>
+            </a:solidFill>
+            <a:ln>
+              <a:solidFill>
+                <a:srgbClr val="314865"/>
+              </a:solidFill>
+            </a:ln>
+          </p:spPr>
+          <p:style>
+            <a:lnRef idx="2">
+              <a:schemeClr val="accent1">
+                <a:shade val="50000"/>
+              </a:schemeClr>
+            </a:lnRef>
+            <a:fillRef idx="1">
+              <a:schemeClr val="accent1"/>
+            </a:fillRef>
+            <a:effectRef idx="0">
+              <a:schemeClr val="accent1"/>
+            </a:effectRef>
+            <a:fontRef idx="minor">
+              <a:schemeClr val="lt1"/>
+            </a:fontRef>
+          </p:style>
+          <p:txBody>
+            <a:bodyPr rtlCol="0" anchor="ctr"/>
+            <a:lstStyle/>
+            <a:p>
+              <a:pPr algn="ctr"/>
+              <a:endParaRPr lang="zh-CN" altLang="en-US">
+                <a:latin typeface="Arial"/>
+                <a:ea typeface="微软雅黑"/>
+                <a:sym typeface="Arial"/>
+              </a:endParaRPr>
+            </a:p>
+          </p:txBody>
+        </p:sp>
+      </p:grpSp>
+      <p:sp>
+        <p:nvSpPr>
+          <p:cNvPr id="10" name="矩形 9">
+            <a:extLst>
+              <a:ext uri="{FF2B5EF4-FFF2-40B4-BE49-F238E27FC236}">
+                <a16:creationId xmlns:a16="http://schemas.microsoft.com/office/drawing/2014/main" id="{1BA1E708-30B0-42CC-B55E-26E38625B0EE}"/>
+              </a:ext>
+            </a:extLst>
+          </p:cNvPr>
+          <p:cNvSpPr/>
+          <p:nvPr/>
+        </p:nvSpPr>
+        <p:spPr>
+          <a:xfrm>
+            <a:off x="509636" y="1308905"/>
+            <a:ext cx="1187089" cy="1733412"/>
+          </a:xfrm>
+          <a:prstGeom prst="rect">
+            <a:avLst/>
+          </a:prstGeom>
+          <a:solidFill>
+            <a:srgbClr val="00B0F0"/>
+          </a:solidFill>
+          <a:ln>
+            <a:solidFill>
+              <a:srgbClr val="00B0F0"/>
+            </a:solidFill>
+          </a:ln>
+        </p:spPr>
+        <p:style>
+          <a:lnRef idx="2">
+            <a:schemeClr val="accent3">
+              <a:shade val="50000"/>
+            </a:schemeClr>
+          </a:lnRef>
+          <a:fillRef idx="1">
+            <a:schemeClr val="accent3"/>
+          </a:fillRef>
+          <a:effectRef idx="0">
+            <a:schemeClr val="accent3"/>
+          </a:effectRef>
+          <a:fontRef idx="minor">
+            <a:schemeClr val="lt1"/>
+          </a:fontRef>
+        </p:style>
+        <p:txBody>
+          <a:bodyPr vert="horz" rtlCol="0" anchor="ctr"/>
+          <a:lstStyle/>
+          <a:p>
+            <a:pPr algn="ctr"/>
+            <a:endParaRPr lang="zh-CN" altLang="en-US" dirty="0">
+              <a:latin typeface="微软雅黑" panose="020B0503020204020204" pitchFamily="34" charset="-122"/>
+              <a:ea typeface="微软雅黑" panose="020B0503020204020204" pitchFamily="34" charset="-122"/>
+            </a:endParaRPr>
+          </a:p>
+        </p:txBody>
+      </p:sp>
+      <p:sp>
+        <p:nvSpPr>
+          <p:cNvPr id="11" name="矩形 10">
+            <a:extLst>
+              <a:ext uri="{FF2B5EF4-FFF2-40B4-BE49-F238E27FC236}">
+                <a16:creationId xmlns:a16="http://schemas.microsoft.com/office/drawing/2014/main" id="{4C366D04-3D0D-4917-B8CB-12308D4CF1E6}"/>
+              </a:ext>
+            </a:extLst>
+          </p:cNvPr>
+          <p:cNvSpPr/>
+          <p:nvPr/>
+        </p:nvSpPr>
+        <p:spPr>
+          <a:xfrm>
+            <a:off x="8665555" y="1308904"/>
+            <a:ext cx="1187089" cy="3665989"/>
+          </a:xfrm>
+          <a:prstGeom prst="rect">
+            <a:avLst/>
+          </a:prstGeom>
+          <a:solidFill>
+            <a:srgbClr val="00B0F0"/>
+          </a:solidFill>
+          <a:ln>
+            <a:solidFill>
+              <a:srgbClr val="00B0F0"/>
+            </a:solidFill>
+          </a:ln>
+        </p:spPr>
+        <p:style>
+          <a:lnRef idx="2">
+            <a:schemeClr val="accent3">
+              <a:shade val="50000"/>
+            </a:schemeClr>
+          </a:lnRef>
+          <a:fillRef idx="1">
+            <a:schemeClr val="accent3"/>
+          </a:fillRef>
+          <a:effectRef idx="0">
+            <a:schemeClr val="accent3"/>
+          </a:effectRef>
+          <a:fontRef idx="minor">
+            <a:schemeClr val="lt1"/>
+          </a:fontRef>
+        </p:style>
+        <p:txBody>
+          <a:bodyPr vert="horz" rtlCol="0" anchor="ctr"/>
+          <a:lstStyle/>
+          <a:p>
+            <a:pPr algn="ctr"/>
+            <a:endParaRPr lang="zh-CN" altLang="en-US" dirty="0">
+              <a:latin typeface="微软雅黑" panose="020B0503020204020204" pitchFamily="34" charset="-122"/>
+              <a:ea typeface="微软雅黑" panose="020B0503020204020204" pitchFamily="34" charset="-122"/>
+            </a:endParaRPr>
+          </a:p>
+        </p:txBody>
+      </p:sp>
+      <p:sp>
+        <p:nvSpPr>
+          <p:cNvPr id="12" name="矩形 11">
+            <a:extLst>
+              <a:ext uri="{FF2B5EF4-FFF2-40B4-BE49-F238E27FC236}">
+                <a16:creationId xmlns:a16="http://schemas.microsoft.com/office/drawing/2014/main" id="{97793483-4DEB-4298-9C29-5E7F36A13891}"/>
+              </a:ext>
+            </a:extLst>
+          </p:cNvPr>
+          <p:cNvSpPr/>
+          <p:nvPr/>
+        </p:nvSpPr>
+        <p:spPr>
+          <a:xfrm>
+            <a:off x="479836" y="939572"/>
+            <a:ext cx="1249060" cy="369332"/>
+          </a:xfrm>
+          <a:prstGeom prst="rect">
+            <a:avLst/>
+          </a:prstGeom>
+        </p:spPr>
+        <p:txBody>
+          <a:bodyPr wrap="none">
+            <a:spAutoFit/>
+          </a:bodyPr>
+          <a:lstStyle/>
+          <a:p>
+            <a:r>
+              <a:rPr lang="en-US" altLang="zh-CN" dirty="0">
+                <a:solidFill>
+                  <a:schemeClr val="bg2">
+                    <a:lumMod val="50000"/>
+                  </a:schemeClr>
+                </a:solidFill>
+                <a:latin typeface="微软雅黑" panose="020B0503020204020204" pitchFamily="34" charset="-122"/>
+                <a:ea typeface="微软雅黑" panose="020B0503020204020204" pitchFamily="34" charset="-122"/>
+                <a:sym typeface="Arial"/>
+              </a:rPr>
+              <a:t>API</a:t>
+            </a:r>
+            <a:r>
+              <a:rPr lang="zh-CN" altLang="en-US" dirty="0">
+                <a:solidFill>
+                  <a:schemeClr val="bg2">
+                    <a:lumMod val="50000"/>
+                  </a:schemeClr>
+                </a:solidFill>
+                <a:latin typeface="微软雅黑" panose="020B0503020204020204" pitchFamily="34" charset="-122"/>
+                <a:ea typeface="微软雅黑" panose="020B0503020204020204" pitchFamily="34" charset="-122"/>
+                <a:sym typeface="Arial"/>
+              </a:rPr>
+              <a:t>调用方</a:t>
+            </a:r>
+            <a:endParaRPr lang="zh-CN" altLang="en-US" dirty="0">
+              <a:latin typeface="微软雅黑" panose="020B0503020204020204" pitchFamily="34" charset="-122"/>
+              <a:ea typeface="微软雅黑" panose="020B0503020204020204" pitchFamily="34" charset="-122"/>
+            </a:endParaRPr>
+          </a:p>
+        </p:txBody>
+      </p:sp>
+      <p:sp>
+        <p:nvSpPr>
+          <p:cNvPr id="13" name="矩形 12">
+            <a:extLst>
+              <a:ext uri="{FF2B5EF4-FFF2-40B4-BE49-F238E27FC236}">
+                <a16:creationId xmlns:a16="http://schemas.microsoft.com/office/drawing/2014/main" id="{C311CB88-82AF-4A02-BDD9-E38DDDA56453}"/>
+              </a:ext>
+            </a:extLst>
+          </p:cNvPr>
+          <p:cNvSpPr/>
+          <p:nvPr/>
+        </p:nvSpPr>
+        <p:spPr>
+          <a:xfrm>
+            <a:off x="8603584" y="939572"/>
+            <a:ext cx="1249060" cy="369332"/>
+          </a:xfrm>
+          <a:prstGeom prst="rect">
+            <a:avLst/>
+          </a:prstGeom>
+        </p:spPr>
+        <p:txBody>
+          <a:bodyPr wrap="none">
+            <a:spAutoFit/>
+          </a:bodyPr>
+          <a:lstStyle/>
+          <a:p>
+            <a:r>
+              <a:rPr lang="en-US" altLang="zh-CN" dirty="0">
+                <a:solidFill>
+                  <a:schemeClr val="bg2">
+                    <a:lumMod val="50000"/>
+                  </a:schemeClr>
+                </a:solidFill>
+                <a:latin typeface="微软雅黑" panose="020B0503020204020204" pitchFamily="34" charset="-122"/>
+                <a:ea typeface="微软雅黑" panose="020B0503020204020204" pitchFamily="34" charset="-122"/>
+                <a:sym typeface="Arial"/>
+              </a:rPr>
+              <a:t>API</a:t>
+            </a:r>
+            <a:r>
+              <a:rPr lang="zh-CN" altLang="en-US" dirty="0">
+                <a:solidFill>
+                  <a:schemeClr val="bg2">
+                    <a:lumMod val="50000"/>
+                  </a:schemeClr>
+                </a:solidFill>
+                <a:latin typeface="微软雅黑" panose="020B0503020204020204" pitchFamily="34" charset="-122"/>
+                <a:ea typeface="微软雅黑" panose="020B0503020204020204" pitchFamily="34" charset="-122"/>
+                <a:sym typeface="Arial"/>
+              </a:rPr>
+              <a:t>服务端</a:t>
+            </a:r>
+            <a:endParaRPr lang="zh-CN" altLang="en-US" dirty="0">
+              <a:latin typeface="微软雅黑" panose="020B0503020204020204" pitchFamily="34" charset="-122"/>
+              <a:ea typeface="微软雅黑" panose="020B0503020204020204" pitchFamily="34" charset="-122"/>
+            </a:endParaRPr>
+          </a:p>
+        </p:txBody>
+      </p:sp>
+      <p:cxnSp>
+        <p:nvCxnSpPr>
+          <p:cNvPr id="14" name="直接箭头连接符 13">
+            <a:extLst>
+              <a:ext uri="{FF2B5EF4-FFF2-40B4-BE49-F238E27FC236}">
+                <a16:creationId xmlns:a16="http://schemas.microsoft.com/office/drawing/2014/main" id="{C61BC0D3-30D6-4A08-8526-093DBA9A6D64}"/>
+              </a:ext>
+            </a:extLst>
+          </p:cNvPr>
+          <p:cNvCxnSpPr>
+            <a:cxnSpLocks/>
+          </p:cNvCxnSpPr>
+          <p:nvPr/>
+        </p:nvCxnSpPr>
+        <p:spPr>
+          <a:xfrm>
+            <a:off x="1696725" y="2097227"/>
+            <a:ext cx="6996427" cy="0"/>
+          </a:xfrm>
+          <a:prstGeom prst="straightConnector1">
+            <a:avLst/>
+          </a:prstGeom>
+          <a:ln>
+            <a:solidFill>
+              <a:schemeClr val="tx2"/>
+            </a:solidFill>
+            <a:tailEnd type="triangle"/>
+          </a:ln>
+        </p:spPr>
+        <p:style>
+          <a:lnRef idx="1">
+            <a:schemeClr val="accent1"/>
+          </a:lnRef>
+          <a:fillRef idx="0">
+            <a:schemeClr val="accent1"/>
+          </a:fillRef>
+          <a:effectRef idx="0">
+            <a:schemeClr val="accent1"/>
+          </a:effectRef>
+          <a:fontRef idx="minor">
+            <a:schemeClr val="tx1"/>
+          </a:fontRef>
+        </p:style>
+      </p:cxnSp>
+      <p:cxnSp>
+        <p:nvCxnSpPr>
+          <p:cNvPr id="15" name="直接箭头连接符 14">
+            <a:extLst>
+              <a:ext uri="{FF2B5EF4-FFF2-40B4-BE49-F238E27FC236}">
+                <a16:creationId xmlns:a16="http://schemas.microsoft.com/office/drawing/2014/main" id="{6DE21531-0649-4659-AF12-F03FD3B3F48B}"/>
+              </a:ext>
+            </a:extLst>
+          </p:cNvPr>
+          <p:cNvCxnSpPr>
+            <a:cxnSpLocks/>
+          </p:cNvCxnSpPr>
+          <p:nvPr/>
+        </p:nvCxnSpPr>
+        <p:spPr>
+          <a:xfrm flipH="1">
+            <a:off x="1670821" y="2865244"/>
+            <a:ext cx="6968830" cy="0"/>
+          </a:xfrm>
+          <a:prstGeom prst="straightConnector1">
+            <a:avLst/>
+          </a:prstGeom>
+          <a:ln>
+            <a:solidFill>
+              <a:schemeClr val="tx2"/>
+            </a:solidFill>
+            <a:tailEnd type="triangle"/>
+          </a:ln>
+        </p:spPr>
+        <p:style>
+          <a:lnRef idx="1">
+            <a:schemeClr val="accent1"/>
+          </a:lnRef>
+          <a:fillRef idx="0">
+            <a:schemeClr val="accent1"/>
+          </a:fillRef>
+          <a:effectRef idx="0">
+            <a:schemeClr val="accent1"/>
+          </a:effectRef>
+          <a:fontRef idx="minor">
+            <a:schemeClr val="tx1"/>
+          </a:fontRef>
+        </p:style>
+      </p:cxnSp>
+      <p:sp>
+        <p:nvSpPr>
+          <p:cNvPr id="17" name="矩形 16">
+            <a:extLst>
+              <a:ext uri="{FF2B5EF4-FFF2-40B4-BE49-F238E27FC236}">
+                <a16:creationId xmlns:a16="http://schemas.microsoft.com/office/drawing/2014/main" id="{50BBAE17-9BA7-488D-B9D2-77BB049966D8}"/>
+              </a:ext>
+            </a:extLst>
+          </p:cNvPr>
+          <p:cNvSpPr/>
+          <p:nvPr/>
+        </p:nvSpPr>
+        <p:spPr>
+          <a:xfrm>
+            <a:off x="1696725" y="1851005"/>
+            <a:ext cx="6942926" cy="246221"/>
+          </a:xfrm>
+          <a:prstGeom prst="rect">
+            <a:avLst/>
+          </a:prstGeom>
+        </p:spPr>
+        <p:txBody>
+          <a:bodyPr wrap="none">
+            <a:spAutoFit/>
+          </a:bodyPr>
+          <a:lstStyle/>
+          <a:p>
+            <a:r>
+              <a:rPr lang="en-US" altLang="zh-CN" sz="1000" dirty="0">
+                <a:solidFill>
+                  <a:srgbClr val="314865"/>
+                </a:solidFill>
+                <a:latin typeface="微软雅黑" panose="020B0503020204020204" pitchFamily="34" charset="-122"/>
+                <a:ea typeface="微软雅黑" panose="020B0503020204020204" pitchFamily="34" charset="-122"/>
+                <a:sym typeface="Arial"/>
+              </a:rPr>
+              <a:t>1.</a:t>
+            </a:r>
+            <a:r>
+              <a:rPr lang="zh-CN" altLang="en-US" sz="1000" dirty="0">
+                <a:solidFill>
+                  <a:srgbClr val="314865"/>
+                </a:solidFill>
+                <a:latin typeface="微软雅黑" panose="020B0503020204020204" pitchFamily="34" charset="-122"/>
+                <a:ea typeface="微软雅黑" panose="020B0503020204020204" pitchFamily="34" charset="-122"/>
+                <a:sym typeface="Arial"/>
+              </a:rPr>
+              <a:t>访问</a:t>
+            </a:r>
+            <a:r>
+              <a:rPr lang="en-US" altLang="zh-CN" sz="1000" dirty="0">
+                <a:solidFill>
+                  <a:srgbClr val="314865"/>
+                </a:solidFill>
+                <a:latin typeface="微软雅黑" panose="020B0503020204020204" pitchFamily="34" charset="-122"/>
+                <a:ea typeface="微软雅黑" panose="020B0503020204020204" pitchFamily="34" charset="-122"/>
+                <a:sym typeface="Arial"/>
+              </a:rPr>
+              <a:t>http://localhost:8080/demo.json?name=a&amp;channel=1&amp;timestamp=123&amp;appkey=</a:t>
+            </a:r>
+            <a:r>
+              <a:rPr lang="en-US" altLang="zh-CN" sz="1000" dirty="0">
+                <a:solidFill>
+                  <a:srgbClr val="FF0000"/>
+                </a:solidFill>
+                <a:latin typeface="微软雅黑" panose="020B0503020204020204" pitchFamily="34" charset="-122"/>
+                <a:ea typeface="微软雅黑" panose="020B0503020204020204" pitchFamily="34" charset="-122"/>
+                <a:sym typeface="Arial"/>
+              </a:rPr>
+              <a:t>appkey1</a:t>
+            </a:r>
+            <a:r>
+              <a:rPr lang="en-US" altLang="zh-CN" sz="1000" dirty="0">
+                <a:solidFill>
+                  <a:srgbClr val="314865"/>
+                </a:solidFill>
+                <a:latin typeface="微软雅黑" panose="020B0503020204020204" pitchFamily="34" charset="-122"/>
+                <a:ea typeface="微软雅黑" panose="020B0503020204020204" pitchFamily="34" charset="-122"/>
+                <a:sym typeface="Arial"/>
+              </a:rPr>
+              <a:t>&amp;sign=</a:t>
+            </a:r>
+            <a:r>
+              <a:rPr lang="en-US" altLang="zh-CN" sz="1000" dirty="0">
+                <a:solidFill>
+                  <a:srgbClr val="FF0000"/>
+                </a:solidFill>
+                <a:latin typeface="微软雅黑" panose="020B0503020204020204" pitchFamily="34" charset="-122"/>
+                <a:ea typeface="微软雅黑" panose="020B0503020204020204" pitchFamily="34" charset="-122"/>
+                <a:sym typeface="Arial"/>
+              </a:rPr>
+              <a:t>sign1</a:t>
+            </a:r>
+            <a:endParaRPr lang="zh-CN" altLang="en-US" sz="1000" dirty="0">
+              <a:solidFill>
+                <a:srgbClr val="FF0000"/>
+              </a:solidFill>
+              <a:latin typeface="微软雅黑" panose="020B0503020204020204" pitchFamily="34" charset="-122"/>
+              <a:ea typeface="微软雅黑" panose="020B0503020204020204" pitchFamily="34" charset="-122"/>
+            </a:endParaRPr>
+          </a:p>
+        </p:txBody>
+      </p:sp>
+      <p:sp>
+        <p:nvSpPr>
+          <p:cNvPr id="20" name="矩形: 圆角 19">
+            <a:extLst>
+              <a:ext uri="{FF2B5EF4-FFF2-40B4-BE49-F238E27FC236}">
+                <a16:creationId xmlns:a16="http://schemas.microsoft.com/office/drawing/2014/main" id="{2C308DA9-8D2E-4F53-969A-B8C149A8AA83}"/>
+              </a:ext>
+            </a:extLst>
+          </p:cNvPr>
+          <p:cNvSpPr/>
+          <p:nvPr/>
+        </p:nvSpPr>
+        <p:spPr>
+          <a:xfrm>
+            <a:off x="586143" y="1382062"/>
+            <a:ext cx="973123" cy="411339"/>
+          </a:xfrm>
+          <a:prstGeom prst="roundRect">
+            <a:avLst/>
+          </a:prstGeom>
+        </p:spPr>
+        <p:style>
+          <a:lnRef idx="2">
+            <a:schemeClr val="accent6">
+              <a:shade val="50000"/>
+            </a:schemeClr>
+          </a:lnRef>
+          <a:fillRef idx="1">
+            <a:schemeClr val="accent6"/>
+          </a:fillRef>
+          <a:effectRef idx="0">
+            <a:schemeClr val="accent6"/>
+          </a:effectRef>
+          <a:fontRef idx="minor">
+            <a:schemeClr val="lt1"/>
+          </a:fontRef>
+        </p:style>
+        <p:txBody>
+          <a:bodyPr rtlCol="0" anchor="ctr"/>
+          <a:lstStyle/>
+          <a:p>
+            <a:pPr algn="ctr"/>
+            <a:r>
+              <a:rPr lang="en-US" altLang="zh-CN" sz="1000" dirty="0">
+                <a:solidFill>
+                  <a:srgbClr val="FF0000"/>
+                </a:solidFill>
+                <a:latin typeface="微软雅黑" panose="020B0503020204020204" pitchFamily="34" charset="-122"/>
+                <a:ea typeface="微软雅黑" panose="020B0503020204020204" pitchFamily="34" charset="-122"/>
+              </a:rPr>
+              <a:t>appkey1</a:t>
+            </a:r>
+          </a:p>
+          <a:p>
+            <a:pPr algn="ctr"/>
+            <a:r>
+              <a:rPr lang="zh-CN" altLang="en-US" sz="1000" dirty="0">
+                <a:solidFill>
+                  <a:srgbClr val="FF0000"/>
+                </a:solidFill>
+                <a:latin typeface="微软雅黑" panose="020B0503020204020204" pitchFamily="34" charset="-122"/>
+                <a:ea typeface="微软雅黑" panose="020B0503020204020204" pitchFamily="34" charset="-122"/>
+              </a:rPr>
+              <a:t>密钥</a:t>
+            </a:r>
+            <a:r>
+              <a:rPr lang="en-US" altLang="zh-CN" sz="1000" dirty="0">
+                <a:solidFill>
+                  <a:srgbClr val="FF0000"/>
+                </a:solidFill>
+                <a:latin typeface="微软雅黑" panose="020B0503020204020204" pitchFamily="34" charset="-122"/>
+                <a:ea typeface="微软雅黑" panose="020B0503020204020204" pitchFamily="34" charset="-122"/>
+              </a:rPr>
+              <a:t>1</a:t>
+            </a:r>
+            <a:endParaRPr lang="zh-CN" altLang="en-US" sz="1000" dirty="0">
+              <a:solidFill>
+                <a:srgbClr val="FF0000"/>
+              </a:solidFill>
+              <a:latin typeface="微软雅黑" panose="020B0503020204020204" pitchFamily="34" charset="-122"/>
+              <a:ea typeface="微软雅黑" panose="020B0503020204020204" pitchFamily="34" charset="-122"/>
+            </a:endParaRPr>
+          </a:p>
+        </p:txBody>
+      </p:sp>
+      <p:sp>
+        <p:nvSpPr>
+          <p:cNvPr id="21" name="矩形 20">
+            <a:extLst>
+              <a:ext uri="{FF2B5EF4-FFF2-40B4-BE49-F238E27FC236}">
+                <a16:creationId xmlns:a16="http://schemas.microsoft.com/office/drawing/2014/main" id="{FD9A89D6-10E8-4BCC-963A-0E70D7C06C85}"/>
+              </a:ext>
+            </a:extLst>
+          </p:cNvPr>
+          <p:cNvSpPr/>
+          <p:nvPr/>
+        </p:nvSpPr>
+        <p:spPr>
+          <a:xfrm>
+            <a:off x="3526446" y="998231"/>
+            <a:ext cx="2954655" cy="369332"/>
+          </a:xfrm>
+          <a:prstGeom prst="rect">
+            <a:avLst/>
+          </a:prstGeom>
+        </p:spPr>
+        <p:txBody>
+          <a:bodyPr wrap="none">
+            <a:spAutoFit/>
+          </a:bodyPr>
+          <a:lstStyle/>
+          <a:p>
+            <a:r>
+              <a:rPr lang="zh-CN" altLang="en-US" dirty="0">
+                <a:solidFill>
+                  <a:schemeClr val="bg2">
+                    <a:lumMod val="50000"/>
+                  </a:schemeClr>
+                </a:solidFill>
+                <a:latin typeface="微软雅黑" panose="020B0503020204020204" pitchFamily="34" charset="-122"/>
+                <a:ea typeface="微软雅黑" panose="020B0503020204020204" pitchFamily="34" charset="-122"/>
+                <a:sym typeface="Arial"/>
+              </a:rPr>
+              <a:t>通常用于服务器之间的通信</a:t>
+            </a:r>
+            <a:endParaRPr lang="zh-CN" altLang="en-US" dirty="0">
+              <a:latin typeface="微软雅黑" panose="020B0503020204020204" pitchFamily="34" charset="-122"/>
+              <a:ea typeface="微软雅黑" panose="020B0503020204020204" pitchFamily="34" charset="-122"/>
+            </a:endParaRPr>
+          </a:p>
+        </p:txBody>
+      </p:sp>
+      <p:sp>
+        <p:nvSpPr>
+          <p:cNvPr id="23" name="矩形 22">
+            <a:extLst>
+              <a:ext uri="{FF2B5EF4-FFF2-40B4-BE49-F238E27FC236}">
+                <a16:creationId xmlns:a16="http://schemas.microsoft.com/office/drawing/2014/main" id="{C4425908-93C4-49D6-9E03-3A1E4B774741}"/>
+              </a:ext>
+            </a:extLst>
+          </p:cNvPr>
+          <p:cNvSpPr/>
+          <p:nvPr/>
+        </p:nvSpPr>
+        <p:spPr>
+          <a:xfrm>
+            <a:off x="4242947" y="2619021"/>
+            <a:ext cx="803425" cy="246221"/>
+          </a:xfrm>
+          <a:prstGeom prst="rect">
+            <a:avLst/>
+          </a:prstGeom>
+        </p:spPr>
+        <p:txBody>
+          <a:bodyPr wrap="none">
+            <a:spAutoFit/>
+          </a:bodyPr>
+          <a:lstStyle/>
+          <a:p>
+            <a:r>
+              <a:rPr lang="en-US" altLang="zh-CN" sz="1000" dirty="0">
+                <a:solidFill>
+                  <a:srgbClr val="314865"/>
+                </a:solidFill>
+                <a:latin typeface="微软雅黑" panose="020B0503020204020204" pitchFamily="34" charset="-122"/>
+                <a:ea typeface="微软雅黑" panose="020B0503020204020204" pitchFamily="34" charset="-122"/>
+                <a:sym typeface="Arial"/>
+              </a:rPr>
+              <a:t>2.</a:t>
+            </a:r>
+            <a:r>
+              <a:rPr lang="zh-CN" altLang="en-US" sz="1000" dirty="0">
+                <a:solidFill>
+                  <a:srgbClr val="314865"/>
+                </a:solidFill>
+                <a:latin typeface="微软雅黑" panose="020B0503020204020204" pitchFamily="34" charset="-122"/>
+                <a:ea typeface="微软雅黑" panose="020B0503020204020204" pitchFamily="34" charset="-122"/>
+                <a:sym typeface="Arial"/>
+              </a:rPr>
+              <a:t>返回数据</a:t>
+            </a:r>
+            <a:endParaRPr lang="zh-CN" altLang="en-US" sz="1000" dirty="0">
+              <a:latin typeface="微软雅黑" panose="020B0503020204020204" pitchFamily="34" charset="-122"/>
+              <a:ea typeface="微软雅黑" panose="020B0503020204020204" pitchFamily="34" charset="-122"/>
+            </a:endParaRPr>
+          </a:p>
+        </p:txBody>
+      </p:sp>
+      <p:sp>
+        <p:nvSpPr>
+          <p:cNvPr id="24" name="流程图: 直接访问存储器 23">
+            <a:extLst>
+              <a:ext uri="{FF2B5EF4-FFF2-40B4-BE49-F238E27FC236}">
+                <a16:creationId xmlns:a16="http://schemas.microsoft.com/office/drawing/2014/main" id="{9502C47C-80C0-4B0C-8B6E-DFF9139E8358}"/>
+              </a:ext>
+            </a:extLst>
+          </p:cNvPr>
+          <p:cNvSpPr/>
+          <p:nvPr/>
+        </p:nvSpPr>
+        <p:spPr>
+          <a:xfrm rot="16200000">
+            <a:off x="10316221" y="2214632"/>
+            <a:ext cx="1774572" cy="1831305"/>
+          </a:xfrm>
+          <a:prstGeom prst="flowChartMagneticDrum">
+            <a:avLst/>
+          </a:prstGeom>
+          <a:solidFill>
+            <a:srgbClr val="00B0F0"/>
+          </a:solidFill>
+          <a:ln>
+            <a:solidFill>
+              <a:srgbClr val="00B0F0"/>
+            </a:solidFill>
+          </a:ln>
+        </p:spPr>
+        <p:style>
+          <a:lnRef idx="2">
+            <a:schemeClr val="accent3">
+              <a:shade val="50000"/>
+            </a:schemeClr>
+          </a:lnRef>
+          <a:fillRef idx="1">
+            <a:schemeClr val="accent3"/>
+          </a:fillRef>
+          <a:effectRef idx="0">
+            <a:schemeClr val="accent3"/>
+          </a:effectRef>
+          <a:fontRef idx="minor">
+            <a:schemeClr val="lt1"/>
+          </a:fontRef>
+        </p:style>
+        <p:txBody>
+          <a:bodyPr vert="horz" rtlCol="0" anchor="ctr"/>
+          <a:lstStyle/>
+          <a:p>
+            <a:pPr algn="ctr"/>
+            <a:endParaRPr lang="zh-CN" altLang="en-US">
+              <a:latin typeface="微软雅黑" panose="020B0503020204020204" pitchFamily="34" charset="-122"/>
+              <a:ea typeface="微软雅黑" panose="020B0503020204020204" pitchFamily="34" charset="-122"/>
+            </a:endParaRPr>
+          </a:p>
+        </p:txBody>
+      </p:sp>
+      <p:sp>
+        <p:nvSpPr>
+          <p:cNvPr id="25" name="矩形: 圆角 24">
+            <a:extLst>
+              <a:ext uri="{FF2B5EF4-FFF2-40B4-BE49-F238E27FC236}">
+                <a16:creationId xmlns:a16="http://schemas.microsoft.com/office/drawing/2014/main" id="{A725183A-1AEC-475B-A3D3-D3FB8AD8E67C}"/>
+              </a:ext>
+            </a:extLst>
+          </p:cNvPr>
+          <p:cNvSpPr/>
+          <p:nvPr/>
+        </p:nvSpPr>
+        <p:spPr>
+          <a:xfrm>
+            <a:off x="10690462" y="2481796"/>
+            <a:ext cx="973123" cy="554997"/>
+          </a:xfrm>
+          <a:prstGeom prst="roundRect">
+            <a:avLst/>
+          </a:prstGeom>
+        </p:spPr>
+        <p:style>
+          <a:lnRef idx="2">
+            <a:schemeClr val="accent6">
+              <a:shade val="50000"/>
+            </a:schemeClr>
+          </a:lnRef>
+          <a:fillRef idx="1">
+            <a:schemeClr val="accent6"/>
+          </a:fillRef>
+          <a:effectRef idx="0">
+            <a:schemeClr val="accent6"/>
+          </a:effectRef>
+          <a:fontRef idx="minor">
+            <a:schemeClr val="lt1"/>
+          </a:fontRef>
+        </p:style>
+        <p:txBody>
+          <a:bodyPr rtlCol="0" anchor="ctr"/>
+          <a:lstStyle/>
+          <a:p>
+            <a:pPr algn="ctr"/>
+            <a:r>
+              <a:rPr lang="en-US" altLang="zh-CN" sz="1000" dirty="0">
+                <a:solidFill>
+                  <a:srgbClr val="FF0000"/>
+                </a:solidFill>
+                <a:latin typeface="微软雅黑" panose="020B0503020204020204" pitchFamily="34" charset="-122"/>
+                <a:ea typeface="微软雅黑" panose="020B0503020204020204" pitchFamily="34" charset="-122"/>
+              </a:rPr>
+              <a:t>appkey1</a:t>
+            </a:r>
+          </a:p>
+          <a:p>
+            <a:pPr algn="ctr"/>
+            <a:r>
+              <a:rPr lang="zh-CN" altLang="en-US" sz="1000" dirty="0">
+                <a:solidFill>
+                  <a:srgbClr val="FF0000"/>
+                </a:solidFill>
+                <a:latin typeface="微软雅黑" panose="020B0503020204020204" pitchFamily="34" charset="-122"/>
+                <a:ea typeface="微软雅黑" panose="020B0503020204020204" pitchFamily="34" charset="-122"/>
+              </a:rPr>
+              <a:t>密钥</a:t>
+            </a:r>
+            <a:r>
+              <a:rPr lang="en-US" altLang="zh-CN" sz="1000" dirty="0">
+                <a:solidFill>
+                  <a:srgbClr val="FF0000"/>
+                </a:solidFill>
+                <a:latin typeface="微软雅黑" panose="020B0503020204020204" pitchFamily="34" charset="-122"/>
+                <a:ea typeface="微软雅黑" panose="020B0503020204020204" pitchFamily="34" charset="-122"/>
+              </a:rPr>
+              <a:t>1</a:t>
+            </a:r>
+            <a:endParaRPr lang="zh-CN" altLang="en-US" sz="1000" dirty="0">
+              <a:solidFill>
+                <a:srgbClr val="FF0000"/>
+              </a:solidFill>
+              <a:latin typeface="微软雅黑" panose="020B0503020204020204" pitchFamily="34" charset="-122"/>
+              <a:ea typeface="微软雅黑" panose="020B0503020204020204" pitchFamily="34" charset="-122"/>
+            </a:endParaRPr>
+          </a:p>
+        </p:txBody>
+      </p:sp>
+      <p:sp>
+        <p:nvSpPr>
+          <p:cNvPr id="26" name="矩形: 圆角 25">
+            <a:extLst>
+              <a:ext uri="{FF2B5EF4-FFF2-40B4-BE49-F238E27FC236}">
+                <a16:creationId xmlns:a16="http://schemas.microsoft.com/office/drawing/2014/main" id="{94D69FE6-ED80-446F-BDA0-8568B6C7E061}"/>
+              </a:ext>
+            </a:extLst>
+          </p:cNvPr>
+          <p:cNvSpPr/>
+          <p:nvPr/>
+        </p:nvSpPr>
+        <p:spPr>
+          <a:xfrm>
+            <a:off x="10716945" y="3249683"/>
+            <a:ext cx="973123" cy="554997"/>
+          </a:xfrm>
+          <a:prstGeom prst="roundRect">
+            <a:avLst/>
+          </a:prstGeom>
+        </p:spPr>
+        <p:style>
+          <a:lnRef idx="2">
+            <a:schemeClr val="accent6">
+              <a:shade val="50000"/>
+            </a:schemeClr>
+          </a:lnRef>
+          <a:fillRef idx="1">
+            <a:schemeClr val="accent6"/>
+          </a:fillRef>
+          <a:effectRef idx="0">
+            <a:schemeClr val="accent6"/>
+          </a:effectRef>
+          <a:fontRef idx="minor">
+            <a:schemeClr val="lt1"/>
+          </a:fontRef>
+        </p:style>
+        <p:txBody>
+          <a:bodyPr rtlCol="0" anchor="ctr"/>
+          <a:lstStyle/>
+          <a:p>
+            <a:pPr algn="ctr"/>
+            <a:r>
+              <a:rPr lang="en-US" altLang="zh-CN" sz="1000" dirty="0">
+                <a:solidFill>
+                  <a:srgbClr val="FF0000"/>
+                </a:solidFill>
+                <a:latin typeface="微软雅黑" panose="020B0503020204020204" pitchFamily="34" charset="-122"/>
+                <a:ea typeface="微软雅黑" panose="020B0503020204020204" pitchFamily="34" charset="-122"/>
+              </a:rPr>
+              <a:t>appkey2</a:t>
+            </a:r>
+          </a:p>
+          <a:p>
+            <a:pPr algn="ctr"/>
+            <a:r>
+              <a:rPr lang="zh-CN" altLang="en-US" sz="1000" dirty="0">
+                <a:solidFill>
+                  <a:srgbClr val="FF0000"/>
+                </a:solidFill>
+                <a:latin typeface="微软雅黑" panose="020B0503020204020204" pitchFamily="34" charset="-122"/>
+                <a:ea typeface="微软雅黑" panose="020B0503020204020204" pitchFamily="34" charset="-122"/>
+              </a:rPr>
+              <a:t>密钥</a:t>
+            </a:r>
+            <a:r>
+              <a:rPr lang="en-US" altLang="zh-CN" sz="1000" dirty="0">
+                <a:solidFill>
+                  <a:srgbClr val="FF0000"/>
+                </a:solidFill>
+                <a:latin typeface="微软雅黑" panose="020B0503020204020204" pitchFamily="34" charset="-122"/>
+                <a:ea typeface="微软雅黑" panose="020B0503020204020204" pitchFamily="34" charset="-122"/>
+              </a:rPr>
+              <a:t>2</a:t>
+            </a:r>
+            <a:endParaRPr lang="zh-CN" altLang="en-US" sz="1000" dirty="0">
+              <a:solidFill>
+                <a:srgbClr val="FF0000"/>
+              </a:solidFill>
+              <a:latin typeface="微软雅黑" panose="020B0503020204020204" pitchFamily="34" charset="-122"/>
+              <a:ea typeface="微软雅黑" panose="020B0503020204020204" pitchFamily="34" charset="-122"/>
+            </a:endParaRPr>
+          </a:p>
+        </p:txBody>
+      </p:sp>
+      <p:sp>
+        <p:nvSpPr>
+          <p:cNvPr id="31" name="矩形 30">
+            <a:extLst>
+              <a:ext uri="{FF2B5EF4-FFF2-40B4-BE49-F238E27FC236}">
+                <a16:creationId xmlns:a16="http://schemas.microsoft.com/office/drawing/2014/main" id="{AE70A4F8-DF31-4925-9BB1-F5FA21085839}"/>
+              </a:ext>
+            </a:extLst>
+          </p:cNvPr>
+          <p:cNvSpPr/>
+          <p:nvPr/>
+        </p:nvSpPr>
+        <p:spPr>
+          <a:xfrm>
+            <a:off x="688642" y="2696492"/>
+            <a:ext cx="829073" cy="307777"/>
+          </a:xfrm>
+          <a:prstGeom prst="rect">
+            <a:avLst/>
+          </a:prstGeom>
+        </p:spPr>
+        <p:txBody>
+          <a:bodyPr wrap="none">
+            <a:spAutoFit/>
+          </a:bodyPr>
+          <a:lstStyle/>
+          <a:p>
+            <a:r>
+              <a:rPr lang="zh-CN" altLang="en-US" sz="1400" dirty="0">
+                <a:solidFill>
+                  <a:schemeClr val="bg2">
+                    <a:lumMod val="50000"/>
+                  </a:schemeClr>
+                </a:solidFill>
+                <a:latin typeface="微软雅黑" panose="020B0503020204020204" pitchFamily="34" charset="-122"/>
+                <a:ea typeface="微软雅黑" panose="020B0503020204020204" pitchFamily="34" charset="-122"/>
+                <a:sym typeface="Arial"/>
+              </a:rPr>
+              <a:t>调用方</a:t>
+            </a:r>
+            <a:r>
+              <a:rPr lang="en-US" altLang="zh-CN" sz="1400" dirty="0">
+                <a:solidFill>
+                  <a:schemeClr val="bg2">
+                    <a:lumMod val="50000"/>
+                  </a:schemeClr>
+                </a:solidFill>
+                <a:latin typeface="微软雅黑" panose="020B0503020204020204" pitchFamily="34" charset="-122"/>
+                <a:ea typeface="微软雅黑" panose="020B0503020204020204" pitchFamily="34" charset="-122"/>
+                <a:sym typeface="Arial"/>
+              </a:rPr>
+              <a:t>1</a:t>
+            </a:r>
+            <a:endParaRPr lang="zh-CN" altLang="en-US" sz="1400" dirty="0">
+              <a:solidFill>
+                <a:schemeClr val="bg2">
+                  <a:lumMod val="50000"/>
+                </a:schemeClr>
+              </a:solidFill>
+              <a:latin typeface="微软雅黑" panose="020B0503020204020204" pitchFamily="34" charset="-122"/>
+              <a:ea typeface="微软雅黑" panose="020B0503020204020204" pitchFamily="34" charset="-122"/>
+            </a:endParaRPr>
+          </a:p>
+        </p:txBody>
+      </p:sp>
+      <p:cxnSp>
+        <p:nvCxnSpPr>
+          <p:cNvPr id="33" name="直接箭头连接符 32">
+            <a:extLst>
+              <a:ext uri="{FF2B5EF4-FFF2-40B4-BE49-F238E27FC236}">
+                <a16:creationId xmlns:a16="http://schemas.microsoft.com/office/drawing/2014/main" id="{A38618D6-DD20-4F4B-ABF7-734F9F7C0A47}"/>
+              </a:ext>
+            </a:extLst>
+          </p:cNvPr>
+          <p:cNvCxnSpPr>
+            <a:cxnSpLocks/>
+          </p:cNvCxnSpPr>
+          <p:nvPr/>
+        </p:nvCxnSpPr>
+        <p:spPr>
+          <a:xfrm>
+            <a:off x="1663006" y="3603002"/>
+            <a:ext cx="6996427" cy="0"/>
+          </a:xfrm>
+          <a:prstGeom prst="straightConnector1">
+            <a:avLst/>
+          </a:prstGeom>
+          <a:ln>
+            <a:solidFill>
+              <a:schemeClr val="tx2"/>
+            </a:solidFill>
+            <a:tailEnd type="triangle"/>
+          </a:ln>
+        </p:spPr>
+        <p:style>
+          <a:lnRef idx="1">
+            <a:schemeClr val="accent1"/>
+          </a:lnRef>
+          <a:fillRef idx="0">
+            <a:schemeClr val="accent1"/>
+          </a:fillRef>
+          <a:effectRef idx="0">
+            <a:schemeClr val="accent1"/>
+          </a:effectRef>
+          <a:fontRef idx="minor">
+            <a:schemeClr val="tx1"/>
+          </a:fontRef>
+        </p:style>
+      </p:cxnSp>
+      <p:cxnSp>
+        <p:nvCxnSpPr>
+          <p:cNvPr id="34" name="直接箭头连接符 33">
+            <a:extLst>
+              <a:ext uri="{FF2B5EF4-FFF2-40B4-BE49-F238E27FC236}">
+                <a16:creationId xmlns:a16="http://schemas.microsoft.com/office/drawing/2014/main" id="{0B4D3BD3-318D-45F2-9D29-75492578F027}"/>
+              </a:ext>
+            </a:extLst>
+          </p:cNvPr>
+          <p:cNvCxnSpPr>
+            <a:cxnSpLocks/>
+          </p:cNvCxnSpPr>
+          <p:nvPr/>
+        </p:nvCxnSpPr>
+        <p:spPr>
+          <a:xfrm flipH="1">
+            <a:off x="1637102" y="4371019"/>
+            <a:ext cx="7056050" cy="0"/>
+          </a:xfrm>
+          <a:prstGeom prst="straightConnector1">
+            <a:avLst/>
+          </a:prstGeom>
+          <a:ln>
+            <a:solidFill>
+              <a:schemeClr val="tx2"/>
+            </a:solidFill>
+            <a:tailEnd type="triangle"/>
+          </a:ln>
+        </p:spPr>
+        <p:style>
+          <a:lnRef idx="1">
+            <a:schemeClr val="accent1"/>
+          </a:lnRef>
+          <a:fillRef idx="0">
+            <a:schemeClr val="accent1"/>
+          </a:fillRef>
+          <a:effectRef idx="0">
+            <a:schemeClr val="accent1"/>
+          </a:effectRef>
+          <a:fontRef idx="minor">
+            <a:schemeClr val="tx1"/>
+          </a:fontRef>
+        </p:style>
+      </p:cxnSp>
+      <p:sp>
+        <p:nvSpPr>
+          <p:cNvPr id="35" name="矩形 34">
+            <a:extLst>
+              <a:ext uri="{FF2B5EF4-FFF2-40B4-BE49-F238E27FC236}">
+                <a16:creationId xmlns:a16="http://schemas.microsoft.com/office/drawing/2014/main" id="{E5AF5DCE-0598-4B6F-A726-E1589B714D62}"/>
+              </a:ext>
+            </a:extLst>
+          </p:cNvPr>
+          <p:cNvSpPr/>
+          <p:nvPr/>
+        </p:nvSpPr>
+        <p:spPr>
+          <a:xfrm>
+            <a:off x="1663006" y="3356780"/>
+            <a:ext cx="6942926" cy="246221"/>
+          </a:xfrm>
+          <a:prstGeom prst="rect">
+            <a:avLst/>
+          </a:prstGeom>
+        </p:spPr>
+        <p:txBody>
+          <a:bodyPr wrap="none">
+            <a:spAutoFit/>
+          </a:bodyPr>
+          <a:lstStyle/>
+          <a:p>
+            <a:r>
+              <a:rPr lang="en-US" altLang="zh-CN" sz="1000" dirty="0">
+                <a:solidFill>
+                  <a:srgbClr val="314865"/>
+                </a:solidFill>
+                <a:latin typeface="微软雅黑" panose="020B0503020204020204" pitchFamily="34" charset="-122"/>
+                <a:ea typeface="微软雅黑" panose="020B0503020204020204" pitchFamily="34" charset="-122"/>
+                <a:sym typeface="Arial"/>
+              </a:rPr>
+              <a:t>1.</a:t>
+            </a:r>
+            <a:r>
+              <a:rPr lang="zh-CN" altLang="en-US" sz="1000" dirty="0">
+                <a:solidFill>
+                  <a:srgbClr val="314865"/>
+                </a:solidFill>
+                <a:latin typeface="微软雅黑" panose="020B0503020204020204" pitchFamily="34" charset="-122"/>
+                <a:ea typeface="微软雅黑" panose="020B0503020204020204" pitchFamily="34" charset="-122"/>
+                <a:sym typeface="Arial"/>
+              </a:rPr>
+              <a:t>访问</a:t>
+            </a:r>
+            <a:r>
+              <a:rPr lang="en-US" altLang="zh-CN" sz="1000" dirty="0">
+                <a:solidFill>
+                  <a:srgbClr val="314865"/>
+                </a:solidFill>
+                <a:latin typeface="微软雅黑" panose="020B0503020204020204" pitchFamily="34" charset="-122"/>
+                <a:ea typeface="微软雅黑" panose="020B0503020204020204" pitchFamily="34" charset="-122"/>
+                <a:sym typeface="Arial"/>
+              </a:rPr>
+              <a:t>http://localhost:8080/demo.json?name=a&amp;channel=1&amp;timestamp=123&amp;appkey=</a:t>
+            </a:r>
+            <a:r>
+              <a:rPr lang="en-US" altLang="zh-CN" sz="1000" dirty="0">
+                <a:solidFill>
+                  <a:srgbClr val="FF0000"/>
+                </a:solidFill>
+                <a:latin typeface="微软雅黑" panose="020B0503020204020204" pitchFamily="34" charset="-122"/>
+                <a:ea typeface="微软雅黑" panose="020B0503020204020204" pitchFamily="34" charset="-122"/>
+                <a:sym typeface="Arial"/>
+              </a:rPr>
+              <a:t>appkey2</a:t>
+            </a:r>
+            <a:r>
+              <a:rPr lang="en-US" altLang="zh-CN" sz="1000" dirty="0">
+                <a:solidFill>
+                  <a:srgbClr val="314865"/>
+                </a:solidFill>
+                <a:latin typeface="微软雅黑" panose="020B0503020204020204" pitchFamily="34" charset="-122"/>
+                <a:ea typeface="微软雅黑" panose="020B0503020204020204" pitchFamily="34" charset="-122"/>
+                <a:sym typeface="Arial"/>
+              </a:rPr>
+              <a:t>&amp;sign=</a:t>
+            </a:r>
+            <a:r>
+              <a:rPr lang="en-US" altLang="zh-CN" sz="1000" dirty="0">
+                <a:solidFill>
+                  <a:srgbClr val="FF0000"/>
+                </a:solidFill>
+                <a:latin typeface="微软雅黑" panose="020B0503020204020204" pitchFamily="34" charset="-122"/>
+                <a:ea typeface="微软雅黑" panose="020B0503020204020204" pitchFamily="34" charset="-122"/>
+                <a:sym typeface="Arial"/>
+              </a:rPr>
+              <a:t>sign2</a:t>
+            </a:r>
+            <a:endParaRPr lang="zh-CN" altLang="en-US" sz="1000" dirty="0">
+              <a:solidFill>
+                <a:srgbClr val="FF0000"/>
+              </a:solidFill>
+              <a:latin typeface="微软雅黑" panose="020B0503020204020204" pitchFamily="34" charset="-122"/>
+              <a:ea typeface="微软雅黑" panose="020B0503020204020204" pitchFamily="34" charset="-122"/>
+            </a:endParaRPr>
+          </a:p>
+        </p:txBody>
+      </p:sp>
+      <p:sp>
+        <p:nvSpPr>
+          <p:cNvPr id="36" name="矩形 35">
+            <a:extLst>
+              <a:ext uri="{FF2B5EF4-FFF2-40B4-BE49-F238E27FC236}">
+                <a16:creationId xmlns:a16="http://schemas.microsoft.com/office/drawing/2014/main" id="{7CA0686A-CA4A-4DD9-A3D6-5EFC5CF2487A}"/>
+              </a:ext>
+            </a:extLst>
+          </p:cNvPr>
+          <p:cNvSpPr/>
+          <p:nvPr/>
+        </p:nvSpPr>
+        <p:spPr>
+          <a:xfrm>
+            <a:off x="4209228" y="4124796"/>
+            <a:ext cx="803425" cy="246221"/>
+          </a:xfrm>
+          <a:prstGeom prst="rect">
+            <a:avLst/>
+          </a:prstGeom>
+        </p:spPr>
+        <p:txBody>
+          <a:bodyPr wrap="none">
+            <a:spAutoFit/>
+          </a:bodyPr>
+          <a:lstStyle/>
+          <a:p>
+            <a:r>
+              <a:rPr lang="en-US" altLang="zh-CN" sz="1000" dirty="0">
+                <a:solidFill>
+                  <a:srgbClr val="314865"/>
+                </a:solidFill>
+                <a:latin typeface="微软雅黑" panose="020B0503020204020204" pitchFamily="34" charset="-122"/>
+                <a:ea typeface="微软雅黑" panose="020B0503020204020204" pitchFamily="34" charset="-122"/>
+                <a:sym typeface="Arial"/>
+              </a:rPr>
+              <a:t>2.</a:t>
+            </a:r>
+            <a:r>
+              <a:rPr lang="zh-CN" altLang="en-US" sz="1000" dirty="0">
+                <a:solidFill>
+                  <a:srgbClr val="314865"/>
+                </a:solidFill>
+                <a:latin typeface="微软雅黑" panose="020B0503020204020204" pitchFamily="34" charset="-122"/>
+                <a:ea typeface="微软雅黑" panose="020B0503020204020204" pitchFamily="34" charset="-122"/>
+                <a:sym typeface="Arial"/>
+              </a:rPr>
+              <a:t>返回数据</a:t>
+            </a:r>
+            <a:endParaRPr lang="zh-CN" altLang="en-US" sz="1000" dirty="0">
+              <a:latin typeface="微软雅黑" panose="020B0503020204020204" pitchFamily="34" charset="-122"/>
+              <a:ea typeface="微软雅黑" panose="020B0503020204020204" pitchFamily="34" charset="-122"/>
+            </a:endParaRPr>
+          </a:p>
+        </p:txBody>
+      </p:sp>
+      <p:sp>
+        <p:nvSpPr>
+          <p:cNvPr id="39" name="矩形: 圆角 38">
+            <a:extLst>
+              <a:ext uri="{FF2B5EF4-FFF2-40B4-BE49-F238E27FC236}">
+                <a16:creationId xmlns:a16="http://schemas.microsoft.com/office/drawing/2014/main" id="{82AD31BA-C74E-4054-A6B9-09F9D62256D0}"/>
+              </a:ext>
+            </a:extLst>
+          </p:cNvPr>
+          <p:cNvSpPr/>
+          <p:nvPr/>
+        </p:nvSpPr>
+        <p:spPr>
+          <a:xfrm>
+            <a:off x="586143" y="2043098"/>
+            <a:ext cx="973123" cy="411339"/>
+          </a:xfrm>
+          <a:prstGeom prst="roundRect">
+            <a:avLst/>
+          </a:prstGeom>
+        </p:spPr>
+        <p:style>
+          <a:lnRef idx="2">
+            <a:schemeClr val="accent6">
+              <a:shade val="50000"/>
+            </a:schemeClr>
+          </a:lnRef>
+          <a:fillRef idx="1">
+            <a:schemeClr val="accent6"/>
+          </a:fillRef>
+          <a:effectRef idx="0">
+            <a:schemeClr val="accent6"/>
+          </a:effectRef>
+          <a:fontRef idx="minor">
+            <a:schemeClr val="lt1"/>
+          </a:fontRef>
+        </p:style>
+        <p:txBody>
+          <a:bodyPr rtlCol="0" anchor="ctr"/>
+          <a:lstStyle/>
+          <a:p>
+            <a:pPr algn="ctr"/>
+            <a:r>
+              <a:rPr lang="zh-CN" altLang="en-US" sz="1000" dirty="0">
+                <a:latin typeface="微软雅黑" panose="020B0503020204020204" pitchFamily="34" charset="-122"/>
+                <a:ea typeface="微软雅黑" panose="020B0503020204020204" pitchFamily="34" charset="-122"/>
+              </a:rPr>
+              <a:t>生产签名</a:t>
+            </a:r>
+            <a:r>
+              <a:rPr lang="en-US" altLang="zh-CN" sz="1000" dirty="0">
+                <a:solidFill>
+                  <a:srgbClr val="FF0000"/>
+                </a:solidFill>
+                <a:latin typeface="微软雅黑" panose="020B0503020204020204" pitchFamily="34" charset="-122"/>
+                <a:ea typeface="微软雅黑" panose="020B0503020204020204" pitchFamily="34" charset="-122"/>
+              </a:rPr>
+              <a:t>sign1</a:t>
+            </a:r>
+          </a:p>
+        </p:txBody>
+      </p:sp>
+      <p:cxnSp>
+        <p:nvCxnSpPr>
+          <p:cNvPr id="41" name="直接箭头连接符 40">
+            <a:extLst>
+              <a:ext uri="{FF2B5EF4-FFF2-40B4-BE49-F238E27FC236}">
+                <a16:creationId xmlns:a16="http://schemas.microsoft.com/office/drawing/2014/main" id="{41BE48A6-71DC-4AEE-A4C9-D3559B0EBB9D}"/>
+              </a:ext>
+            </a:extLst>
+          </p:cNvPr>
+          <p:cNvCxnSpPr>
+            <a:cxnSpLocks/>
+            <a:stCxn id="20" idx="2"/>
+            <a:endCxn id="39" idx="0"/>
+          </p:cNvCxnSpPr>
+          <p:nvPr/>
+        </p:nvCxnSpPr>
+        <p:spPr>
+          <a:xfrm>
+            <a:off x="1072705" y="1793401"/>
+            <a:ext cx="0" cy="249697"/>
+          </a:xfrm>
+          <a:prstGeom prst="straightConnector1">
+            <a:avLst/>
+          </a:prstGeom>
+          <a:ln>
+            <a:tailEnd type="triangle"/>
+          </a:ln>
+        </p:spPr>
+        <p:style>
+          <a:lnRef idx="1">
+            <a:schemeClr val="accent1"/>
+          </a:lnRef>
+          <a:fillRef idx="0">
+            <a:schemeClr val="accent1"/>
+          </a:fillRef>
+          <a:effectRef idx="0">
+            <a:schemeClr val="accent1"/>
+          </a:effectRef>
+          <a:fontRef idx="minor">
+            <a:schemeClr val="tx1"/>
+          </a:fontRef>
+        </p:style>
+      </p:cxnSp>
+      <p:sp>
+        <p:nvSpPr>
+          <p:cNvPr id="44" name="矩形 43">
+            <a:extLst>
+              <a:ext uri="{FF2B5EF4-FFF2-40B4-BE49-F238E27FC236}">
+                <a16:creationId xmlns:a16="http://schemas.microsoft.com/office/drawing/2014/main" id="{9215335E-9092-437C-B405-B37CA0BF1D83}"/>
+              </a:ext>
+            </a:extLst>
+          </p:cNvPr>
+          <p:cNvSpPr/>
+          <p:nvPr/>
+        </p:nvSpPr>
+        <p:spPr>
+          <a:xfrm>
+            <a:off x="483732" y="3225764"/>
+            <a:ext cx="1187089" cy="1733412"/>
+          </a:xfrm>
+          <a:prstGeom prst="rect">
+            <a:avLst/>
+          </a:prstGeom>
+          <a:solidFill>
+            <a:srgbClr val="00B0F0"/>
+          </a:solidFill>
+          <a:ln>
+            <a:solidFill>
+              <a:srgbClr val="00B0F0"/>
+            </a:solidFill>
+          </a:ln>
+        </p:spPr>
+        <p:style>
+          <a:lnRef idx="2">
+            <a:schemeClr val="accent3">
+              <a:shade val="50000"/>
+            </a:schemeClr>
+          </a:lnRef>
+          <a:fillRef idx="1">
+            <a:schemeClr val="accent3"/>
+          </a:fillRef>
+          <a:effectRef idx="0">
+            <a:schemeClr val="accent3"/>
+          </a:effectRef>
+          <a:fontRef idx="minor">
+            <a:schemeClr val="lt1"/>
+          </a:fontRef>
+        </p:style>
+        <p:txBody>
+          <a:bodyPr vert="horz" rtlCol="0" anchor="ctr"/>
+          <a:lstStyle/>
+          <a:p>
+            <a:pPr algn="ctr"/>
+            <a:endParaRPr lang="zh-CN" altLang="en-US" dirty="0">
+              <a:latin typeface="微软雅黑" panose="020B0503020204020204" pitchFamily="34" charset="-122"/>
+              <a:ea typeface="微软雅黑" panose="020B0503020204020204" pitchFamily="34" charset="-122"/>
+            </a:endParaRPr>
+          </a:p>
+        </p:txBody>
+      </p:sp>
+      <p:sp>
+        <p:nvSpPr>
+          <p:cNvPr id="45" name="矩形: 圆角 44">
+            <a:extLst>
+              <a:ext uri="{FF2B5EF4-FFF2-40B4-BE49-F238E27FC236}">
+                <a16:creationId xmlns:a16="http://schemas.microsoft.com/office/drawing/2014/main" id="{2B165B79-F013-4C57-847A-15E6B6DF1632}"/>
+              </a:ext>
+            </a:extLst>
+          </p:cNvPr>
+          <p:cNvSpPr/>
+          <p:nvPr/>
+        </p:nvSpPr>
+        <p:spPr>
+          <a:xfrm>
+            <a:off x="560239" y="3298921"/>
+            <a:ext cx="973123" cy="411339"/>
+          </a:xfrm>
+          <a:prstGeom prst="roundRect">
+            <a:avLst/>
+          </a:prstGeom>
+        </p:spPr>
+        <p:style>
+          <a:lnRef idx="2">
+            <a:schemeClr val="accent6">
+              <a:shade val="50000"/>
+            </a:schemeClr>
+          </a:lnRef>
+          <a:fillRef idx="1">
+            <a:schemeClr val="accent6"/>
+          </a:fillRef>
+          <a:effectRef idx="0">
+            <a:schemeClr val="accent6"/>
+          </a:effectRef>
+          <a:fontRef idx="minor">
+            <a:schemeClr val="lt1"/>
+          </a:fontRef>
+        </p:style>
+        <p:txBody>
+          <a:bodyPr rtlCol="0" anchor="ctr"/>
+          <a:lstStyle/>
+          <a:p>
+            <a:pPr algn="ctr"/>
+            <a:r>
+              <a:rPr lang="en-US" altLang="zh-CN" sz="1000" dirty="0">
+                <a:solidFill>
+                  <a:srgbClr val="FF0000"/>
+                </a:solidFill>
+                <a:latin typeface="微软雅黑" panose="020B0503020204020204" pitchFamily="34" charset="-122"/>
+                <a:ea typeface="微软雅黑" panose="020B0503020204020204" pitchFamily="34" charset="-122"/>
+              </a:rPr>
+              <a:t>appkey2</a:t>
+            </a:r>
+          </a:p>
+          <a:p>
+            <a:pPr algn="ctr"/>
+            <a:r>
+              <a:rPr lang="zh-CN" altLang="en-US" sz="1000" dirty="0">
+                <a:solidFill>
+                  <a:srgbClr val="FF0000"/>
+                </a:solidFill>
+                <a:latin typeface="微软雅黑" panose="020B0503020204020204" pitchFamily="34" charset="-122"/>
+                <a:ea typeface="微软雅黑" panose="020B0503020204020204" pitchFamily="34" charset="-122"/>
+              </a:rPr>
+              <a:t>密钥</a:t>
+            </a:r>
+            <a:r>
+              <a:rPr lang="en-US" altLang="zh-CN" sz="1000" dirty="0">
+                <a:solidFill>
+                  <a:srgbClr val="FF0000"/>
+                </a:solidFill>
+                <a:latin typeface="微软雅黑" panose="020B0503020204020204" pitchFamily="34" charset="-122"/>
+                <a:ea typeface="微软雅黑" panose="020B0503020204020204" pitchFamily="34" charset="-122"/>
+              </a:rPr>
+              <a:t>2</a:t>
+            </a:r>
+            <a:endParaRPr lang="zh-CN" altLang="en-US" sz="1000" dirty="0">
+              <a:solidFill>
+                <a:srgbClr val="FF0000"/>
+              </a:solidFill>
+              <a:latin typeface="微软雅黑" panose="020B0503020204020204" pitchFamily="34" charset="-122"/>
+              <a:ea typeface="微软雅黑" panose="020B0503020204020204" pitchFamily="34" charset="-122"/>
+            </a:endParaRPr>
+          </a:p>
+        </p:txBody>
+      </p:sp>
+      <p:sp>
+        <p:nvSpPr>
+          <p:cNvPr id="46" name="矩形 45">
+            <a:extLst>
+              <a:ext uri="{FF2B5EF4-FFF2-40B4-BE49-F238E27FC236}">
+                <a16:creationId xmlns:a16="http://schemas.microsoft.com/office/drawing/2014/main" id="{F6C5C8D8-3DEB-4DC8-AF17-AE8FFA0BFBD4}"/>
+              </a:ext>
+            </a:extLst>
+          </p:cNvPr>
+          <p:cNvSpPr/>
+          <p:nvPr/>
+        </p:nvSpPr>
+        <p:spPr>
+          <a:xfrm>
+            <a:off x="662738" y="4613351"/>
+            <a:ext cx="829073" cy="307777"/>
+          </a:xfrm>
+          <a:prstGeom prst="rect">
+            <a:avLst/>
+          </a:prstGeom>
+        </p:spPr>
+        <p:txBody>
+          <a:bodyPr wrap="none">
+            <a:spAutoFit/>
+          </a:bodyPr>
+          <a:lstStyle/>
+          <a:p>
+            <a:r>
+              <a:rPr lang="zh-CN" altLang="en-US" sz="1400" dirty="0">
+                <a:solidFill>
+                  <a:schemeClr val="bg2">
+                    <a:lumMod val="50000"/>
+                  </a:schemeClr>
+                </a:solidFill>
+                <a:latin typeface="微软雅黑" panose="020B0503020204020204" pitchFamily="34" charset="-122"/>
+                <a:ea typeface="微软雅黑" panose="020B0503020204020204" pitchFamily="34" charset="-122"/>
+                <a:sym typeface="Arial"/>
+              </a:rPr>
+              <a:t>调用方</a:t>
+            </a:r>
+            <a:r>
+              <a:rPr lang="en-US" altLang="zh-CN" sz="1400" dirty="0">
+                <a:solidFill>
+                  <a:schemeClr val="bg2">
+                    <a:lumMod val="50000"/>
+                  </a:schemeClr>
+                </a:solidFill>
+                <a:latin typeface="微软雅黑" panose="020B0503020204020204" pitchFamily="34" charset="-122"/>
+                <a:ea typeface="微软雅黑" panose="020B0503020204020204" pitchFamily="34" charset="-122"/>
+                <a:sym typeface="Arial"/>
+              </a:rPr>
+              <a:t>2</a:t>
+            </a:r>
+            <a:endParaRPr lang="zh-CN" altLang="en-US" sz="1400" dirty="0">
+              <a:solidFill>
+                <a:schemeClr val="bg2">
+                  <a:lumMod val="50000"/>
+                </a:schemeClr>
+              </a:solidFill>
+              <a:latin typeface="微软雅黑" panose="020B0503020204020204" pitchFamily="34" charset="-122"/>
+              <a:ea typeface="微软雅黑" panose="020B0503020204020204" pitchFamily="34" charset="-122"/>
+            </a:endParaRPr>
+          </a:p>
+        </p:txBody>
+      </p:sp>
+      <p:sp>
+        <p:nvSpPr>
+          <p:cNvPr id="47" name="矩形: 圆角 46">
+            <a:extLst>
+              <a:ext uri="{FF2B5EF4-FFF2-40B4-BE49-F238E27FC236}">
+                <a16:creationId xmlns:a16="http://schemas.microsoft.com/office/drawing/2014/main" id="{BDD216F0-6E72-4396-90E6-BEF2320C6C3E}"/>
+              </a:ext>
+            </a:extLst>
+          </p:cNvPr>
+          <p:cNvSpPr/>
+          <p:nvPr/>
+        </p:nvSpPr>
+        <p:spPr>
+          <a:xfrm>
+            <a:off x="560239" y="3959957"/>
+            <a:ext cx="973123" cy="411339"/>
+          </a:xfrm>
+          <a:prstGeom prst="roundRect">
+            <a:avLst/>
+          </a:prstGeom>
+        </p:spPr>
+        <p:style>
+          <a:lnRef idx="2">
+            <a:schemeClr val="accent6">
+              <a:shade val="50000"/>
+            </a:schemeClr>
+          </a:lnRef>
+          <a:fillRef idx="1">
+            <a:schemeClr val="accent6"/>
+          </a:fillRef>
+          <a:effectRef idx="0">
+            <a:schemeClr val="accent6"/>
+          </a:effectRef>
+          <a:fontRef idx="minor">
+            <a:schemeClr val="lt1"/>
+          </a:fontRef>
+        </p:style>
+        <p:txBody>
+          <a:bodyPr rtlCol="0" anchor="ctr"/>
+          <a:lstStyle/>
+          <a:p>
+            <a:pPr algn="ctr"/>
+            <a:r>
+              <a:rPr lang="zh-CN" altLang="en-US" sz="1000" dirty="0">
+                <a:latin typeface="微软雅黑" panose="020B0503020204020204" pitchFamily="34" charset="-122"/>
+                <a:ea typeface="微软雅黑" panose="020B0503020204020204" pitchFamily="34" charset="-122"/>
+              </a:rPr>
+              <a:t>生产签名</a:t>
+            </a:r>
+            <a:r>
+              <a:rPr lang="en-US" altLang="zh-CN" sz="1000" dirty="0">
+                <a:solidFill>
+                  <a:srgbClr val="FF0000"/>
+                </a:solidFill>
+                <a:latin typeface="微软雅黑" panose="020B0503020204020204" pitchFamily="34" charset="-122"/>
+                <a:ea typeface="微软雅黑" panose="020B0503020204020204" pitchFamily="34" charset="-122"/>
+              </a:rPr>
+              <a:t>sign2</a:t>
+            </a:r>
+          </a:p>
+        </p:txBody>
+      </p:sp>
+      <p:cxnSp>
+        <p:nvCxnSpPr>
+          <p:cNvPr id="48" name="直接箭头连接符 47">
+            <a:extLst>
+              <a:ext uri="{FF2B5EF4-FFF2-40B4-BE49-F238E27FC236}">
+                <a16:creationId xmlns:a16="http://schemas.microsoft.com/office/drawing/2014/main" id="{34234A60-4C47-48B8-803B-C84C1D0B268D}"/>
+              </a:ext>
+            </a:extLst>
+          </p:cNvPr>
+          <p:cNvCxnSpPr>
+            <a:cxnSpLocks/>
+            <a:stCxn id="45" idx="2"/>
+            <a:endCxn id="47" idx="0"/>
+          </p:cNvCxnSpPr>
+          <p:nvPr/>
+        </p:nvCxnSpPr>
+        <p:spPr>
+          <a:xfrm>
+            <a:off x="1046801" y="3710260"/>
+            <a:ext cx="0" cy="249697"/>
+          </a:xfrm>
+          <a:prstGeom prst="straightConnector1">
+            <a:avLst/>
+          </a:prstGeom>
+          <a:ln>
+            <a:tailEnd type="triangle"/>
+          </a:ln>
+        </p:spPr>
+        <p:style>
+          <a:lnRef idx="1">
+            <a:schemeClr val="accent1"/>
+          </a:lnRef>
+          <a:fillRef idx="0">
+            <a:schemeClr val="accent1"/>
+          </a:fillRef>
+          <a:effectRef idx="0">
+            <a:schemeClr val="accent1"/>
+          </a:effectRef>
+          <a:fontRef idx="minor">
+            <a:schemeClr val="tx1"/>
+          </a:fontRef>
+        </p:style>
+      </p:cxnSp>
+      <p:sp>
+        <p:nvSpPr>
+          <p:cNvPr id="49" name="矩形: 圆角 48">
+            <a:extLst>
+              <a:ext uri="{FF2B5EF4-FFF2-40B4-BE49-F238E27FC236}">
+                <a16:creationId xmlns:a16="http://schemas.microsoft.com/office/drawing/2014/main" id="{91C1728A-C11B-464A-8D39-92B284B32ABC}"/>
+              </a:ext>
+            </a:extLst>
+          </p:cNvPr>
+          <p:cNvSpPr/>
+          <p:nvPr/>
+        </p:nvSpPr>
+        <p:spPr>
+          <a:xfrm>
+            <a:off x="8772537" y="2208459"/>
+            <a:ext cx="973123" cy="411339"/>
+          </a:xfrm>
+          <a:prstGeom prst="roundRect">
+            <a:avLst/>
+          </a:prstGeom>
+        </p:spPr>
+        <p:style>
+          <a:lnRef idx="2">
+            <a:schemeClr val="accent6">
+              <a:shade val="50000"/>
+            </a:schemeClr>
+          </a:lnRef>
+          <a:fillRef idx="1">
+            <a:schemeClr val="accent6"/>
+          </a:fillRef>
+          <a:effectRef idx="0">
+            <a:schemeClr val="accent6"/>
+          </a:effectRef>
+          <a:fontRef idx="minor">
+            <a:schemeClr val="lt1"/>
+          </a:fontRef>
+        </p:style>
+        <p:txBody>
+          <a:bodyPr rtlCol="0" anchor="ctr"/>
+          <a:lstStyle/>
+          <a:p>
+            <a:pPr algn="ctr"/>
+            <a:r>
+              <a:rPr lang="zh-CN" altLang="en-US" sz="1000" dirty="0">
+                <a:latin typeface="微软雅黑" panose="020B0503020204020204" pitchFamily="34" charset="-122"/>
+                <a:ea typeface="微软雅黑" panose="020B0503020204020204" pitchFamily="34" charset="-122"/>
+              </a:rPr>
+              <a:t>验证签名</a:t>
+            </a:r>
+            <a:r>
+              <a:rPr lang="en-US" altLang="zh-CN" sz="1000" dirty="0">
+                <a:solidFill>
+                  <a:srgbClr val="FF0000"/>
+                </a:solidFill>
+                <a:latin typeface="微软雅黑" panose="020B0503020204020204" pitchFamily="34" charset="-122"/>
+                <a:ea typeface="微软雅黑" panose="020B0503020204020204" pitchFamily="34" charset="-122"/>
+              </a:rPr>
+              <a:t>sign1</a:t>
+            </a:r>
+          </a:p>
+        </p:txBody>
+      </p:sp>
+      <p:sp>
+        <p:nvSpPr>
+          <p:cNvPr id="50" name="矩形: 圆角 49">
+            <a:extLst>
+              <a:ext uri="{FF2B5EF4-FFF2-40B4-BE49-F238E27FC236}">
+                <a16:creationId xmlns:a16="http://schemas.microsoft.com/office/drawing/2014/main" id="{2BD9A270-3A18-40AD-9227-BC1D99B0DFCA}"/>
+              </a:ext>
+            </a:extLst>
+          </p:cNvPr>
+          <p:cNvSpPr/>
+          <p:nvPr/>
+        </p:nvSpPr>
+        <p:spPr>
+          <a:xfrm>
+            <a:off x="8741552" y="3771800"/>
+            <a:ext cx="973123" cy="411339"/>
+          </a:xfrm>
+          <a:prstGeom prst="roundRect">
+            <a:avLst/>
+          </a:prstGeom>
+        </p:spPr>
+        <p:style>
+          <a:lnRef idx="2">
+            <a:schemeClr val="accent6">
+              <a:shade val="50000"/>
+            </a:schemeClr>
+          </a:lnRef>
+          <a:fillRef idx="1">
+            <a:schemeClr val="accent6"/>
+          </a:fillRef>
+          <a:effectRef idx="0">
+            <a:schemeClr val="accent6"/>
+          </a:effectRef>
+          <a:fontRef idx="minor">
+            <a:schemeClr val="lt1"/>
+          </a:fontRef>
+        </p:style>
+        <p:txBody>
+          <a:bodyPr rtlCol="0" anchor="ctr"/>
+          <a:lstStyle/>
+          <a:p>
+            <a:pPr algn="ctr"/>
+            <a:r>
+              <a:rPr lang="zh-CN" altLang="en-US" sz="1000" dirty="0">
+                <a:latin typeface="微软雅黑" panose="020B0503020204020204" pitchFamily="34" charset="-122"/>
+                <a:ea typeface="微软雅黑" panose="020B0503020204020204" pitchFamily="34" charset="-122"/>
+              </a:rPr>
+              <a:t>验证签名</a:t>
+            </a:r>
+            <a:r>
+              <a:rPr lang="en-US" altLang="zh-CN" sz="1000" dirty="0">
+                <a:solidFill>
+                  <a:srgbClr val="FF0000"/>
+                </a:solidFill>
+                <a:latin typeface="微软雅黑" panose="020B0503020204020204" pitchFamily="34" charset="-122"/>
+                <a:ea typeface="微软雅黑" panose="020B0503020204020204" pitchFamily="34" charset="-122"/>
+              </a:rPr>
+              <a:t>sign2</a:t>
+            </a:r>
+          </a:p>
+        </p:txBody>
+      </p:sp>
+      <p:sp>
+        <p:nvSpPr>
+          <p:cNvPr id="67" name="箭头: 左右 66">
+            <a:extLst>
+              <a:ext uri="{FF2B5EF4-FFF2-40B4-BE49-F238E27FC236}">
+                <a16:creationId xmlns:a16="http://schemas.microsoft.com/office/drawing/2014/main" id="{66AD15FA-EC96-4ED7-980B-E3D2E274F9DD}"/>
+              </a:ext>
+            </a:extLst>
+          </p:cNvPr>
+          <p:cNvSpPr/>
+          <p:nvPr/>
+        </p:nvSpPr>
+        <p:spPr>
+          <a:xfrm>
+            <a:off x="9878548" y="3056587"/>
+            <a:ext cx="402608" cy="242334"/>
+          </a:xfrm>
+          <a:prstGeom prst="leftRightArrow">
+            <a:avLst/>
+          </a:prstGeom>
+        </p:spPr>
+        <p:style>
+          <a:lnRef idx="2">
+            <a:schemeClr val="accent1">
+              <a:shade val="50000"/>
+            </a:schemeClr>
+          </a:lnRef>
+          <a:fillRef idx="1">
+            <a:schemeClr val="accent1"/>
+          </a:fillRef>
+          <a:effectRef idx="0">
+            <a:schemeClr val="accent1"/>
+          </a:effectRef>
+          <a:fontRef idx="minor">
+            <a:schemeClr val="lt1"/>
+          </a:fontRef>
+        </p:style>
+        <p:txBody>
+          <a:bodyPr rtlCol="0" anchor="ctr"/>
+          <a:lstStyle/>
+          <a:p>
+            <a:pPr algn="ctr"/>
+            <a:endParaRPr lang="zh-CN" altLang="en-US"/>
+          </a:p>
+        </p:txBody>
+      </p:sp>
+      <p:sp>
+        <p:nvSpPr>
+          <p:cNvPr id="69" name="矩形 68">
+            <a:extLst>
+              <a:ext uri="{FF2B5EF4-FFF2-40B4-BE49-F238E27FC236}">
+                <a16:creationId xmlns:a16="http://schemas.microsoft.com/office/drawing/2014/main" id="{208C8BA8-75ED-4215-A712-05173C3269D3}"/>
+              </a:ext>
+            </a:extLst>
+          </p:cNvPr>
+          <p:cNvSpPr/>
+          <p:nvPr/>
+        </p:nvSpPr>
+        <p:spPr>
+          <a:xfrm>
+            <a:off x="118728" y="5169573"/>
+            <a:ext cx="12000432" cy="1600438"/>
+          </a:xfrm>
+          <a:prstGeom prst="rect">
+            <a:avLst/>
+          </a:prstGeom>
+        </p:spPr>
+        <p:txBody>
+          <a:bodyPr wrap="square">
+            <a:spAutoFit/>
+          </a:bodyPr>
+          <a:lstStyle/>
+          <a:p>
+            <a:pPr marL="342900" indent="-342900">
+              <a:buFont typeface="+mj-ea"/>
+              <a:buAutoNum type="circleNumDbPlain"/>
+            </a:pPr>
+            <a:r>
+              <a:rPr lang="en-US" altLang="zh-CN" sz="1400" dirty="0">
+                <a:solidFill>
+                  <a:srgbClr val="00B0F0"/>
+                </a:solidFill>
+                <a:latin typeface="微软雅黑" panose="020B0503020204020204" pitchFamily="34" charset="-122"/>
+                <a:ea typeface="微软雅黑" panose="020B0503020204020204" pitchFamily="34" charset="-122"/>
+              </a:rPr>
+              <a:t>API</a:t>
+            </a:r>
+            <a:r>
+              <a:rPr lang="zh-CN" altLang="en-US" sz="1400" dirty="0">
+                <a:solidFill>
+                  <a:srgbClr val="00B0F0"/>
+                </a:solidFill>
+                <a:latin typeface="微软雅黑" panose="020B0503020204020204" pitchFamily="34" charset="-122"/>
+                <a:ea typeface="微软雅黑" panose="020B0503020204020204" pitchFamily="34" charset="-122"/>
+              </a:rPr>
+              <a:t>服务器端给每个</a:t>
+            </a:r>
+            <a:r>
+              <a:rPr lang="en-US" altLang="zh-CN" sz="1400" dirty="0">
+                <a:solidFill>
+                  <a:srgbClr val="00B0F0"/>
+                </a:solidFill>
+                <a:latin typeface="微软雅黑" panose="020B0503020204020204" pitchFamily="34" charset="-122"/>
+                <a:ea typeface="微软雅黑" panose="020B0503020204020204" pitchFamily="34" charset="-122"/>
+              </a:rPr>
+              <a:t>API</a:t>
+            </a:r>
+            <a:r>
+              <a:rPr lang="zh-CN" altLang="en-US" sz="1400" dirty="0">
+                <a:solidFill>
+                  <a:srgbClr val="00B0F0"/>
+                </a:solidFill>
+                <a:latin typeface="微软雅黑" panose="020B0503020204020204" pitchFamily="34" charset="-122"/>
+                <a:ea typeface="微软雅黑" panose="020B0503020204020204" pitchFamily="34" charset="-122"/>
+              </a:rPr>
+              <a:t>的调用放分配一个唯一的</a:t>
+            </a:r>
+            <a:r>
+              <a:rPr lang="en-US" altLang="zh-CN" sz="1400" dirty="0">
+                <a:solidFill>
+                  <a:srgbClr val="00B0F0"/>
+                </a:solidFill>
+                <a:latin typeface="微软雅黑" panose="020B0503020204020204" pitchFamily="34" charset="-122"/>
+                <a:ea typeface="微软雅黑" panose="020B0503020204020204" pitchFamily="34" charset="-122"/>
+              </a:rPr>
+              <a:t>APPKEY</a:t>
+            </a:r>
+            <a:r>
+              <a:rPr lang="zh-CN" altLang="en-US" sz="1400" dirty="0">
+                <a:solidFill>
+                  <a:srgbClr val="00B0F0"/>
+                </a:solidFill>
+                <a:latin typeface="微软雅黑" panose="020B0503020204020204" pitchFamily="34" charset="-122"/>
+                <a:ea typeface="微软雅黑" panose="020B0503020204020204" pitchFamily="34" charset="-122"/>
+              </a:rPr>
+              <a:t>和对应的密钥</a:t>
+            </a:r>
+            <a:endParaRPr lang="en-US" altLang="zh-CN" sz="1400" dirty="0">
+              <a:solidFill>
+                <a:srgbClr val="00B0F0"/>
+              </a:solidFill>
+              <a:latin typeface="微软雅黑" panose="020B0503020204020204" pitchFamily="34" charset="-122"/>
+              <a:ea typeface="微软雅黑" panose="020B0503020204020204" pitchFamily="34" charset="-122"/>
+            </a:endParaRPr>
+          </a:p>
+          <a:p>
+            <a:pPr marL="342900" indent="-342900">
+              <a:buFont typeface="+mj-ea"/>
+              <a:buAutoNum type="circleNumDbPlain"/>
+            </a:pPr>
+            <a:endParaRPr lang="en-US" altLang="zh-CN" sz="1400" dirty="0">
+              <a:solidFill>
+                <a:srgbClr val="00B0F0"/>
+              </a:solidFill>
+              <a:latin typeface="微软雅黑" panose="020B0503020204020204" pitchFamily="34" charset="-122"/>
+              <a:ea typeface="微软雅黑" panose="020B0503020204020204" pitchFamily="34" charset="-122"/>
+            </a:endParaRPr>
+          </a:p>
+          <a:p>
+            <a:pPr marL="342900" indent="-342900">
+              <a:buFont typeface="+mj-ea"/>
+              <a:buAutoNum type="circleNumDbPlain"/>
+            </a:pPr>
+            <a:r>
+              <a:rPr lang="en-US" altLang="zh-CN" sz="1400" dirty="0">
+                <a:solidFill>
+                  <a:srgbClr val="00B0F0"/>
+                </a:solidFill>
+                <a:latin typeface="微软雅黑" panose="020B0503020204020204" pitchFamily="34" charset="-122"/>
+                <a:ea typeface="微软雅黑" panose="020B0503020204020204" pitchFamily="34" charset="-122"/>
+              </a:rPr>
+              <a:t>API</a:t>
+            </a:r>
+            <a:r>
+              <a:rPr lang="zh-CN" altLang="en-US" sz="1400" dirty="0">
+                <a:solidFill>
+                  <a:srgbClr val="00B0F0"/>
+                </a:solidFill>
+                <a:latin typeface="微软雅黑" panose="020B0503020204020204" pitchFamily="34" charset="-122"/>
+                <a:ea typeface="微软雅黑" panose="020B0503020204020204" pitchFamily="34" charset="-122"/>
+              </a:rPr>
+              <a:t>调用放把</a:t>
+            </a:r>
+            <a:r>
+              <a:rPr lang="en-US" altLang="zh-CN" sz="1400" dirty="0">
+                <a:solidFill>
+                  <a:srgbClr val="00B0F0"/>
+                </a:solidFill>
+                <a:latin typeface="微软雅黑" panose="020B0503020204020204" pitchFamily="34" charset="-122"/>
+                <a:ea typeface="微软雅黑" panose="020B0503020204020204" pitchFamily="34" charset="-122"/>
+              </a:rPr>
+              <a:t>APPKEY</a:t>
+            </a:r>
+            <a:r>
+              <a:rPr lang="zh-CN" altLang="en-US" sz="1400" dirty="0">
+                <a:solidFill>
+                  <a:srgbClr val="00B0F0"/>
+                </a:solidFill>
+                <a:latin typeface="微软雅黑" panose="020B0503020204020204" pitchFamily="34" charset="-122"/>
+                <a:ea typeface="微软雅黑" panose="020B0503020204020204" pitchFamily="34" charset="-122"/>
+              </a:rPr>
+              <a:t>和密钥保存到本地</a:t>
+            </a:r>
+            <a:r>
+              <a:rPr lang="en-US" altLang="zh-CN" sz="1400" dirty="0">
+                <a:solidFill>
+                  <a:srgbClr val="00B0F0"/>
+                </a:solidFill>
+                <a:latin typeface="微软雅黑" panose="020B0503020204020204" pitchFamily="34" charset="-122"/>
+                <a:ea typeface="微软雅黑" panose="020B0503020204020204" pitchFamily="34" charset="-122"/>
+              </a:rPr>
+              <a:t>(</a:t>
+            </a:r>
+            <a:r>
+              <a:rPr lang="zh-CN" altLang="en-US" sz="1400" dirty="0">
+                <a:solidFill>
+                  <a:srgbClr val="00B0F0"/>
+                </a:solidFill>
+                <a:latin typeface="微软雅黑" panose="020B0503020204020204" pitchFamily="34" charset="-122"/>
+                <a:ea typeface="微软雅黑" panose="020B0503020204020204" pitchFamily="34" charset="-122"/>
+              </a:rPr>
+              <a:t>通常是调用方服务器上</a:t>
+            </a:r>
+            <a:r>
+              <a:rPr lang="en-US" altLang="zh-CN" sz="1400" dirty="0">
+                <a:solidFill>
+                  <a:srgbClr val="00B0F0"/>
+                </a:solidFill>
+                <a:latin typeface="微软雅黑" panose="020B0503020204020204" pitchFamily="34" charset="-122"/>
+                <a:ea typeface="微软雅黑" panose="020B0503020204020204" pitchFamily="34" charset="-122"/>
+              </a:rPr>
+              <a:t>)</a:t>
+            </a:r>
+          </a:p>
+          <a:p>
+            <a:pPr marL="342900" indent="-342900">
+              <a:buFont typeface="+mj-ea"/>
+              <a:buAutoNum type="circleNumDbPlain"/>
+            </a:pPr>
+            <a:endParaRPr lang="en-US" altLang="zh-CN" sz="1400" dirty="0">
+              <a:solidFill>
+                <a:srgbClr val="00B0F0"/>
+              </a:solidFill>
+              <a:latin typeface="微软雅黑" panose="020B0503020204020204" pitchFamily="34" charset="-122"/>
+              <a:ea typeface="微软雅黑" panose="020B0503020204020204" pitchFamily="34" charset="-122"/>
+            </a:endParaRPr>
+          </a:p>
+          <a:p>
+            <a:pPr marL="342900" indent="-342900">
+              <a:buFont typeface="+mj-ea"/>
+              <a:buAutoNum type="circleNumDbPlain"/>
+            </a:pPr>
+            <a:r>
+              <a:rPr lang="en-US" altLang="zh-CN" sz="1400" dirty="0">
+                <a:solidFill>
+                  <a:srgbClr val="00B0F0"/>
+                </a:solidFill>
+                <a:latin typeface="微软雅黑" panose="020B0503020204020204" pitchFamily="34" charset="-122"/>
+                <a:ea typeface="微软雅黑" panose="020B0503020204020204" pitchFamily="34" charset="-122"/>
+              </a:rPr>
+              <a:t>API</a:t>
+            </a:r>
+            <a:r>
+              <a:rPr lang="zh-CN" altLang="en-US" sz="1400" dirty="0">
+                <a:solidFill>
+                  <a:srgbClr val="00B0F0"/>
+                </a:solidFill>
+                <a:latin typeface="微软雅黑" panose="020B0503020204020204" pitchFamily="34" charset="-122"/>
+                <a:ea typeface="微软雅黑" panose="020B0503020204020204" pitchFamily="34" charset="-122"/>
+              </a:rPr>
+              <a:t>调用方把请求参数</a:t>
+            </a:r>
+            <a:r>
+              <a:rPr lang="en-US" altLang="zh-CN" sz="1400" dirty="0">
+                <a:solidFill>
+                  <a:srgbClr val="00B0F0"/>
+                </a:solidFill>
+                <a:latin typeface="微软雅黑" panose="020B0503020204020204" pitchFamily="34" charset="-122"/>
+                <a:ea typeface="微软雅黑" panose="020B0503020204020204" pitchFamily="34" charset="-122"/>
+              </a:rPr>
+              <a:t>+</a:t>
+            </a:r>
+            <a:r>
+              <a:rPr lang="zh-CN" altLang="en-US" sz="1400" dirty="0">
+                <a:solidFill>
+                  <a:srgbClr val="00B0F0"/>
+                </a:solidFill>
+                <a:latin typeface="微软雅黑" panose="020B0503020204020204" pitchFamily="34" charset="-122"/>
+                <a:ea typeface="微软雅黑" panose="020B0503020204020204" pitchFamily="34" charset="-122"/>
+              </a:rPr>
+              <a:t>密钥根据</a:t>
+            </a:r>
+            <a:r>
+              <a:rPr lang="en-US" altLang="zh-CN" sz="1400" dirty="0">
+                <a:solidFill>
+                  <a:srgbClr val="00B0F0"/>
+                </a:solidFill>
+                <a:latin typeface="微软雅黑" panose="020B0503020204020204" pitchFamily="34" charset="-122"/>
+                <a:ea typeface="微软雅黑" panose="020B0503020204020204" pitchFamily="34" charset="-122"/>
+              </a:rPr>
+              <a:t>API</a:t>
+            </a:r>
+            <a:r>
+              <a:rPr lang="zh-CN" altLang="en-US" sz="1400" dirty="0">
+                <a:solidFill>
+                  <a:srgbClr val="00B0F0"/>
+                </a:solidFill>
+                <a:latin typeface="微软雅黑" panose="020B0503020204020204" pitchFamily="34" charset="-122"/>
+                <a:ea typeface="微软雅黑" panose="020B0503020204020204" pitchFamily="34" charset="-122"/>
+              </a:rPr>
+              <a:t>服务方要求的签名方式进行计算签名（算法见下张</a:t>
+            </a:r>
+            <a:r>
+              <a:rPr lang="en-US" altLang="zh-CN" sz="1400" dirty="0">
+                <a:solidFill>
+                  <a:srgbClr val="00B0F0"/>
+                </a:solidFill>
+                <a:latin typeface="微软雅黑" panose="020B0503020204020204" pitchFamily="34" charset="-122"/>
+                <a:ea typeface="微软雅黑" panose="020B0503020204020204" pitchFamily="34" charset="-122"/>
+              </a:rPr>
+              <a:t>PPT</a:t>
+            </a:r>
+            <a:r>
+              <a:rPr lang="zh-CN" altLang="en-US" sz="1400" dirty="0">
+                <a:solidFill>
+                  <a:srgbClr val="00B0F0"/>
+                </a:solidFill>
+                <a:latin typeface="微软雅黑" panose="020B0503020204020204" pitchFamily="34" charset="-122"/>
+                <a:ea typeface="微软雅黑" panose="020B0503020204020204" pitchFamily="34" charset="-122"/>
+              </a:rPr>
+              <a:t>），并发签名放在请求参数中发送给</a:t>
+            </a:r>
+            <a:r>
+              <a:rPr lang="en-US" altLang="zh-CN" sz="1400" dirty="0">
+                <a:solidFill>
+                  <a:srgbClr val="00B0F0"/>
+                </a:solidFill>
+                <a:latin typeface="微软雅黑" panose="020B0503020204020204" pitchFamily="34" charset="-122"/>
+                <a:ea typeface="微软雅黑" panose="020B0503020204020204" pitchFamily="34" charset="-122"/>
+              </a:rPr>
+              <a:t>API</a:t>
+            </a:r>
+            <a:r>
+              <a:rPr lang="zh-CN" altLang="en-US" sz="1400" dirty="0">
+                <a:solidFill>
+                  <a:srgbClr val="00B0F0"/>
+                </a:solidFill>
+                <a:latin typeface="微软雅黑" panose="020B0503020204020204" pitchFamily="34" charset="-122"/>
+                <a:ea typeface="微软雅黑" panose="020B0503020204020204" pitchFamily="34" charset="-122"/>
+              </a:rPr>
+              <a:t>服务器端</a:t>
+            </a:r>
+            <a:endParaRPr lang="en-US" altLang="zh-CN" sz="1400" dirty="0">
+              <a:solidFill>
+                <a:srgbClr val="00B0F0"/>
+              </a:solidFill>
+              <a:latin typeface="微软雅黑" panose="020B0503020204020204" pitchFamily="34" charset="-122"/>
+              <a:ea typeface="微软雅黑" panose="020B0503020204020204" pitchFamily="34" charset="-122"/>
+            </a:endParaRPr>
+          </a:p>
+          <a:p>
+            <a:pPr marL="342900" indent="-342900">
+              <a:buFont typeface="+mj-ea"/>
+              <a:buAutoNum type="circleNumDbPlain"/>
+            </a:pPr>
+            <a:endParaRPr lang="en-US" altLang="zh-CN" sz="1400" dirty="0">
+              <a:solidFill>
+                <a:srgbClr val="00B0F0"/>
+              </a:solidFill>
+              <a:latin typeface="微软雅黑" panose="020B0503020204020204" pitchFamily="34" charset="-122"/>
+              <a:ea typeface="微软雅黑" panose="020B0503020204020204" pitchFamily="34" charset="-122"/>
+            </a:endParaRPr>
+          </a:p>
+          <a:p>
+            <a:pPr marL="342900" indent="-342900">
+              <a:buFont typeface="+mj-ea"/>
+              <a:buAutoNum type="circleNumDbPlain"/>
+            </a:pPr>
+            <a:r>
+              <a:rPr lang="en-US" altLang="zh-CN" sz="1400" dirty="0">
+                <a:solidFill>
+                  <a:srgbClr val="00B0F0"/>
+                </a:solidFill>
+                <a:latin typeface="微软雅黑" panose="020B0503020204020204" pitchFamily="34" charset="-122"/>
+                <a:ea typeface="微软雅黑" panose="020B0503020204020204" pitchFamily="34" charset="-122"/>
+              </a:rPr>
+              <a:t>API</a:t>
+            </a:r>
+            <a:r>
+              <a:rPr lang="zh-CN" altLang="en-US" sz="1400" dirty="0">
+                <a:solidFill>
+                  <a:srgbClr val="00B0F0"/>
+                </a:solidFill>
+                <a:latin typeface="微软雅黑" panose="020B0503020204020204" pitchFamily="34" charset="-122"/>
+                <a:ea typeface="微软雅黑" panose="020B0503020204020204" pitchFamily="34" charset="-122"/>
+              </a:rPr>
+              <a:t>服务器方获取调用方传递过来的请求参数和签名，根据</a:t>
+            </a:r>
+            <a:r>
+              <a:rPr lang="en-US" altLang="zh-CN" sz="1400" dirty="0">
+                <a:solidFill>
+                  <a:srgbClr val="00B0F0"/>
+                </a:solidFill>
+                <a:latin typeface="微软雅黑" panose="020B0503020204020204" pitchFamily="34" charset="-122"/>
+                <a:ea typeface="微软雅黑" panose="020B0503020204020204" pitchFamily="34" charset="-122"/>
+              </a:rPr>
+              <a:t>③</a:t>
+            </a:r>
+            <a:r>
+              <a:rPr lang="zh-CN" altLang="en-US" sz="1400" dirty="0">
+                <a:solidFill>
+                  <a:srgbClr val="00B0F0"/>
+                </a:solidFill>
+                <a:latin typeface="微软雅黑" panose="020B0503020204020204" pitchFamily="34" charset="-122"/>
+                <a:ea typeface="微软雅黑" panose="020B0503020204020204" pitchFamily="34" charset="-122"/>
+              </a:rPr>
+              <a:t>的同样算法对参数进行签名计算</a:t>
+            </a:r>
+            <a:r>
+              <a:rPr lang="en-US" altLang="zh-CN" sz="1400" dirty="0">
+                <a:solidFill>
+                  <a:srgbClr val="00B0F0"/>
+                </a:solidFill>
+                <a:latin typeface="微软雅黑" panose="020B0503020204020204" pitchFamily="34" charset="-122"/>
+                <a:ea typeface="微软雅黑" panose="020B0503020204020204" pitchFamily="34" charset="-122"/>
+              </a:rPr>
+              <a:t>(</a:t>
+            </a:r>
+            <a:r>
+              <a:rPr lang="zh-CN" altLang="en-US" sz="1400" dirty="0">
+                <a:solidFill>
+                  <a:srgbClr val="00B0F0"/>
+                </a:solidFill>
+                <a:latin typeface="微软雅黑" panose="020B0503020204020204" pitchFamily="34" charset="-122"/>
+                <a:ea typeface="微软雅黑" panose="020B0503020204020204" pitchFamily="34" charset="-122"/>
+              </a:rPr>
+              <a:t>密钥从服务器数据库中获取</a:t>
+            </a:r>
+            <a:r>
+              <a:rPr lang="en-US" altLang="zh-CN" sz="1400" dirty="0">
+                <a:solidFill>
+                  <a:srgbClr val="00B0F0"/>
+                </a:solidFill>
+                <a:latin typeface="微软雅黑" panose="020B0503020204020204" pitchFamily="34" charset="-122"/>
+                <a:ea typeface="微软雅黑" panose="020B0503020204020204" pitchFamily="34" charset="-122"/>
+              </a:rPr>
+              <a:t>),</a:t>
+            </a:r>
+            <a:r>
+              <a:rPr lang="zh-CN" altLang="en-US" sz="1400" dirty="0">
+                <a:solidFill>
+                  <a:srgbClr val="00B0F0"/>
+                </a:solidFill>
+                <a:latin typeface="微软雅黑" panose="020B0503020204020204" pitchFamily="34" charset="-122"/>
+                <a:ea typeface="微软雅黑" panose="020B0503020204020204" pitchFamily="34" charset="-122"/>
+              </a:rPr>
+              <a:t>如果签名匹配则认为合法</a:t>
+            </a:r>
+          </a:p>
+        </p:txBody>
+      </p:sp>
+    </p:spTree>
+    <p:extLst>
+      <p:ext uri="{BB962C8B-B14F-4D97-AF65-F5344CB8AC3E}">
+        <p14:creationId xmlns:p14="http://schemas.microsoft.com/office/powerpoint/2010/main" val="3256806339"/>
+      </p:ext>
+    </p:extLst>
+  </p:cSld>
+  <p:clrMapOvr>
+    <a:masterClrMapping/>
+  </p:clrMapOvr>
+</p:sld>
+</file>
+
+<file path=ppt/slides/slide4.xml><?xml version="1.0" encoding="utf-8"?>
+<p:sld xmlns:a="http://schemas.openxmlformats.org/drawingml/2006/main" xmlns:r="http://schemas.openxmlformats.org/officeDocument/2006/relationships" xmlns:p="http://schemas.openxmlformats.org/presentationml/2006/main">
+  <p:cSld>
+    <p:spTree>
+      <p:nvGrpSpPr>
+        <p:cNvPr id="1" name=""/>
+        <p:cNvGrpSpPr/>
+        <p:nvPr/>
+      </p:nvGrpSpPr>
+      <p:grpSpPr>
+        <a:xfrm>
+          <a:off x="0" y="0"/>
+          <a:ext cx="0" cy="0"/>
+          <a:chOff x="0" y="0"/>
+          <a:chExt cx="0" cy="0"/>
+        </a:xfrm>
+      </p:grpSpPr>
+      <p:grpSp>
+        <p:nvGrpSpPr>
+          <p:cNvPr id="4" name="组合 3">
+            <a:extLst>
+              <a:ext uri="{FF2B5EF4-FFF2-40B4-BE49-F238E27FC236}">
+                <a16:creationId xmlns:a16="http://schemas.microsoft.com/office/drawing/2014/main" id="{A1765D40-1DD3-4130-92F2-47D5702A3A01}"/>
+              </a:ext>
+            </a:extLst>
+          </p:cNvPr>
+          <p:cNvGrpSpPr/>
+          <p:nvPr/>
+        </p:nvGrpSpPr>
+        <p:grpSpPr>
+          <a:xfrm>
+            <a:off x="164616" y="178180"/>
+            <a:ext cx="2804616" cy="368580"/>
+            <a:chOff x="164616" y="178180"/>
+            <a:chExt cx="2804616" cy="368580"/>
+          </a:xfrm>
+        </p:grpSpPr>
+        <p:cxnSp>
+          <p:nvCxnSpPr>
+            <p:cNvPr id="5" name="直接连接符 4">
+              <a:extLst>
+                <a:ext uri="{FF2B5EF4-FFF2-40B4-BE49-F238E27FC236}">
+                  <a16:creationId xmlns:a16="http://schemas.microsoft.com/office/drawing/2014/main" id="{5E5D6FDD-D83A-425D-86A5-6189240824C1}"/>
+                </a:ext>
+              </a:extLst>
+            </p:cNvPr>
+            <p:cNvCxnSpPr>
+              <a:cxnSpLocks/>
+            </p:cNvCxnSpPr>
+            <p:nvPr/>
+          </p:nvCxnSpPr>
+          <p:spPr>
+            <a:xfrm flipV="1">
+              <a:off x="164616" y="535956"/>
+              <a:ext cx="2804616" cy="10804"/>
+            </a:xfrm>
+            <a:prstGeom prst="line">
+              <a:avLst/>
+            </a:prstGeom>
+            <a:ln>
+              <a:solidFill>
+                <a:srgbClr val="314865"/>
+              </a:solidFill>
+            </a:ln>
+          </p:spPr>
+          <p:style>
+            <a:lnRef idx="1">
+              <a:schemeClr val="accent1"/>
+            </a:lnRef>
+            <a:fillRef idx="0">
+              <a:schemeClr val="accent1"/>
+            </a:fillRef>
+            <a:effectRef idx="0">
+              <a:schemeClr val="accent1"/>
+            </a:effectRef>
+            <a:fontRef idx="minor">
+              <a:schemeClr val="tx1"/>
+            </a:fontRef>
+          </p:style>
+        </p:cxnSp>
+        <p:sp>
+          <p:nvSpPr>
+            <p:cNvPr id="6" name="文本框 5">
+              <a:extLst>
+                <a:ext uri="{FF2B5EF4-FFF2-40B4-BE49-F238E27FC236}">
+                  <a16:creationId xmlns:a16="http://schemas.microsoft.com/office/drawing/2014/main" id="{AA4EFDBA-E3E7-4EA5-8C03-AE2F8FC4D5CE}"/>
+                </a:ext>
+              </a:extLst>
+            </p:cNvPr>
+            <p:cNvSpPr txBox="1"/>
+            <p:nvPr/>
+          </p:nvSpPr>
+          <p:spPr>
+            <a:xfrm>
+              <a:off x="534486" y="178180"/>
+              <a:ext cx="2434746" cy="338554"/>
+            </a:xfrm>
+            <a:prstGeom prst="rect">
+              <a:avLst/>
+            </a:prstGeom>
+            <a:noFill/>
+          </p:spPr>
+          <p:txBody>
+            <a:bodyPr wrap="square" rtlCol="0">
+              <a:spAutoFit/>
+            </a:bodyPr>
+            <a:lstStyle/>
+            <a:p>
+              <a:pPr>
+                <a:spcBef>
+                  <a:spcPct val="20000"/>
+                </a:spcBef>
+                <a:buClr>
+                  <a:schemeClr val="hlink"/>
+                </a:buClr>
+                <a:buSzPct val="65000"/>
+              </a:pPr>
+              <a:r>
+                <a:rPr lang="en-US" altLang="zh-CN" sz="1600" b="1" dirty="0">
+                  <a:solidFill>
+                    <a:srgbClr val="314865"/>
+                  </a:solidFill>
+                  <a:effectLst>
+                    <a:innerShdw blurRad="63500" dist="50800" dir="13500000">
+                      <a:prstClr val="black">
+                        <a:alpha val="50000"/>
+                      </a:prstClr>
+                    </a:innerShdw>
+                  </a:effectLst>
+                  <a:latin typeface="Arial"/>
+                  <a:ea typeface="微软雅黑"/>
+                  <a:sym typeface="Arial"/>
+                </a:rPr>
+                <a:t>APPKEY+</a:t>
+              </a:r>
+              <a:r>
+                <a:rPr lang="zh-CN" altLang="en-US" sz="1600" b="1" dirty="0">
+                  <a:solidFill>
+                    <a:srgbClr val="314865"/>
+                  </a:solidFill>
+                  <a:effectLst>
+                    <a:innerShdw blurRad="63500" dist="50800" dir="13500000">
+                      <a:prstClr val="black">
+                        <a:alpha val="50000"/>
+                      </a:prstClr>
+                    </a:innerShdw>
+                  </a:effectLst>
+                  <a:latin typeface="Arial"/>
+                  <a:ea typeface="微软雅黑"/>
+                  <a:sym typeface="Arial"/>
+                </a:rPr>
+                <a:t>签名认证算法</a:t>
+              </a:r>
+            </a:p>
+          </p:txBody>
+        </p:sp>
+        <p:sp>
+          <p:nvSpPr>
+            <p:cNvPr id="7" name="矩形 6">
+              <a:extLst>
+                <a:ext uri="{FF2B5EF4-FFF2-40B4-BE49-F238E27FC236}">
+                  <a16:creationId xmlns:a16="http://schemas.microsoft.com/office/drawing/2014/main" id="{CA00005A-7095-4B0E-924D-BC23B154EAFA}"/>
+                </a:ext>
+              </a:extLst>
+            </p:cNvPr>
+            <p:cNvSpPr/>
+            <p:nvPr/>
+          </p:nvSpPr>
+          <p:spPr>
+            <a:xfrm>
+              <a:off x="164616" y="178180"/>
+              <a:ext cx="47829" cy="284416"/>
+            </a:xfrm>
+            <a:prstGeom prst="rect">
+              <a:avLst/>
+            </a:prstGeom>
+            <a:solidFill>
+              <a:srgbClr val="314865"/>
+            </a:solidFill>
+            <a:ln>
+              <a:solidFill>
+                <a:srgbClr val="314865"/>
+              </a:solidFill>
+            </a:ln>
+          </p:spPr>
+          <p:style>
+            <a:lnRef idx="2">
+              <a:schemeClr val="accent1">
+                <a:shade val="50000"/>
+              </a:schemeClr>
+            </a:lnRef>
+            <a:fillRef idx="1">
+              <a:schemeClr val="accent1"/>
+            </a:fillRef>
+            <a:effectRef idx="0">
+              <a:schemeClr val="accent1"/>
+            </a:effectRef>
+            <a:fontRef idx="minor">
+              <a:schemeClr val="lt1"/>
+            </a:fontRef>
+          </p:style>
+          <p:txBody>
+            <a:bodyPr rtlCol="0" anchor="ctr"/>
+            <a:lstStyle/>
+            <a:p>
+              <a:pPr algn="ctr"/>
+              <a:endParaRPr lang="zh-CN" altLang="en-US">
+                <a:latin typeface="Arial"/>
+                <a:ea typeface="微软雅黑"/>
+                <a:sym typeface="Arial"/>
+              </a:endParaRPr>
+            </a:p>
+          </p:txBody>
+        </p:sp>
+        <p:sp>
+          <p:nvSpPr>
+            <p:cNvPr id="8" name="矩形 7">
+              <a:extLst>
+                <a:ext uri="{FF2B5EF4-FFF2-40B4-BE49-F238E27FC236}">
+                  <a16:creationId xmlns:a16="http://schemas.microsoft.com/office/drawing/2014/main" id="{C9F54F8D-94EA-4D97-B176-F0276E40954C}"/>
+                </a:ext>
+              </a:extLst>
+            </p:cNvPr>
+            <p:cNvSpPr/>
+            <p:nvPr/>
+          </p:nvSpPr>
+          <p:spPr>
+            <a:xfrm>
+              <a:off x="275779" y="252586"/>
+              <a:ext cx="47828" cy="210010"/>
+            </a:xfrm>
+            <a:prstGeom prst="rect">
+              <a:avLst/>
+            </a:prstGeom>
+            <a:solidFill>
+              <a:srgbClr val="314865"/>
+            </a:solidFill>
+            <a:ln>
+              <a:solidFill>
+                <a:srgbClr val="314865"/>
+              </a:solidFill>
+            </a:ln>
+          </p:spPr>
+          <p:style>
+            <a:lnRef idx="2">
+              <a:schemeClr val="accent1">
+                <a:shade val="50000"/>
+              </a:schemeClr>
+            </a:lnRef>
+            <a:fillRef idx="1">
+              <a:schemeClr val="accent1"/>
+            </a:fillRef>
+            <a:effectRef idx="0">
+              <a:schemeClr val="accent1"/>
+            </a:effectRef>
+            <a:fontRef idx="minor">
+              <a:schemeClr val="lt1"/>
+            </a:fontRef>
+          </p:style>
+          <p:txBody>
+            <a:bodyPr rtlCol="0" anchor="ctr"/>
+            <a:lstStyle/>
+            <a:p>
+              <a:pPr algn="ctr"/>
+              <a:endParaRPr lang="zh-CN" altLang="en-US">
+                <a:latin typeface="Arial"/>
+                <a:ea typeface="微软雅黑"/>
+                <a:sym typeface="Arial"/>
+              </a:endParaRPr>
+            </a:p>
+          </p:txBody>
+        </p:sp>
+        <p:sp>
+          <p:nvSpPr>
+            <p:cNvPr id="9" name="矩形 8">
+              <a:extLst>
+                <a:ext uri="{FF2B5EF4-FFF2-40B4-BE49-F238E27FC236}">
+                  <a16:creationId xmlns:a16="http://schemas.microsoft.com/office/drawing/2014/main" id="{95A44D98-C80F-48AA-9CF1-FEEBA4DA2223}"/>
+                </a:ext>
+              </a:extLst>
+            </p:cNvPr>
+            <p:cNvSpPr/>
+            <p:nvPr/>
+          </p:nvSpPr>
+          <p:spPr>
+            <a:xfrm flipH="1">
+              <a:off x="377808" y="320388"/>
+              <a:ext cx="47827" cy="142208"/>
+            </a:xfrm>
+            <a:prstGeom prst="rect">
+              <a:avLst/>
+            </a:prstGeom>
+            <a:solidFill>
+              <a:srgbClr val="314865"/>
+            </a:solidFill>
+            <a:ln>
+              <a:solidFill>
+                <a:srgbClr val="314865"/>
+              </a:solidFill>
+            </a:ln>
+          </p:spPr>
+          <p:style>
+            <a:lnRef idx="2">
+              <a:schemeClr val="accent1">
+                <a:shade val="50000"/>
+              </a:schemeClr>
+            </a:lnRef>
+            <a:fillRef idx="1">
+              <a:schemeClr val="accent1"/>
+            </a:fillRef>
+            <a:effectRef idx="0">
+              <a:schemeClr val="accent1"/>
+            </a:effectRef>
+            <a:fontRef idx="minor">
+              <a:schemeClr val="lt1"/>
+            </a:fontRef>
+          </p:style>
+          <p:txBody>
+            <a:bodyPr rtlCol="0" anchor="ctr"/>
+            <a:lstStyle/>
+            <a:p>
+              <a:pPr algn="ctr"/>
+              <a:endParaRPr lang="zh-CN" altLang="en-US">
+                <a:latin typeface="Arial"/>
+                <a:ea typeface="微软雅黑"/>
+                <a:sym typeface="Arial"/>
+              </a:endParaRPr>
+            </a:p>
+          </p:txBody>
+        </p:sp>
+      </p:grpSp>
+      <p:sp>
+        <p:nvSpPr>
+          <p:cNvPr id="10" name="矩形 9">
+            <a:extLst>
+              <a:ext uri="{FF2B5EF4-FFF2-40B4-BE49-F238E27FC236}">
+                <a16:creationId xmlns:a16="http://schemas.microsoft.com/office/drawing/2014/main" id="{832F5A46-305E-48EF-9A85-2E8A275CF4F9}"/>
+              </a:ext>
+            </a:extLst>
+          </p:cNvPr>
+          <p:cNvSpPr/>
+          <p:nvPr/>
+        </p:nvSpPr>
+        <p:spPr>
+          <a:xfrm>
+            <a:off x="164616" y="1843950"/>
+            <a:ext cx="11041433" cy="3170099"/>
+          </a:xfrm>
+          <a:prstGeom prst="rect">
+            <a:avLst/>
+          </a:prstGeom>
+        </p:spPr>
+        <p:txBody>
+          <a:bodyPr wrap="square">
+            <a:spAutoFit/>
+          </a:bodyPr>
+          <a:lstStyle/>
+          <a:p>
+            <a:pPr marL="342900" indent="-342900">
+              <a:buFont typeface="+mj-lt"/>
+              <a:buAutoNum type="alphaLcParenR"/>
+            </a:pPr>
+            <a:r>
+              <a:rPr lang="zh-CN" altLang="en-US" sz="2000" dirty="0">
+                <a:solidFill>
+                  <a:schemeClr val="bg1">
+                    <a:lumMod val="50000"/>
+                  </a:schemeClr>
+                </a:solidFill>
+                <a:latin typeface="微软雅黑" panose="020B0503020204020204" pitchFamily="34" charset="-122"/>
+                <a:ea typeface="微软雅黑" panose="020B0503020204020204" pitchFamily="34" charset="-122"/>
+              </a:rPr>
+              <a:t>对所有</a:t>
+            </a:r>
+            <a:r>
+              <a:rPr lang="en-US" altLang="zh-CN" sz="2000" dirty="0">
+                <a:solidFill>
+                  <a:schemeClr val="bg1">
+                    <a:lumMod val="50000"/>
+                  </a:schemeClr>
+                </a:solidFill>
+                <a:latin typeface="微软雅黑" panose="020B0503020204020204" pitchFamily="34" charset="-122"/>
+                <a:ea typeface="微软雅黑" panose="020B0503020204020204" pitchFamily="34" charset="-122"/>
+              </a:rPr>
+              <a:t>API</a:t>
+            </a:r>
+            <a:r>
+              <a:rPr lang="zh-CN" altLang="en-US" sz="2000" dirty="0">
+                <a:solidFill>
+                  <a:schemeClr val="bg1">
+                    <a:lumMod val="50000"/>
+                  </a:schemeClr>
+                </a:solidFill>
+                <a:latin typeface="微软雅黑" panose="020B0503020204020204" pitchFamily="34" charset="-122"/>
+                <a:ea typeface="微软雅黑" panose="020B0503020204020204" pitchFamily="34" charset="-122"/>
+              </a:rPr>
+              <a:t>请求参数（除去</a:t>
+            </a:r>
+            <a:r>
+              <a:rPr lang="en-US" altLang="zh-CN" sz="2000" dirty="0">
+                <a:solidFill>
+                  <a:schemeClr val="bg1">
+                    <a:lumMod val="50000"/>
+                  </a:schemeClr>
+                </a:solidFill>
+                <a:latin typeface="微软雅黑" panose="020B0503020204020204" pitchFamily="34" charset="-122"/>
+                <a:ea typeface="微软雅黑" panose="020B0503020204020204" pitchFamily="34" charset="-122"/>
+              </a:rPr>
+              <a:t>sign</a:t>
+            </a:r>
+            <a:r>
+              <a:rPr lang="zh-CN" altLang="en-US" sz="2000" dirty="0">
+                <a:solidFill>
+                  <a:schemeClr val="bg1">
+                    <a:lumMod val="50000"/>
+                  </a:schemeClr>
+                </a:solidFill>
+                <a:latin typeface="微软雅黑" panose="020B0503020204020204" pitchFamily="34" charset="-122"/>
+                <a:ea typeface="微软雅黑" panose="020B0503020204020204" pitchFamily="34" charset="-122"/>
+              </a:rPr>
+              <a:t>参数和</a:t>
+            </a:r>
+            <a:r>
+              <a:rPr lang="en-US" altLang="zh-CN" sz="2000" dirty="0">
+                <a:solidFill>
+                  <a:schemeClr val="bg1">
+                    <a:lumMod val="50000"/>
+                  </a:schemeClr>
+                </a:solidFill>
+                <a:latin typeface="微软雅黑" panose="020B0503020204020204" pitchFamily="34" charset="-122"/>
+                <a:ea typeface="微软雅黑" panose="020B0503020204020204" pitchFamily="34" charset="-122"/>
+              </a:rPr>
+              <a:t>byte[]</a:t>
+            </a:r>
+            <a:r>
+              <a:rPr lang="zh-CN" altLang="en-US" sz="2000" dirty="0">
+                <a:solidFill>
+                  <a:schemeClr val="bg1">
+                    <a:lumMod val="50000"/>
+                  </a:schemeClr>
+                </a:solidFill>
+                <a:latin typeface="微软雅黑" panose="020B0503020204020204" pitchFamily="34" charset="-122"/>
+                <a:ea typeface="微软雅黑" panose="020B0503020204020204" pitchFamily="34" charset="-122"/>
+              </a:rPr>
+              <a:t>类型的参数），根据参数名称的</a:t>
+            </a:r>
+            <a:r>
+              <a:rPr lang="en-US" altLang="zh-CN" sz="2000" dirty="0">
+                <a:solidFill>
+                  <a:schemeClr val="bg1">
+                    <a:lumMod val="50000"/>
+                  </a:schemeClr>
+                </a:solidFill>
+                <a:latin typeface="微软雅黑" panose="020B0503020204020204" pitchFamily="34" charset="-122"/>
+                <a:ea typeface="微软雅黑" panose="020B0503020204020204" pitchFamily="34" charset="-122"/>
+              </a:rPr>
+              <a:t>ASCII</a:t>
+            </a:r>
+            <a:r>
+              <a:rPr lang="zh-CN" altLang="en-US" sz="2000" dirty="0">
+                <a:solidFill>
+                  <a:schemeClr val="bg1">
+                    <a:lumMod val="50000"/>
+                  </a:schemeClr>
+                </a:solidFill>
+                <a:latin typeface="微软雅黑" panose="020B0503020204020204" pitchFamily="34" charset="-122"/>
+                <a:ea typeface="微软雅黑" panose="020B0503020204020204" pitchFamily="34" charset="-122"/>
+              </a:rPr>
+              <a:t>码表的顺序排序。举例：</a:t>
+            </a:r>
+            <a:r>
+              <a:rPr lang="en-US" altLang="zh-CN" sz="2000" dirty="0">
+                <a:solidFill>
+                  <a:schemeClr val="bg1">
+                    <a:lumMod val="50000"/>
+                  </a:schemeClr>
+                </a:solidFill>
+                <a:latin typeface="微软雅黑" panose="020B0503020204020204" pitchFamily="34" charset="-122"/>
+                <a:ea typeface="微软雅黑" panose="020B0503020204020204" pitchFamily="34" charset="-122"/>
+              </a:rPr>
+              <a:t>foo:1, bar:2, foo_bar:3, foobar:4</a:t>
+            </a:r>
+            <a:r>
+              <a:rPr lang="zh-CN" altLang="en-US" sz="2000" dirty="0">
+                <a:solidFill>
+                  <a:schemeClr val="bg1">
+                    <a:lumMod val="50000"/>
+                  </a:schemeClr>
+                </a:solidFill>
+                <a:latin typeface="微软雅黑" panose="020B0503020204020204" pitchFamily="34" charset="-122"/>
+                <a:ea typeface="微软雅黑" panose="020B0503020204020204" pitchFamily="34" charset="-122"/>
+              </a:rPr>
+              <a:t>排序后的顺序是</a:t>
+            </a:r>
+            <a:r>
+              <a:rPr lang="en-US" altLang="zh-CN" sz="2000" dirty="0">
+                <a:solidFill>
+                  <a:schemeClr val="bg1">
+                    <a:lumMod val="50000"/>
+                  </a:schemeClr>
+                </a:solidFill>
+                <a:latin typeface="微软雅黑" panose="020B0503020204020204" pitchFamily="34" charset="-122"/>
+                <a:ea typeface="微软雅黑" panose="020B0503020204020204" pitchFamily="34" charset="-122"/>
+              </a:rPr>
+              <a:t>bar:2, foo:1, foo_bar:3, foobar:4</a:t>
+            </a:r>
+            <a:r>
+              <a:rPr lang="zh-CN" altLang="en-US" sz="2000" dirty="0">
+                <a:solidFill>
+                  <a:schemeClr val="bg1">
+                    <a:lumMod val="50000"/>
+                  </a:schemeClr>
+                </a:solidFill>
+                <a:latin typeface="微软雅黑" panose="020B0503020204020204" pitchFamily="34" charset="-122"/>
+                <a:ea typeface="微软雅黑" panose="020B0503020204020204" pitchFamily="34" charset="-122"/>
+              </a:rPr>
+              <a:t>。</a:t>
+            </a:r>
+            <a:endParaRPr lang="en-US" altLang="zh-CN" sz="2000" dirty="0">
+              <a:solidFill>
+                <a:schemeClr val="bg1">
+                  <a:lumMod val="50000"/>
+                </a:schemeClr>
+              </a:solidFill>
+              <a:latin typeface="微软雅黑" panose="020B0503020204020204" pitchFamily="34" charset="-122"/>
+              <a:ea typeface="微软雅黑" panose="020B0503020204020204" pitchFamily="34" charset="-122"/>
+            </a:endParaRPr>
+          </a:p>
+          <a:p>
+            <a:pPr marL="342900" indent="-342900">
+              <a:buFont typeface="+mj-lt"/>
+              <a:buAutoNum type="alphaLcParenR"/>
+            </a:pPr>
+            <a:endParaRPr lang="en-US" altLang="zh-CN" sz="2000" dirty="0">
+              <a:solidFill>
+                <a:schemeClr val="bg1">
+                  <a:lumMod val="50000"/>
+                </a:schemeClr>
+              </a:solidFill>
+              <a:latin typeface="微软雅黑" panose="020B0503020204020204" pitchFamily="34" charset="-122"/>
+              <a:ea typeface="微软雅黑" panose="020B0503020204020204" pitchFamily="34" charset="-122"/>
+            </a:endParaRPr>
+          </a:p>
+          <a:p>
+            <a:pPr marL="342900" indent="-342900">
+              <a:buFont typeface="+mj-lt"/>
+              <a:buAutoNum type="alphaLcParenR"/>
+            </a:pPr>
+            <a:r>
+              <a:rPr lang="zh-CN" altLang="en-US" sz="2000" dirty="0">
+                <a:solidFill>
+                  <a:schemeClr val="bg1">
+                    <a:lumMod val="50000"/>
+                  </a:schemeClr>
+                </a:solidFill>
+                <a:latin typeface="微软雅黑" panose="020B0503020204020204" pitchFamily="34" charset="-122"/>
+                <a:ea typeface="微软雅黑" panose="020B0503020204020204" pitchFamily="34" charset="-122"/>
+              </a:rPr>
+              <a:t>将排序好的参数名和参数值拼装在一起，根据上面的示例得到的结果为：</a:t>
+            </a:r>
+            <a:r>
+              <a:rPr lang="en-US" altLang="zh-CN" sz="2000" dirty="0">
+                <a:solidFill>
+                  <a:schemeClr val="bg1">
+                    <a:lumMod val="50000"/>
+                  </a:schemeClr>
+                </a:solidFill>
+                <a:latin typeface="微软雅黑" panose="020B0503020204020204" pitchFamily="34" charset="-122"/>
+                <a:ea typeface="微软雅黑" panose="020B0503020204020204" pitchFamily="34" charset="-122"/>
+              </a:rPr>
+              <a:t>bar2foo1foo_bar3foobar4</a:t>
+            </a:r>
+          </a:p>
+          <a:p>
+            <a:pPr marL="342900" indent="-342900">
+              <a:buFont typeface="+mj-lt"/>
+              <a:buAutoNum type="alphaLcParenR"/>
+            </a:pPr>
+            <a:endParaRPr lang="en-US" altLang="zh-CN" sz="2000" dirty="0">
+              <a:solidFill>
+                <a:schemeClr val="bg1">
+                  <a:lumMod val="50000"/>
+                </a:schemeClr>
+              </a:solidFill>
+              <a:latin typeface="微软雅黑" panose="020B0503020204020204" pitchFamily="34" charset="-122"/>
+              <a:ea typeface="微软雅黑" panose="020B0503020204020204" pitchFamily="34" charset="-122"/>
+            </a:endParaRPr>
+          </a:p>
+          <a:p>
+            <a:pPr marL="342900" indent="-342900">
+              <a:buFont typeface="+mj-lt"/>
+              <a:buAutoNum type="alphaLcParenR"/>
+            </a:pPr>
+            <a:r>
+              <a:rPr lang="zh-CN" altLang="en-US" sz="2000" dirty="0">
+                <a:solidFill>
+                  <a:schemeClr val="bg1">
+                    <a:lumMod val="50000"/>
+                  </a:schemeClr>
+                </a:solidFill>
+                <a:latin typeface="微软雅黑" panose="020B0503020204020204" pitchFamily="34" charset="-122"/>
+                <a:ea typeface="微软雅黑" panose="020B0503020204020204" pitchFamily="34" charset="-122"/>
+              </a:rPr>
+              <a:t>把拼装好的字符串采用</a:t>
+            </a:r>
+            <a:r>
+              <a:rPr lang="en-US" altLang="zh-CN" sz="2000" dirty="0">
+                <a:solidFill>
+                  <a:schemeClr val="bg1">
+                    <a:lumMod val="50000"/>
+                  </a:schemeClr>
+                </a:solidFill>
+                <a:latin typeface="微软雅黑" panose="020B0503020204020204" pitchFamily="34" charset="-122"/>
+                <a:ea typeface="微软雅黑" panose="020B0503020204020204" pitchFamily="34" charset="-122"/>
+              </a:rPr>
+              <a:t>utf-8</a:t>
+            </a:r>
+            <a:r>
+              <a:rPr lang="zh-CN" altLang="en-US" sz="2000" dirty="0">
+                <a:solidFill>
+                  <a:schemeClr val="bg1">
+                    <a:lumMod val="50000"/>
+                  </a:schemeClr>
+                </a:solidFill>
+                <a:latin typeface="微软雅黑" panose="020B0503020204020204" pitchFamily="34" charset="-122"/>
+                <a:ea typeface="微软雅黑" panose="020B0503020204020204" pitchFamily="34" charset="-122"/>
+              </a:rPr>
+              <a:t>编码，使用签名算法对编码后的字节流进行摘要，如果使用</a:t>
+            </a:r>
+            <a:r>
+              <a:rPr lang="en-US" altLang="zh-CN" sz="2000" dirty="0">
+                <a:solidFill>
+                  <a:schemeClr val="bg1">
+                    <a:lumMod val="50000"/>
+                  </a:schemeClr>
+                </a:solidFill>
+                <a:latin typeface="微软雅黑" panose="020B0503020204020204" pitchFamily="34" charset="-122"/>
+                <a:ea typeface="微软雅黑" panose="020B0503020204020204" pitchFamily="34" charset="-122"/>
+              </a:rPr>
+              <a:t>MD5</a:t>
+            </a:r>
+            <a:r>
+              <a:rPr lang="zh-CN" altLang="en-US" sz="2000" dirty="0">
+                <a:solidFill>
+                  <a:schemeClr val="bg1">
+                    <a:lumMod val="50000"/>
+                  </a:schemeClr>
+                </a:solidFill>
+                <a:latin typeface="微软雅黑" panose="020B0503020204020204" pitchFamily="34" charset="-122"/>
+                <a:ea typeface="微软雅黑" panose="020B0503020204020204" pitchFamily="34" charset="-122"/>
+              </a:rPr>
+              <a:t>算法，则需要在拼装的字符串前后加上</a:t>
+            </a:r>
+            <a:r>
+              <a:rPr lang="en-US" altLang="zh-CN" sz="2000" dirty="0">
+                <a:solidFill>
+                  <a:schemeClr val="bg1">
+                    <a:lumMod val="50000"/>
+                  </a:schemeClr>
+                </a:solidFill>
+                <a:latin typeface="微软雅黑" panose="020B0503020204020204" pitchFamily="34" charset="-122"/>
+                <a:ea typeface="微软雅黑" panose="020B0503020204020204" pitchFamily="34" charset="-122"/>
+              </a:rPr>
+              <a:t>app</a:t>
+            </a:r>
+            <a:r>
+              <a:rPr lang="zh-CN" altLang="en-US" sz="2000" dirty="0">
+                <a:solidFill>
+                  <a:schemeClr val="bg1">
+                    <a:lumMod val="50000"/>
+                  </a:schemeClr>
+                </a:solidFill>
+                <a:latin typeface="微软雅黑" panose="020B0503020204020204" pitchFamily="34" charset="-122"/>
+                <a:ea typeface="微软雅黑" panose="020B0503020204020204" pitchFamily="34" charset="-122"/>
+              </a:rPr>
+              <a:t>的</a:t>
+            </a:r>
+            <a:r>
+              <a:rPr lang="en-US" altLang="zh-CN" sz="2000" dirty="0">
+                <a:solidFill>
+                  <a:schemeClr val="bg1">
+                    <a:lumMod val="50000"/>
+                  </a:schemeClr>
+                </a:solidFill>
+                <a:latin typeface="微软雅黑" panose="020B0503020204020204" pitchFamily="34" charset="-122"/>
+                <a:ea typeface="微软雅黑" panose="020B0503020204020204" pitchFamily="34" charset="-122"/>
+              </a:rPr>
+              <a:t>secret</a:t>
+            </a:r>
+            <a:r>
+              <a:rPr lang="zh-CN" altLang="en-US" sz="2000" dirty="0">
+                <a:solidFill>
+                  <a:schemeClr val="bg1">
+                    <a:lumMod val="50000"/>
+                  </a:schemeClr>
+                </a:solidFill>
+                <a:latin typeface="微软雅黑" panose="020B0503020204020204" pitchFamily="34" charset="-122"/>
+                <a:ea typeface="微软雅黑" panose="020B0503020204020204" pitchFamily="34" charset="-122"/>
+              </a:rPr>
+              <a:t>后，再进行摘要，如：</a:t>
+            </a:r>
+            <a:r>
+              <a:rPr lang="en-US" altLang="zh-CN" sz="2000" dirty="0">
+                <a:solidFill>
+                  <a:schemeClr val="bg1">
+                    <a:lumMod val="50000"/>
+                  </a:schemeClr>
+                </a:solidFill>
+                <a:latin typeface="微软雅黑" panose="020B0503020204020204" pitchFamily="34" charset="-122"/>
+                <a:ea typeface="微软雅黑" panose="020B0503020204020204" pitchFamily="34" charset="-122"/>
+              </a:rPr>
+              <a:t>md5(secret+bar2foo1foo_bar3foobar4+secret)</a:t>
+            </a:r>
+          </a:p>
+        </p:txBody>
+      </p:sp>
+      <p:sp>
+        <p:nvSpPr>
+          <p:cNvPr id="11" name="矩形 10">
+            <a:extLst>
+              <a:ext uri="{FF2B5EF4-FFF2-40B4-BE49-F238E27FC236}">
+                <a16:creationId xmlns:a16="http://schemas.microsoft.com/office/drawing/2014/main" id="{F6CBE9A1-BE3A-4359-8A52-F135A9E8B27D}"/>
+              </a:ext>
+            </a:extLst>
+          </p:cNvPr>
+          <p:cNvSpPr/>
+          <p:nvPr/>
+        </p:nvSpPr>
+        <p:spPr>
+          <a:xfrm>
+            <a:off x="164616" y="1010689"/>
+            <a:ext cx="9549409" cy="523220"/>
+          </a:xfrm>
+          <a:prstGeom prst="rect">
+            <a:avLst/>
+          </a:prstGeom>
+        </p:spPr>
+        <p:txBody>
+          <a:bodyPr wrap="none">
+            <a:spAutoFit/>
+          </a:bodyPr>
+          <a:lstStyle/>
+          <a:p>
+            <a:r>
+              <a:rPr lang="zh-CN" altLang="en-US" sz="2800" dirty="0">
+                <a:solidFill>
+                  <a:schemeClr val="accent5"/>
+                </a:solidFill>
+                <a:latin typeface="微软雅黑" panose="020B0503020204020204" pitchFamily="34" charset="-122"/>
+                <a:ea typeface="微软雅黑" panose="020B0503020204020204" pitchFamily="34" charset="-122"/>
+                <a:sym typeface="Arial"/>
+              </a:rPr>
+              <a:t>签名生产算法</a:t>
+            </a:r>
+            <a:r>
+              <a:rPr lang="en-US" altLang="zh-CN" sz="2800" dirty="0">
+                <a:solidFill>
+                  <a:schemeClr val="accent5"/>
+                </a:solidFill>
+                <a:latin typeface="微软雅黑" panose="020B0503020204020204" pitchFamily="34" charset="-122"/>
+                <a:ea typeface="微软雅黑" panose="020B0503020204020204" pitchFamily="34" charset="-122"/>
+                <a:sym typeface="Arial"/>
+              </a:rPr>
+              <a:t>—</a:t>
+            </a:r>
+            <a:r>
+              <a:rPr lang="zh-CN" altLang="en-US" sz="2800" dirty="0">
+                <a:solidFill>
+                  <a:schemeClr val="accent5"/>
+                </a:solidFill>
+                <a:latin typeface="微软雅黑" panose="020B0503020204020204" pitchFamily="34" charset="-122"/>
+                <a:ea typeface="微软雅黑" panose="020B0503020204020204" pitchFamily="34" charset="-122"/>
+                <a:sym typeface="Arial"/>
+              </a:rPr>
+              <a:t>调用端生成以及服务器端对签名校验时使用</a:t>
+            </a:r>
+            <a:endParaRPr lang="zh-CN" altLang="en-US" sz="2800" dirty="0">
+              <a:solidFill>
+                <a:schemeClr val="accent5"/>
+              </a:solidFill>
+              <a:latin typeface="微软雅黑" panose="020B0503020204020204" pitchFamily="34" charset="-122"/>
+              <a:ea typeface="微软雅黑" panose="020B0503020204020204" pitchFamily="34" charset="-122"/>
+            </a:endParaRPr>
+          </a:p>
+        </p:txBody>
+      </p:sp>
+    </p:spTree>
+    <p:extLst>
+      <p:ext uri="{BB962C8B-B14F-4D97-AF65-F5344CB8AC3E}">
+        <p14:creationId xmlns:p14="http://schemas.microsoft.com/office/powerpoint/2010/main" val="2225070424"/>
+      </p:ext>
+    </p:extLst>
+  </p:cSld>
+  <p:clrMapOvr>
+    <a:masterClrMapping/>
+  </p:clrMapOvr>
+</p:sld>
+</file>
+
 <file path=ppt/theme/theme1.xml><?xml version="1.0" encoding="utf-8"?>
 <a:theme xmlns:a="http://schemas.openxmlformats.org/drawingml/2006/main" name="Office 主题​​">
   <a:themeElements>

--- a/安全认证方案.pptx
+++ b/安全认证方案.pptx
@@ -9,6 +9,8 @@
     <p:sldId id="257" r:id="rId3"/>
     <p:sldId id="258" r:id="rId4"/>
     <p:sldId id="259" r:id="rId5"/>
+    <p:sldId id="260" r:id="rId6"/>
+    <p:sldId id="261" r:id="rId7"/>
   </p:sldIdLst>
   <p:sldSz cx="12192000" cy="6858000"/>
   <p:notesSz cx="6858000" cy="9144000"/>
@@ -115,6 +117,3801 @@
 </p:presentation>
 </file>
 
+<file path=ppt/diagrams/colors1.xml><?xml version="1.0" encoding="utf-8"?>
+<dgm:colorsDef xmlns:dgm="http://schemas.openxmlformats.org/drawingml/2006/diagram" xmlns:a="http://schemas.openxmlformats.org/drawingml/2006/main" uniqueId="urn:microsoft.com/office/officeart/2005/8/colors/accent1_2">
+  <dgm:title val=""/>
+  <dgm:desc val=""/>
+  <dgm:catLst>
+    <dgm:cat type="accent1" pri="11200"/>
+  </dgm:catLst>
+  <dgm:styleLbl name="node0">
+    <dgm:fillClrLst meth="repeat">
+      <a:schemeClr val="accent1"/>
+    </dgm:fillClrLst>
+    <dgm:linClrLst meth="repeat">
+      <a:schemeClr val="lt1"/>
+    </dgm:linClrLst>
+    <dgm:effectClrLst/>
+    <dgm:txLinClrLst/>
+    <dgm:txFillClrLst/>
+    <dgm:txEffectClrLst/>
+  </dgm:styleLbl>
+  <dgm:styleLbl name="alignNode1">
+    <dgm:fillClrLst meth="repeat">
+      <a:schemeClr val="accent1"/>
+    </dgm:fillClrLst>
+    <dgm:linClrLst meth="repeat">
+      <a:schemeClr val="accent1"/>
+    </dgm:linClrLst>
+    <dgm:effectClrLst/>
+    <dgm:txLinClrLst/>
+    <dgm:txFillClrLst/>
+    <dgm:txEffectClrLst/>
+  </dgm:styleLbl>
+  <dgm:styleLbl name="node1">
+    <dgm:fillClrLst meth="repeat">
+      <a:schemeClr val="accent1"/>
+    </dgm:fillClrLst>
+    <dgm:linClrLst meth="repeat">
+      <a:schemeClr val="lt1"/>
+    </dgm:linClrLst>
+    <dgm:effectClrLst/>
+    <dgm:txLinClrLst/>
+    <dgm:txFillClrLst/>
+    <dgm:txEffectClrLst/>
+  </dgm:styleLbl>
+  <dgm:styleLbl name="lnNode1">
+    <dgm:fillClrLst meth="repeat">
+      <a:schemeClr val="accent1"/>
+    </dgm:fillClrLst>
+    <dgm:linClrLst meth="repeat">
+      <a:schemeClr val="lt1"/>
+    </dgm:linClrLst>
+    <dgm:effectClrLst/>
+    <dgm:txLinClrLst/>
+    <dgm:txFillClrLst/>
+    <dgm:txEffectClrLst/>
+  </dgm:styleLbl>
+  <dgm:styleLbl name="vennNode1">
+    <dgm:fillClrLst meth="repeat">
+      <a:schemeClr val="accent1">
+        <a:alpha val="50000"/>
+      </a:schemeClr>
+    </dgm:fillClrLst>
+    <dgm:linClrLst meth="repeat">
+      <a:schemeClr val="lt1"/>
+    </dgm:linClrLst>
+    <dgm:effectClrLst/>
+    <dgm:txLinClrLst/>
+    <dgm:txFillClrLst/>
+    <dgm:txEffectClrLst/>
+  </dgm:styleLbl>
+  <dgm:styleLbl name="node2">
+    <dgm:fillClrLst meth="repeat">
+      <a:schemeClr val="accent1"/>
+    </dgm:fillClrLst>
+    <dgm:linClrLst meth="repeat">
+      <a:schemeClr val="lt1"/>
+    </dgm:linClrLst>
+    <dgm:effectClrLst/>
+    <dgm:txLinClrLst/>
+    <dgm:txFillClrLst/>
+    <dgm:txEffectClrLst/>
+  </dgm:styleLbl>
+  <dgm:styleLbl name="node3">
+    <dgm:fillClrLst meth="repeat">
+      <a:schemeClr val="accent1"/>
+    </dgm:fillClrLst>
+    <dgm:linClrLst meth="repeat">
+      <a:schemeClr val="lt1"/>
+    </dgm:linClrLst>
+    <dgm:effectClrLst/>
+    <dgm:txLinClrLst/>
+    <dgm:txFillClrLst/>
+    <dgm:txEffectClrLst/>
+  </dgm:styleLbl>
+  <dgm:styleLbl name="node4">
+    <dgm:fillClrLst meth="repeat">
+      <a:schemeClr val="accent1"/>
+    </dgm:fillClrLst>
+    <dgm:linClrLst meth="repeat">
+      <a:schemeClr val="lt1"/>
+    </dgm:linClrLst>
+    <dgm:effectClrLst/>
+    <dgm:txLinClrLst/>
+    <dgm:txFillClrLst/>
+    <dgm:txEffectClrLst/>
+  </dgm:styleLbl>
+  <dgm:styleLbl name="fgImgPlace1">
+    <dgm:fillClrLst meth="repeat">
+      <a:schemeClr val="accent1">
+        <a:tint val="50000"/>
+      </a:schemeClr>
+    </dgm:fillClrLst>
+    <dgm:linClrLst meth="repeat">
+      <a:schemeClr val="lt1"/>
+    </dgm:linClrLst>
+    <dgm:effectClrLst/>
+    <dgm:txLinClrLst/>
+    <dgm:txFillClrLst meth="repeat">
+      <a:schemeClr val="lt1"/>
+    </dgm:txFillClrLst>
+    <dgm:txEffectClrLst/>
+  </dgm:styleLbl>
+  <dgm:styleLbl name="alignImgPlace1">
+    <dgm:fillClrLst meth="repeat">
+      <a:schemeClr val="accent1">
+        <a:tint val="50000"/>
+      </a:schemeClr>
+    </dgm:fillClrLst>
+    <dgm:linClrLst meth="repeat">
+      <a:schemeClr val="lt1"/>
+    </dgm:linClrLst>
+    <dgm:effectClrLst/>
+    <dgm:txLinClrLst/>
+    <dgm:txFillClrLst meth="repeat">
+      <a:schemeClr val="lt1"/>
+    </dgm:txFillClrLst>
+    <dgm:txEffectClrLst/>
+  </dgm:styleLbl>
+  <dgm:styleLbl name="bgImgPlace1">
+    <dgm:fillClrLst meth="repeat">
+      <a:schemeClr val="accent1">
+        <a:tint val="50000"/>
+      </a:schemeClr>
+    </dgm:fillClrLst>
+    <dgm:linClrLst meth="repeat">
+      <a:schemeClr val="lt1"/>
+    </dgm:linClrLst>
+    <dgm:effectClrLst/>
+    <dgm:txLinClrLst/>
+    <dgm:txFillClrLst meth="repeat">
+      <a:schemeClr val="lt1"/>
+    </dgm:txFillClrLst>
+    <dgm:txEffectClrLst/>
+  </dgm:styleLbl>
+  <dgm:styleLbl name="sibTrans2D1">
+    <dgm:fillClrLst meth="repeat">
+      <a:schemeClr val="accent1">
+        <a:tint val="60000"/>
+      </a:schemeClr>
+    </dgm:fillClrLst>
+    <dgm:linClrLst meth="repeat">
+      <a:schemeClr val="accent1">
+        <a:tint val="60000"/>
+      </a:schemeClr>
+    </dgm:linClrLst>
+    <dgm:effectClrLst/>
+    <dgm:txLinClrLst/>
+    <dgm:txFillClrLst/>
+    <dgm:txEffectClrLst/>
+  </dgm:styleLbl>
+  <dgm:styleLbl name="fgSibTrans2D1">
+    <dgm:fillClrLst meth="repeat">
+      <a:schemeClr val="accent1">
+        <a:tint val="60000"/>
+      </a:schemeClr>
+    </dgm:fillClrLst>
+    <dgm:linClrLst meth="repeat">
+      <a:schemeClr val="accent1">
+        <a:tint val="60000"/>
+      </a:schemeClr>
+    </dgm:linClrLst>
+    <dgm:effectClrLst/>
+    <dgm:txLinClrLst/>
+    <dgm:txFillClrLst/>
+    <dgm:txEffectClrLst/>
+  </dgm:styleLbl>
+  <dgm:styleLbl name="bgSibTrans2D1">
+    <dgm:fillClrLst meth="repeat">
+      <a:schemeClr val="accent1">
+        <a:tint val="60000"/>
+      </a:schemeClr>
+    </dgm:fillClrLst>
+    <dgm:linClrLst meth="repeat">
+      <a:schemeClr val="accent1">
+        <a:tint val="60000"/>
+      </a:schemeClr>
+    </dgm:linClrLst>
+    <dgm:effectClrLst/>
+    <dgm:txLinClrLst/>
+    <dgm:txFillClrLst/>
+    <dgm:txEffectClrLst/>
+  </dgm:styleLbl>
+  <dgm:styleLbl name="sibTrans1D1">
+    <dgm:fillClrLst meth="repeat">
+      <a:schemeClr val="accent1"/>
+    </dgm:fillClrLst>
+    <dgm:linClrLst meth="repeat">
+      <a:schemeClr val="accent1"/>
+    </dgm:linClrLst>
+    <dgm:effectClrLst/>
+    <dgm:txLinClrLst/>
+    <dgm:txFillClrLst meth="repeat">
+      <a:schemeClr val="tx1"/>
+    </dgm:txFillClrLst>
+    <dgm:txEffectClrLst/>
+  </dgm:styleLbl>
+  <dgm:styleLbl name="callout">
+    <dgm:fillClrLst meth="repeat">
+      <a:schemeClr val="accent1"/>
+    </dgm:fillClrLst>
+    <dgm:linClrLst meth="repeat">
+      <a:schemeClr val="accent1">
+        <a:tint val="50000"/>
+      </a:schemeClr>
+    </dgm:linClrLst>
+    <dgm:effectClrLst/>
+    <dgm:txLinClrLst/>
+    <dgm:txFillClrLst meth="repeat">
+      <a:schemeClr val="tx1"/>
+    </dgm:txFillClrLst>
+    <dgm:txEffectClrLst/>
+  </dgm:styleLbl>
+  <dgm:styleLbl name="asst0">
+    <dgm:fillClrLst meth="repeat">
+      <a:schemeClr val="accent1"/>
+    </dgm:fillClrLst>
+    <dgm:linClrLst meth="repeat">
+      <a:schemeClr val="lt1"/>
+    </dgm:linClrLst>
+    <dgm:effectClrLst/>
+    <dgm:txLinClrLst/>
+    <dgm:txFillClrLst/>
+    <dgm:txEffectClrLst/>
+  </dgm:styleLbl>
+  <dgm:styleLbl name="asst1">
+    <dgm:fillClrLst meth="repeat">
+      <a:schemeClr val="accent1"/>
+    </dgm:fillClrLst>
+    <dgm:linClrLst meth="repeat">
+      <a:schemeClr val="lt1"/>
+    </dgm:linClrLst>
+    <dgm:effectClrLst/>
+    <dgm:txLinClrLst/>
+    <dgm:txFillClrLst/>
+    <dgm:txEffectClrLst/>
+  </dgm:styleLbl>
+  <dgm:styleLbl name="asst2">
+    <dgm:fillClrLst meth="repeat">
+      <a:schemeClr val="accent1"/>
+    </dgm:fillClrLst>
+    <dgm:linClrLst meth="repeat">
+      <a:schemeClr val="lt1"/>
+    </dgm:linClrLst>
+    <dgm:effectClrLst/>
+    <dgm:txLinClrLst/>
+    <dgm:txFillClrLst/>
+    <dgm:txEffectClrLst/>
+  </dgm:styleLbl>
+  <dgm:styleLbl name="asst3">
+    <dgm:fillClrLst meth="repeat">
+      <a:schemeClr val="accent1"/>
+    </dgm:fillClrLst>
+    <dgm:linClrLst meth="repeat">
+      <a:schemeClr val="lt1"/>
+    </dgm:linClrLst>
+    <dgm:effectClrLst/>
+    <dgm:txLinClrLst/>
+    <dgm:txFillClrLst/>
+    <dgm:txEffectClrLst/>
+  </dgm:styleLbl>
+  <dgm:styleLbl name="asst4">
+    <dgm:fillClrLst meth="repeat">
+      <a:schemeClr val="accent1"/>
+    </dgm:fillClrLst>
+    <dgm:linClrLst meth="repeat">
+      <a:schemeClr val="lt1"/>
+    </dgm:linClrLst>
+    <dgm:effectClrLst/>
+    <dgm:txLinClrLst/>
+    <dgm:txFillClrLst/>
+    <dgm:txEffectClrLst/>
+  </dgm:styleLbl>
+  <dgm:styleLbl name="parChTrans2D1">
+    <dgm:fillClrLst meth="repeat">
+      <a:schemeClr val="accent1">
+        <a:tint val="60000"/>
+      </a:schemeClr>
+    </dgm:fillClrLst>
+    <dgm:linClrLst meth="repeat">
+      <a:schemeClr val="accent1">
+        <a:tint val="60000"/>
+      </a:schemeClr>
+    </dgm:linClrLst>
+    <dgm:effectClrLst/>
+    <dgm:txLinClrLst/>
+    <dgm:txFillClrLst meth="repeat">
+      <a:schemeClr val="lt1"/>
+    </dgm:txFillClrLst>
+    <dgm:txEffectClrLst/>
+  </dgm:styleLbl>
+  <dgm:styleLbl name="parChTrans2D2">
+    <dgm:fillClrLst meth="repeat">
+      <a:schemeClr val="accent1"/>
+    </dgm:fillClrLst>
+    <dgm:linClrLst meth="repeat">
+      <a:schemeClr val="accent1"/>
+    </dgm:linClrLst>
+    <dgm:effectClrLst/>
+    <dgm:txLinClrLst/>
+    <dgm:txFillClrLst meth="repeat">
+      <a:schemeClr val="lt1"/>
+    </dgm:txFillClrLst>
+    <dgm:txEffectClrLst/>
+  </dgm:styleLbl>
+  <dgm:styleLbl name="parChTrans2D3">
+    <dgm:fillClrLst meth="repeat">
+      <a:schemeClr val="accent1"/>
+    </dgm:fillClrLst>
+    <dgm:linClrLst meth="repeat">
+      <a:schemeClr val="accent1"/>
+    </dgm:linClrLst>
+    <dgm:effectClrLst/>
+    <dgm:txLinClrLst/>
+    <dgm:txFillClrLst meth="repeat">
+      <a:schemeClr val="lt1"/>
+    </dgm:txFillClrLst>
+    <dgm:txEffectClrLst/>
+  </dgm:styleLbl>
+  <dgm:styleLbl name="parChTrans2D4">
+    <dgm:fillClrLst meth="repeat">
+      <a:schemeClr val="accent1"/>
+    </dgm:fillClrLst>
+    <dgm:linClrLst meth="repeat">
+      <a:schemeClr val="accent1"/>
+    </dgm:linClrLst>
+    <dgm:effectClrLst/>
+    <dgm:txLinClrLst/>
+    <dgm:txFillClrLst meth="repeat">
+      <a:schemeClr val="lt1"/>
+    </dgm:txFillClrLst>
+    <dgm:txEffectClrLst/>
+  </dgm:styleLbl>
+  <dgm:styleLbl name="parChTrans1D1">
+    <dgm:fillClrLst meth="repeat">
+      <a:schemeClr val="accent1"/>
+    </dgm:fillClrLst>
+    <dgm:linClrLst meth="repeat">
+      <a:schemeClr val="accent1">
+        <a:shade val="60000"/>
+      </a:schemeClr>
+    </dgm:linClrLst>
+    <dgm:effectClrLst/>
+    <dgm:txLinClrLst/>
+    <dgm:txFillClrLst meth="repeat">
+      <a:schemeClr val="tx1"/>
+    </dgm:txFillClrLst>
+    <dgm:txEffectClrLst/>
+  </dgm:styleLbl>
+  <dgm:styleLbl name="parChTrans1D2">
+    <dgm:fillClrLst meth="repeat">
+      <a:schemeClr val="accent1"/>
+    </dgm:fillClrLst>
+    <dgm:linClrLst meth="repeat">
+      <a:schemeClr val="accent1">
+        <a:shade val="60000"/>
+      </a:schemeClr>
+    </dgm:linClrLst>
+    <dgm:effectClrLst/>
+    <dgm:txLinClrLst/>
+    <dgm:txFillClrLst meth="repeat">
+      <a:schemeClr val="tx1"/>
+    </dgm:txFillClrLst>
+    <dgm:txEffectClrLst/>
+  </dgm:styleLbl>
+  <dgm:styleLbl name="parChTrans1D3">
+    <dgm:fillClrLst meth="repeat">
+      <a:schemeClr val="accent1"/>
+    </dgm:fillClrLst>
+    <dgm:linClrLst meth="repeat">
+      <a:schemeClr val="accent1">
+        <a:shade val="80000"/>
+      </a:schemeClr>
+    </dgm:linClrLst>
+    <dgm:effectClrLst/>
+    <dgm:txLinClrLst/>
+    <dgm:txFillClrLst meth="repeat">
+      <a:schemeClr val="tx1"/>
+    </dgm:txFillClrLst>
+    <dgm:txEffectClrLst/>
+  </dgm:styleLbl>
+  <dgm:styleLbl name="parChTrans1D4">
+    <dgm:fillClrLst meth="repeat">
+      <a:schemeClr val="accent1"/>
+    </dgm:fillClrLst>
+    <dgm:linClrLst meth="repeat">
+      <a:schemeClr val="accent1">
+        <a:shade val="80000"/>
+      </a:schemeClr>
+    </dgm:linClrLst>
+    <dgm:effectClrLst/>
+    <dgm:txLinClrLst/>
+    <dgm:txFillClrLst meth="repeat">
+      <a:schemeClr val="tx1"/>
+    </dgm:txFillClrLst>
+    <dgm:txEffectClrLst/>
+  </dgm:styleLbl>
+  <dgm:styleLbl name="fgAcc1">
+    <dgm:fillClrLst meth="repeat">
+      <a:schemeClr val="lt1">
+        <a:alpha val="90000"/>
+      </a:schemeClr>
+    </dgm:fillClrLst>
+    <dgm:linClrLst meth="repeat">
+      <a:schemeClr val="accent1"/>
+    </dgm:linClrLst>
+    <dgm:effectClrLst/>
+    <dgm:txLinClrLst/>
+    <dgm:txFillClrLst meth="repeat">
+      <a:schemeClr val="dk1"/>
+    </dgm:txFillClrLst>
+    <dgm:txEffectClrLst/>
+  </dgm:styleLbl>
+  <dgm:styleLbl name="conFgAcc1">
+    <dgm:fillClrLst meth="repeat">
+      <a:schemeClr val="lt1">
+        <a:alpha val="90000"/>
+      </a:schemeClr>
+    </dgm:fillClrLst>
+    <dgm:linClrLst meth="repeat">
+      <a:schemeClr val="accent1"/>
+    </dgm:linClrLst>
+    <dgm:effectClrLst/>
+    <dgm:txLinClrLst/>
+    <dgm:txFillClrLst meth="repeat">
+      <a:schemeClr val="dk1"/>
+    </dgm:txFillClrLst>
+    <dgm:txEffectClrLst/>
+  </dgm:styleLbl>
+  <dgm:styleLbl name="alignAcc1">
+    <dgm:fillClrLst meth="repeat">
+      <a:schemeClr val="lt1">
+        <a:alpha val="90000"/>
+      </a:schemeClr>
+    </dgm:fillClrLst>
+    <dgm:linClrLst meth="repeat">
+      <a:schemeClr val="accent1"/>
+    </dgm:linClrLst>
+    <dgm:effectClrLst/>
+    <dgm:txLinClrLst/>
+    <dgm:txFillClrLst meth="repeat">
+      <a:schemeClr val="dk1"/>
+    </dgm:txFillClrLst>
+    <dgm:txEffectClrLst/>
+  </dgm:styleLbl>
+  <dgm:styleLbl name="trAlignAcc1">
+    <dgm:fillClrLst meth="repeat">
+      <a:schemeClr val="lt1">
+        <a:alpha val="40000"/>
+      </a:schemeClr>
+    </dgm:fillClrLst>
+    <dgm:linClrLst meth="repeat">
+      <a:schemeClr val="accent1"/>
+    </dgm:linClrLst>
+    <dgm:effectClrLst/>
+    <dgm:txLinClrLst/>
+    <dgm:txFillClrLst meth="repeat">
+      <a:schemeClr val="dk1"/>
+    </dgm:txFillClrLst>
+    <dgm:txEffectClrLst/>
+  </dgm:styleLbl>
+  <dgm:styleLbl name="bgAcc1">
+    <dgm:fillClrLst meth="repeat">
+      <a:schemeClr val="lt1">
+        <a:alpha val="90000"/>
+      </a:schemeClr>
+    </dgm:fillClrLst>
+    <dgm:linClrLst meth="repeat">
+      <a:schemeClr val="accent1"/>
+    </dgm:linClrLst>
+    <dgm:effectClrLst/>
+    <dgm:txLinClrLst/>
+    <dgm:txFillClrLst meth="repeat">
+      <a:schemeClr val="dk1"/>
+    </dgm:txFillClrLst>
+    <dgm:txEffectClrLst/>
+  </dgm:styleLbl>
+  <dgm:styleLbl name="solidFgAcc1">
+    <dgm:fillClrLst meth="repeat">
+      <a:schemeClr val="lt1"/>
+    </dgm:fillClrLst>
+    <dgm:linClrLst meth="repeat">
+      <a:schemeClr val="accent1"/>
+    </dgm:linClrLst>
+    <dgm:effectClrLst/>
+    <dgm:txLinClrLst/>
+    <dgm:txFillClrLst meth="repeat">
+      <a:schemeClr val="dk1"/>
+    </dgm:txFillClrLst>
+    <dgm:txEffectClrLst/>
+  </dgm:styleLbl>
+  <dgm:styleLbl name="solidAlignAcc1">
+    <dgm:fillClrLst meth="repeat">
+      <a:schemeClr val="lt1"/>
+    </dgm:fillClrLst>
+    <dgm:linClrLst meth="repeat">
+      <a:schemeClr val="accent1"/>
+    </dgm:linClrLst>
+    <dgm:effectClrLst/>
+    <dgm:txLinClrLst/>
+    <dgm:txFillClrLst meth="repeat">
+      <a:schemeClr val="dk1"/>
+    </dgm:txFillClrLst>
+    <dgm:txEffectClrLst/>
+  </dgm:styleLbl>
+  <dgm:styleLbl name="solidBgAcc1">
+    <dgm:fillClrLst meth="repeat">
+      <a:schemeClr val="lt1"/>
+    </dgm:fillClrLst>
+    <dgm:linClrLst meth="repeat">
+      <a:schemeClr val="accent1"/>
+    </dgm:linClrLst>
+    <dgm:effectClrLst/>
+    <dgm:txLinClrLst/>
+    <dgm:txFillClrLst meth="repeat">
+      <a:schemeClr val="dk1"/>
+    </dgm:txFillClrLst>
+    <dgm:txEffectClrLst/>
+  </dgm:styleLbl>
+  <dgm:styleLbl name="fgAccFollowNode1">
+    <dgm:fillClrLst meth="repeat">
+      <a:schemeClr val="accent1">
+        <a:alpha val="90000"/>
+        <a:tint val="40000"/>
+      </a:schemeClr>
+    </dgm:fillClrLst>
+    <dgm:linClrLst meth="repeat">
+      <a:schemeClr val="accent1">
+        <a:alpha val="90000"/>
+        <a:tint val="40000"/>
+      </a:schemeClr>
+    </dgm:linClrLst>
+    <dgm:effectClrLst/>
+    <dgm:txLinClrLst/>
+    <dgm:txFillClrLst meth="repeat">
+      <a:schemeClr val="dk1"/>
+    </dgm:txFillClrLst>
+    <dgm:txEffectClrLst/>
+  </dgm:styleLbl>
+  <dgm:styleLbl name="alignAccFollowNode1">
+    <dgm:fillClrLst meth="repeat">
+      <a:schemeClr val="accent1">
+        <a:alpha val="90000"/>
+        <a:tint val="40000"/>
+      </a:schemeClr>
+    </dgm:fillClrLst>
+    <dgm:linClrLst meth="repeat">
+      <a:schemeClr val="accent1">
+        <a:alpha val="90000"/>
+        <a:tint val="40000"/>
+      </a:schemeClr>
+    </dgm:linClrLst>
+    <dgm:effectClrLst/>
+    <dgm:txLinClrLst/>
+    <dgm:txFillClrLst meth="repeat">
+      <a:schemeClr val="dk1"/>
+    </dgm:txFillClrLst>
+    <dgm:txEffectClrLst/>
+  </dgm:styleLbl>
+  <dgm:styleLbl name="bgAccFollowNode1">
+    <dgm:fillClrLst meth="repeat">
+      <a:schemeClr val="accent1">
+        <a:alpha val="90000"/>
+        <a:tint val="40000"/>
+      </a:schemeClr>
+    </dgm:fillClrLst>
+    <dgm:linClrLst meth="repeat">
+      <a:schemeClr val="accent1">
+        <a:alpha val="90000"/>
+        <a:tint val="40000"/>
+      </a:schemeClr>
+    </dgm:linClrLst>
+    <dgm:effectClrLst/>
+    <dgm:txLinClrLst/>
+    <dgm:txFillClrLst meth="repeat">
+      <a:schemeClr val="dk1"/>
+    </dgm:txFillClrLst>
+    <dgm:txEffectClrLst/>
+  </dgm:styleLbl>
+  <dgm:styleLbl name="fgAcc0">
+    <dgm:fillClrLst meth="repeat">
+      <a:schemeClr val="lt1">
+        <a:alpha val="90000"/>
+      </a:schemeClr>
+    </dgm:fillClrLst>
+    <dgm:linClrLst meth="repeat">
+      <a:schemeClr val="accent1"/>
+    </dgm:linClrLst>
+    <dgm:effectClrLst/>
+    <dgm:txLinClrLst/>
+    <dgm:txFillClrLst meth="repeat">
+      <a:schemeClr val="dk1"/>
+    </dgm:txFillClrLst>
+    <dgm:txEffectClrLst/>
+  </dgm:styleLbl>
+  <dgm:styleLbl name="fgAcc2">
+    <dgm:fillClrLst meth="repeat">
+      <a:schemeClr val="lt1">
+        <a:alpha val="90000"/>
+      </a:schemeClr>
+    </dgm:fillClrLst>
+    <dgm:linClrLst meth="repeat">
+      <a:schemeClr val="accent1"/>
+    </dgm:linClrLst>
+    <dgm:effectClrLst/>
+    <dgm:txLinClrLst/>
+    <dgm:txFillClrLst meth="repeat">
+      <a:schemeClr val="dk1"/>
+    </dgm:txFillClrLst>
+    <dgm:txEffectClrLst/>
+  </dgm:styleLbl>
+  <dgm:styleLbl name="fgAcc3">
+    <dgm:fillClrLst meth="repeat">
+      <a:schemeClr val="lt1">
+        <a:alpha val="90000"/>
+      </a:schemeClr>
+    </dgm:fillClrLst>
+    <dgm:linClrLst meth="repeat">
+      <a:schemeClr val="accent1"/>
+    </dgm:linClrLst>
+    <dgm:effectClrLst/>
+    <dgm:txLinClrLst/>
+    <dgm:txFillClrLst meth="repeat">
+      <a:schemeClr val="dk1"/>
+    </dgm:txFillClrLst>
+    <dgm:txEffectClrLst/>
+  </dgm:styleLbl>
+  <dgm:styleLbl name="fgAcc4">
+    <dgm:fillClrLst meth="repeat">
+      <a:schemeClr val="lt1">
+        <a:alpha val="90000"/>
+      </a:schemeClr>
+    </dgm:fillClrLst>
+    <dgm:linClrLst meth="repeat">
+      <a:schemeClr val="accent1"/>
+    </dgm:linClrLst>
+    <dgm:effectClrLst/>
+    <dgm:txLinClrLst/>
+    <dgm:txFillClrLst meth="repeat">
+      <a:schemeClr val="dk1"/>
+    </dgm:txFillClrLst>
+    <dgm:txEffectClrLst/>
+  </dgm:styleLbl>
+  <dgm:styleLbl name="bgShp">
+    <dgm:fillClrLst meth="repeat">
+      <a:schemeClr val="accent1">
+        <a:tint val="40000"/>
+      </a:schemeClr>
+    </dgm:fillClrLst>
+    <dgm:linClrLst meth="repeat">
+      <a:schemeClr val="accent1"/>
+    </dgm:linClrLst>
+    <dgm:effectClrLst/>
+    <dgm:txLinClrLst/>
+    <dgm:txFillClrLst meth="repeat">
+      <a:schemeClr val="dk1"/>
+    </dgm:txFillClrLst>
+    <dgm:txEffectClrLst/>
+  </dgm:styleLbl>
+  <dgm:styleLbl name="dkBgShp">
+    <dgm:fillClrLst meth="repeat">
+      <a:schemeClr val="accent1">
+        <a:shade val="80000"/>
+      </a:schemeClr>
+    </dgm:fillClrLst>
+    <dgm:linClrLst meth="repeat">
+      <a:schemeClr val="accent1"/>
+    </dgm:linClrLst>
+    <dgm:effectClrLst/>
+    <dgm:txLinClrLst/>
+    <dgm:txFillClrLst meth="repeat">
+      <a:schemeClr val="lt1"/>
+    </dgm:txFillClrLst>
+    <dgm:txEffectClrLst/>
+  </dgm:styleLbl>
+  <dgm:styleLbl name="trBgShp">
+    <dgm:fillClrLst meth="repeat">
+      <a:schemeClr val="accent1">
+        <a:tint val="50000"/>
+        <a:alpha val="40000"/>
+      </a:schemeClr>
+    </dgm:fillClrLst>
+    <dgm:linClrLst meth="repeat">
+      <a:schemeClr val="accent1"/>
+    </dgm:linClrLst>
+    <dgm:effectClrLst/>
+    <dgm:txLinClrLst/>
+    <dgm:txFillClrLst meth="repeat">
+      <a:schemeClr val="lt1"/>
+    </dgm:txFillClrLst>
+    <dgm:txEffectClrLst/>
+  </dgm:styleLbl>
+  <dgm:styleLbl name="fgShp">
+    <dgm:fillClrLst meth="repeat">
+      <a:schemeClr val="accent1">
+        <a:tint val="60000"/>
+      </a:schemeClr>
+    </dgm:fillClrLst>
+    <dgm:linClrLst meth="repeat">
+      <a:schemeClr val="lt1"/>
+    </dgm:linClrLst>
+    <dgm:effectClrLst/>
+    <dgm:txLinClrLst/>
+    <dgm:txFillClrLst meth="repeat">
+      <a:schemeClr val="dk1"/>
+    </dgm:txFillClrLst>
+    <dgm:txEffectClrLst/>
+  </dgm:styleLbl>
+  <dgm:styleLbl name="revTx">
+    <dgm:fillClrLst meth="repeat">
+      <a:schemeClr val="lt1">
+        <a:alpha val="0"/>
+      </a:schemeClr>
+    </dgm:fillClrLst>
+    <dgm:linClrLst meth="repeat">
+      <a:schemeClr val="dk1">
+        <a:alpha val="0"/>
+      </a:schemeClr>
+    </dgm:linClrLst>
+    <dgm:effectClrLst/>
+    <dgm:txLinClrLst/>
+    <dgm:txFillClrLst meth="repeat">
+      <a:schemeClr val="tx1"/>
+    </dgm:txFillClrLst>
+    <dgm:txEffectClrLst/>
+  </dgm:styleLbl>
+</dgm:colorsDef>
+</file>
+
+<file path=ppt/diagrams/data1.xml><?xml version="1.0" encoding="utf-8"?>
+<dgm:dataModel xmlns:dgm="http://schemas.openxmlformats.org/drawingml/2006/diagram" xmlns:a="http://schemas.openxmlformats.org/drawingml/2006/main">
+  <dgm:ptLst>
+    <dgm:pt modelId="{B2BFDB61-DFBB-46E5-ABDD-E28B1E75A654}" type="doc">
+      <dgm:prSet loTypeId="urn:microsoft.com/office/officeart/2005/8/layout/hList1" loCatId="list" qsTypeId="urn:microsoft.com/office/officeart/2005/8/quickstyle/simple1" qsCatId="simple" csTypeId="urn:microsoft.com/office/officeart/2005/8/colors/accent1_2" csCatId="accent1" phldr="1"/>
+      <dgm:spPr/>
+      <dgm:t>
+        <a:bodyPr/>
+        <a:lstStyle/>
+        <a:p>
+          <a:endParaRPr lang="zh-CN" altLang="en-US"/>
+        </a:p>
+      </dgm:t>
+    </dgm:pt>
+    <dgm:pt modelId="{4B45145C-D50F-4FCF-A22E-7C7F2D533D33}">
+      <dgm:prSet phldrT="[文本]"/>
+      <dgm:spPr/>
+      <dgm:t>
+        <a:bodyPr/>
+        <a:lstStyle/>
+        <a:p>
+          <a:r>
+            <a:rPr lang="en-US" altLang="zh-CN" dirty="0">
+              <a:latin typeface="微软雅黑" panose="020B0503020204020204" pitchFamily="34" charset="-122"/>
+              <a:ea typeface="微软雅黑" panose="020B0503020204020204" pitchFamily="34" charset="-122"/>
+            </a:rPr>
+            <a:t>header</a:t>
+          </a:r>
+          <a:endParaRPr lang="zh-CN" altLang="en-US" dirty="0">
+            <a:latin typeface="微软雅黑" panose="020B0503020204020204" pitchFamily="34" charset="-122"/>
+            <a:ea typeface="微软雅黑" panose="020B0503020204020204" pitchFamily="34" charset="-122"/>
+          </a:endParaRPr>
+        </a:p>
+      </dgm:t>
+    </dgm:pt>
+    <dgm:pt modelId="{1D477D3D-B3C4-4A86-A487-E76E15FAFBED}" type="parTrans" cxnId="{E759A501-2DD0-48BF-B0EB-808EB5825A1E}">
+      <dgm:prSet/>
+      <dgm:spPr/>
+      <dgm:t>
+        <a:bodyPr/>
+        <a:lstStyle/>
+        <a:p>
+          <a:endParaRPr lang="zh-CN" altLang="en-US">
+            <a:latin typeface="微软雅黑" panose="020B0503020204020204" pitchFamily="34" charset="-122"/>
+            <a:ea typeface="微软雅黑" panose="020B0503020204020204" pitchFamily="34" charset="-122"/>
+          </a:endParaRPr>
+        </a:p>
+      </dgm:t>
+    </dgm:pt>
+    <dgm:pt modelId="{58E69DF8-CE18-443A-83E9-6ACD651E1549}" type="sibTrans" cxnId="{E759A501-2DD0-48BF-B0EB-808EB5825A1E}">
+      <dgm:prSet/>
+      <dgm:spPr/>
+      <dgm:t>
+        <a:bodyPr/>
+        <a:lstStyle/>
+        <a:p>
+          <a:endParaRPr lang="zh-CN" altLang="en-US">
+            <a:latin typeface="微软雅黑" panose="020B0503020204020204" pitchFamily="34" charset="-122"/>
+            <a:ea typeface="微软雅黑" panose="020B0503020204020204" pitchFamily="34" charset="-122"/>
+          </a:endParaRPr>
+        </a:p>
+      </dgm:t>
+    </dgm:pt>
+    <dgm:pt modelId="{366638EA-4D2F-422C-96AB-25AA4B3A9EC6}">
+      <dgm:prSet phldrT="[文本]"/>
+      <dgm:spPr/>
+      <dgm:t>
+        <a:bodyPr/>
+        <a:lstStyle/>
+        <a:p>
+          <a:r>
+            <a:rPr lang="en-US" altLang="zh-CN" dirty="0">
+              <a:latin typeface="微软雅黑" panose="020B0503020204020204" pitchFamily="34" charset="-122"/>
+              <a:ea typeface="微软雅黑" panose="020B0503020204020204" pitchFamily="34" charset="-122"/>
+            </a:rPr>
+            <a:t>Token</a:t>
+          </a:r>
+          <a:r>
+            <a:rPr lang="zh-CN" altLang="en-US" dirty="0">
+              <a:latin typeface="微软雅黑" panose="020B0503020204020204" pitchFamily="34" charset="-122"/>
+              <a:ea typeface="微软雅黑" panose="020B0503020204020204" pitchFamily="34" charset="-122"/>
+            </a:rPr>
+            <a:t>类型，通常是</a:t>
+          </a:r>
+          <a:r>
+            <a:rPr lang="en-US" altLang="zh-CN" dirty="0" err="1">
+              <a:latin typeface="微软雅黑" panose="020B0503020204020204" pitchFamily="34" charset="-122"/>
+              <a:ea typeface="微软雅黑" panose="020B0503020204020204" pitchFamily="34" charset="-122"/>
+            </a:rPr>
+            <a:t>jwt</a:t>
+          </a:r>
+          <a:endParaRPr lang="zh-CN" altLang="en-US" dirty="0">
+            <a:latin typeface="微软雅黑" panose="020B0503020204020204" pitchFamily="34" charset="-122"/>
+            <a:ea typeface="微软雅黑" panose="020B0503020204020204" pitchFamily="34" charset="-122"/>
+          </a:endParaRPr>
+        </a:p>
+      </dgm:t>
+    </dgm:pt>
+    <dgm:pt modelId="{6D1935AE-04F0-4EE8-8F32-4A4958A27FF0}" type="parTrans" cxnId="{2131184B-BFB2-43EE-9219-771175F8DF98}">
+      <dgm:prSet/>
+      <dgm:spPr/>
+      <dgm:t>
+        <a:bodyPr/>
+        <a:lstStyle/>
+        <a:p>
+          <a:endParaRPr lang="zh-CN" altLang="en-US">
+            <a:latin typeface="微软雅黑" panose="020B0503020204020204" pitchFamily="34" charset="-122"/>
+            <a:ea typeface="微软雅黑" panose="020B0503020204020204" pitchFamily="34" charset="-122"/>
+          </a:endParaRPr>
+        </a:p>
+      </dgm:t>
+    </dgm:pt>
+    <dgm:pt modelId="{78220591-F0BB-4D10-A97F-798D5E1A4106}" type="sibTrans" cxnId="{2131184B-BFB2-43EE-9219-771175F8DF98}">
+      <dgm:prSet/>
+      <dgm:spPr/>
+      <dgm:t>
+        <a:bodyPr/>
+        <a:lstStyle/>
+        <a:p>
+          <a:endParaRPr lang="zh-CN" altLang="en-US">
+            <a:latin typeface="微软雅黑" panose="020B0503020204020204" pitchFamily="34" charset="-122"/>
+            <a:ea typeface="微软雅黑" panose="020B0503020204020204" pitchFamily="34" charset="-122"/>
+          </a:endParaRPr>
+        </a:p>
+      </dgm:t>
+    </dgm:pt>
+    <dgm:pt modelId="{B8B30AAC-78E6-42FF-BD44-F0D431D8C727}">
+      <dgm:prSet phldrT="[文本]"/>
+      <dgm:spPr/>
+      <dgm:t>
+        <a:bodyPr/>
+        <a:lstStyle/>
+        <a:p>
+          <a:r>
+            <a:rPr lang="zh-CN" altLang="en-US" dirty="0">
+              <a:latin typeface="微软雅黑" panose="020B0503020204020204" pitchFamily="34" charset="-122"/>
+              <a:ea typeface="微软雅黑" panose="020B0503020204020204" pitchFamily="34" charset="-122"/>
+            </a:rPr>
+            <a:t>签名算法，如</a:t>
+          </a:r>
+          <a:r>
+            <a:rPr lang="en-US" altLang="zh-CN" dirty="0">
+              <a:latin typeface="微软雅黑" panose="020B0503020204020204" pitchFamily="34" charset="-122"/>
+              <a:ea typeface="微软雅黑" panose="020B0503020204020204" pitchFamily="34" charset="-122"/>
+            </a:rPr>
+            <a:t>HS256</a:t>
+          </a:r>
+          <a:endParaRPr lang="zh-CN" altLang="en-US" dirty="0">
+            <a:latin typeface="微软雅黑" panose="020B0503020204020204" pitchFamily="34" charset="-122"/>
+            <a:ea typeface="微软雅黑" panose="020B0503020204020204" pitchFamily="34" charset="-122"/>
+          </a:endParaRPr>
+        </a:p>
+      </dgm:t>
+    </dgm:pt>
+    <dgm:pt modelId="{3CE9D611-B990-4392-A5D1-43B9CCA715F6}" type="parTrans" cxnId="{F60F8B5A-92A0-49F2-87F6-4B43F136D86F}">
+      <dgm:prSet/>
+      <dgm:spPr/>
+      <dgm:t>
+        <a:bodyPr/>
+        <a:lstStyle/>
+        <a:p>
+          <a:endParaRPr lang="zh-CN" altLang="en-US">
+            <a:latin typeface="微软雅黑" panose="020B0503020204020204" pitchFamily="34" charset="-122"/>
+            <a:ea typeface="微软雅黑" panose="020B0503020204020204" pitchFamily="34" charset="-122"/>
+          </a:endParaRPr>
+        </a:p>
+      </dgm:t>
+    </dgm:pt>
+    <dgm:pt modelId="{2487F963-5AFA-4921-939B-2CF00448CC31}" type="sibTrans" cxnId="{F60F8B5A-92A0-49F2-87F6-4B43F136D86F}">
+      <dgm:prSet/>
+      <dgm:spPr/>
+      <dgm:t>
+        <a:bodyPr/>
+        <a:lstStyle/>
+        <a:p>
+          <a:endParaRPr lang="zh-CN" altLang="en-US">
+            <a:latin typeface="微软雅黑" panose="020B0503020204020204" pitchFamily="34" charset="-122"/>
+            <a:ea typeface="微软雅黑" panose="020B0503020204020204" pitchFamily="34" charset="-122"/>
+          </a:endParaRPr>
+        </a:p>
+      </dgm:t>
+    </dgm:pt>
+    <dgm:pt modelId="{2D1D3EA8-1550-42B4-AF22-2F8A21DC9623}">
+      <dgm:prSet phldrT="[文本]"/>
+      <dgm:spPr/>
+      <dgm:t>
+        <a:bodyPr/>
+        <a:lstStyle/>
+        <a:p>
+          <a:r>
+            <a:rPr lang="en-US" altLang="zh-CN" dirty="0">
+              <a:latin typeface="微软雅黑" panose="020B0503020204020204" pitchFamily="34" charset="-122"/>
+              <a:ea typeface="微软雅黑" panose="020B0503020204020204" pitchFamily="34" charset="-122"/>
+            </a:rPr>
+            <a:t>payload</a:t>
+          </a:r>
+          <a:endParaRPr lang="zh-CN" altLang="en-US" dirty="0">
+            <a:latin typeface="微软雅黑" panose="020B0503020204020204" pitchFamily="34" charset="-122"/>
+            <a:ea typeface="微软雅黑" panose="020B0503020204020204" pitchFamily="34" charset="-122"/>
+          </a:endParaRPr>
+        </a:p>
+      </dgm:t>
+    </dgm:pt>
+    <dgm:pt modelId="{FD63D818-91B4-422F-A71F-FA5FCEFB4D8F}" type="parTrans" cxnId="{71C9E35E-C377-4B9D-A01A-437E179B920B}">
+      <dgm:prSet/>
+      <dgm:spPr/>
+      <dgm:t>
+        <a:bodyPr/>
+        <a:lstStyle/>
+        <a:p>
+          <a:endParaRPr lang="zh-CN" altLang="en-US">
+            <a:latin typeface="微软雅黑" panose="020B0503020204020204" pitchFamily="34" charset="-122"/>
+            <a:ea typeface="微软雅黑" panose="020B0503020204020204" pitchFamily="34" charset="-122"/>
+          </a:endParaRPr>
+        </a:p>
+      </dgm:t>
+    </dgm:pt>
+    <dgm:pt modelId="{1A771DF7-30AC-401D-9E6F-40667EE6304A}" type="sibTrans" cxnId="{71C9E35E-C377-4B9D-A01A-437E179B920B}">
+      <dgm:prSet/>
+      <dgm:spPr/>
+      <dgm:t>
+        <a:bodyPr/>
+        <a:lstStyle/>
+        <a:p>
+          <a:endParaRPr lang="zh-CN" altLang="en-US">
+            <a:latin typeface="微软雅黑" panose="020B0503020204020204" pitchFamily="34" charset="-122"/>
+            <a:ea typeface="微软雅黑" panose="020B0503020204020204" pitchFamily="34" charset="-122"/>
+          </a:endParaRPr>
+        </a:p>
+      </dgm:t>
+    </dgm:pt>
+    <dgm:pt modelId="{71BB07FF-4B08-4493-B91E-D5827207316E}">
+      <dgm:prSet phldrT="[文本]"/>
+      <dgm:spPr/>
+      <dgm:t>
+        <a:bodyPr/>
+        <a:lstStyle/>
+        <a:p>
+          <a:r>
+            <a:rPr lang="en-US" b="0" dirty="0">
+              <a:latin typeface="微软雅黑" panose="020B0503020204020204" pitchFamily="34" charset="-122"/>
+              <a:ea typeface="微软雅黑" panose="020B0503020204020204" pitchFamily="34" charset="-122"/>
+            </a:rPr>
+            <a:t>Registered  names</a:t>
+          </a:r>
+          <a:endParaRPr lang="zh-CN" altLang="en-US" b="0" dirty="0">
+            <a:latin typeface="微软雅黑" panose="020B0503020204020204" pitchFamily="34" charset="-122"/>
+            <a:ea typeface="微软雅黑" panose="020B0503020204020204" pitchFamily="34" charset="-122"/>
+          </a:endParaRPr>
+        </a:p>
+      </dgm:t>
+    </dgm:pt>
+    <dgm:pt modelId="{4D10EAA4-F154-45EC-8664-9AA3AC60B883}" type="parTrans" cxnId="{AAFDB600-7FCD-41ED-B994-45011109886D}">
+      <dgm:prSet/>
+      <dgm:spPr/>
+      <dgm:t>
+        <a:bodyPr/>
+        <a:lstStyle/>
+        <a:p>
+          <a:endParaRPr lang="zh-CN" altLang="en-US">
+            <a:latin typeface="微软雅黑" panose="020B0503020204020204" pitchFamily="34" charset="-122"/>
+            <a:ea typeface="微软雅黑" panose="020B0503020204020204" pitchFamily="34" charset="-122"/>
+          </a:endParaRPr>
+        </a:p>
+      </dgm:t>
+    </dgm:pt>
+    <dgm:pt modelId="{FAA56013-7DED-4921-8A97-717D4EE07FB7}" type="sibTrans" cxnId="{AAFDB600-7FCD-41ED-B994-45011109886D}">
+      <dgm:prSet/>
+      <dgm:spPr/>
+      <dgm:t>
+        <a:bodyPr/>
+        <a:lstStyle/>
+        <a:p>
+          <a:endParaRPr lang="zh-CN" altLang="en-US">
+            <a:latin typeface="微软雅黑" panose="020B0503020204020204" pitchFamily="34" charset="-122"/>
+            <a:ea typeface="微软雅黑" panose="020B0503020204020204" pitchFamily="34" charset="-122"/>
+          </a:endParaRPr>
+        </a:p>
+      </dgm:t>
+    </dgm:pt>
+    <dgm:pt modelId="{9D4EC681-1B5D-4CC4-AAB2-32A3C314860B}">
+      <dgm:prSet phldrT="[文本]"/>
+      <dgm:spPr/>
+      <dgm:t>
+        <a:bodyPr/>
+        <a:lstStyle/>
+        <a:p>
+          <a:r>
+            <a:rPr lang="en-US" altLang="zh-CN" b="0" dirty="0">
+              <a:latin typeface="微软雅黑" panose="020B0503020204020204" pitchFamily="34" charset="-122"/>
+              <a:ea typeface="微软雅黑" panose="020B0503020204020204" pitchFamily="34" charset="-122"/>
+            </a:rPr>
+            <a:t>Public Claim</a:t>
+          </a:r>
+          <a:endParaRPr lang="zh-CN" altLang="en-US" b="0" dirty="0">
+            <a:latin typeface="微软雅黑" panose="020B0503020204020204" pitchFamily="34" charset="-122"/>
+            <a:ea typeface="微软雅黑" panose="020B0503020204020204" pitchFamily="34" charset="-122"/>
+          </a:endParaRPr>
+        </a:p>
+      </dgm:t>
+    </dgm:pt>
+    <dgm:pt modelId="{31643AF5-6261-4E8A-B782-6C957021E7CA}" type="parTrans" cxnId="{AA3FFA8F-4C35-4324-A88B-BD0F8A34FCD8}">
+      <dgm:prSet/>
+      <dgm:spPr/>
+      <dgm:t>
+        <a:bodyPr/>
+        <a:lstStyle/>
+        <a:p>
+          <a:endParaRPr lang="zh-CN" altLang="en-US">
+            <a:latin typeface="微软雅黑" panose="020B0503020204020204" pitchFamily="34" charset="-122"/>
+            <a:ea typeface="微软雅黑" panose="020B0503020204020204" pitchFamily="34" charset="-122"/>
+          </a:endParaRPr>
+        </a:p>
+      </dgm:t>
+    </dgm:pt>
+    <dgm:pt modelId="{95A9F4EF-FEC5-4C3A-B275-918558A95809}" type="sibTrans" cxnId="{AA3FFA8F-4C35-4324-A88B-BD0F8A34FCD8}">
+      <dgm:prSet/>
+      <dgm:spPr/>
+      <dgm:t>
+        <a:bodyPr/>
+        <a:lstStyle/>
+        <a:p>
+          <a:endParaRPr lang="zh-CN" altLang="en-US">
+            <a:latin typeface="微软雅黑" panose="020B0503020204020204" pitchFamily="34" charset="-122"/>
+            <a:ea typeface="微软雅黑" panose="020B0503020204020204" pitchFamily="34" charset="-122"/>
+          </a:endParaRPr>
+        </a:p>
+      </dgm:t>
+    </dgm:pt>
+    <dgm:pt modelId="{DD218756-D54D-4E79-9F8F-913D8631CA5F}">
+      <dgm:prSet phldrT="[文本]"/>
+      <dgm:spPr/>
+      <dgm:t>
+        <a:bodyPr/>
+        <a:lstStyle/>
+        <a:p>
+          <a:r>
+            <a:rPr lang="en-US" altLang="zh-CN" dirty="0">
+              <a:latin typeface="微软雅黑" panose="020B0503020204020204" pitchFamily="34" charset="-122"/>
+              <a:ea typeface="微软雅黑" panose="020B0503020204020204" pitchFamily="34" charset="-122"/>
+            </a:rPr>
+            <a:t>signature</a:t>
+          </a:r>
+          <a:endParaRPr lang="zh-CN" altLang="en-US" dirty="0">
+            <a:latin typeface="微软雅黑" panose="020B0503020204020204" pitchFamily="34" charset="-122"/>
+            <a:ea typeface="微软雅黑" panose="020B0503020204020204" pitchFamily="34" charset="-122"/>
+          </a:endParaRPr>
+        </a:p>
+      </dgm:t>
+    </dgm:pt>
+    <dgm:pt modelId="{B97FFE13-A850-417D-8660-621A012C6F73}" type="parTrans" cxnId="{B4EFA5E6-66A9-43CD-AA9C-C1F68CB06788}">
+      <dgm:prSet/>
+      <dgm:spPr/>
+      <dgm:t>
+        <a:bodyPr/>
+        <a:lstStyle/>
+        <a:p>
+          <a:endParaRPr lang="zh-CN" altLang="en-US">
+            <a:latin typeface="微软雅黑" panose="020B0503020204020204" pitchFamily="34" charset="-122"/>
+            <a:ea typeface="微软雅黑" panose="020B0503020204020204" pitchFamily="34" charset="-122"/>
+          </a:endParaRPr>
+        </a:p>
+      </dgm:t>
+    </dgm:pt>
+    <dgm:pt modelId="{4104483D-A610-4974-8663-9D3ED6566DC3}" type="sibTrans" cxnId="{B4EFA5E6-66A9-43CD-AA9C-C1F68CB06788}">
+      <dgm:prSet/>
+      <dgm:spPr/>
+      <dgm:t>
+        <a:bodyPr/>
+        <a:lstStyle/>
+        <a:p>
+          <a:endParaRPr lang="zh-CN" altLang="en-US">
+            <a:latin typeface="微软雅黑" panose="020B0503020204020204" pitchFamily="34" charset="-122"/>
+            <a:ea typeface="微软雅黑" panose="020B0503020204020204" pitchFamily="34" charset="-122"/>
+          </a:endParaRPr>
+        </a:p>
+      </dgm:t>
+    </dgm:pt>
+    <dgm:pt modelId="{51AD6CA5-C2D2-402F-B715-2FEF62FDAE8E}">
+      <dgm:prSet phldrT="[文本]"/>
+      <dgm:spPr/>
+      <dgm:t>
+        <a:bodyPr/>
+        <a:lstStyle/>
+        <a:p>
+          <a:r>
+            <a:rPr lang="zh-CN" altLang="en-US" dirty="0">
+              <a:latin typeface="微软雅黑" panose="020B0503020204020204" pitchFamily="34" charset="-122"/>
+              <a:ea typeface="微软雅黑" panose="020B0503020204020204" pitchFamily="34" charset="-122"/>
+            </a:rPr>
+            <a:t>签名</a:t>
+          </a:r>
+        </a:p>
+      </dgm:t>
+    </dgm:pt>
+    <dgm:pt modelId="{6D6344FE-E52D-4457-9420-891D898634EE}" type="parTrans" cxnId="{F6859614-B874-49AD-B455-483D5880BC63}">
+      <dgm:prSet/>
+      <dgm:spPr/>
+      <dgm:t>
+        <a:bodyPr/>
+        <a:lstStyle/>
+        <a:p>
+          <a:endParaRPr lang="zh-CN" altLang="en-US">
+            <a:latin typeface="微软雅黑" panose="020B0503020204020204" pitchFamily="34" charset="-122"/>
+            <a:ea typeface="微软雅黑" panose="020B0503020204020204" pitchFamily="34" charset="-122"/>
+          </a:endParaRPr>
+        </a:p>
+      </dgm:t>
+    </dgm:pt>
+    <dgm:pt modelId="{7D9CF76D-D379-41FB-9D41-3FBF9B3E4B30}" type="sibTrans" cxnId="{F6859614-B874-49AD-B455-483D5880BC63}">
+      <dgm:prSet/>
+      <dgm:spPr/>
+      <dgm:t>
+        <a:bodyPr/>
+        <a:lstStyle/>
+        <a:p>
+          <a:endParaRPr lang="zh-CN" altLang="en-US">
+            <a:latin typeface="微软雅黑" panose="020B0503020204020204" pitchFamily="34" charset="-122"/>
+            <a:ea typeface="微软雅黑" panose="020B0503020204020204" pitchFamily="34" charset="-122"/>
+          </a:endParaRPr>
+        </a:p>
+      </dgm:t>
+    </dgm:pt>
+    <dgm:pt modelId="{11492142-60FF-4EC5-8D6E-EF3C54D22A3E}">
+      <dgm:prSet phldrT="[文本]"/>
+      <dgm:spPr/>
+      <dgm:t>
+        <a:bodyPr/>
+        <a:lstStyle/>
+        <a:p>
+          <a:r>
+            <a:rPr lang="en-US" b="0" dirty="0" err="1">
+              <a:latin typeface="微软雅黑" panose="020B0503020204020204" pitchFamily="34" charset="-122"/>
+              <a:ea typeface="微软雅黑" panose="020B0503020204020204" pitchFamily="34" charset="-122"/>
+            </a:rPr>
+            <a:t>iss</a:t>
+          </a:r>
+          <a:r>
+            <a:rPr lang="en-US" b="0" dirty="0">
+              <a:latin typeface="微软雅黑" panose="020B0503020204020204" pitchFamily="34" charset="-122"/>
+              <a:ea typeface="微软雅黑" panose="020B0503020204020204" pitchFamily="34" charset="-122"/>
+            </a:rPr>
+            <a:t> </a:t>
+          </a:r>
+          <a:r>
+            <a:rPr lang="zh-CN" altLang="en-US" b="0" dirty="0">
+              <a:latin typeface="微软雅黑" panose="020B0503020204020204" pitchFamily="34" charset="-122"/>
+              <a:ea typeface="微软雅黑" panose="020B0503020204020204" pitchFamily="34" charset="-122"/>
+            </a:rPr>
+            <a:t>颁发者</a:t>
+          </a:r>
+        </a:p>
+      </dgm:t>
+    </dgm:pt>
+    <dgm:pt modelId="{60230498-644D-46CD-8D7D-1D2EA99CC466}" type="parTrans" cxnId="{475163C8-4266-4F2D-9C9F-BB5B12E64C8C}">
+      <dgm:prSet/>
+      <dgm:spPr/>
+      <dgm:t>
+        <a:bodyPr/>
+        <a:lstStyle/>
+        <a:p>
+          <a:endParaRPr lang="zh-CN" altLang="en-US">
+            <a:latin typeface="微软雅黑" panose="020B0503020204020204" pitchFamily="34" charset="-122"/>
+            <a:ea typeface="微软雅黑" panose="020B0503020204020204" pitchFamily="34" charset="-122"/>
+          </a:endParaRPr>
+        </a:p>
+      </dgm:t>
+    </dgm:pt>
+    <dgm:pt modelId="{A094B70B-A878-49FA-A5B4-7391C43A630F}" type="sibTrans" cxnId="{475163C8-4266-4F2D-9C9F-BB5B12E64C8C}">
+      <dgm:prSet/>
+      <dgm:spPr/>
+      <dgm:t>
+        <a:bodyPr/>
+        <a:lstStyle/>
+        <a:p>
+          <a:endParaRPr lang="zh-CN" altLang="en-US">
+            <a:latin typeface="微软雅黑" panose="020B0503020204020204" pitchFamily="34" charset="-122"/>
+            <a:ea typeface="微软雅黑" panose="020B0503020204020204" pitchFamily="34" charset="-122"/>
+          </a:endParaRPr>
+        </a:p>
+      </dgm:t>
+    </dgm:pt>
+    <dgm:pt modelId="{B261B16E-EE73-4B2E-993A-4FEA9FCB73FC}">
+      <dgm:prSet phldrT="[文本]"/>
+      <dgm:spPr/>
+      <dgm:t>
+        <a:bodyPr/>
+        <a:lstStyle/>
+        <a:p>
+          <a:r>
+            <a:rPr lang="en-US" altLang="zh-CN" b="0" dirty="0">
+              <a:latin typeface="微软雅黑" panose="020B0503020204020204" pitchFamily="34" charset="-122"/>
+              <a:ea typeface="微软雅黑" panose="020B0503020204020204" pitchFamily="34" charset="-122"/>
+            </a:rPr>
+            <a:t>sub </a:t>
+          </a:r>
+          <a:r>
+            <a:rPr lang="zh-CN" altLang="en-US" b="0" dirty="0">
+              <a:latin typeface="微软雅黑" panose="020B0503020204020204" pitchFamily="34" charset="-122"/>
+              <a:ea typeface="微软雅黑" panose="020B0503020204020204" pitchFamily="34" charset="-122"/>
+            </a:rPr>
+            <a:t>面向的用户</a:t>
+          </a:r>
+        </a:p>
+      </dgm:t>
+    </dgm:pt>
+    <dgm:pt modelId="{469EA095-9052-4D50-8550-12B6B1087D30}" type="parTrans" cxnId="{005A6D3D-216B-4151-913F-1BC3ED8606D6}">
+      <dgm:prSet/>
+      <dgm:spPr/>
+      <dgm:t>
+        <a:bodyPr/>
+        <a:lstStyle/>
+        <a:p>
+          <a:endParaRPr lang="zh-CN" altLang="en-US">
+            <a:latin typeface="微软雅黑" panose="020B0503020204020204" pitchFamily="34" charset="-122"/>
+            <a:ea typeface="微软雅黑" panose="020B0503020204020204" pitchFamily="34" charset="-122"/>
+          </a:endParaRPr>
+        </a:p>
+      </dgm:t>
+    </dgm:pt>
+    <dgm:pt modelId="{B1BE8CF5-703A-464E-A62E-A4BF69CEAFC6}" type="sibTrans" cxnId="{005A6D3D-216B-4151-913F-1BC3ED8606D6}">
+      <dgm:prSet/>
+      <dgm:spPr/>
+      <dgm:t>
+        <a:bodyPr/>
+        <a:lstStyle/>
+        <a:p>
+          <a:endParaRPr lang="zh-CN" altLang="en-US">
+            <a:latin typeface="微软雅黑" panose="020B0503020204020204" pitchFamily="34" charset="-122"/>
+            <a:ea typeface="微软雅黑" panose="020B0503020204020204" pitchFamily="34" charset="-122"/>
+          </a:endParaRPr>
+        </a:p>
+      </dgm:t>
+    </dgm:pt>
+    <dgm:pt modelId="{C0F677B0-C737-4177-8E48-3E9C5EB15F44}">
+      <dgm:prSet phldrT="[文本]"/>
+      <dgm:spPr/>
+      <dgm:t>
+        <a:bodyPr/>
+        <a:lstStyle/>
+        <a:p>
+          <a:r>
+            <a:rPr lang="en-US" altLang="zh-CN" b="0" dirty="0" err="1">
+              <a:latin typeface="微软雅黑" panose="020B0503020204020204" pitchFamily="34" charset="-122"/>
+              <a:ea typeface="微软雅黑" panose="020B0503020204020204" pitchFamily="34" charset="-122"/>
+            </a:rPr>
+            <a:t>aud</a:t>
+          </a:r>
+          <a:r>
+            <a:rPr lang="en-US" altLang="zh-CN" b="0" dirty="0">
+              <a:latin typeface="微软雅黑" panose="020B0503020204020204" pitchFamily="34" charset="-122"/>
+              <a:ea typeface="微软雅黑" panose="020B0503020204020204" pitchFamily="34" charset="-122"/>
+            </a:rPr>
+            <a:t> </a:t>
+          </a:r>
+          <a:r>
+            <a:rPr lang="zh-CN" altLang="en-US" b="0" dirty="0">
+              <a:latin typeface="微软雅黑" panose="020B0503020204020204" pitchFamily="34" charset="-122"/>
+              <a:ea typeface="微软雅黑" panose="020B0503020204020204" pitchFamily="34" charset="-122"/>
+            </a:rPr>
+            <a:t>接收方</a:t>
+          </a:r>
+        </a:p>
+      </dgm:t>
+    </dgm:pt>
+    <dgm:pt modelId="{A237A98E-F59D-408E-9FC5-C042FDB41F35}" type="parTrans" cxnId="{9D0081CE-ADB6-4C3A-B03F-5A3F0588D9AA}">
+      <dgm:prSet/>
+      <dgm:spPr/>
+      <dgm:t>
+        <a:bodyPr/>
+        <a:lstStyle/>
+        <a:p>
+          <a:endParaRPr lang="zh-CN" altLang="en-US">
+            <a:latin typeface="微软雅黑" panose="020B0503020204020204" pitchFamily="34" charset="-122"/>
+            <a:ea typeface="微软雅黑" panose="020B0503020204020204" pitchFamily="34" charset="-122"/>
+          </a:endParaRPr>
+        </a:p>
+      </dgm:t>
+    </dgm:pt>
+    <dgm:pt modelId="{F501C089-14F4-4736-BB6D-08B97B99B8CA}" type="sibTrans" cxnId="{9D0081CE-ADB6-4C3A-B03F-5A3F0588D9AA}">
+      <dgm:prSet/>
+      <dgm:spPr/>
+      <dgm:t>
+        <a:bodyPr/>
+        <a:lstStyle/>
+        <a:p>
+          <a:endParaRPr lang="zh-CN" altLang="en-US">
+            <a:latin typeface="微软雅黑" panose="020B0503020204020204" pitchFamily="34" charset="-122"/>
+            <a:ea typeface="微软雅黑" panose="020B0503020204020204" pitchFamily="34" charset="-122"/>
+          </a:endParaRPr>
+        </a:p>
+      </dgm:t>
+    </dgm:pt>
+    <dgm:pt modelId="{5F181A8D-28B1-4C3D-A548-2D6B7146F55D}">
+      <dgm:prSet phldrT="[文本]"/>
+      <dgm:spPr/>
+      <dgm:t>
+        <a:bodyPr/>
+        <a:lstStyle/>
+        <a:p>
+          <a:r>
+            <a:rPr lang="en-US" altLang="zh-CN" b="0" dirty="0" err="1">
+              <a:latin typeface="微软雅黑" panose="020B0503020204020204" pitchFamily="34" charset="-122"/>
+              <a:ea typeface="微软雅黑" panose="020B0503020204020204" pitchFamily="34" charset="-122"/>
+            </a:rPr>
+            <a:t>nbf</a:t>
+          </a:r>
+          <a:r>
+            <a:rPr lang="en-US" altLang="zh-CN" b="0" dirty="0">
+              <a:latin typeface="微软雅黑" panose="020B0503020204020204" pitchFamily="34" charset="-122"/>
+              <a:ea typeface="微软雅黑" panose="020B0503020204020204" pitchFamily="34" charset="-122"/>
+            </a:rPr>
+            <a:t> Not before</a:t>
+          </a:r>
+          <a:endParaRPr lang="zh-CN" altLang="en-US" b="0" dirty="0">
+            <a:latin typeface="微软雅黑" panose="020B0503020204020204" pitchFamily="34" charset="-122"/>
+            <a:ea typeface="微软雅黑" panose="020B0503020204020204" pitchFamily="34" charset="-122"/>
+          </a:endParaRPr>
+        </a:p>
+      </dgm:t>
+    </dgm:pt>
+    <dgm:pt modelId="{AAFF1003-B7C1-42D6-9EBB-24A3BBC4C3EC}" type="parTrans" cxnId="{0480F676-16BF-47BF-AFA0-9DAE117AAB0F}">
+      <dgm:prSet/>
+      <dgm:spPr/>
+      <dgm:t>
+        <a:bodyPr/>
+        <a:lstStyle/>
+        <a:p>
+          <a:endParaRPr lang="zh-CN" altLang="en-US">
+            <a:latin typeface="微软雅黑" panose="020B0503020204020204" pitchFamily="34" charset="-122"/>
+            <a:ea typeface="微软雅黑" panose="020B0503020204020204" pitchFamily="34" charset="-122"/>
+          </a:endParaRPr>
+        </a:p>
+      </dgm:t>
+    </dgm:pt>
+    <dgm:pt modelId="{323FF5EE-466E-4895-90A6-21CC910A122E}" type="sibTrans" cxnId="{0480F676-16BF-47BF-AFA0-9DAE117AAB0F}">
+      <dgm:prSet/>
+      <dgm:spPr/>
+      <dgm:t>
+        <a:bodyPr/>
+        <a:lstStyle/>
+        <a:p>
+          <a:endParaRPr lang="zh-CN" altLang="en-US">
+            <a:latin typeface="微软雅黑" panose="020B0503020204020204" pitchFamily="34" charset="-122"/>
+            <a:ea typeface="微软雅黑" panose="020B0503020204020204" pitchFamily="34" charset="-122"/>
+          </a:endParaRPr>
+        </a:p>
+      </dgm:t>
+    </dgm:pt>
+    <dgm:pt modelId="{29D2E2AA-99C4-4B3A-8124-5060387DBA6C}">
+      <dgm:prSet phldrT="[文本]"/>
+      <dgm:spPr/>
+      <dgm:t>
+        <a:bodyPr/>
+        <a:lstStyle/>
+        <a:p>
+          <a:r>
+            <a:rPr lang="en-US" altLang="zh-CN" b="0" dirty="0" err="1">
+              <a:latin typeface="微软雅黑" panose="020B0503020204020204" pitchFamily="34" charset="-122"/>
+              <a:ea typeface="微软雅黑" panose="020B0503020204020204" pitchFamily="34" charset="-122"/>
+            </a:rPr>
+            <a:t>iat</a:t>
+          </a:r>
+          <a:r>
+            <a:rPr lang="en-US" altLang="zh-CN" b="0" dirty="0">
+              <a:latin typeface="微软雅黑" panose="020B0503020204020204" pitchFamily="34" charset="-122"/>
+              <a:ea typeface="微软雅黑" panose="020B0503020204020204" pitchFamily="34" charset="-122"/>
+            </a:rPr>
+            <a:t> </a:t>
+          </a:r>
+          <a:r>
+            <a:rPr lang="zh-CN" altLang="en-US" b="0" dirty="0">
+              <a:latin typeface="微软雅黑" panose="020B0503020204020204" pitchFamily="34" charset="-122"/>
+              <a:ea typeface="微软雅黑" panose="020B0503020204020204" pitchFamily="34" charset="-122"/>
+            </a:rPr>
+            <a:t>发布时间</a:t>
+          </a:r>
+        </a:p>
+      </dgm:t>
+    </dgm:pt>
+    <dgm:pt modelId="{EAE7F4EA-48EF-480D-8C11-794D5C6BF74C}" type="parTrans" cxnId="{403FE05F-BC2C-4845-BE37-ECDBEC7AB602}">
+      <dgm:prSet/>
+      <dgm:spPr/>
+      <dgm:t>
+        <a:bodyPr/>
+        <a:lstStyle/>
+        <a:p>
+          <a:endParaRPr lang="zh-CN" altLang="en-US">
+            <a:latin typeface="微软雅黑" panose="020B0503020204020204" pitchFamily="34" charset="-122"/>
+            <a:ea typeface="微软雅黑" panose="020B0503020204020204" pitchFamily="34" charset="-122"/>
+          </a:endParaRPr>
+        </a:p>
+      </dgm:t>
+    </dgm:pt>
+    <dgm:pt modelId="{A8A216EC-5865-414E-8D70-18056EFA0D03}" type="sibTrans" cxnId="{403FE05F-BC2C-4845-BE37-ECDBEC7AB602}">
+      <dgm:prSet/>
+      <dgm:spPr/>
+      <dgm:t>
+        <a:bodyPr/>
+        <a:lstStyle/>
+        <a:p>
+          <a:endParaRPr lang="zh-CN" altLang="en-US">
+            <a:latin typeface="微软雅黑" panose="020B0503020204020204" pitchFamily="34" charset="-122"/>
+            <a:ea typeface="微软雅黑" panose="020B0503020204020204" pitchFamily="34" charset="-122"/>
+          </a:endParaRPr>
+        </a:p>
+      </dgm:t>
+    </dgm:pt>
+    <dgm:pt modelId="{3E933D16-747A-4F84-8168-A1FFD098650E}">
+      <dgm:prSet phldrT="[文本]"/>
+      <dgm:spPr/>
+      <dgm:t>
+        <a:bodyPr/>
+        <a:lstStyle/>
+        <a:p>
+          <a:r>
+            <a:rPr lang="en-US" altLang="zh-CN" b="0" dirty="0" err="1">
+              <a:latin typeface="微软雅黑" panose="020B0503020204020204" pitchFamily="34" charset="-122"/>
+              <a:ea typeface="微软雅黑" panose="020B0503020204020204" pitchFamily="34" charset="-122"/>
+            </a:rPr>
+            <a:t>jti</a:t>
+          </a:r>
+          <a:r>
+            <a:rPr lang="en-US" altLang="zh-CN" b="0" dirty="0">
+              <a:latin typeface="微软雅黑" panose="020B0503020204020204" pitchFamily="34" charset="-122"/>
+              <a:ea typeface="微软雅黑" panose="020B0503020204020204" pitchFamily="34" charset="-122"/>
+            </a:rPr>
+            <a:t> (</a:t>
+          </a:r>
+          <a:r>
+            <a:rPr lang="en-US" b="0" dirty="0">
+              <a:latin typeface="微软雅黑" panose="020B0503020204020204" pitchFamily="34" charset="-122"/>
+              <a:ea typeface="微软雅黑" panose="020B0503020204020204" pitchFamily="34" charset="-122"/>
+            </a:rPr>
+            <a:t>Issued At</a:t>
+          </a:r>
+          <a:r>
+            <a:rPr lang="en-US" altLang="zh-CN" b="0" dirty="0">
+              <a:latin typeface="微软雅黑" panose="020B0503020204020204" pitchFamily="34" charset="-122"/>
+              <a:ea typeface="微软雅黑" panose="020B0503020204020204" pitchFamily="34" charset="-122"/>
+            </a:rPr>
+            <a:t>)</a:t>
+          </a:r>
+          <a:endParaRPr lang="zh-CN" altLang="en-US" b="0" dirty="0">
+            <a:latin typeface="微软雅黑" panose="020B0503020204020204" pitchFamily="34" charset="-122"/>
+            <a:ea typeface="微软雅黑" panose="020B0503020204020204" pitchFamily="34" charset="-122"/>
+          </a:endParaRPr>
+        </a:p>
+      </dgm:t>
+    </dgm:pt>
+    <dgm:pt modelId="{8DB7A2F1-5956-4659-9EA1-F876E211C19B}" type="parTrans" cxnId="{4B902F2A-AA28-4642-98CD-A3498D650B2B}">
+      <dgm:prSet/>
+      <dgm:spPr/>
+      <dgm:t>
+        <a:bodyPr/>
+        <a:lstStyle/>
+        <a:p>
+          <a:endParaRPr lang="zh-CN" altLang="en-US">
+            <a:latin typeface="微软雅黑" panose="020B0503020204020204" pitchFamily="34" charset="-122"/>
+            <a:ea typeface="微软雅黑" panose="020B0503020204020204" pitchFamily="34" charset="-122"/>
+          </a:endParaRPr>
+        </a:p>
+      </dgm:t>
+    </dgm:pt>
+    <dgm:pt modelId="{A8635181-59A9-4DA0-A914-031CD4522F82}" type="sibTrans" cxnId="{4B902F2A-AA28-4642-98CD-A3498D650B2B}">
+      <dgm:prSet/>
+      <dgm:spPr/>
+      <dgm:t>
+        <a:bodyPr/>
+        <a:lstStyle/>
+        <a:p>
+          <a:endParaRPr lang="zh-CN" altLang="en-US">
+            <a:latin typeface="微软雅黑" panose="020B0503020204020204" pitchFamily="34" charset="-122"/>
+            <a:ea typeface="微软雅黑" panose="020B0503020204020204" pitchFamily="34" charset="-122"/>
+          </a:endParaRPr>
+        </a:p>
+      </dgm:t>
+    </dgm:pt>
+    <dgm:pt modelId="{8A125A89-C080-463A-9025-7FB451F9A2EF}">
+      <dgm:prSet phldrT="[文本]"/>
+      <dgm:spPr/>
+      <dgm:t>
+        <a:bodyPr/>
+        <a:lstStyle/>
+        <a:p>
+          <a:r>
+            <a:rPr lang="en-US" altLang="zh-CN" b="0" dirty="0">
+              <a:latin typeface="微软雅黑" panose="020B0503020204020204" pitchFamily="34" charset="-122"/>
+              <a:ea typeface="微软雅黑" panose="020B0503020204020204" pitchFamily="34" charset="-122"/>
+            </a:rPr>
+            <a:t>Private Claim</a:t>
+          </a:r>
+          <a:endParaRPr lang="zh-CN" altLang="en-US" b="0" dirty="0">
+            <a:latin typeface="微软雅黑" panose="020B0503020204020204" pitchFamily="34" charset="-122"/>
+            <a:ea typeface="微软雅黑" panose="020B0503020204020204" pitchFamily="34" charset="-122"/>
+          </a:endParaRPr>
+        </a:p>
+      </dgm:t>
+    </dgm:pt>
+    <dgm:pt modelId="{D29359E1-D6CB-41D0-A493-6B0770E1FED3}" type="parTrans" cxnId="{04584169-120A-4395-B313-D5523884CC63}">
+      <dgm:prSet/>
+      <dgm:spPr/>
+      <dgm:t>
+        <a:bodyPr/>
+        <a:lstStyle/>
+        <a:p>
+          <a:endParaRPr lang="zh-CN" altLang="en-US">
+            <a:latin typeface="微软雅黑" panose="020B0503020204020204" pitchFamily="34" charset="-122"/>
+            <a:ea typeface="微软雅黑" panose="020B0503020204020204" pitchFamily="34" charset="-122"/>
+          </a:endParaRPr>
+        </a:p>
+      </dgm:t>
+    </dgm:pt>
+    <dgm:pt modelId="{134DFEDB-F7C3-4AE2-80E7-B5C3887B8645}" type="sibTrans" cxnId="{04584169-120A-4395-B313-D5523884CC63}">
+      <dgm:prSet/>
+      <dgm:spPr/>
+      <dgm:t>
+        <a:bodyPr/>
+        <a:lstStyle/>
+        <a:p>
+          <a:endParaRPr lang="zh-CN" altLang="en-US">
+            <a:latin typeface="微软雅黑" panose="020B0503020204020204" pitchFamily="34" charset="-122"/>
+            <a:ea typeface="微软雅黑" panose="020B0503020204020204" pitchFamily="34" charset="-122"/>
+          </a:endParaRPr>
+        </a:p>
+      </dgm:t>
+    </dgm:pt>
+    <dgm:pt modelId="{98793DA0-D4FC-4E84-91C9-EB7BFCD6319F}" type="pres">
+      <dgm:prSet presAssocID="{B2BFDB61-DFBB-46E5-ABDD-E28B1E75A654}" presName="Name0" presStyleCnt="0">
+        <dgm:presLayoutVars>
+          <dgm:dir/>
+          <dgm:animLvl val="lvl"/>
+          <dgm:resizeHandles val="exact"/>
+        </dgm:presLayoutVars>
+      </dgm:prSet>
+      <dgm:spPr/>
+    </dgm:pt>
+    <dgm:pt modelId="{A0D9F020-C131-4956-B2A9-5E8C81AD984F}" type="pres">
+      <dgm:prSet presAssocID="{4B45145C-D50F-4FCF-A22E-7C7F2D533D33}" presName="composite" presStyleCnt="0"/>
+      <dgm:spPr/>
+    </dgm:pt>
+    <dgm:pt modelId="{AF14E585-E09B-489C-B4CF-AC6DD04042D1}" type="pres">
+      <dgm:prSet presAssocID="{4B45145C-D50F-4FCF-A22E-7C7F2D533D33}" presName="parTx" presStyleLbl="alignNode1" presStyleIdx="0" presStyleCnt="3">
+        <dgm:presLayoutVars>
+          <dgm:chMax val="0"/>
+          <dgm:chPref val="0"/>
+          <dgm:bulletEnabled val="1"/>
+        </dgm:presLayoutVars>
+      </dgm:prSet>
+      <dgm:spPr/>
+    </dgm:pt>
+    <dgm:pt modelId="{3EFAF61A-B2BC-45CA-9267-B439B36F06E0}" type="pres">
+      <dgm:prSet presAssocID="{4B45145C-D50F-4FCF-A22E-7C7F2D533D33}" presName="desTx" presStyleLbl="alignAccFollowNode1" presStyleIdx="0" presStyleCnt="3">
+        <dgm:presLayoutVars>
+          <dgm:bulletEnabled val="1"/>
+        </dgm:presLayoutVars>
+      </dgm:prSet>
+      <dgm:spPr/>
+    </dgm:pt>
+    <dgm:pt modelId="{DBCECF42-BC9E-4C4F-B464-0C85F98C493D}" type="pres">
+      <dgm:prSet presAssocID="{58E69DF8-CE18-443A-83E9-6ACD651E1549}" presName="space" presStyleCnt="0"/>
+      <dgm:spPr/>
+    </dgm:pt>
+    <dgm:pt modelId="{6807D73D-517C-4B53-96CB-0D2B04D805B8}" type="pres">
+      <dgm:prSet presAssocID="{2D1D3EA8-1550-42B4-AF22-2F8A21DC9623}" presName="composite" presStyleCnt="0"/>
+      <dgm:spPr/>
+    </dgm:pt>
+    <dgm:pt modelId="{03BC1336-AF03-4620-A109-7A8692AABA76}" type="pres">
+      <dgm:prSet presAssocID="{2D1D3EA8-1550-42B4-AF22-2F8A21DC9623}" presName="parTx" presStyleLbl="alignNode1" presStyleIdx="1" presStyleCnt="3">
+        <dgm:presLayoutVars>
+          <dgm:chMax val="0"/>
+          <dgm:chPref val="0"/>
+          <dgm:bulletEnabled val="1"/>
+        </dgm:presLayoutVars>
+      </dgm:prSet>
+      <dgm:spPr/>
+    </dgm:pt>
+    <dgm:pt modelId="{158ABFC3-35D2-4149-9F8B-215029B6D4C8}" type="pres">
+      <dgm:prSet presAssocID="{2D1D3EA8-1550-42B4-AF22-2F8A21DC9623}" presName="desTx" presStyleLbl="alignAccFollowNode1" presStyleIdx="1" presStyleCnt="3">
+        <dgm:presLayoutVars>
+          <dgm:bulletEnabled val="1"/>
+        </dgm:presLayoutVars>
+      </dgm:prSet>
+      <dgm:spPr/>
+    </dgm:pt>
+    <dgm:pt modelId="{F950092F-90B8-4AC8-A1BE-0B0F7FF1CA21}" type="pres">
+      <dgm:prSet presAssocID="{1A771DF7-30AC-401D-9E6F-40667EE6304A}" presName="space" presStyleCnt="0"/>
+      <dgm:spPr/>
+    </dgm:pt>
+    <dgm:pt modelId="{A67AADE5-D292-4A48-8DB9-15D1595F6066}" type="pres">
+      <dgm:prSet presAssocID="{DD218756-D54D-4E79-9F8F-913D8631CA5F}" presName="composite" presStyleCnt="0"/>
+      <dgm:spPr/>
+    </dgm:pt>
+    <dgm:pt modelId="{49FEF961-A4B0-485C-832A-7BA4D33B9D5B}" type="pres">
+      <dgm:prSet presAssocID="{DD218756-D54D-4E79-9F8F-913D8631CA5F}" presName="parTx" presStyleLbl="alignNode1" presStyleIdx="2" presStyleCnt="3">
+        <dgm:presLayoutVars>
+          <dgm:chMax val="0"/>
+          <dgm:chPref val="0"/>
+          <dgm:bulletEnabled val="1"/>
+        </dgm:presLayoutVars>
+      </dgm:prSet>
+      <dgm:spPr/>
+    </dgm:pt>
+    <dgm:pt modelId="{D2DE5571-57BA-453C-A406-FABAA8792ECA}" type="pres">
+      <dgm:prSet presAssocID="{DD218756-D54D-4E79-9F8F-913D8631CA5F}" presName="desTx" presStyleLbl="alignAccFollowNode1" presStyleIdx="2" presStyleCnt="3">
+        <dgm:presLayoutVars>
+          <dgm:bulletEnabled val="1"/>
+        </dgm:presLayoutVars>
+      </dgm:prSet>
+      <dgm:spPr/>
+    </dgm:pt>
+  </dgm:ptLst>
+  <dgm:cxnLst>
+    <dgm:cxn modelId="{AAFDB600-7FCD-41ED-B994-45011109886D}" srcId="{2D1D3EA8-1550-42B4-AF22-2F8A21DC9623}" destId="{71BB07FF-4B08-4493-B91E-D5827207316E}" srcOrd="0" destOrd="0" parTransId="{4D10EAA4-F154-45EC-8664-9AA3AC60B883}" sibTransId="{FAA56013-7DED-4921-8A97-717D4EE07FB7}"/>
+    <dgm:cxn modelId="{E759A501-2DD0-48BF-B0EB-808EB5825A1E}" srcId="{B2BFDB61-DFBB-46E5-ABDD-E28B1E75A654}" destId="{4B45145C-D50F-4FCF-A22E-7C7F2D533D33}" srcOrd="0" destOrd="0" parTransId="{1D477D3D-B3C4-4A86-A487-E76E15FAFBED}" sibTransId="{58E69DF8-CE18-443A-83E9-6ACD651E1549}"/>
+    <dgm:cxn modelId="{FD8DA312-4D9F-4FD0-A1C3-33D215B36200}" type="presOf" srcId="{366638EA-4D2F-422C-96AB-25AA4B3A9EC6}" destId="{3EFAF61A-B2BC-45CA-9267-B439B36F06E0}" srcOrd="0" destOrd="0" presId="urn:microsoft.com/office/officeart/2005/8/layout/hList1"/>
+    <dgm:cxn modelId="{F6859614-B874-49AD-B455-483D5880BC63}" srcId="{DD218756-D54D-4E79-9F8F-913D8631CA5F}" destId="{51AD6CA5-C2D2-402F-B715-2FEF62FDAE8E}" srcOrd="0" destOrd="0" parTransId="{6D6344FE-E52D-4457-9420-891D898634EE}" sibTransId="{7D9CF76D-D379-41FB-9D41-3FBF9B3E4B30}"/>
+    <dgm:cxn modelId="{5ACF3028-25AA-4FE4-8D5D-3153E27C302A}" type="presOf" srcId="{B8B30AAC-78E6-42FF-BD44-F0D431D8C727}" destId="{3EFAF61A-B2BC-45CA-9267-B439B36F06E0}" srcOrd="0" destOrd="1" presId="urn:microsoft.com/office/officeart/2005/8/layout/hList1"/>
+    <dgm:cxn modelId="{4B902F2A-AA28-4642-98CD-A3498D650B2B}" srcId="{71BB07FF-4B08-4493-B91E-D5827207316E}" destId="{3E933D16-747A-4F84-8168-A1FFD098650E}" srcOrd="5" destOrd="0" parTransId="{8DB7A2F1-5956-4659-9EA1-F876E211C19B}" sibTransId="{A8635181-59A9-4DA0-A914-031CD4522F82}"/>
+    <dgm:cxn modelId="{005A6D3D-216B-4151-913F-1BC3ED8606D6}" srcId="{71BB07FF-4B08-4493-B91E-D5827207316E}" destId="{B261B16E-EE73-4B2E-993A-4FEA9FCB73FC}" srcOrd="1" destOrd="0" parTransId="{469EA095-9052-4D50-8550-12B6B1087D30}" sibTransId="{B1BE8CF5-703A-464E-A62E-A4BF69CEAFC6}"/>
+    <dgm:cxn modelId="{C04A363F-BF1F-4E5E-9982-BAE64C9A564D}" type="presOf" srcId="{8A125A89-C080-463A-9025-7FB451F9A2EF}" destId="{158ABFC3-35D2-4149-9F8B-215029B6D4C8}" srcOrd="0" destOrd="8" presId="urn:microsoft.com/office/officeart/2005/8/layout/hList1"/>
+    <dgm:cxn modelId="{71C9E35E-C377-4B9D-A01A-437E179B920B}" srcId="{B2BFDB61-DFBB-46E5-ABDD-E28B1E75A654}" destId="{2D1D3EA8-1550-42B4-AF22-2F8A21DC9623}" srcOrd="1" destOrd="0" parTransId="{FD63D818-91B4-422F-A71F-FA5FCEFB4D8F}" sibTransId="{1A771DF7-30AC-401D-9E6F-40667EE6304A}"/>
+    <dgm:cxn modelId="{403FE05F-BC2C-4845-BE37-ECDBEC7AB602}" srcId="{71BB07FF-4B08-4493-B91E-D5827207316E}" destId="{29D2E2AA-99C4-4B3A-8124-5060387DBA6C}" srcOrd="4" destOrd="0" parTransId="{EAE7F4EA-48EF-480D-8C11-794D5C6BF74C}" sibTransId="{A8A216EC-5865-414E-8D70-18056EFA0D03}"/>
+    <dgm:cxn modelId="{04584169-120A-4395-B313-D5523884CC63}" srcId="{2D1D3EA8-1550-42B4-AF22-2F8A21DC9623}" destId="{8A125A89-C080-463A-9025-7FB451F9A2EF}" srcOrd="2" destOrd="0" parTransId="{D29359E1-D6CB-41D0-A493-6B0770E1FED3}" sibTransId="{134DFEDB-F7C3-4AE2-80E7-B5C3887B8645}"/>
+    <dgm:cxn modelId="{20718A69-10AD-4168-8C81-0F74CB23645E}" type="presOf" srcId="{B261B16E-EE73-4B2E-993A-4FEA9FCB73FC}" destId="{158ABFC3-35D2-4149-9F8B-215029B6D4C8}" srcOrd="0" destOrd="2" presId="urn:microsoft.com/office/officeart/2005/8/layout/hList1"/>
+    <dgm:cxn modelId="{D69F9869-3D17-4831-A261-8EEA7BEFE52A}" type="presOf" srcId="{71BB07FF-4B08-4493-B91E-D5827207316E}" destId="{158ABFC3-35D2-4149-9F8B-215029B6D4C8}" srcOrd="0" destOrd="0" presId="urn:microsoft.com/office/officeart/2005/8/layout/hList1"/>
+    <dgm:cxn modelId="{2131184B-BFB2-43EE-9219-771175F8DF98}" srcId="{4B45145C-D50F-4FCF-A22E-7C7F2D533D33}" destId="{366638EA-4D2F-422C-96AB-25AA4B3A9EC6}" srcOrd="0" destOrd="0" parTransId="{6D1935AE-04F0-4EE8-8F32-4A4958A27FF0}" sibTransId="{78220591-F0BB-4D10-A97F-798D5E1A4106}"/>
+    <dgm:cxn modelId="{9D920575-A641-48BC-9298-1FC57DA0EC1D}" type="presOf" srcId="{2D1D3EA8-1550-42B4-AF22-2F8A21DC9623}" destId="{03BC1336-AF03-4620-A109-7A8692AABA76}" srcOrd="0" destOrd="0" presId="urn:microsoft.com/office/officeart/2005/8/layout/hList1"/>
+    <dgm:cxn modelId="{0480F676-16BF-47BF-AFA0-9DAE117AAB0F}" srcId="{71BB07FF-4B08-4493-B91E-D5827207316E}" destId="{5F181A8D-28B1-4C3D-A548-2D6B7146F55D}" srcOrd="3" destOrd="0" parTransId="{AAFF1003-B7C1-42D6-9EBB-24A3BBC4C3EC}" sibTransId="{323FF5EE-466E-4895-90A6-21CC910A122E}"/>
+    <dgm:cxn modelId="{F60F8B5A-92A0-49F2-87F6-4B43F136D86F}" srcId="{4B45145C-D50F-4FCF-A22E-7C7F2D533D33}" destId="{B8B30AAC-78E6-42FF-BD44-F0D431D8C727}" srcOrd="1" destOrd="0" parTransId="{3CE9D611-B990-4392-A5D1-43B9CCA715F6}" sibTransId="{2487F963-5AFA-4921-939B-2CF00448CC31}"/>
+    <dgm:cxn modelId="{88826583-CC3F-41FB-AF53-73D4C56EE280}" type="presOf" srcId="{DD218756-D54D-4E79-9F8F-913D8631CA5F}" destId="{49FEF961-A4B0-485C-832A-7BA4D33B9D5B}" srcOrd="0" destOrd="0" presId="urn:microsoft.com/office/officeart/2005/8/layout/hList1"/>
+    <dgm:cxn modelId="{DA3F8386-6C6B-47AE-BAF8-244C7944E9C9}" type="presOf" srcId="{3E933D16-747A-4F84-8168-A1FFD098650E}" destId="{158ABFC3-35D2-4149-9F8B-215029B6D4C8}" srcOrd="0" destOrd="6" presId="urn:microsoft.com/office/officeart/2005/8/layout/hList1"/>
+    <dgm:cxn modelId="{53F8B488-04FB-4BFD-80B9-816272C44560}" type="presOf" srcId="{29D2E2AA-99C4-4B3A-8124-5060387DBA6C}" destId="{158ABFC3-35D2-4149-9F8B-215029B6D4C8}" srcOrd="0" destOrd="5" presId="urn:microsoft.com/office/officeart/2005/8/layout/hList1"/>
+    <dgm:cxn modelId="{D4320E8B-DD82-4832-958A-92185A4BB23F}" type="presOf" srcId="{4B45145C-D50F-4FCF-A22E-7C7F2D533D33}" destId="{AF14E585-E09B-489C-B4CF-AC6DD04042D1}" srcOrd="0" destOrd="0" presId="urn:microsoft.com/office/officeart/2005/8/layout/hList1"/>
+    <dgm:cxn modelId="{AA3FFA8F-4C35-4324-A88B-BD0F8A34FCD8}" srcId="{2D1D3EA8-1550-42B4-AF22-2F8A21DC9623}" destId="{9D4EC681-1B5D-4CC4-AAB2-32A3C314860B}" srcOrd="1" destOrd="0" parTransId="{31643AF5-6261-4E8A-B782-6C957021E7CA}" sibTransId="{95A9F4EF-FEC5-4C3A-B275-918558A95809}"/>
+    <dgm:cxn modelId="{9087DA92-628B-4491-9FF2-71075251C0AF}" type="presOf" srcId="{5F181A8D-28B1-4C3D-A548-2D6B7146F55D}" destId="{158ABFC3-35D2-4149-9F8B-215029B6D4C8}" srcOrd="0" destOrd="4" presId="urn:microsoft.com/office/officeart/2005/8/layout/hList1"/>
+    <dgm:cxn modelId="{0F9A01B0-39B6-4412-BB49-4F9B34F22CDF}" type="presOf" srcId="{B2BFDB61-DFBB-46E5-ABDD-E28B1E75A654}" destId="{98793DA0-D4FC-4E84-91C9-EB7BFCD6319F}" srcOrd="0" destOrd="0" presId="urn:microsoft.com/office/officeart/2005/8/layout/hList1"/>
+    <dgm:cxn modelId="{BC550BC6-011B-49F3-8B52-C4BF9ADA4F1A}" type="presOf" srcId="{51AD6CA5-C2D2-402F-B715-2FEF62FDAE8E}" destId="{D2DE5571-57BA-453C-A406-FABAA8792ECA}" srcOrd="0" destOrd="0" presId="urn:microsoft.com/office/officeart/2005/8/layout/hList1"/>
+    <dgm:cxn modelId="{475163C8-4266-4F2D-9C9F-BB5B12E64C8C}" srcId="{71BB07FF-4B08-4493-B91E-D5827207316E}" destId="{11492142-60FF-4EC5-8D6E-EF3C54D22A3E}" srcOrd="0" destOrd="0" parTransId="{60230498-644D-46CD-8D7D-1D2EA99CC466}" sibTransId="{A094B70B-A878-49FA-A5B4-7391C43A630F}"/>
+    <dgm:cxn modelId="{9D0081CE-ADB6-4C3A-B03F-5A3F0588D9AA}" srcId="{71BB07FF-4B08-4493-B91E-D5827207316E}" destId="{C0F677B0-C737-4177-8E48-3E9C5EB15F44}" srcOrd="2" destOrd="0" parTransId="{A237A98E-F59D-408E-9FC5-C042FDB41F35}" sibTransId="{F501C089-14F4-4736-BB6D-08B97B99B8CA}"/>
+    <dgm:cxn modelId="{2EF76AD9-23DF-41A5-BF09-E5E8FFBA9D00}" type="presOf" srcId="{9D4EC681-1B5D-4CC4-AAB2-32A3C314860B}" destId="{158ABFC3-35D2-4149-9F8B-215029B6D4C8}" srcOrd="0" destOrd="7" presId="urn:microsoft.com/office/officeart/2005/8/layout/hList1"/>
+    <dgm:cxn modelId="{B4EFA5E6-66A9-43CD-AA9C-C1F68CB06788}" srcId="{B2BFDB61-DFBB-46E5-ABDD-E28B1E75A654}" destId="{DD218756-D54D-4E79-9F8F-913D8631CA5F}" srcOrd="2" destOrd="0" parTransId="{B97FFE13-A850-417D-8660-621A012C6F73}" sibTransId="{4104483D-A610-4974-8663-9D3ED6566DC3}"/>
+    <dgm:cxn modelId="{620628EF-EC20-4BE1-9D71-E49FECC5DB94}" type="presOf" srcId="{C0F677B0-C737-4177-8E48-3E9C5EB15F44}" destId="{158ABFC3-35D2-4149-9F8B-215029B6D4C8}" srcOrd="0" destOrd="3" presId="urn:microsoft.com/office/officeart/2005/8/layout/hList1"/>
+    <dgm:cxn modelId="{27ABD4F0-9023-41A0-A977-B246F280CFD1}" type="presOf" srcId="{11492142-60FF-4EC5-8D6E-EF3C54D22A3E}" destId="{158ABFC3-35D2-4149-9F8B-215029B6D4C8}" srcOrd="0" destOrd="1" presId="urn:microsoft.com/office/officeart/2005/8/layout/hList1"/>
+    <dgm:cxn modelId="{E8D9D175-5D2A-41E5-B0C5-A249FEC2BD5B}" type="presParOf" srcId="{98793DA0-D4FC-4E84-91C9-EB7BFCD6319F}" destId="{A0D9F020-C131-4956-B2A9-5E8C81AD984F}" srcOrd="0" destOrd="0" presId="urn:microsoft.com/office/officeart/2005/8/layout/hList1"/>
+    <dgm:cxn modelId="{4B979106-34BE-44B9-AFF9-3F9C2F61A748}" type="presParOf" srcId="{A0D9F020-C131-4956-B2A9-5E8C81AD984F}" destId="{AF14E585-E09B-489C-B4CF-AC6DD04042D1}" srcOrd="0" destOrd="0" presId="urn:microsoft.com/office/officeart/2005/8/layout/hList1"/>
+    <dgm:cxn modelId="{525CE55F-1B57-4CBA-95DF-A6FC1405953F}" type="presParOf" srcId="{A0D9F020-C131-4956-B2A9-5E8C81AD984F}" destId="{3EFAF61A-B2BC-45CA-9267-B439B36F06E0}" srcOrd="1" destOrd="0" presId="urn:microsoft.com/office/officeart/2005/8/layout/hList1"/>
+    <dgm:cxn modelId="{D29FBE0B-0BBB-41B7-99E6-DFABB8463DE6}" type="presParOf" srcId="{98793DA0-D4FC-4E84-91C9-EB7BFCD6319F}" destId="{DBCECF42-BC9E-4C4F-B464-0C85F98C493D}" srcOrd="1" destOrd="0" presId="urn:microsoft.com/office/officeart/2005/8/layout/hList1"/>
+    <dgm:cxn modelId="{6D523741-F32B-4C51-8677-CDF34B777F69}" type="presParOf" srcId="{98793DA0-D4FC-4E84-91C9-EB7BFCD6319F}" destId="{6807D73D-517C-4B53-96CB-0D2B04D805B8}" srcOrd="2" destOrd="0" presId="urn:microsoft.com/office/officeart/2005/8/layout/hList1"/>
+    <dgm:cxn modelId="{6DCC1E53-531C-48E2-B06E-498FB028FE24}" type="presParOf" srcId="{6807D73D-517C-4B53-96CB-0D2B04D805B8}" destId="{03BC1336-AF03-4620-A109-7A8692AABA76}" srcOrd="0" destOrd="0" presId="urn:microsoft.com/office/officeart/2005/8/layout/hList1"/>
+    <dgm:cxn modelId="{2000F0BB-6BF9-4937-A6C1-5BEAFFDD4861}" type="presParOf" srcId="{6807D73D-517C-4B53-96CB-0D2B04D805B8}" destId="{158ABFC3-35D2-4149-9F8B-215029B6D4C8}" srcOrd="1" destOrd="0" presId="urn:microsoft.com/office/officeart/2005/8/layout/hList1"/>
+    <dgm:cxn modelId="{91E75096-848B-4AFA-BD0C-40845B5AF42A}" type="presParOf" srcId="{98793DA0-D4FC-4E84-91C9-EB7BFCD6319F}" destId="{F950092F-90B8-4AC8-A1BE-0B0F7FF1CA21}" srcOrd="3" destOrd="0" presId="urn:microsoft.com/office/officeart/2005/8/layout/hList1"/>
+    <dgm:cxn modelId="{E371B40A-9115-4FE1-B515-4CF2BFA0FDCC}" type="presParOf" srcId="{98793DA0-D4FC-4E84-91C9-EB7BFCD6319F}" destId="{A67AADE5-D292-4A48-8DB9-15D1595F6066}" srcOrd="4" destOrd="0" presId="urn:microsoft.com/office/officeart/2005/8/layout/hList1"/>
+    <dgm:cxn modelId="{B811491E-341E-4EEA-8F7C-415728AAC1D3}" type="presParOf" srcId="{A67AADE5-D292-4A48-8DB9-15D1595F6066}" destId="{49FEF961-A4B0-485C-832A-7BA4D33B9D5B}" srcOrd="0" destOrd="0" presId="urn:microsoft.com/office/officeart/2005/8/layout/hList1"/>
+    <dgm:cxn modelId="{05314C0D-8278-4863-9DBE-62445AB634CF}" type="presParOf" srcId="{A67AADE5-D292-4A48-8DB9-15D1595F6066}" destId="{D2DE5571-57BA-453C-A406-FABAA8792ECA}" srcOrd="1" destOrd="0" presId="urn:microsoft.com/office/officeart/2005/8/layout/hList1"/>
+  </dgm:cxnLst>
+  <dgm:bg/>
+  <dgm:whole/>
+  <dgm:extLst>
+    <a:ext uri="http://schemas.microsoft.com/office/drawing/2008/diagram">
+      <dsp:dataModelExt xmlns:dsp="http://schemas.microsoft.com/office/drawing/2008/diagram" relId="rId6" minVer="http://schemas.openxmlformats.org/drawingml/2006/diagram"/>
+    </a:ext>
+  </dgm:extLst>
+</dgm:dataModel>
+</file>
+
+<file path=ppt/diagrams/drawing1.xml><?xml version="1.0" encoding="utf-8"?>
+<dsp:drawing xmlns:dgm="http://schemas.openxmlformats.org/drawingml/2006/diagram" xmlns:dsp="http://schemas.microsoft.com/office/drawing/2008/diagram" xmlns:a="http://schemas.openxmlformats.org/drawingml/2006/main">
+  <dsp:spTree>
+    <dsp:nvGrpSpPr>
+      <dsp:cNvPr id="0" name=""/>
+      <dsp:cNvGrpSpPr/>
+    </dsp:nvGrpSpPr>
+    <dsp:grpSpPr/>
+    <dsp:sp modelId="{AF14E585-E09B-489C-B4CF-AC6DD04042D1}">
+      <dsp:nvSpPr>
+        <dsp:cNvPr id="0" name=""/>
+        <dsp:cNvSpPr/>
+      </dsp:nvSpPr>
+      <dsp:spPr>
+        <a:xfrm>
+          <a:off x="3168" y="81377"/>
+          <a:ext cx="3088895" cy="259200"/>
+        </a:xfrm>
+        <a:prstGeom prst="rect">
+          <a:avLst/>
+        </a:prstGeom>
+        <a:solidFill>
+          <a:schemeClr val="accent1">
+            <a:hueOff val="0"/>
+            <a:satOff val="0"/>
+            <a:lumOff val="0"/>
+            <a:alphaOff val="0"/>
+          </a:schemeClr>
+        </a:solidFill>
+        <a:ln w="12700" cap="flat" cmpd="sng" algn="ctr">
+          <a:solidFill>
+            <a:schemeClr val="accent1">
+              <a:hueOff val="0"/>
+              <a:satOff val="0"/>
+              <a:lumOff val="0"/>
+              <a:alphaOff val="0"/>
+            </a:schemeClr>
+          </a:solidFill>
+          <a:prstDash val="solid"/>
+          <a:miter lim="800000"/>
+        </a:ln>
+        <a:effectLst/>
+      </dsp:spPr>
+      <dsp:style>
+        <a:lnRef idx="2">
+          <a:scrgbClr r="0" g="0" b="0"/>
+        </a:lnRef>
+        <a:fillRef idx="1">
+          <a:scrgbClr r="0" g="0" b="0"/>
+        </a:fillRef>
+        <a:effectRef idx="0">
+          <a:scrgbClr r="0" g="0" b="0"/>
+        </a:effectRef>
+        <a:fontRef idx="minor">
+          <a:schemeClr val="lt1"/>
+        </a:fontRef>
+      </dsp:style>
+      <dsp:txBody>
+        <a:bodyPr spcFirstLastPara="0" vert="horz" wrap="square" lIns="64008" tIns="36576" rIns="64008" bIns="36576" numCol="1" spcCol="1270" anchor="ctr" anchorCtr="0">
+          <a:noAutofit/>
+        </a:bodyPr>
+        <a:lstStyle/>
+        <a:p>
+          <a:pPr marL="0" lvl="0" indent="0" algn="ctr" defTabSz="400050">
+            <a:lnSpc>
+              <a:spcPct val="90000"/>
+            </a:lnSpc>
+            <a:spcBef>
+              <a:spcPct val="0"/>
+            </a:spcBef>
+            <a:spcAft>
+              <a:spcPct val="35000"/>
+            </a:spcAft>
+            <a:buNone/>
+          </a:pPr>
+          <a:r>
+            <a:rPr lang="en-US" altLang="zh-CN" sz="900" kern="1200" dirty="0">
+              <a:latin typeface="微软雅黑" panose="020B0503020204020204" pitchFamily="34" charset="-122"/>
+              <a:ea typeface="微软雅黑" panose="020B0503020204020204" pitchFamily="34" charset="-122"/>
+            </a:rPr>
+            <a:t>header</a:t>
+          </a:r>
+          <a:endParaRPr lang="zh-CN" altLang="en-US" sz="900" kern="1200" dirty="0">
+            <a:latin typeface="微软雅黑" panose="020B0503020204020204" pitchFamily="34" charset="-122"/>
+            <a:ea typeface="微软雅黑" panose="020B0503020204020204" pitchFamily="34" charset="-122"/>
+          </a:endParaRPr>
+        </a:p>
+      </dsp:txBody>
+      <dsp:txXfrm>
+        <a:off x="3168" y="81377"/>
+        <a:ext cx="3088895" cy="259200"/>
+      </dsp:txXfrm>
+    </dsp:sp>
+    <dsp:sp modelId="{3EFAF61A-B2BC-45CA-9267-B439B36F06E0}">
+      <dsp:nvSpPr>
+        <dsp:cNvPr id="0" name=""/>
+        <dsp:cNvSpPr/>
+      </dsp:nvSpPr>
+      <dsp:spPr>
+        <a:xfrm>
+          <a:off x="3168" y="340577"/>
+          <a:ext cx="3088895" cy="1977944"/>
+        </a:xfrm>
+        <a:prstGeom prst="rect">
+          <a:avLst/>
+        </a:prstGeom>
+        <a:solidFill>
+          <a:schemeClr val="accent1">
+            <a:alpha val="90000"/>
+            <a:tint val="40000"/>
+            <a:hueOff val="0"/>
+            <a:satOff val="0"/>
+            <a:lumOff val="0"/>
+            <a:alphaOff val="0"/>
+          </a:schemeClr>
+        </a:solidFill>
+        <a:ln w="12700" cap="flat" cmpd="sng" algn="ctr">
+          <a:solidFill>
+            <a:schemeClr val="accent1">
+              <a:alpha val="90000"/>
+              <a:tint val="40000"/>
+              <a:hueOff val="0"/>
+              <a:satOff val="0"/>
+              <a:lumOff val="0"/>
+              <a:alphaOff val="0"/>
+            </a:schemeClr>
+          </a:solidFill>
+          <a:prstDash val="solid"/>
+          <a:miter lim="800000"/>
+        </a:ln>
+        <a:effectLst/>
+      </dsp:spPr>
+      <dsp:style>
+        <a:lnRef idx="2">
+          <a:scrgbClr r="0" g="0" b="0"/>
+        </a:lnRef>
+        <a:fillRef idx="1">
+          <a:scrgbClr r="0" g="0" b="0"/>
+        </a:fillRef>
+        <a:effectRef idx="0">
+          <a:scrgbClr r="0" g="0" b="0"/>
+        </a:effectRef>
+        <a:fontRef idx="minor"/>
+      </dsp:style>
+      <dsp:txBody>
+        <a:bodyPr spcFirstLastPara="0" vert="horz" wrap="square" lIns="48006" tIns="48006" rIns="64008" bIns="72009" numCol="1" spcCol="1270" anchor="t" anchorCtr="0">
+          <a:noAutofit/>
+        </a:bodyPr>
+        <a:lstStyle/>
+        <a:p>
+          <a:pPr marL="57150" lvl="1" indent="-57150" algn="l" defTabSz="400050">
+            <a:lnSpc>
+              <a:spcPct val="90000"/>
+            </a:lnSpc>
+            <a:spcBef>
+              <a:spcPct val="0"/>
+            </a:spcBef>
+            <a:spcAft>
+              <a:spcPct val="15000"/>
+            </a:spcAft>
+            <a:buChar char="•"/>
+          </a:pPr>
+          <a:r>
+            <a:rPr lang="en-US" altLang="zh-CN" sz="900" kern="1200" dirty="0">
+              <a:latin typeface="微软雅黑" panose="020B0503020204020204" pitchFamily="34" charset="-122"/>
+              <a:ea typeface="微软雅黑" panose="020B0503020204020204" pitchFamily="34" charset="-122"/>
+            </a:rPr>
+            <a:t>Token</a:t>
+          </a:r>
+          <a:r>
+            <a:rPr lang="zh-CN" altLang="en-US" sz="900" kern="1200" dirty="0">
+              <a:latin typeface="微软雅黑" panose="020B0503020204020204" pitchFamily="34" charset="-122"/>
+              <a:ea typeface="微软雅黑" panose="020B0503020204020204" pitchFamily="34" charset="-122"/>
+            </a:rPr>
+            <a:t>类型，通常是</a:t>
+          </a:r>
+          <a:r>
+            <a:rPr lang="en-US" altLang="zh-CN" sz="900" kern="1200" dirty="0" err="1">
+              <a:latin typeface="微软雅黑" panose="020B0503020204020204" pitchFamily="34" charset="-122"/>
+              <a:ea typeface="微软雅黑" panose="020B0503020204020204" pitchFamily="34" charset="-122"/>
+            </a:rPr>
+            <a:t>jwt</a:t>
+          </a:r>
+          <a:endParaRPr lang="zh-CN" altLang="en-US" sz="900" kern="1200" dirty="0">
+            <a:latin typeface="微软雅黑" panose="020B0503020204020204" pitchFamily="34" charset="-122"/>
+            <a:ea typeface="微软雅黑" panose="020B0503020204020204" pitchFamily="34" charset="-122"/>
+          </a:endParaRPr>
+        </a:p>
+        <a:p>
+          <a:pPr marL="57150" lvl="1" indent="-57150" algn="l" defTabSz="400050">
+            <a:lnSpc>
+              <a:spcPct val="90000"/>
+            </a:lnSpc>
+            <a:spcBef>
+              <a:spcPct val="0"/>
+            </a:spcBef>
+            <a:spcAft>
+              <a:spcPct val="15000"/>
+            </a:spcAft>
+            <a:buChar char="•"/>
+          </a:pPr>
+          <a:r>
+            <a:rPr lang="zh-CN" altLang="en-US" sz="900" kern="1200" dirty="0">
+              <a:latin typeface="微软雅黑" panose="020B0503020204020204" pitchFamily="34" charset="-122"/>
+              <a:ea typeface="微软雅黑" panose="020B0503020204020204" pitchFamily="34" charset="-122"/>
+            </a:rPr>
+            <a:t>签名算法，如</a:t>
+          </a:r>
+          <a:r>
+            <a:rPr lang="en-US" altLang="zh-CN" sz="900" kern="1200" dirty="0">
+              <a:latin typeface="微软雅黑" panose="020B0503020204020204" pitchFamily="34" charset="-122"/>
+              <a:ea typeface="微软雅黑" panose="020B0503020204020204" pitchFamily="34" charset="-122"/>
+            </a:rPr>
+            <a:t>HS256</a:t>
+          </a:r>
+          <a:endParaRPr lang="zh-CN" altLang="en-US" sz="900" kern="1200" dirty="0">
+            <a:latin typeface="微软雅黑" panose="020B0503020204020204" pitchFamily="34" charset="-122"/>
+            <a:ea typeface="微软雅黑" panose="020B0503020204020204" pitchFamily="34" charset="-122"/>
+          </a:endParaRPr>
+        </a:p>
+      </dsp:txBody>
+      <dsp:txXfrm>
+        <a:off x="3168" y="340577"/>
+        <a:ext cx="3088895" cy="1977944"/>
+      </dsp:txXfrm>
+    </dsp:sp>
+    <dsp:sp modelId="{03BC1336-AF03-4620-A109-7A8692AABA76}">
+      <dsp:nvSpPr>
+        <dsp:cNvPr id="0" name=""/>
+        <dsp:cNvSpPr/>
+      </dsp:nvSpPr>
+      <dsp:spPr>
+        <a:xfrm>
+          <a:off x="3524508" y="81377"/>
+          <a:ext cx="3088895" cy="259200"/>
+        </a:xfrm>
+        <a:prstGeom prst="rect">
+          <a:avLst/>
+        </a:prstGeom>
+        <a:solidFill>
+          <a:schemeClr val="accent1">
+            <a:hueOff val="0"/>
+            <a:satOff val="0"/>
+            <a:lumOff val="0"/>
+            <a:alphaOff val="0"/>
+          </a:schemeClr>
+        </a:solidFill>
+        <a:ln w="12700" cap="flat" cmpd="sng" algn="ctr">
+          <a:solidFill>
+            <a:schemeClr val="accent1">
+              <a:hueOff val="0"/>
+              <a:satOff val="0"/>
+              <a:lumOff val="0"/>
+              <a:alphaOff val="0"/>
+            </a:schemeClr>
+          </a:solidFill>
+          <a:prstDash val="solid"/>
+          <a:miter lim="800000"/>
+        </a:ln>
+        <a:effectLst/>
+      </dsp:spPr>
+      <dsp:style>
+        <a:lnRef idx="2">
+          <a:scrgbClr r="0" g="0" b="0"/>
+        </a:lnRef>
+        <a:fillRef idx="1">
+          <a:scrgbClr r="0" g="0" b="0"/>
+        </a:fillRef>
+        <a:effectRef idx="0">
+          <a:scrgbClr r="0" g="0" b="0"/>
+        </a:effectRef>
+        <a:fontRef idx="minor">
+          <a:schemeClr val="lt1"/>
+        </a:fontRef>
+      </dsp:style>
+      <dsp:txBody>
+        <a:bodyPr spcFirstLastPara="0" vert="horz" wrap="square" lIns="64008" tIns="36576" rIns="64008" bIns="36576" numCol="1" spcCol="1270" anchor="ctr" anchorCtr="0">
+          <a:noAutofit/>
+        </a:bodyPr>
+        <a:lstStyle/>
+        <a:p>
+          <a:pPr marL="0" lvl="0" indent="0" algn="ctr" defTabSz="400050">
+            <a:lnSpc>
+              <a:spcPct val="90000"/>
+            </a:lnSpc>
+            <a:spcBef>
+              <a:spcPct val="0"/>
+            </a:spcBef>
+            <a:spcAft>
+              <a:spcPct val="35000"/>
+            </a:spcAft>
+            <a:buNone/>
+          </a:pPr>
+          <a:r>
+            <a:rPr lang="en-US" altLang="zh-CN" sz="900" kern="1200" dirty="0">
+              <a:latin typeface="微软雅黑" panose="020B0503020204020204" pitchFamily="34" charset="-122"/>
+              <a:ea typeface="微软雅黑" panose="020B0503020204020204" pitchFamily="34" charset="-122"/>
+            </a:rPr>
+            <a:t>payload</a:t>
+          </a:r>
+          <a:endParaRPr lang="zh-CN" altLang="en-US" sz="900" kern="1200" dirty="0">
+            <a:latin typeface="微软雅黑" panose="020B0503020204020204" pitchFamily="34" charset="-122"/>
+            <a:ea typeface="微软雅黑" panose="020B0503020204020204" pitchFamily="34" charset="-122"/>
+          </a:endParaRPr>
+        </a:p>
+      </dsp:txBody>
+      <dsp:txXfrm>
+        <a:off x="3524508" y="81377"/>
+        <a:ext cx="3088895" cy="259200"/>
+      </dsp:txXfrm>
+    </dsp:sp>
+    <dsp:sp modelId="{158ABFC3-35D2-4149-9F8B-215029B6D4C8}">
+      <dsp:nvSpPr>
+        <dsp:cNvPr id="0" name=""/>
+        <dsp:cNvSpPr/>
+      </dsp:nvSpPr>
+      <dsp:spPr>
+        <a:xfrm>
+          <a:off x="3524508" y="340577"/>
+          <a:ext cx="3088895" cy="1977944"/>
+        </a:xfrm>
+        <a:prstGeom prst="rect">
+          <a:avLst/>
+        </a:prstGeom>
+        <a:solidFill>
+          <a:schemeClr val="accent1">
+            <a:alpha val="90000"/>
+            <a:tint val="40000"/>
+            <a:hueOff val="0"/>
+            <a:satOff val="0"/>
+            <a:lumOff val="0"/>
+            <a:alphaOff val="0"/>
+          </a:schemeClr>
+        </a:solidFill>
+        <a:ln w="12700" cap="flat" cmpd="sng" algn="ctr">
+          <a:solidFill>
+            <a:schemeClr val="accent1">
+              <a:alpha val="90000"/>
+              <a:tint val="40000"/>
+              <a:hueOff val="0"/>
+              <a:satOff val="0"/>
+              <a:lumOff val="0"/>
+              <a:alphaOff val="0"/>
+            </a:schemeClr>
+          </a:solidFill>
+          <a:prstDash val="solid"/>
+          <a:miter lim="800000"/>
+        </a:ln>
+        <a:effectLst/>
+      </dsp:spPr>
+      <dsp:style>
+        <a:lnRef idx="2">
+          <a:scrgbClr r="0" g="0" b="0"/>
+        </a:lnRef>
+        <a:fillRef idx="1">
+          <a:scrgbClr r="0" g="0" b="0"/>
+        </a:fillRef>
+        <a:effectRef idx="0">
+          <a:scrgbClr r="0" g="0" b="0"/>
+        </a:effectRef>
+        <a:fontRef idx="minor"/>
+      </dsp:style>
+      <dsp:txBody>
+        <a:bodyPr spcFirstLastPara="0" vert="horz" wrap="square" lIns="48006" tIns="48006" rIns="64008" bIns="72009" numCol="1" spcCol="1270" anchor="t" anchorCtr="0">
+          <a:noAutofit/>
+        </a:bodyPr>
+        <a:lstStyle/>
+        <a:p>
+          <a:pPr marL="57150" lvl="1" indent="-57150" algn="l" defTabSz="400050">
+            <a:lnSpc>
+              <a:spcPct val="90000"/>
+            </a:lnSpc>
+            <a:spcBef>
+              <a:spcPct val="0"/>
+            </a:spcBef>
+            <a:spcAft>
+              <a:spcPct val="15000"/>
+            </a:spcAft>
+            <a:buChar char="•"/>
+          </a:pPr>
+          <a:r>
+            <a:rPr lang="en-US" sz="900" b="0" kern="1200" dirty="0">
+              <a:latin typeface="微软雅黑" panose="020B0503020204020204" pitchFamily="34" charset="-122"/>
+              <a:ea typeface="微软雅黑" panose="020B0503020204020204" pitchFamily="34" charset="-122"/>
+            </a:rPr>
+            <a:t>Registered  names</a:t>
+          </a:r>
+          <a:endParaRPr lang="zh-CN" altLang="en-US" sz="900" b="0" kern="1200" dirty="0">
+            <a:latin typeface="微软雅黑" panose="020B0503020204020204" pitchFamily="34" charset="-122"/>
+            <a:ea typeface="微软雅黑" panose="020B0503020204020204" pitchFamily="34" charset="-122"/>
+          </a:endParaRPr>
+        </a:p>
+        <a:p>
+          <a:pPr marL="114300" lvl="2" indent="-57150" algn="l" defTabSz="400050">
+            <a:lnSpc>
+              <a:spcPct val="90000"/>
+            </a:lnSpc>
+            <a:spcBef>
+              <a:spcPct val="0"/>
+            </a:spcBef>
+            <a:spcAft>
+              <a:spcPct val="15000"/>
+            </a:spcAft>
+            <a:buChar char="•"/>
+          </a:pPr>
+          <a:r>
+            <a:rPr lang="en-US" sz="900" b="0" kern="1200" dirty="0" err="1">
+              <a:latin typeface="微软雅黑" panose="020B0503020204020204" pitchFamily="34" charset="-122"/>
+              <a:ea typeface="微软雅黑" panose="020B0503020204020204" pitchFamily="34" charset="-122"/>
+            </a:rPr>
+            <a:t>iss</a:t>
+          </a:r>
+          <a:r>
+            <a:rPr lang="en-US" sz="900" b="0" kern="1200" dirty="0">
+              <a:latin typeface="微软雅黑" panose="020B0503020204020204" pitchFamily="34" charset="-122"/>
+              <a:ea typeface="微软雅黑" panose="020B0503020204020204" pitchFamily="34" charset="-122"/>
+            </a:rPr>
+            <a:t> </a:t>
+          </a:r>
+          <a:r>
+            <a:rPr lang="zh-CN" altLang="en-US" sz="900" b="0" kern="1200" dirty="0">
+              <a:latin typeface="微软雅黑" panose="020B0503020204020204" pitchFamily="34" charset="-122"/>
+              <a:ea typeface="微软雅黑" panose="020B0503020204020204" pitchFamily="34" charset="-122"/>
+            </a:rPr>
+            <a:t>颁发者</a:t>
+          </a:r>
+        </a:p>
+        <a:p>
+          <a:pPr marL="114300" lvl="2" indent="-57150" algn="l" defTabSz="400050">
+            <a:lnSpc>
+              <a:spcPct val="90000"/>
+            </a:lnSpc>
+            <a:spcBef>
+              <a:spcPct val="0"/>
+            </a:spcBef>
+            <a:spcAft>
+              <a:spcPct val="15000"/>
+            </a:spcAft>
+            <a:buChar char="•"/>
+          </a:pPr>
+          <a:r>
+            <a:rPr lang="en-US" altLang="zh-CN" sz="900" b="0" kern="1200" dirty="0">
+              <a:latin typeface="微软雅黑" panose="020B0503020204020204" pitchFamily="34" charset="-122"/>
+              <a:ea typeface="微软雅黑" panose="020B0503020204020204" pitchFamily="34" charset="-122"/>
+            </a:rPr>
+            <a:t>sub </a:t>
+          </a:r>
+          <a:r>
+            <a:rPr lang="zh-CN" altLang="en-US" sz="900" b="0" kern="1200" dirty="0">
+              <a:latin typeface="微软雅黑" panose="020B0503020204020204" pitchFamily="34" charset="-122"/>
+              <a:ea typeface="微软雅黑" panose="020B0503020204020204" pitchFamily="34" charset="-122"/>
+            </a:rPr>
+            <a:t>面向的用户</a:t>
+          </a:r>
+        </a:p>
+        <a:p>
+          <a:pPr marL="114300" lvl="2" indent="-57150" algn="l" defTabSz="400050">
+            <a:lnSpc>
+              <a:spcPct val="90000"/>
+            </a:lnSpc>
+            <a:spcBef>
+              <a:spcPct val="0"/>
+            </a:spcBef>
+            <a:spcAft>
+              <a:spcPct val="15000"/>
+            </a:spcAft>
+            <a:buChar char="•"/>
+          </a:pPr>
+          <a:r>
+            <a:rPr lang="en-US" altLang="zh-CN" sz="900" b="0" kern="1200" dirty="0" err="1">
+              <a:latin typeface="微软雅黑" panose="020B0503020204020204" pitchFamily="34" charset="-122"/>
+              <a:ea typeface="微软雅黑" panose="020B0503020204020204" pitchFamily="34" charset="-122"/>
+            </a:rPr>
+            <a:t>aud</a:t>
+          </a:r>
+          <a:r>
+            <a:rPr lang="en-US" altLang="zh-CN" sz="900" b="0" kern="1200" dirty="0">
+              <a:latin typeface="微软雅黑" panose="020B0503020204020204" pitchFamily="34" charset="-122"/>
+              <a:ea typeface="微软雅黑" panose="020B0503020204020204" pitchFamily="34" charset="-122"/>
+            </a:rPr>
+            <a:t> </a:t>
+          </a:r>
+          <a:r>
+            <a:rPr lang="zh-CN" altLang="en-US" sz="900" b="0" kern="1200" dirty="0">
+              <a:latin typeface="微软雅黑" panose="020B0503020204020204" pitchFamily="34" charset="-122"/>
+              <a:ea typeface="微软雅黑" panose="020B0503020204020204" pitchFamily="34" charset="-122"/>
+            </a:rPr>
+            <a:t>接收方</a:t>
+          </a:r>
+        </a:p>
+        <a:p>
+          <a:pPr marL="114300" lvl="2" indent="-57150" algn="l" defTabSz="400050">
+            <a:lnSpc>
+              <a:spcPct val="90000"/>
+            </a:lnSpc>
+            <a:spcBef>
+              <a:spcPct val="0"/>
+            </a:spcBef>
+            <a:spcAft>
+              <a:spcPct val="15000"/>
+            </a:spcAft>
+            <a:buChar char="•"/>
+          </a:pPr>
+          <a:r>
+            <a:rPr lang="en-US" altLang="zh-CN" sz="900" b="0" kern="1200" dirty="0" err="1">
+              <a:latin typeface="微软雅黑" panose="020B0503020204020204" pitchFamily="34" charset="-122"/>
+              <a:ea typeface="微软雅黑" panose="020B0503020204020204" pitchFamily="34" charset="-122"/>
+            </a:rPr>
+            <a:t>nbf</a:t>
+          </a:r>
+          <a:r>
+            <a:rPr lang="en-US" altLang="zh-CN" sz="900" b="0" kern="1200" dirty="0">
+              <a:latin typeface="微软雅黑" panose="020B0503020204020204" pitchFamily="34" charset="-122"/>
+              <a:ea typeface="微软雅黑" panose="020B0503020204020204" pitchFamily="34" charset="-122"/>
+            </a:rPr>
+            <a:t> Not before</a:t>
+          </a:r>
+          <a:endParaRPr lang="zh-CN" altLang="en-US" sz="900" b="0" kern="1200" dirty="0">
+            <a:latin typeface="微软雅黑" panose="020B0503020204020204" pitchFamily="34" charset="-122"/>
+            <a:ea typeface="微软雅黑" panose="020B0503020204020204" pitchFamily="34" charset="-122"/>
+          </a:endParaRPr>
+        </a:p>
+        <a:p>
+          <a:pPr marL="114300" lvl="2" indent="-57150" algn="l" defTabSz="400050">
+            <a:lnSpc>
+              <a:spcPct val="90000"/>
+            </a:lnSpc>
+            <a:spcBef>
+              <a:spcPct val="0"/>
+            </a:spcBef>
+            <a:spcAft>
+              <a:spcPct val="15000"/>
+            </a:spcAft>
+            <a:buChar char="•"/>
+          </a:pPr>
+          <a:r>
+            <a:rPr lang="en-US" altLang="zh-CN" sz="900" b="0" kern="1200" dirty="0" err="1">
+              <a:latin typeface="微软雅黑" panose="020B0503020204020204" pitchFamily="34" charset="-122"/>
+              <a:ea typeface="微软雅黑" panose="020B0503020204020204" pitchFamily="34" charset="-122"/>
+            </a:rPr>
+            <a:t>iat</a:t>
+          </a:r>
+          <a:r>
+            <a:rPr lang="en-US" altLang="zh-CN" sz="900" b="0" kern="1200" dirty="0">
+              <a:latin typeface="微软雅黑" panose="020B0503020204020204" pitchFamily="34" charset="-122"/>
+              <a:ea typeface="微软雅黑" panose="020B0503020204020204" pitchFamily="34" charset="-122"/>
+            </a:rPr>
+            <a:t> </a:t>
+          </a:r>
+          <a:r>
+            <a:rPr lang="zh-CN" altLang="en-US" sz="900" b="0" kern="1200" dirty="0">
+              <a:latin typeface="微软雅黑" panose="020B0503020204020204" pitchFamily="34" charset="-122"/>
+              <a:ea typeface="微软雅黑" panose="020B0503020204020204" pitchFamily="34" charset="-122"/>
+            </a:rPr>
+            <a:t>发布时间</a:t>
+          </a:r>
+        </a:p>
+        <a:p>
+          <a:pPr marL="114300" lvl="2" indent="-57150" algn="l" defTabSz="400050">
+            <a:lnSpc>
+              <a:spcPct val="90000"/>
+            </a:lnSpc>
+            <a:spcBef>
+              <a:spcPct val="0"/>
+            </a:spcBef>
+            <a:spcAft>
+              <a:spcPct val="15000"/>
+            </a:spcAft>
+            <a:buChar char="•"/>
+          </a:pPr>
+          <a:r>
+            <a:rPr lang="en-US" altLang="zh-CN" sz="900" b="0" kern="1200" dirty="0" err="1">
+              <a:latin typeface="微软雅黑" panose="020B0503020204020204" pitchFamily="34" charset="-122"/>
+              <a:ea typeface="微软雅黑" panose="020B0503020204020204" pitchFamily="34" charset="-122"/>
+            </a:rPr>
+            <a:t>jti</a:t>
+          </a:r>
+          <a:r>
+            <a:rPr lang="en-US" altLang="zh-CN" sz="900" b="0" kern="1200" dirty="0">
+              <a:latin typeface="微软雅黑" panose="020B0503020204020204" pitchFamily="34" charset="-122"/>
+              <a:ea typeface="微软雅黑" panose="020B0503020204020204" pitchFamily="34" charset="-122"/>
+            </a:rPr>
+            <a:t> (</a:t>
+          </a:r>
+          <a:r>
+            <a:rPr lang="en-US" sz="900" b="0" kern="1200" dirty="0">
+              <a:latin typeface="微软雅黑" panose="020B0503020204020204" pitchFamily="34" charset="-122"/>
+              <a:ea typeface="微软雅黑" panose="020B0503020204020204" pitchFamily="34" charset="-122"/>
+            </a:rPr>
+            <a:t>Issued At</a:t>
+          </a:r>
+          <a:r>
+            <a:rPr lang="en-US" altLang="zh-CN" sz="900" b="0" kern="1200" dirty="0">
+              <a:latin typeface="微软雅黑" panose="020B0503020204020204" pitchFamily="34" charset="-122"/>
+              <a:ea typeface="微软雅黑" panose="020B0503020204020204" pitchFamily="34" charset="-122"/>
+            </a:rPr>
+            <a:t>)</a:t>
+          </a:r>
+          <a:endParaRPr lang="zh-CN" altLang="en-US" sz="900" b="0" kern="1200" dirty="0">
+            <a:latin typeface="微软雅黑" panose="020B0503020204020204" pitchFamily="34" charset="-122"/>
+            <a:ea typeface="微软雅黑" panose="020B0503020204020204" pitchFamily="34" charset="-122"/>
+          </a:endParaRPr>
+        </a:p>
+        <a:p>
+          <a:pPr marL="57150" lvl="1" indent="-57150" algn="l" defTabSz="400050">
+            <a:lnSpc>
+              <a:spcPct val="90000"/>
+            </a:lnSpc>
+            <a:spcBef>
+              <a:spcPct val="0"/>
+            </a:spcBef>
+            <a:spcAft>
+              <a:spcPct val="15000"/>
+            </a:spcAft>
+            <a:buChar char="•"/>
+          </a:pPr>
+          <a:r>
+            <a:rPr lang="en-US" altLang="zh-CN" sz="900" b="0" kern="1200" dirty="0">
+              <a:latin typeface="微软雅黑" panose="020B0503020204020204" pitchFamily="34" charset="-122"/>
+              <a:ea typeface="微软雅黑" panose="020B0503020204020204" pitchFamily="34" charset="-122"/>
+            </a:rPr>
+            <a:t>Public Claim</a:t>
+          </a:r>
+          <a:endParaRPr lang="zh-CN" altLang="en-US" sz="900" b="0" kern="1200" dirty="0">
+            <a:latin typeface="微软雅黑" panose="020B0503020204020204" pitchFamily="34" charset="-122"/>
+            <a:ea typeface="微软雅黑" panose="020B0503020204020204" pitchFamily="34" charset="-122"/>
+          </a:endParaRPr>
+        </a:p>
+        <a:p>
+          <a:pPr marL="57150" lvl="1" indent="-57150" algn="l" defTabSz="400050">
+            <a:lnSpc>
+              <a:spcPct val="90000"/>
+            </a:lnSpc>
+            <a:spcBef>
+              <a:spcPct val="0"/>
+            </a:spcBef>
+            <a:spcAft>
+              <a:spcPct val="15000"/>
+            </a:spcAft>
+            <a:buChar char="•"/>
+          </a:pPr>
+          <a:r>
+            <a:rPr lang="en-US" altLang="zh-CN" sz="900" b="0" kern="1200" dirty="0">
+              <a:latin typeface="微软雅黑" panose="020B0503020204020204" pitchFamily="34" charset="-122"/>
+              <a:ea typeface="微软雅黑" panose="020B0503020204020204" pitchFamily="34" charset="-122"/>
+            </a:rPr>
+            <a:t>Private Claim</a:t>
+          </a:r>
+          <a:endParaRPr lang="zh-CN" altLang="en-US" sz="900" b="0" kern="1200" dirty="0">
+            <a:latin typeface="微软雅黑" panose="020B0503020204020204" pitchFamily="34" charset="-122"/>
+            <a:ea typeface="微软雅黑" panose="020B0503020204020204" pitchFamily="34" charset="-122"/>
+          </a:endParaRPr>
+        </a:p>
+      </dsp:txBody>
+      <dsp:txXfrm>
+        <a:off x="3524508" y="340577"/>
+        <a:ext cx="3088895" cy="1977944"/>
+      </dsp:txXfrm>
+    </dsp:sp>
+    <dsp:sp modelId="{49FEF961-A4B0-485C-832A-7BA4D33B9D5B}">
+      <dsp:nvSpPr>
+        <dsp:cNvPr id="0" name=""/>
+        <dsp:cNvSpPr/>
+      </dsp:nvSpPr>
+      <dsp:spPr>
+        <a:xfrm>
+          <a:off x="7045849" y="81377"/>
+          <a:ext cx="3088895" cy="259200"/>
+        </a:xfrm>
+        <a:prstGeom prst="rect">
+          <a:avLst/>
+        </a:prstGeom>
+        <a:solidFill>
+          <a:schemeClr val="accent1">
+            <a:hueOff val="0"/>
+            <a:satOff val="0"/>
+            <a:lumOff val="0"/>
+            <a:alphaOff val="0"/>
+          </a:schemeClr>
+        </a:solidFill>
+        <a:ln w="12700" cap="flat" cmpd="sng" algn="ctr">
+          <a:solidFill>
+            <a:schemeClr val="accent1">
+              <a:hueOff val="0"/>
+              <a:satOff val="0"/>
+              <a:lumOff val="0"/>
+              <a:alphaOff val="0"/>
+            </a:schemeClr>
+          </a:solidFill>
+          <a:prstDash val="solid"/>
+          <a:miter lim="800000"/>
+        </a:ln>
+        <a:effectLst/>
+      </dsp:spPr>
+      <dsp:style>
+        <a:lnRef idx="2">
+          <a:scrgbClr r="0" g="0" b="0"/>
+        </a:lnRef>
+        <a:fillRef idx="1">
+          <a:scrgbClr r="0" g="0" b="0"/>
+        </a:fillRef>
+        <a:effectRef idx="0">
+          <a:scrgbClr r="0" g="0" b="0"/>
+        </a:effectRef>
+        <a:fontRef idx="minor">
+          <a:schemeClr val="lt1"/>
+        </a:fontRef>
+      </dsp:style>
+      <dsp:txBody>
+        <a:bodyPr spcFirstLastPara="0" vert="horz" wrap="square" lIns="64008" tIns="36576" rIns="64008" bIns="36576" numCol="1" spcCol="1270" anchor="ctr" anchorCtr="0">
+          <a:noAutofit/>
+        </a:bodyPr>
+        <a:lstStyle/>
+        <a:p>
+          <a:pPr marL="0" lvl="0" indent="0" algn="ctr" defTabSz="400050">
+            <a:lnSpc>
+              <a:spcPct val="90000"/>
+            </a:lnSpc>
+            <a:spcBef>
+              <a:spcPct val="0"/>
+            </a:spcBef>
+            <a:spcAft>
+              <a:spcPct val="35000"/>
+            </a:spcAft>
+            <a:buNone/>
+          </a:pPr>
+          <a:r>
+            <a:rPr lang="en-US" altLang="zh-CN" sz="900" kern="1200" dirty="0">
+              <a:latin typeface="微软雅黑" panose="020B0503020204020204" pitchFamily="34" charset="-122"/>
+              <a:ea typeface="微软雅黑" panose="020B0503020204020204" pitchFamily="34" charset="-122"/>
+            </a:rPr>
+            <a:t>signature</a:t>
+          </a:r>
+          <a:endParaRPr lang="zh-CN" altLang="en-US" sz="900" kern="1200" dirty="0">
+            <a:latin typeface="微软雅黑" panose="020B0503020204020204" pitchFamily="34" charset="-122"/>
+            <a:ea typeface="微软雅黑" panose="020B0503020204020204" pitchFamily="34" charset="-122"/>
+          </a:endParaRPr>
+        </a:p>
+      </dsp:txBody>
+      <dsp:txXfrm>
+        <a:off x="7045849" y="81377"/>
+        <a:ext cx="3088895" cy="259200"/>
+      </dsp:txXfrm>
+    </dsp:sp>
+    <dsp:sp modelId="{D2DE5571-57BA-453C-A406-FABAA8792ECA}">
+      <dsp:nvSpPr>
+        <dsp:cNvPr id="0" name=""/>
+        <dsp:cNvSpPr/>
+      </dsp:nvSpPr>
+      <dsp:spPr>
+        <a:xfrm>
+          <a:off x="7045849" y="340577"/>
+          <a:ext cx="3088895" cy="1977944"/>
+        </a:xfrm>
+        <a:prstGeom prst="rect">
+          <a:avLst/>
+        </a:prstGeom>
+        <a:solidFill>
+          <a:schemeClr val="accent1">
+            <a:alpha val="90000"/>
+            <a:tint val="40000"/>
+            <a:hueOff val="0"/>
+            <a:satOff val="0"/>
+            <a:lumOff val="0"/>
+            <a:alphaOff val="0"/>
+          </a:schemeClr>
+        </a:solidFill>
+        <a:ln w="12700" cap="flat" cmpd="sng" algn="ctr">
+          <a:solidFill>
+            <a:schemeClr val="accent1">
+              <a:alpha val="90000"/>
+              <a:tint val="40000"/>
+              <a:hueOff val="0"/>
+              <a:satOff val="0"/>
+              <a:lumOff val="0"/>
+              <a:alphaOff val="0"/>
+            </a:schemeClr>
+          </a:solidFill>
+          <a:prstDash val="solid"/>
+          <a:miter lim="800000"/>
+        </a:ln>
+        <a:effectLst/>
+      </dsp:spPr>
+      <dsp:style>
+        <a:lnRef idx="2">
+          <a:scrgbClr r="0" g="0" b="0"/>
+        </a:lnRef>
+        <a:fillRef idx="1">
+          <a:scrgbClr r="0" g="0" b="0"/>
+        </a:fillRef>
+        <a:effectRef idx="0">
+          <a:scrgbClr r="0" g="0" b="0"/>
+        </a:effectRef>
+        <a:fontRef idx="minor"/>
+      </dsp:style>
+      <dsp:txBody>
+        <a:bodyPr spcFirstLastPara="0" vert="horz" wrap="square" lIns="48006" tIns="48006" rIns="64008" bIns="72009" numCol="1" spcCol="1270" anchor="t" anchorCtr="0">
+          <a:noAutofit/>
+        </a:bodyPr>
+        <a:lstStyle/>
+        <a:p>
+          <a:pPr marL="57150" lvl="1" indent="-57150" algn="l" defTabSz="400050">
+            <a:lnSpc>
+              <a:spcPct val="90000"/>
+            </a:lnSpc>
+            <a:spcBef>
+              <a:spcPct val="0"/>
+            </a:spcBef>
+            <a:spcAft>
+              <a:spcPct val="15000"/>
+            </a:spcAft>
+            <a:buChar char="•"/>
+          </a:pPr>
+          <a:r>
+            <a:rPr lang="zh-CN" altLang="en-US" sz="900" kern="1200" dirty="0">
+              <a:latin typeface="微软雅黑" panose="020B0503020204020204" pitchFamily="34" charset="-122"/>
+              <a:ea typeface="微软雅黑" panose="020B0503020204020204" pitchFamily="34" charset="-122"/>
+            </a:rPr>
+            <a:t>签名</a:t>
+          </a:r>
+        </a:p>
+      </dsp:txBody>
+      <dsp:txXfrm>
+        <a:off x="7045849" y="340577"/>
+        <a:ext cx="3088895" cy="1977944"/>
+      </dsp:txXfrm>
+    </dsp:sp>
+  </dsp:spTree>
+</dsp:drawing>
+</file>
+
+<file path=ppt/diagrams/layout1.xml><?xml version="1.0" encoding="utf-8"?>
+<dgm:layoutDef xmlns:dgm="http://schemas.openxmlformats.org/drawingml/2006/diagram" xmlns:a="http://schemas.openxmlformats.org/drawingml/2006/main" uniqueId="urn:microsoft.com/office/officeart/2005/8/layout/hList1">
+  <dgm:title val=""/>
+  <dgm:desc val=""/>
+  <dgm:catLst>
+    <dgm:cat type="list" pri="5000"/>
+    <dgm:cat type="convert" pri="5000"/>
+  </dgm:catLst>
+  <dgm:sampData>
+    <dgm:dataModel>
+      <dgm:ptLst>
+        <dgm:pt modelId="0" type="doc"/>
+        <dgm:pt modelId="1">
+          <dgm:prSet phldr="1"/>
+        </dgm:pt>
+        <dgm:pt modelId="11">
+          <dgm:prSet phldr="1"/>
+        </dgm:pt>
+        <dgm:pt modelId="12">
+          <dgm:prSet phldr="1"/>
+        </dgm:pt>
+        <dgm:pt modelId="2">
+          <dgm:prSet phldr="1"/>
+        </dgm:pt>
+        <dgm:pt modelId="21">
+          <dgm:prSet phldr="1"/>
+        </dgm:pt>
+        <dgm:pt modelId="22">
+          <dgm:prSet phldr="1"/>
+        </dgm:pt>
+        <dgm:pt modelId="3">
+          <dgm:prSet phldr="1"/>
+        </dgm:pt>
+        <dgm:pt modelId="31">
+          <dgm:prSet phldr="1"/>
+        </dgm:pt>
+        <dgm:pt modelId="32">
+          <dgm:prSet phldr="1"/>
+        </dgm:pt>
+      </dgm:ptLst>
+      <dgm:cxnLst>
+        <dgm:cxn modelId="4" srcId="0" destId="1" srcOrd="0" destOrd="0"/>
+        <dgm:cxn modelId="5" srcId="0" destId="2" srcOrd="1" destOrd="0"/>
+        <dgm:cxn modelId="6" srcId="0" destId="3" srcOrd="2" destOrd="0"/>
+        <dgm:cxn modelId="13" srcId="1" destId="11" srcOrd="0" destOrd="0"/>
+        <dgm:cxn modelId="14" srcId="1" destId="12" srcOrd="1" destOrd="0"/>
+        <dgm:cxn modelId="23" srcId="2" destId="21" srcOrd="0" destOrd="0"/>
+        <dgm:cxn modelId="24" srcId="2" destId="22" srcOrd="1" destOrd="0"/>
+        <dgm:cxn modelId="33" srcId="3" destId="31" srcOrd="0" destOrd="0"/>
+        <dgm:cxn modelId="34" srcId="3" destId="32" srcOrd="1" destOrd="0"/>
+      </dgm:cxnLst>
+      <dgm:bg/>
+      <dgm:whole/>
+    </dgm:dataModel>
+  </dgm:sampData>
+  <dgm:styleData>
+    <dgm:dataModel>
+      <dgm:ptLst>
+        <dgm:pt modelId="0" type="doc"/>
+        <dgm:pt modelId="1">
+          <dgm:prSet phldr="1"/>
+        </dgm:pt>
+        <dgm:pt modelId="2">
+          <dgm:prSet phldr="1"/>
+        </dgm:pt>
+      </dgm:ptLst>
+      <dgm:cxnLst>
+        <dgm:cxn modelId="3" srcId="0" destId="1" srcOrd="0" destOrd="0"/>
+        <dgm:cxn modelId="4" srcId="0" destId="2" srcOrd="1" destOrd="0"/>
+      </dgm:cxnLst>
+      <dgm:bg/>
+      <dgm:whole/>
+    </dgm:dataModel>
+  </dgm:styleData>
+  <dgm:clrData>
+    <dgm:dataModel>
+      <dgm:ptLst>
+        <dgm:pt modelId="0" type="doc"/>
+        <dgm:pt modelId="1">
+          <dgm:prSet phldr="1"/>
+        </dgm:pt>
+        <dgm:pt modelId="2">
+          <dgm:prSet phldr="1"/>
+        </dgm:pt>
+        <dgm:pt modelId="3">
+          <dgm:prSet phldr="1"/>
+        </dgm:pt>
+        <dgm:pt modelId="4">
+          <dgm:prSet phldr="1"/>
+        </dgm:pt>
+      </dgm:ptLst>
+      <dgm:cxnLst>
+        <dgm:cxn modelId="5" srcId="0" destId="1" srcOrd="0" destOrd="0"/>
+        <dgm:cxn modelId="6" srcId="0" destId="2" srcOrd="1" destOrd="0"/>
+        <dgm:cxn modelId="7" srcId="0" destId="3" srcOrd="2" destOrd="0"/>
+        <dgm:cxn modelId="8" srcId="0" destId="4" srcOrd="3" destOrd="0"/>
+      </dgm:cxnLst>
+      <dgm:bg/>
+      <dgm:whole/>
+    </dgm:dataModel>
+  </dgm:clrData>
+  <dgm:layoutNode name="Name0">
+    <dgm:varLst>
+      <dgm:dir/>
+      <dgm:animLvl val="lvl"/>
+      <dgm:resizeHandles val="exact"/>
+    </dgm:varLst>
+    <dgm:choose name="Name1">
+      <dgm:if name="Name2" func="var" arg="dir" op="equ" val="norm">
+        <dgm:alg type="lin"/>
+      </dgm:if>
+      <dgm:else name="Name3">
+        <dgm:alg type="lin">
+          <dgm:param type="linDir" val="fromR"/>
+        </dgm:alg>
+      </dgm:else>
+    </dgm:choose>
+    <dgm:shape xmlns:r="http://schemas.openxmlformats.org/officeDocument/2006/relationships" r:blip="">
+      <dgm:adjLst/>
+    </dgm:shape>
+    <dgm:presOf/>
+    <dgm:constrLst>
+      <dgm:constr type="h" for="ch" forName="composite" refType="h"/>
+      <dgm:constr type="w" for="ch" forName="composite" refType="w"/>
+      <dgm:constr type="w" for="des" forName="parTx"/>
+      <dgm:constr type="h" for="des" forName="parTx" op="equ"/>
+      <dgm:constr type="w" for="des" forName="desTx"/>
+      <dgm:constr type="h" for="des" forName="desTx" op="equ"/>
+      <dgm:constr type="primFontSz" for="des" forName="parTx" val="65"/>
+      <dgm:constr type="secFontSz" for="des" forName="desTx" refType="primFontSz" refFor="des" refForName="parTx" op="equ"/>
+      <dgm:constr type="h" for="des" forName="parTx" refType="primFontSz" refFor="des" refForName="parTx" fact="0.8"/>
+      <dgm:constr type="h" for="des" forName="desTx" refType="primFontSz" refFor="des" refForName="parTx" fact="1.22"/>
+      <dgm:constr type="w" for="ch" forName="space" refType="w" refFor="ch" refForName="composite" op="equ" fact="0.14"/>
+    </dgm:constrLst>
+    <dgm:ruleLst>
+      <dgm:rule type="w" for="ch" forName="composite" val="0" fact="NaN" max="NaN"/>
+      <dgm:rule type="primFontSz" for="des" forName="parTx" val="5" fact="NaN" max="NaN"/>
+    </dgm:ruleLst>
+    <dgm:forEach name="Name4" axis="ch" ptType="node">
+      <dgm:layoutNode name="composite">
+        <dgm:alg type="composite"/>
+        <dgm:shape xmlns:r="http://schemas.openxmlformats.org/officeDocument/2006/relationships" r:blip="">
+          <dgm:adjLst/>
+        </dgm:shape>
+        <dgm:presOf/>
+        <dgm:constrLst>
+          <dgm:constr type="l" for="ch" forName="parTx"/>
+          <dgm:constr type="w" for="ch" forName="parTx" refType="w"/>
+          <dgm:constr type="t" for="ch" forName="parTx"/>
+          <dgm:constr type="l" for="ch" forName="desTx"/>
+          <dgm:constr type="w" for="ch" forName="desTx" refType="w" refFor="ch" refForName="parTx"/>
+          <dgm:constr type="t" for="ch" forName="desTx" refType="h" refFor="ch" refForName="parTx"/>
+        </dgm:constrLst>
+        <dgm:ruleLst>
+          <dgm:rule type="h" val="INF" fact="NaN" max="NaN"/>
+        </dgm:ruleLst>
+        <dgm:layoutNode name="parTx" styleLbl="alignNode1">
+          <dgm:varLst>
+            <dgm:chMax val="0"/>
+            <dgm:chPref val="0"/>
+            <dgm:bulletEnabled val="1"/>
+          </dgm:varLst>
+          <dgm:alg type="tx"/>
+          <dgm:shape xmlns:r="http://schemas.openxmlformats.org/officeDocument/2006/relationships" type="rect" r:blip="">
+            <dgm:adjLst/>
+          </dgm:shape>
+          <dgm:presOf axis="self" ptType="node"/>
+          <dgm:constrLst>
+            <dgm:constr type="h" refType="w" op="lte" fact="0.4"/>
+            <dgm:constr type="h"/>
+            <dgm:constr type="tMarg" refType="primFontSz" fact="0.32"/>
+            <dgm:constr type="bMarg" refType="primFontSz" fact="0.32"/>
+          </dgm:constrLst>
+          <dgm:ruleLst>
+            <dgm:rule type="h" val="INF" fact="NaN" max="NaN"/>
+          </dgm:ruleLst>
+        </dgm:layoutNode>
+        <dgm:layoutNode name="desTx" styleLbl="alignAccFollowNode1">
+          <dgm:varLst>
+            <dgm:bulletEnabled val="1"/>
+          </dgm:varLst>
+          <dgm:alg type="tx">
+            <dgm:param type="stBulletLvl" val="1"/>
+          </dgm:alg>
+          <dgm:shape xmlns:r="http://schemas.openxmlformats.org/officeDocument/2006/relationships" type="rect" r:blip="">
+            <dgm:adjLst/>
+          </dgm:shape>
+          <dgm:presOf axis="des" ptType="node"/>
+          <dgm:constrLst>
+            <dgm:constr type="secFontSz" val="65"/>
+            <dgm:constr type="primFontSz" refType="secFontSz"/>
+            <dgm:constr type="h"/>
+            <dgm:constr type="lMarg" refType="primFontSz" fact="0.42"/>
+            <dgm:constr type="tMarg" refType="primFontSz" fact="0.42"/>
+            <dgm:constr type="bMarg" refType="primFontSz" fact="0.63"/>
+          </dgm:constrLst>
+          <dgm:ruleLst>
+            <dgm:rule type="h" val="INF" fact="NaN" max="NaN"/>
+          </dgm:ruleLst>
+        </dgm:layoutNode>
+      </dgm:layoutNode>
+      <dgm:forEach name="Name5" axis="followSib" ptType="sibTrans" cnt="1">
+        <dgm:layoutNode name="space">
+          <dgm:alg type="sp"/>
+          <dgm:shape xmlns:r="http://schemas.openxmlformats.org/officeDocument/2006/relationships" r:blip="">
+            <dgm:adjLst/>
+          </dgm:shape>
+          <dgm:presOf/>
+          <dgm:constrLst/>
+          <dgm:ruleLst/>
+        </dgm:layoutNode>
+      </dgm:forEach>
+    </dgm:forEach>
+  </dgm:layoutNode>
+</dgm:layoutDef>
+</file>
+
+<file path=ppt/diagrams/quickStyle1.xml><?xml version="1.0" encoding="utf-8"?>
+<dgm:styleDef xmlns:dgm="http://schemas.openxmlformats.org/drawingml/2006/diagram" xmlns:a="http://schemas.openxmlformats.org/drawingml/2006/main" uniqueId="urn:microsoft.com/office/officeart/2005/8/quickstyle/simple1">
+  <dgm:title val=""/>
+  <dgm:desc val=""/>
+  <dgm:catLst>
+    <dgm:cat type="simple" pri="10100"/>
+  </dgm:catLst>
+  <dgm:scene3d>
+    <a:camera prst="orthographicFront"/>
+    <a:lightRig rig="threePt" dir="t"/>
+  </dgm:scene3d>
+  <dgm:styleLbl name="node0">
+    <dgm:scene3d>
+      <a:camera prst="orthographicFront"/>
+      <a:lightRig rig="threePt" dir="t"/>
+    </dgm:scene3d>
+    <dgm:sp3d/>
+    <dgm:txPr/>
+    <dgm:style>
+      <a:lnRef idx="2">
+        <a:scrgbClr r="0" g="0" b="0"/>
+      </a:lnRef>
+      <a:fillRef idx="1">
+        <a:scrgbClr r="0" g="0" b="0"/>
+      </a:fillRef>
+      <a:effectRef idx="0">
+        <a:scrgbClr r="0" g="0" b="0"/>
+      </a:effectRef>
+      <a:fontRef idx="minor">
+        <a:schemeClr val="lt1"/>
+      </a:fontRef>
+    </dgm:style>
+  </dgm:styleLbl>
+  <dgm:styleLbl name="lnNode1">
+    <dgm:scene3d>
+      <a:camera prst="orthographicFront"/>
+      <a:lightRig rig="threePt" dir="t"/>
+    </dgm:scene3d>
+    <dgm:sp3d/>
+    <dgm:txPr/>
+    <dgm:style>
+      <a:lnRef idx="2">
+        <a:scrgbClr r="0" g="0" b="0"/>
+      </a:lnRef>
+      <a:fillRef idx="1">
+        <a:scrgbClr r="0" g="0" b="0"/>
+      </a:fillRef>
+      <a:effectRef idx="0">
+        <a:scrgbClr r="0" g="0" b="0"/>
+      </a:effectRef>
+      <a:fontRef idx="minor">
+        <a:schemeClr val="lt1"/>
+      </a:fontRef>
+    </dgm:style>
+  </dgm:styleLbl>
+  <dgm:styleLbl name="vennNode1">
+    <dgm:scene3d>
+      <a:camera prst="orthographicFront"/>
+      <a:lightRig rig="threePt" dir="t"/>
+    </dgm:scene3d>
+    <dgm:sp3d/>
+    <dgm:txPr/>
+    <dgm:style>
+      <a:lnRef idx="2">
+        <a:scrgbClr r="0" g="0" b="0"/>
+      </a:lnRef>
+      <a:fillRef idx="1">
+        <a:scrgbClr r="0" g="0" b="0"/>
+      </a:fillRef>
+      <a:effectRef idx="0">
+        <a:scrgbClr r="0" g="0" b="0"/>
+      </a:effectRef>
+      <a:fontRef idx="minor">
+        <a:schemeClr val="tx1"/>
+      </a:fontRef>
+    </dgm:style>
+  </dgm:styleLbl>
+  <dgm:styleLbl name="alignNode1">
+    <dgm:scene3d>
+      <a:camera prst="orthographicFront"/>
+      <a:lightRig rig="threePt" dir="t"/>
+    </dgm:scene3d>
+    <dgm:sp3d/>
+    <dgm:txPr/>
+    <dgm:style>
+      <a:lnRef idx="2">
+        <a:scrgbClr r="0" g="0" b="0"/>
+      </a:lnRef>
+      <a:fillRef idx="1">
+        <a:scrgbClr r="0" g="0" b="0"/>
+      </a:fillRef>
+      <a:effectRef idx="0">
+        <a:scrgbClr r="0" g="0" b="0"/>
+      </a:effectRef>
+      <a:fontRef idx="minor">
+        <a:schemeClr val="lt1"/>
+      </a:fontRef>
+    </dgm:style>
+  </dgm:styleLbl>
+  <dgm:styleLbl name="node1">
+    <dgm:scene3d>
+      <a:camera prst="orthographicFront"/>
+      <a:lightRig rig="threePt" dir="t"/>
+    </dgm:scene3d>
+    <dgm:sp3d/>
+    <dgm:txPr/>
+    <dgm:style>
+      <a:lnRef idx="2">
+        <a:scrgbClr r="0" g="0" b="0"/>
+      </a:lnRef>
+      <a:fillRef idx="1">
+        <a:scrgbClr r="0" g="0" b="0"/>
+      </a:fillRef>
+      <a:effectRef idx="0">
+        <a:scrgbClr r="0" g="0" b="0"/>
+      </a:effectRef>
+      <a:fontRef idx="minor">
+        <a:schemeClr val="lt1"/>
+      </a:fontRef>
+    </dgm:style>
+  </dgm:styleLbl>
+  <dgm:styleLbl name="node2">
+    <dgm:scene3d>
+      <a:camera prst="orthographicFront"/>
+      <a:lightRig rig="threePt" dir="t"/>
+    </dgm:scene3d>
+    <dgm:sp3d/>
+    <dgm:txPr/>
+    <dgm:style>
+      <a:lnRef idx="2">
+        <a:scrgbClr r="0" g="0" b="0"/>
+      </a:lnRef>
+      <a:fillRef idx="1">
+        <a:scrgbClr r="0" g="0" b="0"/>
+      </a:fillRef>
+      <a:effectRef idx="0">
+        <a:scrgbClr r="0" g="0" b="0"/>
+      </a:effectRef>
+      <a:fontRef idx="minor">
+        <a:schemeClr val="lt1"/>
+      </a:fontRef>
+    </dgm:style>
+  </dgm:styleLbl>
+  <dgm:styleLbl name="node3">
+    <dgm:scene3d>
+      <a:camera prst="orthographicFront"/>
+      <a:lightRig rig="threePt" dir="t"/>
+    </dgm:scene3d>
+    <dgm:sp3d/>
+    <dgm:txPr/>
+    <dgm:style>
+      <a:lnRef idx="2">
+        <a:scrgbClr r="0" g="0" b="0"/>
+      </a:lnRef>
+      <a:fillRef idx="1">
+        <a:scrgbClr r="0" g="0" b="0"/>
+      </a:fillRef>
+      <a:effectRef idx="0">
+        <a:scrgbClr r="0" g="0" b="0"/>
+      </a:effectRef>
+      <a:fontRef idx="minor">
+        <a:schemeClr val="lt1"/>
+      </a:fontRef>
+    </dgm:style>
+  </dgm:styleLbl>
+  <dgm:styleLbl name="node4">
+    <dgm:scene3d>
+      <a:camera prst="orthographicFront"/>
+      <a:lightRig rig="threePt" dir="t"/>
+    </dgm:scene3d>
+    <dgm:sp3d/>
+    <dgm:txPr/>
+    <dgm:style>
+      <a:lnRef idx="2">
+        <a:scrgbClr r="0" g="0" b="0"/>
+      </a:lnRef>
+      <a:fillRef idx="1">
+        <a:scrgbClr r="0" g="0" b="0"/>
+      </a:fillRef>
+      <a:effectRef idx="0">
+        <a:scrgbClr r="0" g="0" b="0"/>
+      </a:effectRef>
+      <a:fontRef idx="minor">
+        <a:schemeClr val="lt1"/>
+      </a:fontRef>
+    </dgm:style>
+  </dgm:styleLbl>
+  <dgm:styleLbl name="fgImgPlace1">
+    <dgm:scene3d>
+      <a:camera prst="orthographicFront"/>
+      <a:lightRig rig="threePt" dir="t"/>
+    </dgm:scene3d>
+    <dgm:sp3d/>
+    <dgm:txPr/>
+    <dgm:style>
+      <a:lnRef idx="2">
+        <a:scrgbClr r="0" g="0" b="0"/>
+      </a:lnRef>
+      <a:fillRef idx="1">
+        <a:scrgbClr r="0" g="0" b="0"/>
+      </a:fillRef>
+      <a:effectRef idx="0">
+        <a:scrgbClr r="0" g="0" b="0"/>
+      </a:effectRef>
+      <a:fontRef idx="minor"/>
+    </dgm:style>
+  </dgm:styleLbl>
+  <dgm:styleLbl name="alignImgPlace1">
+    <dgm:scene3d>
+      <a:camera prst="orthographicFront"/>
+      <a:lightRig rig="threePt" dir="t"/>
+    </dgm:scene3d>
+    <dgm:sp3d/>
+    <dgm:txPr/>
+    <dgm:style>
+      <a:lnRef idx="2">
+        <a:scrgbClr r="0" g="0" b="0"/>
+      </a:lnRef>
+      <a:fillRef idx="1">
+        <a:scrgbClr r="0" g="0" b="0"/>
+      </a:fillRef>
+      <a:effectRef idx="0">
+        <a:scrgbClr r="0" g="0" b="0"/>
+      </a:effectRef>
+      <a:fontRef idx="minor"/>
+    </dgm:style>
+  </dgm:styleLbl>
+  <dgm:styleLbl name="bgImgPlace1">
+    <dgm:scene3d>
+      <a:camera prst="orthographicFront"/>
+      <a:lightRig rig="threePt" dir="t"/>
+    </dgm:scene3d>
+    <dgm:sp3d/>
+    <dgm:txPr/>
+    <dgm:style>
+      <a:lnRef idx="2">
+        <a:scrgbClr r="0" g="0" b="0"/>
+      </a:lnRef>
+      <a:fillRef idx="1">
+        <a:scrgbClr r="0" g="0" b="0"/>
+      </a:fillRef>
+      <a:effectRef idx="0">
+        <a:scrgbClr r="0" g="0" b="0"/>
+      </a:effectRef>
+      <a:fontRef idx="minor"/>
+    </dgm:style>
+  </dgm:styleLbl>
+  <dgm:styleLbl name="sibTrans2D1">
+    <dgm:scene3d>
+      <a:camera prst="orthographicFront"/>
+      <a:lightRig rig="threePt" dir="t"/>
+    </dgm:scene3d>
+    <dgm:sp3d/>
+    <dgm:txPr/>
+    <dgm:style>
+      <a:lnRef idx="0">
+        <a:scrgbClr r="0" g="0" b="0"/>
+      </a:lnRef>
+      <a:fillRef idx="1">
+        <a:scrgbClr r="0" g="0" b="0"/>
+      </a:fillRef>
+      <a:effectRef idx="0">
+        <a:scrgbClr r="0" g="0" b="0"/>
+      </a:effectRef>
+      <a:fontRef idx="minor">
+        <a:schemeClr val="lt1"/>
+      </a:fontRef>
+    </dgm:style>
+  </dgm:styleLbl>
+  <dgm:styleLbl name="fgSibTrans2D1">
+    <dgm:scene3d>
+      <a:camera prst="orthographicFront"/>
+      <a:lightRig rig="threePt" dir="t"/>
+    </dgm:scene3d>
+    <dgm:sp3d/>
+    <dgm:txPr/>
+    <dgm:style>
+      <a:lnRef idx="0">
+        <a:scrgbClr r="0" g="0" b="0"/>
+      </a:lnRef>
+      <a:fillRef idx="1">
+        <a:scrgbClr r="0" g="0" b="0"/>
+      </a:fillRef>
+      <a:effectRef idx="0">
+        <a:scrgbClr r="0" g="0" b="0"/>
+      </a:effectRef>
+      <a:fontRef idx="minor">
+        <a:schemeClr val="lt1"/>
+      </a:fontRef>
+    </dgm:style>
+  </dgm:styleLbl>
+  <dgm:styleLbl name="bgSibTrans2D1">
+    <dgm:scene3d>
+      <a:camera prst="orthographicFront"/>
+      <a:lightRig rig="threePt" dir="t"/>
+    </dgm:scene3d>
+    <dgm:sp3d/>
+    <dgm:txPr/>
+    <dgm:style>
+      <a:lnRef idx="0">
+        <a:scrgbClr r="0" g="0" b="0"/>
+      </a:lnRef>
+      <a:fillRef idx="1">
+        <a:scrgbClr r="0" g="0" b="0"/>
+      </a:fillRef>
+      <a:effectRef idx="0">
+        <a:scrgbClr r="0" g="0" b="0"/>
+      </a:effectRef>
+      <a:fontRef idx="minor">
+        <a:schemeClr val="lt1"/>
+      </a:fontRef>
+    </dgm:style>
+  </dgm:styleLbl>
+  <dgm:styleLbl name="sibTrans1D1">
+    <dgm:scene3d>
+      <a:camera prst="orthographicFront"/>
+      <a:lightRig rig="threePt" dir="t"/>
+    </dgm:scene3d>
+    <dgm:sp3d/>
+    <dgm:txPr/>
+    <dgm:style>
+      <a:lnRef idx="1">
+        <a:scrgbClr r="0" g="0" b="0"/>
+      </a:lnRef>
+      <a:fillRef idx="0">
+        <a:scrgbClr r="0" g="0" b="0"/>
+      </a:fillRef>
+      <a:effectRef idx="0">
+        <a:scrgbClr r="0" g="0" b="0"/>
+      </a:effectRef>
+      <a:fontRef idx="minor"/>
+    </dgm:style>
+  </dgm:styleLbl>
+  <dgm:styleLbl name="callout">
+    <dgm:scene3d>
+      <a:camera prst="orthographicFront"/>
+      <a:lightRig rig="threePt" dir="t"/>
+    </dgm:scene3d>
+    <dgm:sp3d/>
+    <dgm:txPr/>
+    <dgm:style>
+      <a:lnRef idx="2">
+        <a:scrgbClr r="0" g="0" b="0"/>
+      </a:lnRef>
+      <a:fillRef idx="1">
+        <a:scrgbClr r="0" g="0" b="0"/>
+      </a:fillRef>
+      <a:effectRef idx="0">
+        <a:scrgbClr r="0" g="0" b="0"/>
+      </a:effectRef>
+      <a:fontRef idx="minor"/>
+    </dgm:style>
+  </dgm:styleLbl>
+  <dgm:styleLbl name="asst0">
+    <dgm:scene3d>
+      <a:camera prst="orthographicFront"/>
+      <a:lightRig rig="threePt" dir="t"/>
+    </dgm:scene3d>
+    <dgm:sp3d/>
+    <dgm:txPr/>
+    <dgm:style>
+      <a:lnRef idx="2">
+        <a:scrgbClr r="0" g="0" b="0"/>
+      </a:lnRef>
+      <a:fillRef idx="1">
+        <a:scrgbClr r="0" g="0" b="0"/>
+      </a:fillRef>
+      <a:effectRef idx="0">
+        <a:scrgbClr r="0" g="0" b="0"/>
+      </a:effectRef>
+      <a:fontRef idx="minor">
+        <a:schemeClr val="lt1"/>
+      </a:fontRef>
+    </dgm:style>
+  </dgm:styleLbl>
+  <dgm:styleLbl name="asst1">
+    <dgm:scene3d>
+      <a:camera prst="orthographicFront"/>
+      <a:lightRig rig="threePt" dir="t"/>
+    </dgm:scene3d>
+    <dgm:sp3d/>
+    <dgm:txPr/>
+    <dgm:style>
+      <a:lnRef idx="2">
+        <a:scrgbClr r="0" g="0" b="0"/>
+      </a:lnRef>
+      <a:fillRef idx="1">
+        <a:scrgbClr r="0" g="0" b="0"/>
+      </a:fillRef>
+      <a:effectRef idx="0">
+        <a:scrgbClr r="0" g="0" b="0"/>
+      </a:effectRef>
+      <a:fontRef idx="minor">
+        <a:schemeClr val="lt1"/>
+      </a:fontRef>
+    </dgm:style>
+  </dgm:styleLbl>
+  <dgm:styleLbl name="asst2">
+    <dgm:scene3d>
+      <a:camera prst="orthographicFront"/>
+      <a:lightRig rig="threePt" dir="t"/>
+    </dgm:scene3d>
+    <dgm:sp3d/>
+    <dgm:txPr/>
+    <dgm:style>
+      <a:lnRef idx="2">
+        <a:scrgbClr r="0" g="0" b="0"/>
+      </a:lnRef>
+      <a:fillRef idx="1">
+        <a:scrgbClr r="0" g="0" b="0"/>
+      </a:fillRef>
+      <a:effectRef idx="0">
+        <a:scrgbClr r="0" g="0" b="0"/>
+      </a:effectRef>
+      <a:fontRef idx="minor">
+        <a:schemeClr val="lt1"/>
+      </a:fontRef>
+    </dgm:style>
+  </dgm:styleLbl>
+  <dgm:styleLbl name="asst3">
+    <dgm:scene3d>
+      <a:camera prst="orthographicFront"/>
+      <a:lightRig rig="threePt" dir="t"/>
+    </dgm:scene3d>
+    <dgm:sp3d/>
+    <dgm:txPr/>
+    <dgm:style>
+      <a:lnRef idx="2">
+        <a:scrgbClr r="0" g="0" b="0"/>
+      </a:lnRef>
+      <a:fillRef idx="1">
+        <a:scrgbClr r="0" g="0" b="0"/>
+      </a:fillRef>
+      <a:effectRef idx="0">
+        <a:scrgbClr r="0" g="0" b="0"/>
+      </a:effectRef>
+      <a:fontRef idx="minor">
+        <a:schemeClr val="lt1"/>
+      </a:fontRef>
+    </dgm:style>
+  </dgm:styleLbl>
+  <dgm:styleLbl name="asst4">
+    <dgm:scene3d>
+      <a:camera prst="orthographicFront"/>
+      <a:lightRig rig="threePt" dir="t"/>
+    </dgm:scene3d>
+    <dgm:sp3d/>
+    <dgm:txPr/>
+    <dgm:style>
+      <a:lnRef idx="2">
+        <a:scrgbClr r="0" g="0" b="0"/>
+      </a:lnRef>
+      <a:fillRef idx="1">
+        <a:scrgbClr r="0" g="0" b="0"/>
+      </a:fillRef>
+      <a:effectRef idx="0">
+        <a:scrgbClr r="0" g="0" b="0"/>
+      </a:effectRef>
+      <a:fontRef idx="minor">
+        <a:schemeClr val="lt1"/>
+      </a:fontRef>
+    </dgm:style>
+  </dgm:styleLbl>
+  <dgm:styleLbl name="parChTrans2D1">
+    <dgm:scene3d>
+      <a:camera prst="orthographicFront"/>
+      <a:lightRig rig="threePt" dir="t"/>
+    </dgm:scene3d>
+    <dgm:sp3d/>
+    <dgm:txPr/>
+    <dgm:style>
+      <a:lnRef idx="2">
+        <a:scrgbClr r="0" g="0" b="0"/>
+      </a:lnRef>
+      <a:fillRef idx="1">
+        <a:scrgbClr r="0" g="0" b="0"/>
+      </a:fillRef>
+      <a:effectRef idx="0">
+        <a:scrgbClr r="0" g="0" b="0"/>
+      </a:effectRef>
+      <a:fontRef idx="minor">
+        <a:schemeClr val="lt1"/>
+      </a:fontRef>
+    </dgm:style>
+  </dgm:styleLbl>
+  <dgm:styleLbl name="parChTrans2D2">
+    <dgm:scene3d>
+      <a:camera prst="orthographicFront"/>
+      <a:lightRig rig="threePt" dir="t"/>
+    </dgm:scene3d>
+    <dgm:sp3d/>
+    <dgm:txPr/>
+    <dgm:style>
+      <a:lnRef idx="2">
+        <a:scrgbClr r="0" g="0" b="0"/>
+      </a:lnRef>
+      <a:fillRef idx="1">
+        <a:scrgbClr r="0" g="0" b="0"/>
+      </a:fillRef>
+      <a:effectRef idx="0">
+        <a:scrgbClr r="0" g="0" b="0"/>
+      </a:effectRef>
+      <a:fontRef idx="minor">
+        <a:schemeClr val="lt1"/>
+      </a:fontRef>
+    </dgm:style>
+  </dgm:styleLbl>
+  <dgm:styleLbl name="parChTrans2D3">
+    <dgm:scene3d>
+      <a:camera prst="orthographicFront"/>
+      <a:lightRig rig="threePt" dir="t"/>
+    </dgm:scene3d>
+    <dgm:sp3d/>
+    <dgm:txPr/>
+    <dgm:style>
+      <a:lnRef idx="2">
+        <a:scrgbClr r="0" g="0" b="0"/>
+      </a:lnRef>
+      <a:fillRef idx="1">
+        <a:scrgbClr r="0" g="0" b="0"/>
+      </a:fillRef>
+      <a:effectRef idx="0">
+        <a:scrgbClr r="0" g="0" b="0"/>
+      </a:effectRef>
+      <a:fontRef idx="minor">
+        <a:schemeClr val="lt1"/>
+      </a:fontRef>
+    </dgm:style>
+  </dgm:styleLbl>
+  <dgm:styleLbl name="parChTrans2D4">
+    <dgm:scene3d>
+      <a:camera prst="orthographicFront"/>
+      <a:lightRig rig="threePt" dir="t"/>
+    </dgm:scene3d>
+    <dgm:sp3d/>
+    <dgm:txPr/>
+    <dgm:style>
+      <a:lnRef idx="2">
+        <a:scrgbClr r="0" g="0" b="0"/>
+      </a:lnRef>
+      <a:fillRef idx="1">
+        <a:scrgbClr r="0" g="0" b="0"/>
+      </a:fillRef>
+      <a:effectRef idx="0">
+        <a:scrgbClr r="0" g="0" b="0"/>
+      </a:effectRef>
+      <a:fontRef idx="minor">
+        <a:schemeClr val="lt1"/>
+      </a:fontRef>
+    </dgm:style>
+  </dgm:styleLbl>
+  <dgm:styleLbl name="parChTrans1D1">
+    <dgm:scene3d>
+      <a:camera prst="orthographicFront"/>
+      <a:lightRig rig="threePt" dir="t"/>
+    </dgm:scene3d>
+    <dgm:sp3d/>
+    <dgm:txPr/>
+    <dgm:style>
+      <a:lnRef idx="2">
+        <a:scrgbClr r="0" g="0" b="0"/>
+      </a:lnRef>
+      <a:fillRef idx="0">
+        <a:scrgbClr r="0" g="0" b="0"/>
+      </a:fillRef>
+      <a:effectRef idx="0">
+        <a:scrgbClr r="0" g="0" b="0"/>
+      </a:effectRef>
+      <a:fontRef idx="minor"/>
+    </dgm:style>
+  </dgm:styleLbl>
+  <dgm:styleLbl name="parChTrans1D2">
+    <dgm:scene3d>
+      <a:camera prst="orthographicFront"/>
+      <a:lightRig rig="threePt" dir="t"/>
+    </dgm:scene3d>
+    <dgm:sp3d/>
+    <dgm:txPr/>
+    <dgm:style>
+      <a:lnRef idx="2">
+        <a:scrgbClr r="0" g="0" b="0"/>
+      </a:lnRef>
+      <a:fillRef idx="0">
+        <a:scrgbClr r="0" g="0" b="0"/>
+      </a:fillRef>
+      <a:effectRef idx="0">
+        <a:scrgbClr r="0" g="0" b="0"/>
+      </a:effectRef>
+      <a:fontRef idx="minor"/>
+    </dgm:style>
+  </dgm:styleLbl>
+  <dgm:styleLbl name="parChTrans1D3">
+    <dgm:scene3d>
+      <a:camera prst="orthographicFront"/>
+      <a:lightRig rig="threePt" dir="t"/>
+    </dgm:scene3d>
+    <dgm:sp3d/>
+    <dgm:txPr/>
+    <dgm:style>
+      <a:lnRef idx="2">
+        <a:scrgbClr r="0" g="0" b="0"/>
+      </a:lnRef>
+      <a:fillRef idx="0">
+        <a:scrgbClr r="0" g="0" b="0"/>
+      </a:fillRef>
+      <a:effectRef idx="0">
+        <a:scrgbClr r="0" g="0" b="0"/>
+      </a:effectRef>
+      <a:fontRef idx="minor"/>
+    </dgm:style>
+  </dgm:styleLbl>
+  <dgm:styleLbl name="parChTrans1D4">
+    <dgm:scene3d>
+      <a:camera prst="orthographicFront"/>
+      <a:lightRig rig="threePt" dir="t"/>
+    </dgm:scene3d>
+    <dgm:sp3d/>
+    <dgm:txPr/>
+    <dgm:style>
+      <a:lnRef idx="2">
+        <a:scrgbClr r="0" g="0" b="0"/>
+      </a:lnRef>
+      <a:fillRef idx="0">
+        <a:scrgbClr r="0" g="0" b="0"/>
+      </a:fillRef>
+      <a:effectRef idx="0">
+        <a:scrgbClr r="0" g="0" b="0"/>
+      </a:effectRef>
+      <a:fontRef idx="minor"/>
+    </dgm:style>
+  </dgm:styleLbl>
+  <dgm:styleLbl name="fgAcc1">
+    <dgm:scene3d>
+      <a:camera prst="orthographicFront"/>
+      <a:lightRig rig="threePt" dir="t"/>
+    </dgm:scene3d>
+    <dgm:sp3d/>
+    <dgm:txPr/>
+    <dgm:style>
+      <a:lnRef idx="2">
+        <a:scrgbClr r="0" g="0" b="0"/>
+      </a:lnRef>
+      <a:fillRef idx="1">
+        <a:scrgbClr r="0" g="0" b="0"/>
+      </a:fillRef>
+      <a:effectRef idx="0">
+        <a:scrgbClr r="0" g="0" b="0"/>
+      </a:effectRef>
+      <a:fontRef idx="minor"/>
+    </dgm:style>
+  </dgm:styleLbl>
+  <dgm:styleLbl name="conFgAcc1">
+    <dgm:scene3d>
+      <a:camera prst="orthographicFront"/>
+      <a:lightRig rig="threePt" dir="t"/>
+    </dgm:scene3d>
+    <dgm:sp3d/>
+    <dgm:txPr/>
+    <dgm:style>
+      <a:lnRef idx="2">
+        <a:scrgbClr r="0" g="0" b="0"/>
+      </a:lnRef>
+      <a:fillRef idx="1">
+        <a:scrgbClr r="0" g="0" b="0"/>
+      </a:fillRef>
+      <a:effectRef idx="0">
+        <a:scrgbClr r="0" g="0" b="0"/>
+      </a:effectRef>
+      <a:fontRef idx="minor"/>
+    </dgm:style>
+  </dgm:styleLbl>
+  <dgm:styleLbl name="alignAcc1">
+    <dgm:scene3d>
+      <a:camera prst="orthographicFront"/>
+      <a:lightRig rig="threePt" dir="t"/>
+    </dgm:scene3d>
+    <dgm:sp3d/>
+    <dgm:txPr/>
+    <dgm:style>
+      <a:lnRef idx="2">
+        <a:scrgbClr r="0" g="0" b="0"/>
+      </a:lnRef>
+      <a:fillRef idx="1">
+        <a:scrgbClr r="0" g="0" b="0"/>
+      </a:fillRef>
+      <a:effectRef idx="0">
+        <a:scrgbClr r="0" g="0" b="0"/>
+      </a:effectRef>
+      <a:fontRef idx="minor"/>
+    </dgm:style>
+  </dgm:styleLbl>
+  <dgm:styleLbl name="trAlignAcc1">
+    <dgm:scene3d>
+      <a:camera prst="orthographicFront"/>
+      <a:lightRig rig="threePt" dir="t"/>
+    </dgm:scene3d>
+    <dgm:sp3d/>
+    <dgm:txPr/>
+    <dgm:style>
+      <a:lnRef idx="1">
+        <a:scrgbClr r="0" g="0" b="0"/>
+      </a:lnRef>
+      <a:fillRef idx="1">
+        <a:scrgbClr r="0" g="0" b="0"/>
+      </a:fillRef>
+      <a:effectRef idx="0">
+        <a:scrgbClr r="0" g="0" b="0"/>
+      </a:effectRef>
+      <a:fontRef idx="minor"/>
+    </dgm:style>
+  </dgm:styleLbl>
+  <dgm:styleLbl name="bgAcc1">
+    <dgm:scene3d>
+      <a:camera prst="orthographicFront"/>
+      <a:lightRig rig="threePt" dir="t"/>
+    </dgm:scene3d>
+    <dgm:sp3d/>
+    <dgm:txPr/>
+    <dgm:style>
+      <a:lnRef idx="2">
+        <a:scrgbClr r="0" g="0" b="0"/>
+      </a:lnRef>
+      <a:fillRef idx="1">
+        <a:scrgbClr r="0" g="0" b="0"/>
+      </a:fillRef>
+      <a:effectRef idx="0">
+        <a:scrgbClr r="0" g="0" b="0"/>
+      </a:effectRef>
+      <a:fontRef idx="minor"/>
+    </dgm:style>
+  </dgm:styleLbl>
+  <dgm:styleLbl name="solidFgAcc1">
+    <dgm:scene3d>
+      <a:camera prst="orthographicFront"/>
+      <a:lightRig rig="threePt" dir="t"/>
+    </dgm:scene3d>
+    <dgm:sp3d/>
+    <dgm:txPr/>
+    <dgm:style>
+      <a:lnRef idx="2">
+        <a:scrgbClr r="0" g="0" b="0"/>
+      </a:lnRef>
+      <a:fillRef idx="1">
+        <a:scrgbClr r="0" g="0" b="0"/>
+      </a:fillRef>
+      <a:effectRef idx="0">
+        <a:scrgbClr r="0" g="0" b="0"/>
+      </a:effectRef>
+      <a:fontRef idx="minor"/>
+    </dgm:style>
+  </dgm:styleLbl>
+  <dgm:styleLbl name="solidAlignAcc1">
+    <dgm:scene3d>
+      <a:camera prst="orthographicFront"/>
+      <a:lightRig rig="threePt" dir="t"/>
+    </dgm:scene3d>
+    <dgm:sp3d/>
+    <dgm:txPr/>
+    <dgm:style>
+      <a:lnRef idx="2">
+        <a:scrgbClr r="0" g="0" b="0"/>
+      </a:lnRef>
+      <a:fillRef idx="1">
+        <a:scrgbClr r="0" g="0" b="0"/>
+      </a:fillRef>
+      <a:effectRef idx="0">
+        <a:scrgbClr r="0" g="0" b="0"/>
+      </a:effectRef>
+      <a:fontRef idx="minor"/>
+    </dgm:style>
+  </dgm:styleLbl>
+  <dgm:styleLbl name="solidBgAcc1">
+    <dgm:scene3d>
+      <a:camera prst="orthographicFront"/>
+      <a:lightRig rig="threePt" dir="t"/>
+    </dgm:scene3d>
+    <dgm:sp3d/>
+    <dgm:txPr/>
+    <dgm:style>
+      <a:lnRef idx="2">
+        <a:scrgbClr r="0" g="0" b="0"/>
+      </a:lnRef>
+      <a:fillRef idx="1">
+        <a:scrgbClr r="0" g="0" b="0"/>
+      </a:fillRef>
+      <a:effectRef idx="0">
+        <a:scrgbClr r="0" g="0" b="0"/>
+      </a:effectRef>
+      <a:fontRef idx="minor"/>
+    </dgm:style>
+  </dgm:styleLbl>
+  <dgm:styleLbl name="fgAccFollowNode1">
+    <dgm:scene3d>
+      <a:camera prst="orthographicFront"/>
+      <a:lightRig rig="threePt" dir="t"/>
+    </dgm:scene3d>
+    <dgm:sp3d/>
+    <dgm:txPr/>
+    <dgm:style>
+      <a:lnRef idx="2">
+        <a:scrgbClr r="0" g="0" b="0"/>
+      </a:lnRef>
+      <a:fillRef idx="1">
+        <a:scrgbClr r="0" g="0" b="0"/>
+      </a:fillRef>
+      <a:effectRef idx="0">
+        <a:scrgbClr r="0" g="0" b="0"/>
+      </a:effectRef>
+      <a:fontRef idx="minor"/>
+    </dgm:style>
+  </dgm:styleLbl>
+  <dgm:styleLbl name="alignAccFollowNode1">
+    <dgm:scene3d>
+      <a:camera prst="orthographicFront"/>
+      <a:lightRig rig="threePt" dir="t"/>
+    </dgm:scene3d>
+    <dgm:sp3d/>
+    <dgm:txPr/>
+    <dgm:style>
+      <a:lnRef idx="2">
+        <a:scrgbClr r="0" g="0" b="0"/>
+      </a:lnRef>
+      <a:fillRef idx="1">
+        <a:scrgbClr r="0" g="0" b="0"/>
+      </a:fillRef>
+      <a:effectRef idx="0">
+        <a:scrgbClr r="0" g="0" b="0"/>
+      </a:effectRef>
+      <a:fontRef idx="minor"/>
+    </dgm:style>
+  </dgm:styleLbl>
+  <dgm:styleLbl name="bgAccFollowNode1">
+    <dgm:scene3d>
+      <a:camera prst="orthographicFront"/>
+      <a:lightRig rig="threePt" dir="t"/>
+    </dgm:scene3d>
+    <dgm:sp3d/>
+    <dgm:txPr/>
+    <dgm:style>
+      <a:lnRef idx="2">
+        <a:scrgbClr r="0" g="0" b="0"/>
+      </a:lnRef>
+      <a:fillRef idx="1">
+        <a:scrgbClr r="0" g="0" b="0"/>
+      </a:fillRef>
+      <a:effectRef idx="0">
+        <a:scrgbClr r="0" g="0" b="0"/>
+      </a:effectRef>
+      <a:fontRef idx="minor"/>
+    </dgm:style>
+  </dgm:styleLbl>
+  <dgm:styleLbl name="fgAcc0">
+    <dgm:scene3d>
+      <a:camera prst="orthographicFront"/>
+      <a:lightRig rig="threePt" dir="t"/>
+    </dgm:scene3d>
+    <dgm:sp3d/>
+    <dgm:txPr/>
+    <dgm:style>
+      <a:lnRef idx="2">
+        <a:scrgbClr r="0" g="0" b="0"/>
+      </a:lnRef>
+      <a:fillRef idx="1">
+        <a:scrgbClr r="0" g="0" b="0"/>
+      </a:fillRef>
+      <a:effectRef idx="0">
+        <a:scrgbClr r="0" g="0" b="0"/>
+      </a:effectRef>
+      <a:fontRef idx="minor"/>
+    </dgm:style>
+  </dgm:styleLbl>
+  <dgm:styleLbl name="fgAcc2">
+    <dgm:scene3d>
+      <a:camera prst="orthographicFront"/>
+      <a:lightRig rig="threePt" dir="t"/>
+    </dgm:scene3d>
+    <dgm:sp3d/>
+    <dgm:txPr/>
+    <dgm:style>
+      <a:lnRef idx="2">
+        <a:scrgbClr r="0" g="0" b="0"/>
+      </a:lnRef>
+      <a:fillRef idx="1">
+        <a:scrgbClr r="0" g="0" b="0"/>
+      </a:fillRef>
+      <a:effectRef idx="0">
+        <a:scrgbClr r="0" g="0" b="0"/>
+      </a:effectRef>
+      <a:fontRef idx="minor"/>
+    </dgm:style>
+  </dgm:styleLbl>
+  <dgm:styleLbl name="fgAcc3">
+    <dgm:scene3d>
+      <a:camera prst="orthographicFront"/>
+      <a:lightRig rig="threePt" dir="t"/>
+    </dgm:scene3d>
+    <dgm:sp3d/>
+    <dgm:txPr/>
+    <dgm:style>
+      <a:lnRef idx="2">
+        <a:scrgbClr r="0" g="0" b="0"/>
+      </a:lnRef>
+      <a:fillRef idx="1">
+        <a:scrgbClr r="0" g="0" b="0"/>
+      </a:fillRef>
+      <a:effectRef idx="0">
+        <a:scrgbClr r="0" g="0" b="0"/>
+      </a:effectRef>
+      <a:fontRef idx="minor"/>
+    </dgm:style>
+  </dgm:styleLbl>
+  <dgm:styleLbl name="fgAcc4">
+    <dgm:scene3d>
+      <a:camera prst="orthographicFront"/>
+      <a:lightRig rig="threePt" dir="t"/>
+    </dgm:scene3d>
+    <dgm:sp3d/>
+    <dgm:txPr/>
+    <dgm:style>
+      <a:lnRef idx="2">
+        <a:scrgbClr r="0" g="0" b="0"/>
+      </a:lnRef>
+      <a:fillRef idx="1">
+        <a:scrgbClr r="0" g="0" b="0"/>
+      </a:fillRef>
+      <a:effectRef idx="0">
+        <a:scrgbClr r="0" g="0" b="0"/>
+      </a:effectRef>
+      <a:fontRef idx="minor"/>
+    </dgm:style>
+  </dgm:styleLbl>
+  <dgm:styleLbl name="bgShp">
+    <dgm:scene3d>
+      <a:camera prst="orthographicFront"/>
+      <a:lightRig rig="threePt" dir="t"/>
+    </dgm:scene3d>
+    <dgm:sp3d/>
+    <dgm:txPr/>
+    <dgm:style>
+      <a:lnRef idx="0">
+        <a:scrgbClr r="0" g="0" b="0"/>
+      </a:lnRef>
+      <a:fillRef idx="1">
+        <a:scrgbClr r="0" g="0" b="0"/>
+      </a:fillRef>
+      <a:effectRef idx="0">
+        <a:scrgbClr r="0" g="0" b="0"/>
+      </a:effectRef>
+      <a:fontRef idx="minor"/>
+    </dgm:style>
+  </dgm:styleLbl>
+  <dgm:styleLbl name="dkBgShp">
+    <dgm:scene3d>
+      <a:camera prst="orthographicFront"/>
+      <a:lightRig rig="threePt" dir="t"/>
+    </dgm:scene3d>
+    <dgm:sp3d/>
+    <dgm:txPr/>
+    <dgm:style>
+      <a:lnRef idx="0">
+        <a:scrgbClr r="0" g="0" b="0"/>
+      </a:lnRef>
+      <a:fillRef idx="1">
+        <a:scrgbClr r="0" g="0" b="0"/>
+      </a:fillRef>
+      <a:effectRef idx="0">
+        <a:scrgbClr r="0" g="0" b="0"/>
+      </a:effectRef>
+      <a:fontRef idx="minor"/>
+    </dgm:style>
+  </dgm:styleLbl>
+  <dgm:styleLbl name="trBgShp">
+    <dgm:scene3d>
+      <a:camera prst="orthographicFront"/>
+      <a:lightRig rig="threePt" dir="t"/>
+    </dgm:scene3d>
+    <dgm:sp3d/>
+    <dgm:txPr/>
+    <dgm:style>
+      <a:lnRef idx="0">
+        <a:scrgbClr r="0" g="0" b="0"/>
+      </a:lnRef>
+      <a:fillRef idx="1">
+        <a:scrgbClr r="0" g="0" b="0"/>
+      </a:fillRef>
+      <a:effectRef idx="0">
+        <a:scrgbClr r="0" g="0" b="0"/>
+      </a:effectRef>
+      <a:fontRef idx="minor"/>
+    </dgm:style>
+  </dgm:styleLbl>
+  <dgm:styleLbl name="fgShp">
+    <dgm:scene3d>
+      <a:camera prst="orthographicFront"/>
+      <a:lightRig rig="threePt" dir="t"/>
+    </dgm:scene3d>
+    <dgm:sp3d/>
+    <dgm:txPr/>
+    <dgm:style>
+      <a:lnRef idx="2">
+        <a:scrgbClr r="0" g="0" b="0"/>
+      </a:lnRef>
+      <a:fillRef idx="1">
+        <a:scrgbClr r="0" g="0" b="0"/>
+      </a:fillRef>
+      <a:effectRef idx="0">
+        <a:scrgbClr r="0" g="0" b="0"/>
+      </a:effectRef>
+      <a:fontRef idx="minor"/>
+    </dgm:style>
+  </dgm:styleLbl>
+  <dgm:styleLbl name="revTx">
+    <dgm:scene3d>
+      <a:camera prst="orthographicFront"/>
+      <a:lightRig rig="threePt" dir="t"/>
+    </dgm:scene3d>
+    <dgm:sp3d/>
+    <dgm:txPr/>
+    <dgm:style>
+      <a:lnRef idx="0">
+        <a:scrgbClr r="0" g="0" b="0"/>
+      </a:lnRef>
+      <a:fillRef idx="0">
+        <a:scrgbClr r="0" g="0" b="0"/>
+      </a:fillRef>
+      <a:effectRef idx="0">
+        <a:scrgbClr r="0" g="0" b="0"/>
+      </a:effectRef>
+      <a:fontRef idx="minor"/>
+    </dgm:style>
+  </dgm:styleLbl>
+</dgm:styleDef>
+</file>
+
 <file path=ppt/slideLayouts/slideLayout1.xml><?xml version="1.0" encoding="utf-8"?>
 <p:sldLayout xmlns:a="http://schemas.openxmlformats.org/drawingml/2006/main" xmlns:r="http://schemas.openxmlformats.org/officeDocument/2006/relationships" xmlns:p="http://schemas.openxmlformats.org/presentationml/2006/main" type="title" preserve="1">
   <p:cSld name="标题幻灯片">
@@ -262,7 +4059,7 @@
           <a:p>
             <a:fld id="{C0ED74D5-C5FA-45E3-A277-33329A496674}" type="datetimeFigureOut">
               <a:rPr lang="zh-CN" altLang="en-US" smtClean="0"/>
-              <a:t>2018/5/26</a:t>
+              <a:t>2018/5/29</a:t>
             </a:fld>
             <a:endParaRPr lang="zh-CN" altLang="en-US"/>
           </a:p>
@@ -460,7 +4257,7 @@
           <a:p>
             <a:fld id="{C0ED74D5-C5FA-45E3-A277-33329A496674}" type="datetimeFigureOut">
               <a:rPr lang="zh-CN" altLang="en-US" smtClean="0"/>
-              <a:t>2018/5/26</a:t>
+              <a:t>2018/5/29</a:t>
             </a:fld>
             <a:endParaRPr lang="zh-CN" altLang="en-US"/>
           </a:p>
@@ -668,7 +4465,7 @@
           <a:p>
             <a:fld id="{C0ED74D5-C5FA-45E3-A277-33329A496674}" type="datetimeFigureOut">
               <a:rPr lang="zh-CN" altLang="en-US" smtClean="0"/>
-              <a:t>2018/5/26</a:t>
+              <a:t>2018/5/29</a:t>
             </a:fld>
             <a:endParaRPr lang="zh-CN" altLang="en-US"/>
           </a:p>
@@ -866,7 +4663,7 @@
           <a:p>
             <a:fld id="{C0ED74D5-C5FA-45E3-A277-33329A496674}" type="datetimeFigureOut">
               <a:rPr lang="zh-CN" altLang="en-US" smtClean="0"/>
-              <a:t>2018/5/26</a:t>
+              <a:t>2018/5/29</a:t>
             </a:fld>
             <a:endParaRPr lang="zh-CN" altLang="en-US"/>
           </a:p>
@@ -1141,7 +4938,7 @@
           <a:p>
             <a:fld id="{C0ED74D5-C5FA-45E3-A277-33329A496674}" type="datetimeFigureOut">
               <a:rPr lang="zh-CN" altLang="en-US" smtClean="0"/>
-              <a:t>2018/5/26</a:t>
+              <a:t>2018/5/29</a:t>
             </a:fld>
             <a:endParaRPr lang="zh-CN" altLang="en-US"/>
           </a:p>
@@ -1406,7 +5203,7 @@
           <a:p>
             <a:fld id="{C0ED74D5-C5FA-45E3-A277-33329A496674}" type="datetimeFigureOut">
               <a:rPr lang="zh-CN" altLang="en-US" smtClean="0"/>
-              <a:t>2018/5/26</a:t>
+              <a:t>2018/5/29</a:t>
             </a:fld>
             <a:endParaRPr lang="zh-CN" altLang="en-US"/>
           </a:p>
@@ -1818,7 +5615,7 @@
           <a:p>
             <a:fld id="{C0ED74D5-C5FA-45E3-A277-33329A496674}" type="datetimeFigureOut">
               <a:rPr lang="zh-CN" altLang="en-US" smtClean="0"/>
-              <a:t>2018/5/26</a:t>
+              <a:t>2018/5/29</a:t>
             </a:fld>
             <a:endParaRPr lang="zh-CN" altLang="en-US"/>
           </a:p>
@@ -1959,7 +5756,7 @@
           <a:p>
             <a:fld id="{C0ED74D5-C5FA-45E3-A277-33329A496674}" type="datetimeFigureOut">
               <a:rPr lang="zh-CN" altLang="en-US" smtClean="0"/>
-              <a:t>2018/5/26</a:t>
+              <a:t>2018/5/29</a:t>
             </a:fld>
             <a:endParaRPr lang="zh-CN" altLang="en-US"/>
           </a:p>
@@ -2072,7 +5869,7 @@
           <a:p>
             <a:fld id="{C0ED74D5-C5FA-45E3-A277-33329A496674}" type="datetimeFigureOut">
               <a:rPr lang="zh-CN" altLang="en-US" smtClean="0"/>
-              <a:t>2018/5/26</a:t>
+              <a:t>2018/5/29</a:t>
             </a:fld>
             <a:endParaRPr lang="zh-CN" altLang="en-US"/>
           </a:p>
@@ -2383,7 +6180,7 @@
           <a:p>
             <a:fld id="{C0ED74D5-C5FA-45E3-A277-33329A496674}" type="datetimeFigureOut">
               <a:rPr lang="zh-CN" altLang="en-US" smtClean="0"/>
-              <a:t>2018/5/26</a:t>
+              <a:t>2018/5/29</a:t>
             </a:fld>
             <a:endParaRPr lang="zh-CN" altLang="en-US"/>
           </a:p>
@@ -2671,7 +6468,7 @@
           <a:p>
             <a:fld id="{C0ED74D5-C5FA-45E3-A277-33329A496674}" type="datetimeFigureOut">
               <a:rPr lang="zh-CN" altLang="en-US" smtClean="0"/>
-              <a:t>2018/5/26</a:t>
+              <a:t>2018/5/29</a:t>
             </a:fld>
             <a:endParaRPr lang="zh-CN" altLang="en-US"/>
           </a:p>
@@ -2912,7 +6709,7 @@
           <a:p>
             <a:fld id="{C0ED74D5-C5FA-45E3-A277-33329A496674}" type="datetimeFigureOut">
               <a:rPr lang="zh-CN" altLang="en-US" smtClean="0"/>
-              <a:t>2018/5/26</a:t>
+              <a:t>2018/5/29</a:t>
             </a:fld>
             <a:endParaRPr lang="zh-CN" altLang="en-US"/>
           </a:p>
@@ -13458,6 +17255,2961 @@
 </p:sld>
 </file>
 
+<file path=ppt/slides/slide5.xml><?xml version="1.0" encoding="utf-8"?>
+<p:sld xmlns:a="http://schemas.openxmlformats.org/drawingml/2006/main" xmlns:r="http://schemas.openxmlformats.org/officeDocument/2006/relationships" xmlns:p="http://schemas.openxmlformats.org/presentationml/2006/main">
+  <p:cSld>
+    <p:spTree>
+      <p:nvGrpSpPr>
+        <p:cNvPr id="1" name=""/>
+        <p:cNvGrpSpPr/>
+        <p:nvPr/>
+      </p:nvGrpSpPr>
+      <p:grpSpPr>
+        <a:xfrm>
+          <a:off x="0" y="0"/>
+          <a:ext cx="0" cy="0"/>
+          <a:chOff x="0" y="0"/>
+          <a:chExt cx="0" cy="0"/>
+        </a:xfrm>
+      </p:grpSpPr>
+      <p:grpSp>
+        <p:nvGrpSpPr>
+          <p:cNvPr id="4" name="组合 3">
+            <a:extLst>
+              <a:ext uri="{FF2B5EF4-FFF2-40B4-BE49-F238E27FC236}">
+                <a16:creationId xmlns:a16="http://schemas.microsoft.com/office/drawing/2014/main" id="{E5B50ADB-D33E-40F6-BA38-05556AA2BA77}"/>
+              </a:ext>
+            </a:extLst>
+          </p:cNvPr>
+          <p:cNvGrpSpPr/>
+          <p:nvPr/>
+        </p:nvGrpSpPr>
+        <p:grpSpPr>
+          <a:xfrm>
+            <a:off x="164616" y="178180"/>
+            <a:ext cx="2804616" cy="368580"/>
+            <a:chOff x="164616" y="178180"/>
+            <a:chExt cx="2804616" cy="368580"/>
+          </a:xfrm>
+        </p:grpSpPr>
+        <p:cxnSp>
+          <p:nvCxnSpPr>
+            <p:cNvPr id="5" name="直接连接符 4">
+              <a:extLst>
+                <a:ext uri="{FF2B5EF4-FFF2-40B4-BE49-F238E27FC236}">
+                  <a16:creationId xmlns:a16="http://schemas.microsoft.com/office/drawing/2014/main" id="{758031C4-20A4-42FF-8280-5DB3DCA8E604}"/>
+                </a:ext>
+              </a:extLst>
+            </p:cNvPr>
+            <p:cNvCxnSpPr>
+              <a:cxnSpLocks/>
+            </p:cNvCxnSpPr>
+            <p:nvPr/>
+          </p:nvCxnSpPr>
+          <p:spPr>
+            <a:xfrm flipV="1">
+              <a:off x="164616" y="535956"/>
+              <a:ext cx="2804616" cy="10804"/>
+            </a:xfrm>
+            <a:prstGeom prst="line">
+              <a:avLst/>
+            </a:prstGeom>
+            <a:ln>
+              <a:solidFill>
+                <a:srgbClr val="314865"/>
+              </a:solidFill>
+            </a:ln>
+          </p:spPr>
+          <p:style>
+            <a:lnRef idx="1">
+              <a:schemeClr val="accent1"/>
+            </a:lnRef>
+            <a:fillRef idx="0">
+              <a:schemeClr val="accent1"/>
+            </a:fillRef>
+            <a:effectRef idx="0">
+              <a:schemeClr val="accent1"/>
+            </a:effectRef>
+            <a:fontRef idx="minor">
+              <a:schemeClr val="tx1"/>
+            </a:fontRef>
+          </p:style>
+        </p:cxnSp>
+        <p:sp>
+          <p:nvSpPr>
+            <p:cNvPr id="6" name="文本框 5">
+              <a:extLst>
+                <a:ext uri="{FF2B5EF4-FFF2-40B4-BE49-F238E27FC236}">
+                  <a16:creationId xmlns:a16="http://schemas.microsoft.com/office/drawing/2014/main" id="{15E952CD-9D12-4ECC-91CF-78A9C27819CB}"/>
+                </a:ext>
+              </a:extLst>
+            </p:cNvPr>
+            <p:cNvSpPr txBox="1"/>
+            <p:nvPr/>
+          </p:nvSpPr>
+          <p:spPr>
+            <a:xfrm>
+              <a:off x="534486" y="178180"/>
+              <a:ext cx="2434746" cy="338554"/>
+            </a:xfrm>
+            <a:prstGeom prst="rect">
+              <a:avLst/>
+            </a:prstGeom>
+            <a:noFill/>
+          </p:spPr>
+          <p:txBody>
+            <a:bodyPr wrap="square" rtlCol="0">
+              <a:spAutoFit/>
+            </a:bodyPr>
+            <a:lstStyle/>
+            <a:p>
+              <a:pPr>
+                <a:spcBef>
+                  <a:spcPct val="20000"/>
+                </a:spcBef>
+                <a:buClr>
+                  <a:schemeClr val="hlink"/>
+                </a:buClr>
+                <a:buSzPct val="65000"/>
+              </a:pPr>
+              <a:r>
+                <a:rPr lang="en-US" altLang="zh-CN" sz="1600" b="1" dirty="0">
+                  <a:solidFill>
+                    <a:srgbClr val="314865"/>
+                  </a:solidFill>
+                  <a:effectLst>
+                    <a:innerShdw blurRad="63500" dist="50800" dir="13500000">
+                      <a:prstClr val="black">
+                        <a:alpha val="50000"/>
+                      </a:prstClr>
+                    </a:innerShdw>
+                  </a:effectLst>
+                  <a:latin typeface="Arial"/>
+                  <a:ea typeface="微软雅黑"/>
+                  <a:sym typeface="Arial"/>
+                </a:rPr>
+                <a:t>Token-JWT</a:t>
+              </a:r>
+              <a:r>
+                <a:rPr lang="zh-CN" altLang="en-US" sz="1600" b="1" dirty="0">
+                  <a:solidFill>
+                    <a:srgbClr val="314865"/>
+                  </a:solidFill>
+                  <a:effectLst>
+                    <a:innerShdw blurRad="63500" dist="50800" dir="13500000">
+                      <a:prstClr val="black">
+                        <a:alpha val="50000"/>
+                      </a:prstClr>
+                    </a:innerShdw>
+                  </a:effectLst>
+                  <a:latin typeface="Arial"/>
+                  <a:ea typeface="微软雅黑"/>
+                  <a:sym typeface="Arial"/>
+                </a:rPr>
+                <a:t>认证 简介</a:t>
+              </a:r>
+            </a:p>
+          </p:txBody>
+        </p:sp>
+        <p:sp>
+          <p:nvSpPr>
+            <p:cNvPr id="7" name="矩形 6">
+              <a:extLst>
+                <a:ext uri="{FF2B5EF4-FFF2-40B4-BE49-F238E27FC236}">
+                  <a16:creationId xmlns:a16="http://schemas.microsoft.com/office/drawing/2014/main" id="{CEA3C781-BB0A-4ABA-B18E-B5BA746CA0CF}"/>
+                </a:ext>
+              </a:extLst>
+            </p:cNvPr>
+            <p:cNvSpPr/>
+            <p:nvPr/>
+          </p:nvSpPr>
+          <p:spPr>
+            <a:xfrm>
+              <a:off x="164616" y="178180"/>
+              <a:ext cx="47829" cy="284416"/>
+            </a:xfrm>
+            <a:prstGeom prst="rect">
+              <a:avLst/>
+            </a:prstGeom>
+            <a:solidFill>
+              <a:srgbClr val="314865"/>
+            </a:solidFill>
+            <a:ln>
+              <a:solidFill>
+                <a:srgbClr val="314865"/>
+              </a:solidFill>
+            </a:ln>
+          </p:spPr>
+          <p:style>
+            <a:lnRef idx="2">
+              <a:schemeClr val="accent1">
+                <a:shade val="50000"/>
+              </a:schemeClr>
+            </a:lnRef>
+            <a:fillRef idx="1">
+              <a:schemeClr val="accent1"/>
+            </a:fillRef>
+            <a:effectRef idx="0">
+              <a:schemeClr val="accent1"/>
+            </a:effectRef>
+            <a:fontRef idx="minor">
+              <a:schemeClr val="lt1"/>
+            </a:fontRef>
+          </p:style>
+          <p:txBody>
+            <a:bodyPr rtlCol="0" anchor="ctr"/>
+            <a:lstStyle/>
+            <a:p>
+              <a:pPr algn="ctr"/>
+              <a:endParaRPr lang="zh-CN" altLang="en-US">
+                <a:latin typeface="Arial"/>
+                <a:ea typeface="微软雅黑"/>
+                <a:sym typeface="Arial"/>
+              </a:endParaRPr>
+            </a:p>
+          </p:txBody>
+        </p:sp>
+        <p:sp>
+          <p:nvSpPr>
+            <p:cNvPr id="8" name="矩形 7">
+              <a:extLst>
+                <a:ext uri="{FF2B5EF4-FFF2-40B4-BE49-F238E27FC236}">
+                  <a16:creationId xmlns:a16="http://schemas.microsoft.com/office/drawing/2014/main" id="{280D8885-9A27-40E7-A409-01D4ACE05EE6}"/>
+                </a:ext>
+              </a:extLst>
+            </p:cNvPr>
+            <p:cNvSpPr/>
+            <p:nvPr/>
+          </p:nvSpPr>
+          <p:spPr>
+            <a:xfrm>
+              <a:off x="275779" y="252586"/>
+              <a:ext cx="47828" cy="210010"/>
+            </a:xfrm>
+            <a:prstGeom prst="rect">
+              <a:avLst/>
+            </a:prstGeom>
+            <a:solidFill>
+              <a:srgbClr val="314865"/>
+            </a:solidFill>
+            <a:ln>
+              <a:solidFill>
+                <a:srgbClr val="314865"/>
+              </a:solidFill>
+            </a:ln>
+          </p:spPr>
+          <p:style>
+            <a:lnRef idx="2">
+              <a:schemeClr val="accent1">
+                <a:shade val="50000"/>
+              </a:schemeClr>
+            </a:lnRef>
+            <a:fillRef idx="1">
+              <a:schemeClr val="accent1"/>
+            </a:fillRef>
+            <a:effectRef idx="0">
+              <a:schemeClr val="accent1"/>
+            </a:effectRef>
+            <a:fontRef idx="minor">
+              <a:schemeClr val="lt1"/>
+            </a:fontRef>
+          </p:style>
+          <p:txBody>
+            <a:bodyPr rtlCol="0" anchor="ctr"/>
+            <a:lstStyle/>
+            <a:p>
+              <a:pPr algn="ctr"/>
+              <a:endParaRPr lang="zh-CN" altLang="en-US">
+                <a:latin typeface="Arial"/>
+                <a:ea typeface="微软雅黑"/>
+                <a:sym typeface="Arial"/>
+              </a:endParaRPr>
+            </a:p>
+          </p:txBody>
+        </p:sp>
+        <p:sp>
+          <p:nvSpPr>
+            <p:cNvPr id="9" name="矩形 8">
+              <a:extLst>
+                <a:ext uri="{FF2B5EF4-FFF2-40B4-BE49-F238E27FC236}">
+                  <a16:creationId xmlns:a16="http://schemas.microsoft.com/office/drawing/2014/main" id="{31BC4BCA-BD6C-4D18-B916-481782A9C457}"/>
+                </a:ext>
+              </a:extLst>
+            </p:cNvPr>
+            <p:cNvSpPr/>
+            <p:nvPr/>
+          </p:nvSpPr>
+          <p:spPr>
+            <a:xfrm flipH="1">
+              <a:off x="377808" y="320388"/>
+              <a:ext cx="47827" cy="142208"/>
+            </a:xfrm>
+            <a:prstGeom prst="rect">
+              <a:avLst/>
+            </a:prstGeom>
+            <a:solidFill>
+              <a:srgbClr val="314865"/>
+            </a:solidFill>
+            <a:ln>
+              <a:solidFill>
+                <a:srgbClr val="314865"/>
+              </a:solidFill>
+            </a:ln>
+          </p:spPr>
+          <p:style>
+            <a:lnRef idx="2">
+              <a:schemeClr val="accent1">
+                <a:shade val="50000"/>
+              </a:schemeClr>
+            </a:lnRef>
+            <a:fillRef idx="1">
+              <a:schemeClr val="accent1"/>
+            </a:fillRef>
+            <a:effectRef idx="0">
+              <a:schemeClr val="accent1"/>
+            </a:effectRef>
+            <a:fontRef idx="minor">
+              <a:schemeClr val="lt1"/>
+            </a:fontRef>
+          </p:style>
+          <p:txBody>
+            <a:bodyPr rtlCol="0" anchor="ctr"/>
+            <a:lstStyle/>
+            <a:p>
+              <a:pPr algn="ctr"/>
+              <a:endParaRPr lang="zh-CN" altLang="en-US">
+                <a:latin typeface="Arial"/>
+                <a:ea typeface="微软雅黑"/>
+                <a:sym typeface="Arial"/>
+              </a:endParaRPr>
+            </a:p>
+          </p:txBody>
+        </p:sp>
+      </p:grpSp>
+      <p:sp>
+        <p:nvSpPr>
+          <p:cNvPr id="10" name="矩形 9">
+            <a:extLst>
+              <a:ext uri="{FF2B5EF4-FFF2-40B4-BE49-F238E27FC236}">
+                <a16:creationId xmlns:a16="http://schemas.microsoft.com/office/drawing/2014/main" id="{47E2A1F1-EE8C-43FD-9AC7-0AC6D37EDD8D}"/>
+              </a:ext>
+            </a:extLst>
+          </p:cNvPr>
+          <p:cNvSpPr/>
+          <p:nvPr/>
+        </p:nvSpPr>
+        <p:spPr>
+          <a:xfrm>
+            <a:off x="3455277" y="552662"/>
+            <a:ext cx="2640723" cy="307777"/>
+          </a:xfrm>
+          <a:prstGeom prst="rect">
+            <a:avLst/>
+          </a:prstGeom>
+        </p:spPr>
+        <p:txBody>
+          <a:bodyPr wrap="none">
+            <a:spAutoFit/>
+          </a:bodyPr>
+          <a:lstStyle/>
+          <a:p>
+            <a:r>
+              <a:rPr lang="en-US" altLang="zh-CN" sz="1400" b="1" dirty="0">
+                <a:latin typeface="微软雅黑" panose="020B0503020204020204" pitchFamily="34" charset="-122"/>
+                <a:ea typeface="微软雅黑" panose="020B0503020204020204" pitchFamily="34" charset="-122"/>
+              </a:rPr>
+              <a:t>JWT </a:t>
+            </a:r>
+            <a:r>
+              <a:rPr lang="zh-CN" altLang="en-US" sz="1400" b="1" dirty="0">
+                <a:latin typeface="微软雅黑" panose="020B0503020204020204" pitchFamily="34" charset="-122"/>
+                <a:ea typeface="微软雅黑" panose="020B0503020204020204" pitchFamily="34" charset="-122"/>
+              </a:rPr>
+              <a:t>（</a:t>
+            </a:r>
+            <a:r>
+              <a:rPr lang="en-US" altLang="zh-CN" sz="1400" b="1" dirty="0">
+                <a:latin typeface="微软雅黑" panose="020B0503020204020204" pitchFamily="34" charset="-122"/>
+                <a:ea typeface="微软雅黑" panose="020B0503020204020204" pitchFamily="34" charset="-122"/>
+              </a:rPr>
+              <a:t>JSON WEB TOKEN</a:t>
+            </a:r>
+            <a:r>
+              <a:rPr lang="zh-CN" altLang="en-US" sz="1400" b="1" dirty="0">
+                <a:latin typeface="微软雅黑" panose="020B0503020204020204" pitchFamily="34" charset="-122"/>
+                <a:ea typeface="微软雅黑" panose="020B0503020204020204" pitchFamily="34" charset="-122"/>
+              </a:rPr>
+              <a:t>）</a:t>
+            </a:r>
+          </a:p>
+        </p:txBody>
+      </p:sp>
+      <p:sp>
+        <p:nvSpPr>
+          <p:cNvPr id="11" name="矩形 10">
+            <a:extLst>
+              <a:ext uri="{FF2B5EF4-FFF2-40B4-BE49-F238E27FC236}">
+                <a16:creationId xmlns:a16="http://schemas.microsoft.com/office/drawing/2014/main" id="{2FADE38F-7FC4-4A16-987B-4B1CE1597566}"/>
+              </a:ext>
+            </a:extLst>
+          </p:cNvPr>
+          <p:cNvSpPr/>
+          <p:nvPr/>
+        </p:nvSpPr>
+        <p:spPr>
+          <a:xfrm>
+            <a:off x="4230291" y="6068974"/>
+            <a:ext cx="2640723" cy="369332"/>
+          </a:xfrm>
+          <a:prstGeom prst="rect">
+            <a:avLst/>
+          </a:prstGeom>
+        </p:spPr>
+        <p:txBody>
+          <a:bodyPr wrap="square">
+            <a:spAutoFit/>
+          </a:bodyPr>
+          <a:lstStyle/>
+          <a:p>
+            <a:r>
+              <a:rPr lang="zh-CN" altLang="en-US" dirty="0">
+                <a:latin typeface="微软雅黑" panose="020B0503020204020204" pitchFamily="34" charset="-122"/>
+                <a:ea typeface="微软雅黑" panose="020B0503020204020204" pitchFamily="34" charset="-122"/>
+                <a:hlinkClick r:id="rId2"/>
+              </a:rPr>
+              <a:t>https://jwt.io</a:t>
+            </a:r>
+            <a:endParaRPr lang="en-US" altLang="zh-CN" dirty="0">
+              <a:latin typeface="微软雅黑" panose="020B0503020204020204" pitchFamily="34" charset="-122"/>
+              <a:ea typeface="微软雅黑" panose="020B0503020204020204" pitchFamily="34" charset="-122"/>
+            </a:endParaRPr>
+          </a:p>
+        </p:txBody>
+      </p:sp>
+      <p:sp>
+        <p:nvSpPr>
+          <p:cNvPr id="12" name="文本框 11">
+            <a:extLst>
+              <a:ext uri="{FF2B5EF4-FFF2-40B4-BE49-F238E27FC236}">
+                <a16:creationId xmlns:a16="http://schemas.microsoft.com/office/drawing/2014/main" id="{A596CE91-4A93-4E89-B733-60BA8A37F634}"/>
+              </a:ext>
+            </a:extLst>
+          </p:cNvPr>
+          <p:cNvSpPr txBox="1"/>
+          <p:nvPr/>
+        </p:nvSpPr>
+        <p:spPr>
+          <a:xfrm>
+            <a:off x="188530" y="1528414"/>
+            <a:ext cx="3575087" cy="923330"/>
+          </a:xfrm>
+          <a:prstGeom prst="rect">
+            <a:avLst/>
+          </a:prstGeom>
+          <a:noFill/>
+        </p:spPr>
+        <p:txBody>
+          <a:bodyPr wrap="square" rtlCol="0">
+            <a:spAutoFit/>
+          </a:bodyPr>
+          <a:lstStyle/>
+          <a:p>
+            <a:r>
+              <a:rPr lang="en-US" altLang="zh-CN" dirty="0">
+                <a:latin typeface="微软雅黑" panose="020B0503020204020204" pitchFamily="34" charset="-122"/>
+                <a:ea typeface="微软雅黑" panose="020B0503020204020204" pitchFamily="34" charset="-122"/>
+              </a:rPr>
+              <a:t>1.</a:t>
+            </a:r>
+            <a:r>
+              <a:rPr lang="zh-CN" altLang="en-US" dirty="0">
+                <a:latin typeface="微软雅黑" panose="020B0503020204020204" pitchFamily="34" charset="-122"/>
+                <a:ea typeface="微软雅黑" panose="020B0503020204020204" pitchFamily="34" charset="-122"/>
+              </a:rPr>
+              <a:t>与</a:t>
+            </a:r>
+            <a:r>
+              <a:rPr lang="en-US" altLang="zh-CN" dirty="0">
+                <a:latin typeface="微软雅黑" panose="020B0503020204020204" pitchFamily="34" charset="-122"/>
+                <a:ea typeface="微软雅黑" panose="020B0503020204020204" pitchFamily="34" charset="-122"/>
+              </a:rPr>
+              <a:t>JSON</a:t>
+            </a:r>
+            <a:r>
+              <a:rPr lang="zh-CN" altLang="en-US" dirty="0">
+                <a:latin typeface="微软雅黑" panose="020B0503020204020204" pitchFamily="34" charset="-122"/>
+                <a:ea typeface="微软雅黑" panose="020B0503020204020204" pitchFamily="34" charset="-122"/>
+              </a:rPr>
+              <a:t>有关联</a:t>
+            </a:r>
+            <a:endParaRPr lang="en-US" altLang="zh-CN" dirty="0">
+              <a:latin typeface="微软雅黑" panose="020B0503020204020204" pitchFamily="34" charset="-122"/>
+              <a:ea typeface="微软雅黑" panose="020B0503020204020204" pitchFamily="34" charset="-122"/>
+            </a:endParaRPr>
+          </a:p>
+          <a:p>
+            <a:r>
+              <a:rPr lang="en-US" altLang="zh-CN" dirty="0">
+                <a:latin typeface="微软雅黑" panose="020B0503020204020204" pitchFamily="34" charset="-122"/>
+                <a:ea typeface="微软雅黑" panose="020B0503020204020204" pitchFamily="34" charset="-122"/>
+              </a:rPr>
+              <a:t>2.</a:t>
+            </a:r>
+            <a:r>
+              <a:rPr lang="zh-CN" altLang="en-US" dirty="0">
+                <a:latin typeface="微软雅黑" panose="020B0503020204020204" pitchFamily="34" charset="-122"/>
+                <a:ea typeface="微软雅黑" panose="020B0503020204020204" pitchFamily="34" charset="-122"/>
+              </a:rPr>
+              <a:t>一种用于</a:t>
+            </a:r>
+            <a:r>
+              <a:rPr lang="en-US" altLang="zh-CN" dirty="0">
+                <a:latin typeface="微软雅黑" panose="020B0503020204020204" pitchFamily="34" charset="-122"/>
+                <a:ea typeface="微软雅黑" panose="020B0503020204020204" pitchFamily="34" charset="-122"/>
+              </a:rPr>
+              <a:t>web</a:t>
+            </a:r>
+            <a:r>
+              <a:rPr lang="zh-CN" altLang="en-US" dirty="0">
+                <a:latin typeface="微软雅黑" panose="020B0503020204020204" pitchFamily="34" charset="-122"/>
+                <a:ea typeface="微软雅黑" panose="020B0503020204020204" pitchFamily="34" charset="-122"/>
+              </a:rPr>
+              <a:t>开发相关的技术</a:t>
+            </a:r>
+            <a:endParaRPr lang="en-US" altLang="zh-CN" dirty="0">
+              <a:latin typeface="微软雅黑" panose="020B0503020204020204" pitchFamily="34" charset="-122"/>
+              <a:ea typeface="微软雅黑" panose="020B0503020204020204" pitchFamily="34" charset="-122"/>
+            </a:endParaRPr>
+          </a:p>
+          <a:p>
+            <a:r>
+              <a:rPr lang="en-US" altLang="zh-CN" dirty="0">
+                <a:latin typeface="微软雅黑" panose="020B0503020204020204" pitchFamily="34" charset="-122"/>
+                <a:ea typeface="微软雅黑" panose="020B0503020204020204" pitchFamily="34" charset="-122"/>
+              </a:rPr>
+              <a:t>3.TOKEN</a:t>
+            </a:r>
+            <a:r>
+              <a:rPr lang="zh-CN" altLang="en-US" dirty="0">
+                <a:latin typeface="微软雅黑" panose="020B0503020204020204" pitchFamily="34" charset="-122"/>
+                <a:ea typeface="微软雅黑" panose="020B0503020204020204" pitchFamily="34" charset="-122"/>
+              </a:rPr>
+              <a:t>一种令牌生成机制</a:t>
+            </a:r>
+            <a:r>
+              <a:rPr lang="en-US" altLang="zh-CN" dirty="0">
+                <a:latin typeface="微软雅黑" panose="020B0503020204020204" pitchFamily="34" charset="-122"/>
+                <a:ea typeface="微软雅黑" panose="020B0503020204020204" pitchFamily="34" charset="-122"/>
+              </a:rPr>
+              <a:t>  </a:t>
+            </a:r>
+            <a:endParaRPr lang="zh-CN" altLang="en-US" dirty="0">
+              <a:latin typeface="微软雅黑" panose="020B0503020204020204" pitchFamily="34" charset="-122"/>
+              <a:ea typeface="微软雅黑" panose="020B0503020204020204" pitchFamily="34" charset="-122"/>
+            </a:endParaRPr>
+          </a:p>
+        </p:txBody>
+      </p:sp>
+      <p:sp>
+        <p:nvSpPr>
+          <p:cNvPr id="13" name="矩形 12">
+            <a:extLst>
+              <a:ext uri="{FF2B5EF4-FFF2-40B4-BE49-F238E27FC236}">
+                <a16:creationId xmlns:a16="http://schemas.microsoft.com/office/drawing/2014/main" id="{1316D626-64B4-435F-AEB4-CA30D1C7B950}"/>
+              </a:ext>
+            </a:extLst>
+          </p:cNvPr>
+          <p:cNvSpPr/>
+          <p:nvPr/>
+        </p:nvSpPr>
+        <p:spPr>
+          <a:xfrm>
+            <a:off x="212445" y="1039341"/>
+            <a:ext cx="1800493" cy="369332"/>
+          </a:xfrm>
+          <a:prstGeom prst="rect">
+            <a:avLst/>
+          </a:prstGeom>
+        </p:spPr>
+        <p:txBody>
+          <a:bodyPr wrap="none">
+            <a:spAutoFit/>
+          </a:bodyPr>
+          <a:lstStyle/>
+          <a:p>
+            <a:r>
+              <a:rPr lang="zh-CN" altLang="en-US" dirty="0">
+                <a:latin typeface="微软雅黑" panose="020B0503020204020204" pitchFamily="34" charset="-122"/>
+                <a:ea typeface="微软雅黑" panose="020B0503020204020204" pitchFamily="34" charset="-122"/>
+              </a:rPr>
+              <a:t>从字面上理解：</a:t>
+            </a:r>
+            <a:endParaRPr lang="en-US" altLang="zh-CN" dirty="0">
+              <a:latin typeface="微软雅黑" panose="020B0503020204020204" pitchFamily="34" charset="-122"/>
+              <a:ea typeface="微软雅黑" panose="020B0503020204020204" pitchFamily="34" charset="-122"/>
+            </a:endParaRPr>
+          </a:p>
+        </p:txBody>
+      </p:sp>
+      <p:sp>
+        <p:nvSpPr>
+          <p:cNvPr id="14" name="矩形 13">
+            <a:extLst>
+              <a:ext uri="{FF2B5EF4-FFF2-40B4-BE49-F238E27FC236}">
+                <a16:creationId xmlns:a16="http://schemas.microsoft.com/office/drawing/2014/main" id="{E84D386B-401B-4FD4-957E-3989E4108162}"/>
+              </a:ext>
+            </a:extLst>
+          </p:cNvPr>
+          <p:cNvSpPr/>
+          <p:nvPr/>
+        </p:nvSpPr>
+        <p:spPr>
+          <a:xfrm>
+            <a:off x="4436962" y="1039341"/>
+            <a:ext cx="1338828" cy="369332"/>
+          </a:xfrm>
+          <a:prstGeom prst="rect">
+            <a:avLst/>
+          </a:prstGeom>
+        </p:spPr>
+        <p:txBody>
+          <a:bodyPr wrap="none">
+            <a:spAutoFit/>
+          </a:bodyPr>
+          <a:lstStyle/>
+          <a:p>
+            <a:r>
+              <a:rPr lang="zh-CN" altLang="en-US" dirty="0">
+                <a:latin typeface="微软雅黑" panose="020B0503020204020204" pitchFamily="34" charset="-122"/>
+                <a:ea typeface="微软雅黑" panose="020B0503020204020204" pitchFamily="34" charset="-122"/>
+              </a:rPr>
+              <a:t>官方定义：</a:t>
+            </a:r>
+            <a:endParaRPr lang="en-US" altLang="zh-CN" dirty="0">
+              <a:latin typeface="微软雅黑" panose="020B0503020204020204" pitchFamily="34" charset="-122"/>
+              <a:ea typeface="微软雅黑" panose="020B0503020204020204" pitchFamily="34" charset="-122"/>
+            </a:endParaRPr>
+          </a:p>
+        </p:txBody>
+      </p:sp>
+      <p:sp>
+        <p:nvSpPr>
+          <p:cNvPr id="15" name="文本框 14">
+            <a:extLst>
+              <a:ext uri="{FF2B5EF4-FFF2-40B4-BE49-F238E27FC236}">
+                <a16:creationId xmlns:a16="http://schemas.microsoft.com/office/drawing/2014/main" id="{1B995AB8-7771-4DC1-BA29-7DA9B816269E}"/>
+              </a:ext>
+            </a:extLst>
+          </p:cNvPr>
+          <p:cNvSpPr txBox="1"/>
+          <p:nvPr/>
+        </p:nvSpPr>
+        <p:spPr>
+          <a:xfrm>
+            <a:off x="4363276" y="1408673"/>
+            <a:ext cx="7709454" cy="1323439"/>
+          </a:xfrm>
+          <a:prstGeom prst="rect">
+            <a:avLst/>
+          </a:prstGeom>
+          <a:noFill/>
+        </p:spPr>
+        <p:txBody>
+          <a:bodyPr wrap="square" rtlCol="0">
+            <a:spAutoFit/>
+          </a:bodyPr>
+          <a:lstStyle/>
+          <a:p>
+            <a:r>
+              <a:rPr lang="en-US" altLang="zh-CN" sz="1600" dirty="0">
+                <a:latin typeface="微软雅黑" panose="020B0503020204020204" pitchFamily="34" charset="-122"/>
+                <a:ea typeface="微软雅黑" panose="020B0503020204020204" pitchFamily="34" charset="-122"/>
+              </a:rPr>
+              <a:t>JSON Web Token (JWT) is an </a:t>
+            </a:r>
+            <a:r>
+              <a:rPr lang="en-US" altLang="zh-CN" sz="1600" b="1" dirty="0">
+                <a:solidFill>
+                  <a:srgbClr val="FF0000"/>
+                </a:solidFill>
+                <a:latin typeface="微软雅黑" panose="020B0503020204020204" pitchFamily="34" charset="-122"/>
+                <a:ea typeface="微软雅黑" panose="020B0503020204020204" pitchFamily="34" charset="-122"/>
+              </a:rPr>
+              <a:t>open standard </a:t>
+            </a:r>
+            <a:r>
+              <a:rPr lang="en-US" altLang="zh-CN" sz="1600" dirty="0">
+                <a:latin typeface="微软雅黑" panose="020B0503020204020204" pitchFamily="34" charset="-122"/>
+                <a:ea typeface="微软雅黑" panose="020B0503020204020204" pitchFamily="34" charset="-122"/>
+              </a:rPr>
+              <a:t>(</a:t>
+            </a:r>
+            <a:r>
+              <a:rPr lang="en-US" altLang="zh-CN" sz="1600" dirty="0">
+                <a:latin typeface="微软雅黑" panose="020B0503020204020204" pitchFamily="34" charset="-122"/>
+                <a:ea typeface="微软雅黑" panose="020B0503020204020204" pitchFamily="34" charset="-122"/>
+                <a:hlinkClick r:id="rId3"/>
+              </a:rPr>
+              <a:t>RFC 7519</a:t>
+            </a:r>
+            <a:r>
+              <a:rPr lang="en-US" altLang="zh-CN" sz="1600" dirty="0">
+                <a:latin typeface="微软雅黑" panose="020B0503020204020204" pitchFamily="34" charset="-122"/>
+                <a:ea typeface="微软雅黑" panose="020B0503020204020204" pitchFamily="34" charset="-122"/>
+              </a:rPr>
+              <a:t>) that defines a </a:t>
+            </a:r>
+            <a:r>
+              <a:rPr lang="en-US" altLang="zh-CN" sz="1600" b="1" dirty="0">
+                <a:solidFill>
+                  <a:srgbClr val="FF0000"/>
+                </a:solidFill>
+                <a:latin typeface="微软雅黑" panose="020B0503020204020204" pitchFamily="34" charset="-122"/>
+                <a:ea typeface="微软雅黑" panose="020B0503020204020204" pitchFamily="34" charset="-122"/>
+              </a:rPr>
+              <a:t>compact</a:t>
+            </a:r>
+            <a:r>
+              <a:rPr lang="en-US" altLang="zh-CN" sz="1600" dirty="0">
+                <a:latin typeface="微软雅黑" panose="020B0503020204020204" pitchFamily="34" charset="-122"/>
+                <a:ea typeface="微软雅黑" panose="020B0503020204020204" pitchFamily="34" charset="-122"/>
+              </a:rPr>
+              <a:t> and </a:t>
+            </a:r>
+            <a:r>
+              <a:rPr lang="en-US" altLang="zh-CN" sz="1600" b="1" dirty="0">
+                <a:solidFill>
+                  <a:srgbClr val="FF0000"/>
+                </a:solidFill>
+                <a:latin typeface="微软雅黑" panose="020B0503020204020204" pitchFamily="34" charset="-122"/>
+                <a:ea typeface="微软雅黑" panose="020B0503020204020204" pitchFamily="34" charset="-122"/>
+              </a:rPr>
+              <a:t>self-contained way</a:t>
+            </a:r>
+            <a:r>
+              <a:rPr lang="en-US" altLang="zh-CN" sz="1600" dirty="0">
+                <a:latin typeface="微软雅黑" panose="020B0503020204020204" pitchFamily="34" charset="-122"/>
+                <a:ea typeface="微软雅黑" panose="020B0503020204020204" pitchFamily="34" charset="-122"/>
+              </a:rPr>
+              <a:t> for </a:t>
+            </a:r>
+            <a:r>
+              <a:rPr lang="en-US" altLang="zh-CN" sz="1600" b="1" dirty="0">
+                <a:solidFill>
+                  <a:srgbClr val="FF0000"/>
+                </a:solidFill>
+                <a:latin typeface="微软雅黑" panose="020B0503020204020204" pitchFamily="34" charset="-122"/>
+                <a:ea typeface="微软雅黑" panose="020B0503020204020204" pitchFamily="34" charset="-122"/>
+              </a:rPr>
+              <a:t>securely transmitting information</a:t>
+            </a:r>
+            <a:r>
+              <a:rPr lang="en-US" altLang="zh-CN" sz="1600" dirty="0">
+                <a:latin typeface="微软雅黑" panose="020B0503020204020204" pitchFamily="34" charset="-122"/>
+                <a:ea typeface="微软雅黑" panose="020B0503020204020204" pitchFamily="34" charset="-122"/>
+              </a:rPr>
+              <a:t> between parties </a:t>
+            </a:r>
+            <a:r>
+              <a:rPr lang="en-US" altLang="zh-CN" sz="1600" b="1" dirty="0">
+                <a:solidFill>
+                  <a:srgbClr val="FF0000"/>
+                </a:solidFill>
+                <a:latin typeface="微软雅黑" panose="020B0503020204020204" pitchFamily="34" charset="-122"/>
+                <a:ea typeface="微软雅黑" panose="020B0503020204020204" pitchFamily="34" charset="-122"/>
+              </a:rPr>
+              <a:t>as a JSON object</a:t>
+            </a:r>
+            <a:r>
+              <a:rPr lang="en-US" altLang="zh-CN" sz="1600" dirty="0">
+                <a:latin typeface="微软雅黑" panose="020B0503020204020204" pitchFamily="34" charset="-122"/>
+                <a:ea typeface="微软雅黑" panose="020B0503020204020204" pitchFamily="34" charset="-122"/>
+              </a:rPr>
+              <a:t>. This information can be </a:t>
+            </a:r>
+            <a:r>
+              <a:rPr lang="en-US" altLang="zh-CN" sz="1600" b="1" dirty="0">
+                <a:solidFill>
+                  <a:srgbClr val="FF0000"/>
+                </a:solidFill>
+                <a:latin typeface="微软雅黑" panose="020B0503020204020204" pitchFamily="34" charset="-122"/>
+                <a:ea typeface="微软雅黑" panose="020B0503020204020204" pitchFamily="34" charset="-122"/>
+              </a:rPr>
+              <a:t>verified and trusted because it is digitally signed</a:t>
+            </a:r>
+            <a:r>
+              <a:rPr lang="en-US" altLang="zh-CN" sz="1600" dirty="0">
+                <a:latin typeface="微软雅黑" panose="020B0503020204020204" pitchFamily="34" charset="-122"/>
+                <a:ea typeface="微软雅黑" panose="020B0503020204020204" pitchFamily="34" charset="-122"/>
+              </a:rPr>
+              <a:t>. JWTs </a:t>
+            </a:r>
+            <a:r>
+              <a:rPr lang="en-US" altLang="zh-CN" sz="1600" b="1" dirty="0">
+                <a:solidFill>
+                  <a:srgbClr val="FF0000"/>
+                </a:solidFill>
+                <a:latin typeface="微软雅黑" panose="020B0503020204020204" pitchFamily="34" charset="-122"/>
+                <a:ea typeface="微软雅黑" panose="020B0503020204020204" pitchFamily="34" charset="-122"/>
+              </a:rPr>
+              <a:t>can be signed using a secret (with the HMAC algorithm) </a:t>
+            </a:r>
+            <a:r>
+              <a:rPr lang="en-US" altLang="zh-CN" sz="1600" dirty="0">
+                <a:latin typeface="微软雅黑" panose="020B0503020204020204" pitchFamily="34" charset="-122"/>
+                <a:ea typeface="微软雅黑" panose="020B0503020204020204" pitchFamily="34" charset="-122"/>
+              </a:rPr>
+              <a:t>or </a:t>
+            </a:r>
+            <a:r>
+              <a:rPr lang="en-US" altLang="zh-CN" sz="1600" b="1" dirty="0">
+                <a:solidFill>
+                  <a:srgbClr val="FF0000"/>
+                </a:solidFill>
+                <a:latin typeface="微软雅黑" panose="020B0503020204020204" pitchFamily="34" charset="-122"/>
+                <a:ea typeface="微软雅黑" panose="020B0503020204020204" pitchFamily="34" charset="-122"/>
+              </a:rPr>
+              <a:t>a public/private key pair using RSA</a:t>
+            </a:r>
+            <a:r>
+              <a:rPr lang="en-US" altLang="zh-CN" sz="1600" dirty="0">
+                <a:latin typeface="微软雅黑" panose="020B0503020204020204" pitchFamily="34" charset="-122"/>
+                <a:ea typeface="微软雅黑" panose="020B0503020204020204" pitchFamily="34" charset="-122"/>
+              </a:rPr>
+              <a:t>.</a:t>
+            </a:r>
+            <a:endParaRPr lang="zh-CN" altLang="en-US" sz="1600" dirty="0">
+              <a:latin typeface="微软雅黑" panose="020B0503020204020204" pitchFamily="34" charset="-122"/>
+              <a:ea typeface="微软雅黑" panose="020B0503020204020204" pitchFamily="34" charset="-122"/>
+            </a:endParaRPr>
+          </a:p>
+        </p:txBody>
+      </p:sp>
+      <p:sp>
+        <p:nvSpPr>
+          <p:cNvPr id="16" name="矩形 15">
+            <a:extLst>
+              <a:ext uri="{FF2B5EF4-FFF2-40B4-BE49-F238E27FC236}">
+                <a16:creationId xmlns:a16="http://schemas.microsoft.com/office/drawing/2014/main" id="{B48850E7-9BB3-40B6-B719-6EA48618A06A}"/>
+              </a:ext>
+            </a:extLst>
+          </p:cNvPr>
+          <p:cNvSpPr/>
+          <p:nvPr/>
+        </p:nvSpPr>
+        <p:spPr>
+          <a:xfrm>
+            <a:off x="275779" y="3695569"/>
+            <a:ext cx="2262158" cy="369332"/>
+          </a:xfrm>
+          <a:prstGeom prst="rect">
+            <a:avLst/>
+          </a:prstGeom>
+        </p:spPr>
+        <p:txBody>
+          <a:bodyPr wrap="none">
+            <a:spAutoFit/>
+          </a:bodyPr>
+          <a:lstStyle/>
+          <a:p>
+            <a:r>
+              <a:rPr lang="zh-CN" altLang="en-US" dirty="0">
+                <a:latin typeface="微软雅黑" panose="020B0503020204020204" pitchFamily="34" charset="-122"/>
+                <a:ea typeface="微软雅黑" panose="020B0503020204020204" pitchFamily="34" charset="-122"/>
+              </a:rPr>
+              <a:t>用途（官方推荐）：</a:t>
+            </a:r>
+            <a:endParaRPr lang="en-US" altLang="zh-CN" dirty="0">
+              <a:latin typeface="微软雅黑" panose="020B0503020204020204" pitchFamily="34" charset="-122"/>
+              <a:ea typeface="微软雅黑" panose="020B0503020204020204" pitchFamily="34" charset="-122"/>
+            </a:endParaRPr>
+          </a:p>
+        </p:txBody>
+      </p:sp>
+      <p:sp>
+        <p:nvSpPr>
+          <p:cNvPr id="17" name="文本框 16">
+            <a:extLst>
+              <a:ext uri="{FF2B5EF4-FFF2-40B4-BE49-F238E27FC236}">
+                <a16:creationId xmlns:a16="http://schemas.microsoft.com/office/drawing/2014/main" id="{6B94B257-5FCF-45EE-A7BB-F95A86404554}"/>
+              </a:ext>
+            </a:extLst>
+          </p:cNvPr>
+          <p:cNvSpPr txBox="1"/>
+          <p:nvPr/>
+        </p:nvSpPr>
+        <p:spPr>
+          <a:xfrm>
+            <a:off x="589836" y="4180470"/>
+            <a:ext cx="3640455" cy="923330"/>
+          </a:xfrm>
+          <a:prstGeom prst="rect">
+            <a:avLst/>
+          </a:prstGeom>
+          <a:noFill/>
+        </p:spPr>
+        <p:txBody>
+          <a:bodyPr wrap="square" rtlCol="0">
+            <a:spAutoFit/>
+          </a:bodyPr>
+          <a:lstStyle/>
+          <a:p>
+            <a:r>
+              <a:rPr lang="en-US" altLang="zh-CN" dirty="0">
+                <a:latin typeface="微软雅黑" panose="020B0503020204020204" pitchFamily="34" charset="-122"/>
+                <a:ea typeface="微软雅黑" panose="020B0503020204020204" pitchFamily="34" charset="-122"/>
+              </a:rPr>
+              <a:t>1.</a:t>
+            </a:r>
+            <a:r>
+              <a:rPr lang="zh-CN" altLang="en-US" dirty="0">
+                <a:latin typeface="微软雅黑" panose="020B0503020204020204" pitchFamily="34" charset="-122"/>
+                <a:ea typeface="微软雅黑" panose="020B0503020204020204" pitchFamily="34" charset="-122"/>
+              </a:rPr>
+              <a:t>认证、单点登录 （系统间）</a:t>
+            </a:r>
+            <a:endParaRPr lang="en-US" altLang="zh-CN" dirty="0">
+              <a:latin typeface="微软雅黑" panose="020B0503020204020204" pitchFamily="34" charset="-122"/>
+              <a:ea typeface="微软雅黑" panose="020B0503020204020204" pitchFamily="34" charset="-122"/>
+            </a:endParaRPr>
+          </a:p>
+          <a:p>
+            <a:endParaRPr lang="en-US" altLang="zh-CN" dirty="0">
+              <a:latin typeface="微软雅黑" panose="020B0503020204020204" pitchFamily="34" charset="-122"/>
+              <a:ea typeface="微软雅黑" panose="020B0503020204020204" pitchFamily="34" charset="-122"/>
+            </a:endParaRPr>
+          </a:p>
+          <a:p>
+            <a:r>
+              <a:rPr lang="en-US" altLang="zh-CN" dirty="0">
+                <a:latin typeface="微软雅黑" panose="020B0503020204020204" pitchFamily="34" charset="-122"/>
+                <a:ea typeface="微软雅黑" panose="020B0503020204020204" pitchFamily="34" charset="-122"/>
+              </a:rPr>
+              <a:t>2.</a:t>
+            </a:r>
+            <a:r>
+              <a:rPr lang="zh-CN" altLang="en-US" dirty="0">
+                <a:latin typeface="微软雅黑" panose="020B0503020204020204" pitchFamily="34" charset="-122"/>
+                <a:ea typeface="微软雅黑" panose="020B0503020204020204" pitchFamily="34" charset="-122"/>
+              </a:rPr>
+              <a:t>信息交换（系统间）</a:t>
+            </a:r>
+          </a:p>
+        </p:txBody>
+      </p:sp>
+      <p:sp>
+        <p:nvSpPr>
+          <p:cNvPr id="18" name="矩形 17">
+            <a:extLst>
+              <a:ext uri="{FF2B5EF4-FFF2-40B4-BE49-F238E27FC236}">
+                <a16:creationId xmlns:a16="http://schemas.microsoft.com/office/drawing/2014/main" id="{4961E74C-5617-4103-8E4D-19B6FD4F5D4C}"/>
+              </a:ext>
+            </a:extLst>
+          </p:cNvPr>
+          <p:cNvSpPr/>
+          <p:nvPr/>
+        </p:nvSpPr>
+        <p:spPr>
+          <a:xfrm>
+            <a:off x="4436962" y="3629568"/>
+            <a:ext cx="1800493" cy="369332"/>
+          </a:xfrm>
+          <a:prstGeom prst="rect">
+            <a:avLst/>
+          </a:prstGeom>
+        </p:spPr>
+        <p:txBody>
+          <a:bodyPr wrap="none">
+            <a:spAutoFit/>
+          </a:bodyPr>
+          <a:lstStyle/>
+          <a:p>
+            <a:r>
+              <a:rPr lang="zh-CN" altLang="en-US" dirty="0">
+                <a:latin typeface="微软雅黑" panose="020B0503020204020204" pitchFamily="34" charset="-122"/>
+                <a:ea typeface="微软雅黑" panose="020B0503020204020204" pitchFamily="34" charset="-122"/>
+              </a:rPr>
+              <a:t>例子（官方）：</a:t>
+            </a:r>
+            <a:endParaRPr lang="en-US" altLang="zh-CN" dirty="0">
+              <a:latin typeface="微软雅黑" panose="020B0503020204020204" pitchFamily="34" charset="-122"/>
+              <a:ea typeface="微软雅黑" panose="020B0503020204020204" pitchFamily="34" charset="-122"/>
+            </a:endParaRPr>
+          </a:p>
+        </p:txBody>
+      </p:sp>
+      <p:sp>
+        <p:nvSpPr>
+          <p:cNvPr id="19" name="矩形 18">
+            <a:extLst>
+              <a:ext uri="{FF2B5EF4-FFF2-40B4-BE49-F238E27FC236}">
+                <a16:creationId xmlns:a16="http://schemas.microsoft.com/office/drawing/2014/main" id="{840DF769-E86B-4745-BD11-D060C42830DA}"/>
+              </a:ext>
+            </a:extLst>
+          </p:cNvPr>
+          <p:cNvSpPr/>
+          <p:nvPr/>
+        </p:nvSpPr>
+        <p:spPr>
+          <a:xfrm>
+            <a:off x="4436962" y="4129274"/>
+            <a:ext cx="6096000" cy="1200329"/>
+          </a:xfrm>
+          <a:prstGeom prst="rect">
+            <a:avLst/>
+          </a:prstGeom>
+          <a:noFill/>
+        </p:spPr>
+        <p:txBody>
+          <a:bodyPr wrap="square" rtlCol="0">
+            <a:spAutoFit/>
+          </a:bodyPr>
+          <a:lstStyle/>
+          <a:p>
+            <a:r>
+              <a:rPr lang="en-US" altLang="zh-CN" dirty="0">
+                <a:solidFill>
+                  <a:srgbClr val="FF0000"/>
+                </a:solidFill>
+                <a:latin typeface="微软雅黑" panose="020B0503020204020204" pitchFamily="34" charset="-122"/>
+                <a:ea typeface="微软雅黑" panose="020B0503020204020204" pitchFamily="34" charset="-122"/>
+              </a:rPr>
+              <a:t>eyJ0eXAiOiJqd3QiLCJhbGciOiJIUzI1NiJ9.</a:t>
+            </a:r>
+            <a:r>
+              <a:rPr lang="en-US" altLang="zh-CN" dirty="0">
+                <a:solidFill>
+                  <a:srgbClr val="FF00FF"/>
+                </a:solidFill>
+                <a:latin typeface="微软雅黑" panose="020B0503020204020204" pitchFamily="34" charset="-122"/>
+                <a:ea typeface="微软雅黑" panose="020B0503020204020204" pitchFamily="34" charset="-122"/>
+              </a:rPr>
+              <a:t>eyJleHAiOjE1MjE0NDg0NDQsImlzcyI6InNjaGVkdWxlciIsInVzZXJfaWQiOjEsIm5hbWUiOiJhZG1pbiJ9</a:t>
+            </a:r>
+            <a:r>
+              <a:rPr lang="en-US" altLang="zh-CN" dirty="0">
+                <a:solidFill>
+                  <a:srgbClr val="FF0000"/>
+                </a:solidFill>
+                <a:latin typeface="微软雅黑" panose="020B0503020204020204" pitchFamily="34" charset="-122"/>
+                <a:ea typeface="微软雅黑" panose="020B0503020204020204" pitchFamily="34" charset="-122"/>
+              </a:rPr>
+              <a:t>.</a:t>
+            </a:r>
+            <a:r>
+              <a:rPr lang="en-US" altLang="zh-CN" dirty="0">
+                <a:solidFill>
+                  <a:srgbClr val="00B0F0"/>
+                </a:solidFill>
+                <a:latin typeface="微软雅黑" panose="020B0503020204020204" pitchFamily="34" charset="-122"/>
+                <a:ea typeface="微软雅黑" panose="020B0503020204020204" pitchFamily="34" charset="-122"/>
+              </a:rPr>
+              <a:t>H60H-lZNnJoQuxqXe3KLJzTqWL2-kjRaLlKp_PYFrbQ</a:t>
+            </a:r>
+            <a:endParaRPr lang="zh-CN" altLang="en-US" dirty="0">
+              <a:solidFill>
+                <a:srgbClr val="00B0F0"/>
+              </a:solidFill>
+              <a:latin typeface="微软雅黑" panose="020B0503020204020204" pitchFamily="34" charset="-122"/>
+              <a:ea typeface="微软雅黑" panose="020B0503020204020204" pitchFamily="34" charset="-122"/>
+            </a:endParaRPr>
+          </a:p>
+        </p:txBody>
+      </p:sp>
+    </p:spTree>
+    <p:extLst>
+      <p:ext uri="{BB962C8B-B14F-4D97-AF65-F5344CB8AC3E}">
+        <p14:creationId xmlns:p14="http://schemas.microsoft.com/office/powerpoint/2010/main" val="3127960793"/>
+      </p:ext>
+    </p:extLst>
+  </p:cSld>
+  <p:clrMapOvr>
+    <a:masterClrMapping/>
+  </p:clrMapOvr>
+</p:sld>
+</file>
+
+<file path=ppt/slides/slide6.xml><?xml version="1.0" encoding="utf-8"?>
+<p:sld xmlns:a="http://schemas.openxmlformats.org/drawingml/2006/main" xmlns:r="http://schemas.openxmlformats.org/officeDocument/2006/relationships" xmlns:p="http://schemas.openxmlformats.org/presentationml/2006/main">
+  <p:cSld>
+    <p:spTree>
+      <p:nvGrpSpPr>
+        <p:cNvPr id="1" name=""/>
+        <p:cNvGrpSpPr/>
+        <p:nvPr/>
+      </p:nvGrpSpPr>
+      <p:grpSpPr>
+        <a:xfrm>
+          <a:off x="0" y="0"/>
+          <a:ext cx="0" cy="0"/>
+          <a:chOff x="0" y="0"/>
+          <a:chExt cx="0" cy="0"/>
+        </a:xfrm>
+      </p:grpSpPr>
+      <p:grpSp>
+        <p:nvGrpSpPr>
+          <p:cNvPr id="4" name="组合 3">
+            <a:extLst>
+              <a:ext uri="{FF2B5EF4-FFF2-40B4-BE49-F238E27FC236}">
+                <a16:creationId xmlns:a16="http://schemas.microsoft.com/office/drawing/2014/main" id="{FB8E7881-50C9-4E38-8154-46031A2CEDFB}"/>
+              </a:ext>
+            </a:extLst>
+          </p:cNvPr>
+          <p:cNvGrpSpPr/>
+          <p:nvPr/>
+        </p:nvGrpSpPr>
+        <p:grpSpPr>
+          <a:xfrm>
+            <a:off x="164616" y="178180"/>
+            <a:ext cx="2804616" cy="368580"/>
+            <a:chOff x="164616" y="178180"/>
+            <a:chExt cx="2804616" cy="368580"/>
+          </a:xfrm>
+        </p:grpSpPr>
+        <p:cxnSp>
+          <p:nvCxnSpPr>
+            <p:cNvPr id="5" name="直接连接符 4">
+              <a:extLst>
+                <a:ext uri="{FF2B5EF4-FFF2-40B4-BE49-F238E27FC236}">
+                  <a16:creationId xmlns:a16="http://schemas.microsoft.com/office/drawing/2014/main" id="{6DB788C6-9F66-40DE-A692-9B812BFE3E99}"/>
+                </a:ext>
+              </a:extLst>
+            </p:cNvPr>
+            <p:cNvCxnSpPr>
+              <a:cxnSpLocks/>
+            </p:cNvCxnSpPr>
+            <p:nvPr/>
+          </p:nvCxnSpPr>
+          <p:spPr>
+            <a:xfrm flipV="1">
+              <a:off x="164616" y="535956"/>
+              <a:ext cx="2804616" cy="10804"/>
+            </a:xfrm>
+            <a:prstGeom prst="line">
+              <a:avLst/>
+            </a:prstGeom>
+            <a:ln>
+              <a:solidFill>
+                <a:srgbClr val="314865"/>
+              </a:solidFill>
+            </a:ln>
+          </p:spPr>
+          <p:style>
+            <a:lnRef idx="1">
+              <a:schemeClr val="accent1"/>
+            </a:lnRef>
+            <a:fillRef idx="0">
+              <a:schemeClr val="accent1"/>
+            </a:fillRef>
+            <a:effectRef idx="0">
+              <a:schemeClr val="accent1"/>
+            </a:effectRef>
+            <a:fontRef idx="minor">
+              <a:schemeClr val="tx1"/>
+            </a:fontRef>
+          </p:style>
+        </p:cxnSp>
+        <p:sp>
+          <p:nvSpPr>
+            <p:cNvPr id="6" name="文本框 5">
+              <a:extLst>
+                <a:ext uri="{FF2B5EF4-FFF2-40B4-BE49-F238E27FC236}">
+                  <a16:creationId xmlns:a16="http://schemas.microsoft.com/office/drawing/2014/main" id="{C3689975-7711-48E3-ACCC-3D432CF24DB6}"/>
+                </a:ext>
+              </a:extLst>
+            </p:cNvPr>
+            <p:cNvSpPr txBox="1"/>
+            <p:nvPr/>
+          </p:nvSpPr>
+          <p:spPr>
+            <a:xfrm>
+              <a:off x="534486" y="178180"/>
+              <a:ext cx="2434746" cy="338554"/>
+            </a:xfrm>
+            <a:prstGeom prst="rect">
+              <a:avLst/>
+            </a:prstGeom>
+            <a:noFill/>
+          </p:spPr>
+          <p:txBody>
+            <a:bodyPr wrap="square" rtlCol="0">
+              <a:spAutoFit/>
+            </a:bodyPr>
+            <a:lstStyle/>
+            <a:p>
+              <a:pPr>
+                <a:spcBef>
+                  <a:spcPct val="20000"/>
+                </a:spcBef>
+                <a:buClr>
+                  <a:schemeClr val="hlink"/>
+                </a:buClr>
+                <a:buSzPct val="65000"/>
+              </a:pPr>
+              <a:r>
+                <a:rPr lang="en-US" altLang="zh-CN" sz="1600" b="1" dirty="0">
+                  <a:solidFill>
+                    <a:srgbClr val="314865"/>
+                  </a:solidFill>
+                  <a:effectLst>
+                    <a:innerShdw blurRad="63500" dist="50800" dir="13500000">
+                      <a:prstClr val="black">
+                        <a:alpha val="50000"/>
+                      </a:prstClr>
+                    </a:innerShdw>
+                  </a:effectLst>
+                  <a:latin typeface="Arial"/>
+                  <a:ea typeface="微软雅黑"/>
+                  <a:sym typeface="Arial"/>
+                </a:rPr>
+                <a:t>Token-JWT</a:t>
+              </a:r>
+              <a:r>
+                <a:rPr lang="zh-CN" altLang="en-US" sz="1600" b="1" dirty="0">
+                  <a:solidFill>
+                    <a:srgbClr val="314865"/>
+                  </a:solidFill>
+                  <a:effectLst>
+                    <a:innerShdw blurRad="63500" dist="50800" dir="13500000">
+                      <a:prstClr val="black">
+                        <a:alpha val="50000"/>
+                      </a:prstClr>
+                    </a:innerShdw>
+                  </a:effectLst>
+                  <a:latin typeface="Arial"/>
+                  <a:ea typeface="微软雅黑"/>
+                  <a:sym typeface="Arial"/>
+                </a:rPr>
+                <a:t>认证 结构</a:t>
+              </a:r>
+            </a:p>
+          </p:txBody>
+        </p:sp>
+        <p:sp>
+          <p:nvSpPr>
+            <p:cNvPr id="7" name="矩形 6">
+              <a:extLst>
+                <a:ext uri="{FF2B5EF4-FFF2-40B4-BE49-F238E27FC236}">
+                  <a16:creationId xmlns:a16="http://schemas.microsoft.com/office/drawing/2014/main" id="{08C15FC7-62DD-4453-AF6E-F2B542659316}"/>
+                </a:ext>
+              </a:extLst>
+            </p:cNvPr>
+            <p:cNvSpPr/>
+            <p:nvPr/>
+          </p:nvSpPr>
+          <p:spPr>
+            <a:xfrm>
+              <a:off x="164616" y="178180"/>
+              <a:ext cx="47829" cy="284416"/>
+            </a:xfrm>
+            <a:prstGeom prst="rect">
+              <a:avLst/>
+            </a:prstGeom>
+            <a:solidFill>
+              <a:srgbClr val="314865"/>
+            </a:solidFill>
+            <a:ln>
+              <a:solidFill>
+                <a:srgbClr val="314865"/>
+              </a:solidFill>
+            </a:ln>
+          </p:spPr>
+          <p:style>
+            <a:lnRef idx="2">
+              <a:schemeClr val="accent1">
+                <a:shade val="50000"/>
+              </a:schemeClr>
+            </a:lnRef>
+            <a:fillRef idx="1">
+              <a:schemeClr val="accent1"/>
+            </a:fillRef>
+            <a:effectRef idx="0">
+              <a:schemeClr val="accent1"/>
+            </a:effectRef>
+            <a:fontRef idx="minor">
+              <a:schemeClr val="lt1"/>
+            </a:fontRef>
+          </p:style>
+          <p:txBody>
+            <a:bodyPr rtlCol="0" anchor="ctr"/>
+            <a:lstStyle/>
+            <a:p>
+              <a:pPr algn="ctr"/>
+              <a:endParaRPr lang="zh-CN" altLang="en-US">
+                <a:latin typeface="Arial"/>
+                <a:ea typeface="微软雅黑"/>
+                <a:sym typeface="Arial"/>
+              </a:endParaRPr>
+            </a:p>
+          </p:txBody>
+        </p:sp>
+        <p:sp>
+          <p:nvSpPr>
+            <p:cNvPr id="8" name="矩形 7">
+              <a:extLst>
+                <a:ext uri="{FF2B5EF4-FFF2-40B4-BE49-F238E27FC236}">
+                  <a16:creationId xmlns:a16="http://schemas.microsoft.com/office/drawing/2014/main" id="{44288C92-0A56-47C6-8AB3-6CB8F631F475}"/>
+                </a:ext>
+              </a:extLst>
+            </p:cNvPr>
+            <p:cNvSpPr/>
+            <p:nvPr/>
+          </p:nvSpPr>
+          <p:spPr>
+            <a:xfrm>
+              <a:off x="275779" y="252586"/>
+              <a:ext cx="47828" cy="210010"/>
+            </a:xfrm>
+            <a:prstGeom prst="rect">
+              <a:avLst/>
+            </a:prstGeom>
+            <a:solidFill>
+              <a:srgbClr val="314865"/>
+            </a:solidFill>
+            <a:ln>
+              <a:solidFill>
+                <a:srgbClr val="314865"/>
+              </a:solidFill>
+            </a:ln>
+          </p:spPr>
+          <p:style>
+            <a:lnRef idx="2">
+              <a:schemeClr val="accent1">
+                <a:shade val="50000"/>
+              </a:schemeClr>
+            </a:lnRef>
+            <a:fillRef idx="1">
+              <a:schemeClr val="accent1"/>
+            </a:fillRef>
+            <a:effectRef idx="0">
+              <a:schemeClr val="accent1"/>
+            </a:effectRef>
+            <a:fontRef idx="minor">
+              <a:schemeClr val="lt1"/>
+            </a:fontRef>
+          </p:style>
+          <p:txBody>
+            <a:bodyPr rtlCol="0" anchor="ctr"/>
+            <a:lstStyle/>
+            <a:p>
+              <a:pPr algn="ctr"/>
+              <a:endParaRPr lang="zh-CN" altLang="en-US">
+                <a:latin typeface="Arial"/>
+                <a:ea typeface="微软雅黑"/>
+                <a:sym typeface="Arial"/>
+              </a:endParaRPr>
+            </a:p>
+          </p:txBody>
+        </p:sp>
+        <p:sp>
+          <p:nvSpPr>
+            <p:cNvPr id="9" name="矩形 8">
+              <a:extLst>
+                <a:ext uri="{FF2B5EF4-FFF2-40B4-BE49-F238E27FC236}">
+                  <a16:creationId xmlns:a16="http://schemas.microsoft.com/office/drawing/2014/main" id="{84847E81-2C2D-4087-8637-2467E921154A}"/>
+                </a:ext>
+              </a:extLst>
+            </p:cNvPr>
+            <p:cNvSpPr/>
+            <p:nvPr/>
+          </p:nvSpPr>
+          <p:spPr>
+            <a:xfrm flipH="1">
+              <a:off x="377808" y="320388"/>
+              <a:ext cx="47827" cy="142208"/>
+            </a:xfrm>
+            <a:prstGeom prst="rect">
+              <a:avLst/>
+            </a:prstGeom>
+            <a:solidFill>
+              <a:srgbClr val="314865"/>
+            </a:solidFill>
+            <a:ln>
+              <a:solidFill>
+                <a:srgbClr val="314865"/>
+              </a:solidFill>
+            </a:ln>
+          </p:spPr>
+          <p:style>
+            <a:lnRef idx="2">
+              <a:schemeClr val="accent1">
+                <a:shade val="50000"/>
+              </a:schemeClr>
+            </a:lnRef>
+            <a:fillRef idx="1">
+              <a:schemeClr val="accent1"/>
+            </a:fillRef>
+            <a:effectRef idx="0">
+              <a:schemeClr val="accent1"/>
+            </a:effectRef>
+            <a:fontRef idx="minor">
+              <a:schemeClr val="lt1"/>
+            </a:fontRef>
+          </p:style>
+          <p:txBody>
+            <a:bodyPr rtlCol="0" anchor="ctr"/>
+            <a:lstStyle/>
+            <a:p>
+              <a:pPr algn="ctr"/>
+              <a:endParaRPr lang="zh-CN" altLang="en-US">
+                <a:latin typeface="Arial"/>
+                <a:ea typeface="微软雅黑"/>
+                <a:sym typeface="Arial"/>
+              </a:endParaRPr>
+            </a:p>
+          </p:txBody>
+        </p:sp>
+      </p:grpSp>
+      <p:graphicFrame>
+        <p:nvGraphicFramePr>
+          <p:cNvPr id="12" name="图示 11">
+            <a:extLst>
+              <a:ext uri="{FF2B5EF4-FFF2-40B4-BE49-F238E27FC236}">
+                <a16:creationId xmlns:a16="http://schemas.microsoft.com/office/drawing/2014/main" id="{A3852B76-7D0C-4BBE-9757-9BD642258CA3}"/>
+              </a:ext>
+            </a:extLst>
+          </p:cNvPr>
+          <p:cNvGraphicFramePr/>
+          <p:nvPr>
+            <p:extLst>
+              <p:ext uri="{D42A27DB-BD31-4B8C-83A1-F6EECF244321}">
+                <p14:modId xmlns:p14="http://schemas.microsoft.com/office/powerpoint/2010/main" val="3212640392"/>
+              </p:ext>
+            </p:extLst>
+          </p:nvPr>
+        </p:nvGraphicFramePr>
+        <p:xfrm>
+          <a:off x="1487411" y="1169832"/>
+          <a:ext cx="10137913" cy="2399899"/>
+        </p:xfrm>
+        <a:graphic>
+          <a:graphicData uri="http://schemas.openxmlformats.org/drawingml/2006/diagram">
+            <dgm:relIds xmlns:dgm="http://schemas.openxmlformats.org/drawingml/2006/diagram" xmlns:r="http://schemas.openxmlformats.org/officeDocument/2006/relationships" r:dm="rId2" r:lo="rId3" r:qs="rId4" r:cs="rId5"/>
+          </a:graphicData>
+        </a:graphic>
+      </p:graphicFrame>
+      <p:sp>
+        <p:nvSpPr>
+          <p:cNvPr id="14" name="矩形 13">
+            <a:extLst>
+              <a:ext uri="{FF2B5EF4-FFF2-40B4-BE49-F238E27FC236}">
+                <a16:creationId xmlns:a16="http://schemas.microsoft.com/office/drawing/2014/main" id="{E6C1EC4A-8BA3-43C9-A08F-88296E921841}"/>
+              </a:ext>
+            </a:extLst>
+          </p:cNvPr>
+          <p:cNvSpPr/>
+          <p:nvPr/>
+        </p:nvSpPr>
+        <p:spPr>
+          <a:xfrm>
+            <a:off x="1778363" y="3635991"/>
+            <a:ext cx="2093844" cy="1200329"/>
+          </a:xfrm>
+          <a:prstGeom prst="rect">
+            <a:avLst/>
+          </a:prstGeom>
+        </p:spPr>
+        <p:txBody>
+          <a:bodyPr wrap="square">
+            <a:spAutoFit/>
+          </a:bodyPr>
+          <a:lstStyle/>
+          <a:p>
+            <a:r>
+              <a:rPr lang="zh-CN" altLang="en-US" dirty="0">
+                <a:latin typeface="微软雅黑" panose="020B0503020204020204" pitchFamily="34" charset="-122"/>
+                <a:ea typeface="微软雅黑" panose="020B0503020204020204" pitchFamily="34" charset="-122"/>
+              </a:rPr>
+              <a:t>{</a:t>
+            </a:r>
+          </a:p>
+          <a:p>
+            <a:r>
+              <a:rPr lang="zh-CN" altLang="en-US" dirty="0">
+                <a:latin typeface="微软雅黑" panose="020B0503020204020204" pitchFamily="34" charset="-122"/>
+                <a:ea typeface="微软雅黑" panose="020B0503020204020204" pitchFamily="34" charset="-122"/>
+              </a:rPr>
+              <a:t>  "typ":"jwt",</a:t>
+            </a:r>
+          </a:p>
+          <a:p>
+            <a:r>
+              <a:rPr lang="zh-CN" altLang="en-US" dirty="0">
+                <a:latin typeface="微软雅黑" panose="020B0503020204020204" pitchFamily="34" charset="-122"/>
+                <a:ea typeface="微软雅黑" panose="020B0503020204020204" pitchFamily="34" charset="-122"/>
+              </a:rPr>
+              <a:t>  "alg": "HS256"</a:t>
+            </a:r>
+          </a:p>
+          <a:p>
+            <a:r>
+              <a:rPr lang="zh-CN" altLang="en-US" dirty="0">
+                <a:latin typeface="微软雅黑" panose="020B0503020204020204" pitchFamily="34" charset="-122"/>
+                <a:ea typeface="微软雅黑" panose="020B0503020204020204" pitchFamily="34" charset="-122"/>
+              </a:rPr>
+              <a:t>}</a:t>
+            </a:r>
+          </a:p>
+        </p:txBody>
+      </p:sp>
+      <p:sp>
+        <p:nvSpPr>
+          <p:cNvPr id="15" name="矩形 14">
+            <a:extLst>
+              <a:ext uri="{FF2B5EF4-FFF2-40B4-BE49-F238E27FC236}">
+                <a16:creationId xmlns:a16="http://schemas.microsoft.com/office/drawing/2014/main" id="{1A6D4CC7-6FE9-47DC-B54F-84A1FCF5F769}"/>
+              </a:ext>
+            </a:extLst>
+          </p:cNvPr>
+          <p:cNvSpPr/>
+          <p:nvPr/>
+        </p:nvSpPr>
+        <p:spPr>
+          <a:xfrm>
+            <a:off x="5241088" y="3644646"/>
+            <a:ext cx="2683565" cy="1754326"/>
+          </a:xfrm>
+          <a:prstGeom prst="rect">
+            <a:avLst/>
+          </a:prstGeom>
+        </p:spPr>
+        <p:txBody>
+          <a:bodyPr wrap="square">
+            <a:spAutoFit/>
+          </a:bodyPr>
+          <a:lstStyle/>
+          <a:p>
+            <a:r>
+              <a:rPr lang="zh-CN" altLang="en-US" dirty="0">
+                <a:latin typeface="微软雅黑" panose="020B0503020204020204" pitchFamily="34" charset="-122"/>
+                <a:ea typeface="微软雅黑" panose="020B0503020204020204" pitchFamily="34" charset="-122"/>
+              </a:rPr>
+              <a:t>{</a:t>
+            </a:r>
+          </a:p>
+          <a:p>
+            <a:r>
+              <a:rPr lang="zh-CN" altLang="en-US" dirty="0">
+                <a:latin typeface="微软雅黑" panose="020B0503020204020204" pitchFamily="34" charset="-122"/>
+                <a:ea typeface="微软雅黑" panose="020B0503020204020204" pitchFamily="34" charset="-122"/>
+              </a:rPr>
+              <a:t>  "exp": 1521448444,</a:t>
+            </a:r>
+          </a:p>
+          <a:p>
+            <a:r>
+              <a:rPr lang="zh-CN" altLang="en-US" dirty="0">
+                <a:latin typeface="微软雅黑" panose="020B0503020204020204" pitchFamily="34" charset="-122"/>
+                <a:ea typeface="微软雅黑" panose="020B0503020204020204" pitchFamily="34" charset="-122"/>
+              </a:rPr>
+              <a:t>  "iss": "scheduler",</a:t>
+            </a:r>
+          </a:p>
+          <a:p>
+            <a:r>
+              <a:rPr lang="zh-CN" altLang="en-US" dirty="0">
+                <a:latin typeface="微软雅黑" panose="020B0503020204020204" pitchFamily="34" charset="-122"/>
+                <a:ea typeface="微软雅黑" panose="020B0503020204020204" pitchFamily="34" charset="-122"/>
+              </a:rPr>
+              <a:t>  "user_id": 1,</a:t>
+            </a:r>
+          </a:p>
+          <a:p>
+            <a:r>
+              <a:rPr lang="zh-CN" altLang="en-US" dirty="0">
+                <a:latin typeface="微软雅黑" panose="020B0503020204020204" pitchFamily="34" charset="-122"/>
+                <a:ea typeface="微软雅黑" panose="020B0503020204020204" pitchFamily="34" charset="-122"/>
+              </a:rPr>
+              <a:t>  "name": "admin"</a:t>
+            </a:r>
+          </a:p>
+          <a:p>
+            <a:r>
+              <a:rPr lang="zh-CN" altLang="en-US" dirty="0">
+                <a:latin typeface="微软雅黑" panose="020B0503020204020204" pitchFamily="34" charset="-122"/>
+                <a:ea typeface="微软雅黑" panose="020B0503020204020204" pitchFamily="34" charset="-122"/>
+              </a:rPr>
+              <a:t>}</a:t>
+            </a:r>
+          </a:p>
+        </p:txBody>
+      </p:sp>
+      <p:sp>
+        <p:nvSpPr>
+          <p:cNvPr id="16" name="矩形 15">
+            <a:extLst>
+              <a:ext uri="{FF2B5EF4-FFF2-40B4-BE49-F238E27FC236}">
+                <a16:creationId xmlns:a16="http://schemas.microsoft.com/office/drawing/2014/main" id="{96034F8B-0C68-43A6-B8CD-3DF0608B3AAC}"/>
+              </a:ext>
+            </a:extLst>
+          </p:cNvPr>
+          <p:cNvSpPr/>
+          <p:nvPr/>
+        </p:nvSpPr>
+        <p:spPr>
+          <a:xfrm>
+            <a:off x="8755633" y="3635991"/>
+            <a:ext cx="2683565" cy="923330"/>
+          </a:xfrm>
+          <a:prstGeom prst="rect">
+            <a:avLst/>
+          </a:prstGeom>
+        </p:spPr>
+        <p:txBody>
+          <a:bodyPr wrap="square">
+            <a:spAutoFit/>
+          </a:bodyPr>
+          <a:lstStyle/>
+          <a:p>
+            <a:r>
+              <a:rPr lang="zh-CN" altLang="en-US" dirty="0">
+                <a:latin typeface="微软雅黑" panose="020B0503020204020204" pitchFamily="34" charset="-122"/>
+                <a:ea typeface="微软雅黑" panose="020B0503020204020204" pitchFamily="34" charset="-122"/>
+              </a:rPr>
+              <a:t>H60H-lZNnJoQuxqXe3KLJzTqWL2-kjRaLlKp_PYFrbQ</a:t>
+            </a:r>
+          </a:p>
+        </p:txBody>
+      </p:sp>
+      <p:sp>
+        <p:nvSpPr>
+          <p:cNvPr id="17" name="Rectangle 2">
+            <a:extLst>
+              <a:ext uri="{FF2B5EF4-FFF2-40B4-BE49-F238E27FC236}">
+                <a16:creationId xmlns:a16="http://schemas.microsoft.com/office/drawing/2014/main" id="{87E8F9A3-33DD-4ECD-ABFF-6A94D8EDDCF7}"/>
+              </a:ext>
+            </a:extLst>
+          </p:cNvPr>
+          <p:cNvSpPr>
+            <a:spLocks noChangeArrowheads="1"/>
+          </p:cNvSpPr>
+          <p:nvPr/>
+        </p:nvSpPr>
+        <p:spPr bwMode="auto">
+          <a:xfrm>
+            <a:off x="5059713" y="307719"/>
+            <a:ext cx="2388852" cy="369332"/>
+          </a:xfrm>
+          <a:prstGeom prst="rect">
+            <a:avLst/>
+          </a:prstGeom>
+          <a:noFill/>
+          <a:ln>
+            <a:noFill/>
+          </a:ln>
+          <a:effectLst/>
+          <a:extLst>
+            <a:ext uri="{909E8E84-426E-40DD-AFC4-6F175D3DCCD1}">
+              <a14:hiddenFill xmlns:a14="http://schemas.microsoft.com/office/drawing/2010/main">
+                <a:solidFill>
+                  <a:schemeClr val="accent1"/>
+                </a:solidFill>
+              </a14:hiddenFill>
+            </a:ext>
+            <a:ext uri="{91240B29-F687-4F45-9708-019B960494DF}">
+              <a14:hiddenLine xmlns:a14="http://schemas.microsoft.com/office/drawing/2010/main" w="9525">
+                <a:solidFill>
+                  <a:schemeClr val="tx1"/>
+                </a:solidFill>
+                <a:miter lim="800000"/>
+                <a:headEnd/>
+                <a:tailEnd/>
+              </a14:hiddenLine>
+            </a:ext>
+            <a:ext uri="{AF507438-7753-43E0-B8FC-AC1667EBCBE1}">
+              <a14:hiddenEffects xmlns:a14="http://schemas.microsoft.com/office/drawing/2010/main">
+                <a:effectLst>
+                  <a:outerShdw dist="35921" dir="2700000" algn="ctr" rotWithShape="0">
+                    <a:schemeClr val="bg2"/>
+                  </a:outerShdw>
+                </a:effectLst>
+              </a14:hiddenEffects>
+            </a:ext>
+          </a:extLst>
+        </p:spPr>
+        <p:txBody>
+          <a:bodyPr vert="horz" wrap="square" lIns="91440" tIns="45720" rIns="91440" bIns="45720" numCol="1" anchor="ctr" anchorCtr="0" compatLnSpc="1">
+            <a:prstTxWarp prst="textNoShape">
+              <a:avLst/>
+            </a:prstTxWarp>
+            <a:spAutoFit/>
+          </a:bodyPr>
+          <a:lstStyle/>
+          <a:p>
+            <a:pPr marL="0" marR="0" lvl="0" indent="0" algn="l" defTabSz="914400" rtl="0" eaLnBrk="0" fontAlgn="base" latinLnBrk="0" hangingPunct="0">
+              <a:lnSpc>
+                <a:spcPct val="100000"/>
+              </a:lnSpc>
+              <a:spcBef>
+                <a:spcPct val="0"/>
+              </a:spcBef>
+              <a:spcAft>
+                <a:spcPct val="0"/>
+              </a:spcAft>
+              <a:buClrTx/>
+              <a:buSzTx/>
+              <a:buFontTx/>
+              <a:buNone/>
+              <a:tabLst/>
+            </a:pPr>
+            <a:r>
+              <a:rPr kumimoji="0" lang="zh-CN" altLang="zh-CN" b="0" i="0" u="none" strike="noStrike" cap="none" normalizeH="0" baseline="0" dirty="0">
+                <a:ln>
+                  <a:noFill/>
+                </a:ln>
+                <a:solidFill>
+                  <a:schemeClr val="tx1"/>
+                </a:solidFill>
+                <a:effectLst/>
+                <a:latin typeface="微软雅黑" panose="020B0503020204020204" pitchFamily="34" charset="-122"/>
+                <a:ea typeface="微软雅黑" panose="020B0503020204020204" pitchFamily="34" charset="-122"/>
+              </a:rPr>
+              <a:t>xxxxx.yyyyy.zzzzz</a:t>
+            </a:r>
+          </a:p>
+        </p:txBody>
+      </p:sp>
+      <p:sp>
+        <p:nvSpPr>
+          <p:cNvPr id="20" name="矩形 19">
+            <a:extLst>
+              <a:ext uri="{FF2B5EF4-FFF2-40B4-BE49-F238E27FC236}">
+                <a16:creationId xmlns:a16="http://schemas.microsoft.com/office/drawing/2014/main" id="{7B923E97-CC1A-465F-8D5A-12D6BF5163BC}"/>
+              </a:ext>
+            </a:extLst>
+          </p:cNvPr>
+          <p:cNvSpPr/>
+          <p:nvPr/>
+        </p:nvSpPr>
+        <p:spPr>
+          <a:xfrm>
+            <a:off x="212445" y="6437888"/>
+            <a:ext cx="12027383" cy="246221"/>
+          </a:xfrm>
+          <a:prstGeom prst="rect">
+            <a:avLst/>
+          </a:prstGeom>
+          <a:noFill/>
+        </p:spPr>
+        <p:txBody>
+          <a:bodyPr wrap="square" rtlCol="0">
+            <a:spAutoFit/>
+          </a:bodyPr>
+          <a:lstStyle/>
+          <a:p>
+            <a:r>
+              <a:rPr lang="en-US" altLang="zh-CN" sz="1000" dirty="0">
+                <a:solidFill>
+                  <a:srgbClr val="FF0000"/>
+                </a:solidFill>
+                <a:latin typeface="微软雅黑" panose="020B0503020204020204" pitchFamily="34" charset="-122"/>
+                <a:ea typeface="微软雅黑" panose="020B0503020204020204" pitchFamily="34" charset="-122"/>
+              </a:rPr>
+              <a:t>eyJ0eXAiOiJqd3QiLCJhbGciOiJIUzI1NiJ9.</a:t>
+            </a:r>
+            <a:r>
+              <a:rPr lang="en-US" altLang="zh-CN" sz="1000" dirty="0">
+                <a:solidFill>
+                  <a:srgbClr val="FF00FF"/>
+                </a:solidFill>
+                <a:latin typeface="微软雅黑" panose="020B0503020204020204" pitchFamily="34" charset="-122"/>
+                <a:ea typeface="微软雅黑" panose="020B0503020204020204" pitchFamily="34" charset="-122"/>
+              </a:rPr>
+              <a:t>eyJleHAiOjE1MjE0NDg0NDQsImlzcyI6InNjaGVkdWxlciIsInVzZXJfaWQiOjEsIm5hbWUiOiJhZG1pbiJ9</a:t>
+            </a:r>
+            <a:r>
+              <a:rPr lang="en-US" altLang="zh-CN" sz="1000" dirty="0">
+                <a:solidFill>
+                  <a:srgbClr val="FF0000"/>
+                </a:solidFill>
+                <a:latin typeface="微软雅黑" panose="020B0503020204020204" pitchFamily="34" charset="-122"/>
+                <a:ea typeface="微软雅黑" panose="020B0503020204020204" pitchFamily="34" charset="-122"/>
+              </a:rPr>
+              <a:t>.</a:t>
+            </a:r>
+            <a:r>
+              <a:rPr lang="en-US" altLang="zh-CN" sz="1000" dirty="0">
+                <a:solidFill>
+                  <a:srgbClr val="00B0F0"/>
+                </a:solidFill>
+                <a:latin typeface="微软雅黑" panose="020B0503020204020204" pitchFamily="34" charset="-122"/>
+                <a:ea typeface="微软雅黑" panose="020B0503020204020204" pitchFamily="34" charset="-122"/>
+              </a:rPr>
+              <a:t>H60H-lZNnJoQuxqXe3KLJzTqWL2-kjRaLlKp_PYFrbQ</a:t>
+            </a:r>
+            <a:endParaRPr lang="zh-CN" altLang="en-US" sz="1000" dirty="0">
+              <a:solidFill>
+                <a:srgbClr val="00B0F0"/>
+              </a:solidFill>
+              <a:latin typeface="微软雅黑" panose="020B0503020204020204" pitchFamily="34" charset="-122"/>
+              <a:ea typeface="微软雅黑" panose="020B0503020204020204" pitchFamily="34" charset="-122"/>
+            </a:endParaRPr>
+          </a:p>
+        </p:txBody>
+      </p:sp>
+      <p:sp>
+        <p:nvSpPr>
+          <p:cNvPr id="21" name="矩形 20">
+            <a:extLst>
+              <a:ext uri="{FF2B5EF4-FFF2-40B4-BE49-F238E27FC236}">
+                <a16:creationId xmlns:a16="http://schemas.microsoft.com/office/drawing/2014/main" id="{B37D02E3-9DBF-4CF9-88CE-83E2CF30DAEC}"/>
+              </a:ext>
+            </a:extLst>
+          </p:cNvPr>
+          <p:cNvSpPr/>
+          <p:nvPr/>
+        </p:nvSpPr>
+        <p:spPr>
+          <a:xfrm>
+            <a:off x="164616" y="643604"/>
+            <a:ext cx="877163" cy="369332"/>
+          </a:xfrm>
+          <a:prstGeom prst="rect">
+            <a:avLst/>
+          </a:prstGeom>
+        </p:spPr>
+        <p:txBody>
+          <a:bodyPr wrap="none">
+            <a:spAutoFit/>
+          </a:bodyPr>
+          <a:lstStyle/>
+          <a:p>
+            <a:r>
+              <a:rPr lang="zh-CN" altLang="en-US" dirty="0">
+                <a:solidFill>
+                  <a:schemeClr val="bg2">
+                    <a:lumMod val="50000"/>
+                  </a:schemeClr>
+                </a:solidFill>
+                <a:latin typeface="微软雅黑" panose="020B0503020204020204" pitchFamily="34" charset="-122"/>
+                <a:ea typeface="微软雅黑" panose="020B0503020204020204" pitchFamily="34" charset="-122"/>
+                <a:sym typeface="Arial"/>
+              </a:rPr>
+              <a:t>模版：</a:t>
+            </a:r>
+            <a:endParaRPr lang="zh-CN" altLang="en-US" dirty="0">
+              <a:latin typeface="微软雅黑" panose="020B0503020204020204" pitchFamily="34" charset="-122"/>
+              <a:ea typeface="微软雅黑" panose="020B0503020204020204" pitchFamily="34" charset="-122"/>
+            </a:endParaRPr>
+          </a:p>
+        </p:txBody>
+      </p:sp>
+      <p:sp>
+        <p:nvSpPr>
+          <p:cNvPr id="22" name="矩形 21">
+            <a:extLst>
+              <a:ext uri="{FF2B5EF4-FFF2-40B4-BE49-F238E27FC236}">
+                <a16:creationId xmlns:a16="http://schemas.microsoft.com/office/drawing/2014/main" id="{15BABCE0-A264-4FA8-BD9F-0C0BE6312DDE}"/>
+              </a:ext>
+            </a:extLst>
+          </p:cNvPr>
+          <p:cNvSpPr/>
+          <p:nvPr/>
+        </p:nvSpPr>
+        <p:spPr>
+          <a:xfrm>
+            <a:off x="164615" y="1335990"/>
+            <a:ext cx="877163" cy="369332"/>
+          </a:xfrm>
+          <a:prstGeom prst="rect">
+            <a:avLst/>
+          </a:prstGeom>
+        </p:spPr>
+        <p:txBody>
+          <a:bodyPr wrap="none">
+            <a:spAutoFit/>
+          </a:bodyPr>
+          <a:lstStyle/>
+          <a:p>
+            <a:r>
+              <a:rPr lang="zh-CN" altLang="en-US" dirty="0">
+                <a:solidFill>
+                  <a:schemeClr val="bg2">
+                    <a:lumMod val="50000"/>
+                  </a:schemeClr>
+                </a:solidFill>
+                <a:latin typeface="微软雅黑" panose="020B0503020204020204" pitchFamily="34" charset="-122"/>
+                <a:ea typeface="微软雅黑" panose="020B0503020204020204" pitchFamily="34" charset="-122"/>
+                <a:sym typeface="Arial"/>
+              </a:rPr>
+              <a:t>组成：</a:t>
+            </a:r>
+            <a:endParaRPr lang="zh-CN" altLang="en-US" dirty="0">
+              <a:latin typeface="微软雅黑" panose="020B0503020204020204" pitchFamily="34" charset="-122"/>
+              <a:ea typeface="微软雅黑" panose="020B0503020204020204" pitchFamily="34" charset="-122"/>
+            </a:endParaRPr>
+          </a:p>
+        </p:txBody>
+      </p:sp>
+      <p:sp>
+        <p:nvSpPr>
+          <p:cNvPr id="23" name="矩形 22">
+            <a:extLst>
+              <a:ext uri="{FF2B5EF4-FFF2-40B4-BE49-F238E27FC236}">
+                <a16:creationId xmlns:a16="http://schemas.microsoft.com/office/drawing/2014/main" id="{374A4CCB-81FA-4A78-BA33-5BC13793EBEC}"/>
+              </a:ext>
+            </a:extLst>
+          </p:cNvPr>
+          <p:cNvSpPr/>
+          <p:nvPr/>
+        </p:nvSpPr>
+        <p:spPr>
+          <a:xfrm>
+            <a:off x="188530" y="3775630"/>
+            <a:ext cx="1338828" cy="369332"/>
+          </a:xfrm>
+          <a:prstGeom prst="rect">
+            <a:avLst/>
+          </a:prstGeom>
+        </p:spPr>
+        <p:txBody>
+          <a:bodyPr wrap="none">
+            <a:spAutoFit/>
+          </a:bodyPr>
+          <a:lstStyle/>
+          <a:p>
+            <a:r>
+              <a:rPr lang="zh-CN" altLang="en-US" dirty="0">
+                <a:solidFill>
+                  <a:schemeClr val="bg2">
+                    <a:lumMod val="50000"/>
+                  </a:schemeClr>
+                </a:solidFill>
+                <a:latin typeface="微软雅黑" panose="020B0503020204020204" pitchFamily="34" charset="-122"/>
+                <a:ea typeface="微软雅黑" panose="020B0503020204020204" pitchFamily="34" charset="-122"/>
+                <a:sym typeface="Arial"/>
+              </a:rPr>
+              <a:t>数据样例：</a:t>
+            </a:r>
+            <a:endParaRPr lang="zh-CN" altLang="en-US" dirty="0">
+              <a:latin typeface="微软雅黑" panose="020B0503020204020204" pitchFamily="34" charset="-122"/>
+              <a:ea typeface="微软雅黑" panose="020B0503020204020204" pitchFamily="34" charset="-122"/>
+            </a:endParaRPr>
+          </a:p>
+        </p:txBody>
+      </p:sp>
+      <p:sp>
+        <p:nvSpPr>
+          <p:cNvPr id="24" name="矩形 23">
+            <a:extLst>
+              <a:ext uri="{FF2B5EF4-FFF2-40B4-BE49-F238E27FC236}">
+                <a16:creationId xmlns:a16="http://schemas.microsoft.com/office/drawing/2014/main" id="{3709740F-748C-44DC-B2D0-FBB11F39E509}"/>
+              </a:ext>
+            </a:extLst>
+          </p:cNvPr>
+          <p:cNvSpPr/>
+          <p:nvPr/>
+        </p:nvSpPr>
+        <p:spPr>
+          <a:xfrm>
+            <a:off x="208771" y="6096830"/>
+            <a:ext cx="877163" cy="369332"/>
+          </a:xfrm>
+          <a:prstGeom prst="rect">
+            <a:avLst/>
+          </a:prstGeom>
+        </p:spPr>
+        <p:txBody>
+          <a:bodyPr wrap="none">
+            <a:spAutoFit/>
+          </a:bodyPr>
+          <a:lstStyle/>
+          <a:p>
+            <a:r>
+              <a:rPr lang="zh-CN" altLang="en-US" dirty="0">
+                <a:solidFill>
+                  <a:schemeClr val="bg2">
+                    <a:lumMod val="50000"/>
+                  </a:schemeClr>
+                </a:solidFill>
+                <a:latin typeface="微软雅黑" panose="020B0503020204020204" pitchFamily="34" charset="-122"/>
+                <a:ea typeface="微软雅黑" panose="020B0503020204020204" pitchFamily="34" charset="-122"/>
+                <a:sym typeface="Arial"/>
+              </a:rPr>
+              <a:t>最终：</a:t>
+            </a:r>
+            <a:endParaRPr lang="zh-CN" altLang="en-US" dirty="0">
+              <a:latin typeface="微软雅黑" panose="020B0503020204020204" pitchFamily="34" charset="-122"/>
+              <a:ea typeface="微软雅黑" panose="020B0503020204020204" pitchFamily="34" charset="-122"/>
+            </a:endParaRPr>
+          </a:p>
+        </p:txBody>
+      </p:sp>
+      <p:sp>
+        <p:nvSpPr>
+          <p:cNvPr id="25" name="矩形 24">
+            <a:extLst>
+              <a:ext uri="{FF2B5EF4-FFF2-40B4-BE49-F238E27FC236}">
+                <a16:creationId xmlns:a16="http://schemas.microsoft.com/office/drawing/2014/main" id="{88BAE518-9915-48A6-99DA-1C4CDF09BFAE}"/>
+              </a:ext>
+            </a:extLst>
+          </p:cNvPr>
+          <p:cNvSpPr/>
+          <p:nvPr/>
+        </p:nvSpPr>
+        <p:spPr>
+          <a:xfrm>
+            <a:off x="190095" y="5425752"/>
+            <a:ext cx="877163" cy="369332"/>
+          </a:xfrm>
+          <a:prstGeom prst="rect">
+            <a:avLst/>
+          </a:prstGeom>
+        </p:spPr>
+        <p:txBody>
+          <a:bodyPr wrap="none">
+            <a:spAutoFit/>
+          </a:bodyPr>
+          <a:lstStyle/>
+          <a:p>
+            <a:r>
+              <a:rPr lang="zh-CN" altLang="en-US" dirty="0">
+                <a:solidFill>
+                  <a:schemeClr val="bg2">
+                    <a:lumMod val="50000"/>
+                  </a:schemeClr>
+                </a:solidFill>
+                <a:latin typeface="微软雅黑" panose="020B0503020204020204" pitchFamily="34" charset="-122"/>
+                <a:ea typeface="微软雅黑" panose="020B0503020204020204" pitchFamily="34" charset="-122"/>
+                <a:sym typeface="Arial"/>
+              </a:rPr>
+              <a:t>转码：</a:t>
+            </a:r>
+            <a:endParaRPr lang="zh-CN" altLang="en-US" dirty="0">
+              <a:latin typeface="微软雅黑" panose="020B0503020204020204" pitchFamily="34" charset="-122"/>
+              <a:ea typeface="微软雅黑" panose="020B0503020204020204" pitchFamily="34" charset="-122"/>
+            </a:endParaRPr>
+          </a:p>
+        </p:txBody>
+      </p:sp>
+      <p:sp>
+        <p:nvSpPr>
+          <p:cNvPr id="26" name="Rectangle 3">
+            <a:extLst>
+              <a:ext uri="{FF2B5EF4-FFF2-40B4-BE49-F238E27FC236}">
+                <a16:creationId xmlns:a16="http://schemas.microsoft.com/office/drawing/2014/main" id="{1D371CE6-A417-481D-8FE6-68B7E0692AED}"/>
+              </a:ext>
+            </a:extLst>
+          </p:cNvPr>
+          <p:cNvSpPr>
+            <a:spLocks noChangeArrowheads="1"/>
+          </p:cNvSpPr>
+          <p:nvPr/>
+        </p:nvSpPr>
+        <p:spPr bwMode="auto">
+          <a:xfrm>
+            <a:off x="1527358" y="5510843"/>
+            <a:ext cx="2969717" cy="276999"/>
+          </a:xfrm>
+          <a:prstGeom prst="rect">
+            <a:avLst/>
+          </a:prstGeom>
+          <a:extLst>
+            <a:ext uri="{909E8E84-426E-40DD-AFC4-6F175D3DCCD1}">
+              <a14:hiddenFill xmlns:a14="http://schemas.microsoft.com/office/drawing/2010/main">
+                <a:solidFill>
+                  <a:schemeClr val="accent1"/>
+                </a:solidFill>
+              </a14:hiddenFill>
+            </a:ext>
+            <a:ext uri="{91240B29-F687-4F45-9708-019B960494DF}">
+              <a14:hiddenLine xmlns:a14="http://schemas.microsoft.com/office/drawing/2010/main" w="9525">
+                <a:solidFill>
+                  <a:schemeClr val="tx1"/>
+                </a:solidFill>
+                <a:miter lim="800000"/>
+                <a:headEnd/>
+                <a:tailEnd/>
+              </a14:hiddenLine>
+            </a:ext>
+            <a:ext uri="{AF507438-7753-43E0-B8FC-AC1667EBCBE1}">
+              <a14:hiddenEffects xmlns:a14="http://schemas.microsoft.com/office/drawing/2010/main">
+                <a:effectLst>
+                  <a:outerShdw dist="35921" dir="2700000" algn="ctr" rotWithShape="0">
+                    <a:schemeClr val="bg2"/>
+                  </a:outerShdw>
+                </a:effectLst>
+              </a14:hiddenEffects>
+            </a:ext>
+          </a:extLst>
+        </p:spPr>
+        <p:txBody>
+          <a:bodyPr wrap="square">
+            <a:spAutoFit/>
+          </a:bodyPr>
+          <a:lstStyle/>
+          <a:p>
+            <a:r>
+              <a:rPr lang="zh-CN" altLang="zh-CN" sz="1200" dirty="0">
+                <a:latin typeface="微软雅黑" panose="020B0503020204020204" pitchFamily="34" charset="-122"/>
+                <a:ea typeface="微软雅黑" panose="020B0503020204020204" pitchFamily="34" charset="-122"/>
+              </a:rPr>
+              <a:t>base64UrlEncode(header) </a:t>
+            </a:r>
+          </a:p>
+        </p:txBody>
+      </p:sp>
+      <p:sp>
+        <p:nvSpPr>
+          <p:cNvPr id="27" name="Rectangle 3">
+            <a:extLst>
+              <a:ext uri="{FF2B5EF4-FFF2-40B4-BE49-F238E27FC236}">
+                <a16:creationId xmlns:a16="http://schemas.microsoft.com/office/drawing/2014/main" id="{DD1DC055-27DB-46FE-9ECB-9188EDA52864}"/>
+              </a:ext>
+            </a:extLst>
+          </p:cNvPr>
+          <p:cNvSpPr>
+            <a:spLocks noChangeArrowheads="1"/>
+          </p:cNvSpPr>
+          <p:nvPr/>
+        </p:nvSpPr>
+        <p:spPr bwMode="auto">
+          <a:xfrm>
+            <a:off x="5011894" y="5510842"/>
+            <a:ext cx="3144841" cy="276999"/>
+          </a:xfrm>
+          <a:prstGeom prst="rect">
+            <a:avLst/>
+          </a:prstGeom>
+          <a:extLst>
+            <a:ext uri="{909E8E84-426E-40DD-AFC4-6F175D3DCCD1}">
+              <a14:hiddenFill xmlns:a14="http://schemas.microsoft.com/office/drawing/2010/main">
+                <a:solidFill>
+                  <a:schemeClr val="accent1"/>
+                </a:solidFill>
+              </a14:hiddenFill>
+            </a:ext>
+            <a:ext uri="{91240B29-F687-4F45-9708-019B960494DF}">
+              <a14:hiddenLine xmlns:a14="http://schemas.microsoft.com/office/drawing/2010/main" w="9525">
+                <a:solidFill>
+                  <a:schemeClr val="tx1"/>
+                </a:solidFill>
+                <a:miter lim="800000"/>
+                <a:headEnd/>
+                <a:tailEnd/>
+              </a14:hiddenLine>
+            </a:ext>
+            <a:ext uri="{AF507438-7753-43E0-B8FC-AC1667EBCBE1}">
+              <a14:hiddenEffects xmlns:a14="http://schemas.microsoft.com/office/drawing/2010/main">
+                <a:effectLst>
+                  <a:outerShdw dist="35921" dir="2700000" algn="ctr" rotWithShape="0">
+                    <a:schemeClr val="bg2"/>
+                  </a:outerShdw>
+                </a:effectLst>
+              </a14:hiddenEffects>
+            </a:ext>
+          </a:extLst>
+        </p:spPr>
+        <p:txBody>
+          <a:bodyPr wrap="square">
+            <a:spAutoFit/>
+          </a:bodyPr>
+          <a:lstStyle/>
+          <a:p>
+            <a:r>
+              <a:rPr lang="zh-CN" altLang="zh-CN" sz="1200" dirty="0">
+                <a:latin typeface="微软雅黑" panose="020B0503020204020204" pitchFamily="34" charset="-122"/>
+                <a:ea typeface="微软雅黑" panose="020B0503020204020204" pitchFamily="34" charset="-122"/>
+              </a:rPr>
+              <a:t>base64UrlEncode(</a:t>
+            </a:r>
+            <a:r>
+              <a:rPr lang="en-US" altLang="zh-CN" sz="1200" dirty="0">
+                <a:latin typeface="微软雅黑" panose="020B0503020204020204" pitchFamily="34" charset="-122"/>
+                <a:ea typeface="微软雅黑" panose="020B0503020204020204" pitchFamily="34" charset="-122"/>
+              </a:rPr>
+              <a:t>payload</a:t>
+            </a:r>
+            <a:r>
+              <a:rPr lang="zh-CN" altLang="zh-CN" sz="1200" dirty="0">
+                <a:latin typeface="微软雅黑" panose="020B0503020204020204" pitchFamily="34" charset="-122"/>
+                <a:ea typeface="微软雅黑" panose="020B0503020204020204" pitchFamily="34" charset="-122"/>
+              </a:rPr>
+              <a:t>) </a:t>
+            </a:r>
+          </a:p>
+        </p:txBody>
+      </p:sp>
+      <p:sp>
+        <p:nvSpPr>
+          <p:cNvPr id="31" name="Rectangle 7">
+            <a:extLst>
+              <a:ext uri="{FF2B5EF4-FFF2-40B4-BE49-F238E27FC236}">
+                <a16:creationId xmlns:a16="http://schemas.microsoft.com/office/drawing/2014/main" id="{4D354EB0-F526-48FD-8966-536997548FFE}"/>
+              </a:ext>
+            </a:extLst>
+          </p:cNvPr>
+          <p:cNvSpPr>
+            <a:spLocks noChangeArrowheads="1"/>
+          </p:cNvSpPr>
+          <p:nvPr/>
+        </p:nvSpPr>
+        <p:spPr bwMode="auto">
+          <a:xfrm>
+            <a:off x="8671555" y="5003010"/>
+            <a:ext cx="2953769" cy="1015663"/>
+          </a:xfrm>
+          <a:prstGeom prst="rect">
+            <a:avLst/>
+          </a:prstGeom>
+          <a:extLst>
+            <a:ext uri="{909E8E84-426E-40DD-AFC4-6F175D3DCCD1}">
+              <a14:hiddenFill xmlns:a14="http://schemas.microsoft.com/office/drawing/2010/main">
+                <a:solidFill>
+                  <a:schemeClr val="accent1"/>
+                </a:solidFill>
+              </a14:hiddenFill>
+            </a:ext>
+            <a:ext uri="{91240B29-F687-4F45-9708-019B960494DF}">
+              <a14:hiddenLine xmlns:a14="http://schemas.microsoft.com/office/drawing/2010/main" w="9525">
+                <a:solidFill>
+                  <a:schemeClr val="tx1"/>
+                </a:solidFill>
+                <a:miter lim="800000"/>
+                <a:headEnd/>
+                <a:tailEnd/>
+              </a14:hiddenLine>
+            </a:ext>
+            <a:ext uri="{AF507438-7753-43E0-B8FC-AC1667EBCBE1}">
+              <a14:hiddenEffects xmlns:a14="http://schemas.microsoft.com/office/drawing/2010/main">
+                <a:effectLst>
+                  <a:outerShdw dist="35921" dir="2700000" algn="ctr" rotWithShape="0">
+                    <a:schemeClr val="bg2"/>
+                  </a:outerShdw>
+                </a:effectLst>
+              </a14:hiddenEffects>
+            </a:ext>
+          </a:extLst>
+        </p:spPr>
+        <p:txBody>
+          <a:bodyPr wrap="square">
+            <a:spAutoFit/>
+          </a:bodyPr>
+          <a:lstStyle/>
+          <a:p>
+            <a:r>
+              <a:rPr lang="zh-CN" altLang="zh-CN" sz="1200" dirty="0">
+                <a:latin typeface="微软雅黑" panose="020B0503020204020204" pitchFamily="34" charset="-122"/>
+                <a:ea typeface="微软雅黑" panose="020B0503020204020204" pitchFamily="34" charset="-122"/>
+              </a:rPr>
+              <a:t>HMACSHA256(</a:t>
+            </a:r>
+            <a:endParaRPr lang="en-US" altLang="zh-CN" sz="1200" dirty="0">
+              <a:latin typeface="微软雅黑" panose="020B0503020204020204" pitchFamily="34" charset="-122"/>
+              <a:ea typeface="微软雅黑" panose="020B0503020204020204" pitchFamily="34" charset="-122"/>
+            </a:endParaRPr>
+          </a:p>
+          <a:p>
+            <a:r>
+              <a:rPr lang="en-US" altLang="zh-CN" sz="1200" dirty="0">
+                <a:latin typeface="微软雅黑" panose="020B0503020204020204" pitchFamily="34" charset="-122"/>
+                <a:ea typeface="微软雅黑" panose="020B0503020204020204" pitchFamily="34" charset="-122"/>
+              </a:rPr>
+              <a:t>    base64UrlEncode(header) + "." +</a:t>
+            </a:r>
+          </a:p>
+          <a:p>
+            <a:r>
+              <a:rPr lang="en-US" altLang="zh-CN" sz="1200" dirty="0">
+                <a:latin typeface="微软雅黑" panose="020B0503020204020204" pitchFamily="34" charset="-122"/>
+                <a:ea typeface="微软雅黑" panose="020B0503020204020204" pitchFamily="34" charset="-122"/>
+              </a:rPr>
+              <a:t>    base64UrlEncode(payload),</a:t>
+            </a:r>
+          </a:p>
+          <a:p>
+            <a:r>
+              <a:rPr lang="en-US" altLang="zh-CN" sz="1200" dirty="0">
+                <a:latin typeface="微软雅黑" panose="020B0503020204020204" pitchFamily="34" charset="-122"/>
+                <a:ea typeface="微软雅黑" panose="020B0503020204020204" pitchFamily="34" charset="-122"/>
+              </a:rPr>
+              <a:t>    secret</a:t>
+            </a:r>
+          </a:p>
+          <a:p>
+            <a:r>
+              <a:rPr lang="en-US" altLang="zh-CN" sz="1200" dirty="0">
+                <a:latin typeface="微软雅黑" panose="020B0503020204020204" pitchFamily="34" charset="-122"/>
+                <a:ea typeface="微软雅黑" panose="020B0503020204020204" pitchFamily="34" charset="-122"/>
+              </a:rPr>
+              <a:t>)</a:t>
+            </a:r>
+            <a:r>
+              <a:rPr lang="zh-CN" altLang="zh-CN" sz="1200" dirty="0">
+                <a:latin typeface="微软雅黑" panose="020B0503020204020204" pitchFamily="34" charset="-122"/>
+                <a:ea typeface="微软雅黑" panose="020B0503020204020204" pitchFamily="34" charset="-122"/>
+              </a:rPr>
+              <a:t> </a:t>
+            </a:r>
+          </a:p>
+        </p:txBody>
+      </p:sp>
+      <p:cxnSp>
+        <p:nvCxnSpPr>
+          <p:cNvPr id="34" name="直接箭头连接符 33">
+            <a:extLst>
+              <a:ext uri="{FF2B5EF4-FFF2-40B4-BE49-F238E27FC236}">
+                <a16:creationId xmlns:a16="http://schemas.microsoft.com/office/drawing/2014/main" id="{08A70923-9B13-4333-B6DB-C5762A9A9AA8}"/>
+              </a:ext>
+            </a:extLst>
+          </p:cNvPr>
+          <p:cNvCxnSpPr>
+            <a:cxnSpLocks/>
+          </p:cNvCxnSpPr>
+          <p:nvPr/>
+        </p:nvCxnSpPr>
+        <p:spPr>
+          <a:xfrm flipH="1">
+            <a:off x="3012216" y="653873"/>
+            <a:ext cx="2434427" cy="564797"/>
+          </a:xfrm>
+          <a:prstGeom prst="straightConnector1">
+            <a:avLst/>
+          </a:prstGeom>
+          <a:ln>
+            <a:tailEnd type="triangle"/>
+          </a:ln>
+        </p:spPr>
+        <p:style>
+          <a:lnRef idx="1">
+            <a:schemeClr val="accent1"/>
+          </a:lnRef>
+          <a:fillRef idx="0">
+            <a:schemeClr val="accent1"/>
+          </a:fillRef>
+          <a:effectRef idx="0">
+            <a:schemeClr val="accent1"/>
+          </a:effectRef>
+          <a:fontRef idx="minor">
+            <a:schemeClr val="tx1"/>
+          </a:fontRef>
+        </p:style>
+      </p:cxnSp>
+      <p:cxnSp>
+        <p:nvCxnSpPr>
+          <p:cNvPr id="38" name="直接箭头连接符 37">
+            <a:extLst>
+              <a:ext uri="{FF2B5EF4-FFF2-40B4-BE49-F238E27FC236}">
+                <a16:creationId xmlns:a16="http://schemas.microsoft.com/office/drawing/2014/main" id="{94C7DD90-DF98-4409-8E98-B414F9587F7F}"/>
+              </a:ext>
+            </a:extLst>
+          </p:cNvPr>
+          <p:cNvCxnSpPr>
+            <a:cxnSpLocks/>
+            <a:endCxn id="12" idx="0"/>
+          </p:cNvCxnSpPr>
+          <p:nvPr/>
+        </p:nvCxnSpPr>
+        <p:spPr>
+          <a:xfrm>
+            <a:off x="5992602" y="677051"/>
+            <a:ext cx="563765" cy="492781"/>
+          </a:xfrm>
+          <a:prstGeom prst="straightConnector1">
+            <a:avLst/>
+          </a:prstGeom>
+          <a:ln>
+            <a:tailEnd type="triangle"/>
+          </a:ln>
+        </p:spPr>
+        <p:style>
+          <a:lnRef idx="1">
+            <a:schemeClr val="accent1"/>
+          </a:lnRef>
+          <a:fillRef idx="0">
+            <a:schemeClr val="accent1"/>
+          </a:fillRef>
+          <a:effectRef idx="0">
+            <a:schemeClr val="accent1"/>
+          </a:effectRef>
+          <a:fontRef idx="minor">
+            <a:schemeClr val="tx1"/>
+          </a:fontRef>
+        </p:style>
+      </p:cxnSp>
+      <p:cxnSp>
+        <p:nvCxnSpPr>
+          <p:cNvPr id="41" name="直接连接符 40">
+            <a:extLst>
+              <a:ext uri="{FF2B5EF4-FFF2-40B4-BE49-F238E27FC236}">
+                <a16:creationId xmlns:a16="http://schemas.microsoft.com/office/drawing/2014/main" id="{C1254199-CA55-477F-A90E-F586037077F5}"/>
+              </a:ext>
+            </a:extLst>
+          </p:cNvPr>
+          <p:cNvCxnSpPr>
+            <a:cxnSpLocks/>
+          </p:cNvCxnSpPr>
+          <p:nvPr/>
+        </p:nvCxnSpPr>
+        <p:spPr>
+          <a:xfrm>
+            <a:off x="5163987" y="630795"/>
+            <a:ext cx="450574" cy="0"/>
+          </a:xfrm>
+          <a:prstGeom prst="line">
+            <a:avLst/>
+          </a:prstGeom>
+          <a:ln>
+            <a:solidFill>
+              <a:srgbClr val="FF0000"/>
+            </a:solidFill>
+          </a:ln>
+        </p:spPr>
+        <p:style>
+          <a:lnRef idx="1">
+            <a:schemeClr val="accent2"/>
+          </a:lnRef>
+          <a:fillRef idx="0">
+            <a:schemeClr val="accent2"/>
+          </a:fillRef>
+          <a:effectRef idx="0">
+            <a:schemeClr val="accent2"/>
+          </a:effectRef>
+          <a:fontRef idx="minor">
+            <a:schemeClr val="tx1"/>
+          </a:fontRef>
+        </p:style>
+      </p:cxnSp>
+      <p:cxnSp>
+        <p:nvCxnSpPr>
+          <p:cNvPr id="43" name="直接连接符 42">
+            <a:extLst>
+              <a:ext uri="{FF2B5EF4-FFF2-40B4-BE49-F238E27FC236}">
+                <a16:creationId xmlns:a16="http://schemas.microsoft.com/office/drawing/2014/main" id="{961C8600-239D-48CF-A546-EE4A9992D957}"/>
+              </a:ext>
+            </a:extLst>
+          </p:cNvPr>
+          <p:cNvCxnSpPr>
+            <a:cxnSpLocks/>
+          </p:cNvCxnSpPr>
+          <p:nvPr/>
+        </p:nvCxnSpPr>
+        <p:spPr>
+          <a:xfrm>
+            <a:off x="5803565" y="657182"/>
+            <a:ext cx="450574" cy="0"/>
+          </a:xfrm>
+          <a:prstGeom prst="line">
+            <a:avLst/>
+          </a:prstGeom>
+          <a:ln>
+            <a:solidFill>
+              <a:srgbClr val="FF0000"/>
+            </a:solidFill>
+          </a:ln>
+        </p:spPr>
+        <p:style>
+          <a:lnRef idx="1">
+            <a:schemeClr val="accent2"/>
+          </a:lnRef>
+          <a:fillRef idx="0">
+            <a:schemeClr val="accent2"/>
+          </a:fillRef>
+          <a:effectRef idx="0">
+            <a:schemeClr val="accent2"/>
+          </a:effectRef>
+          <a:fontRef idx="minor">
+            <a:schemeClr val="tx1"/>
+          </a:fontRef>
+        </p:style>
+      </p:cxnSp>
+      <p:cxnSp>
+        <p:nvCxnSpPr>
+          <p:cNvPr id="44" name="直接连接符 43">
+            <a:extLst>
+              <a:ext uri="{FF2B5EF4-FFF2-40B4-BE49-F238E27FC236}">
+                <a16:creationId xmlns:a16="http://schemas.microsoft.com/office/drawing/2014/main" id="{533D85B1-081D-47B2-9120-E61FEE6BAC53}"/>
+              </a:ext>
+            </a:extLst>
+          </p:cNvPr>
+          <p:cNvCxnSpPr>
+            <a:cxnSpLocks/>
+          </p:cNvCxnSpPr>
+          <p:nvPr/>
+        </p:nvCxnSpPr>
+        <p:spPr>
+          <a:xfrm>
+            <a:off x="6439670" y="630795"/>
+            <a:ext cx="450574" cy="0"/>
+          </a:xfrm>
+          <a:prstGeom prst="line">
+            <a:avLst/>
+          </a:prstGeom>
+          <a:ln>
+            <a:solidFill>
+              <a:srgbClr val="FF0000"/>
+            </a:solidFill>
+          </a:ln>
+        </p:spPr>
+        <p:style>
+          <a:lnRef idx="1">
+            <a:schemeClr val="accent2"/>
+          </a:lnRef>
+          <a:fillRef idx="0">
+            <a:schemeClr val="accent2"/>
+          </a:fillRef>
+          <a:effectRef idx="0">
+            <a:schemeClr val="accent2"/>
+          </a:effectRef>
+          <a:fontRef idx="minor">
+            <a:schemeClr val="tx1"/>
+          </a:fontRef>
+        </p:style>
+      </p:cxnSp>
+      <p:cxnSp>
+        <p:nvCxnSpPr>
+          <p:cNvPr id="47" name="直接箭头连接符 46">
+            <a:extLst>
+              <a:ext uri="{FF2B5EF4-FFF2-40B4-BE49-F238E27FC236}">
+                <a16:creationId xmlns:a16="http://schemas.microsoft.com/office/drawing/2014/main" id="{73773C90-DBE9-4F88-AE66-57E4DDA4D30A}"/>
+              </a:ext>
+            </a:extLst>
+          </p:cNvPr>
+          <p:cNvCxnSpPr>
+            <a:cxnSpLocks/>
+          </p:cNvCxnSpPr>
+          <p:nvPr/>
+        </p:nvCxnSpPr>
+        <p:spPr>
+          <a:xfrm>
+            <a:off x="6652591" y="648527"/>
+            <a:ext cx="3444824" cy="541173"/>
+          </a:xfrm>
+          <a:prstGeom prst="straightConnector1">
+            <a:avLst/>
+          </a:prstGeom>
+          <a:ln>
+            <a:tailEnd type="triangle"/>
+          </a:ln>
+        </p:spPr>
+        <p:style>
+          <a:lnRef idx="1">
+            <a:schemeClr val="accent1"/>
+          </a:lnRef>
+          <a:fillRef idx="0">
+            <a:schemeClr val="accent1"/>
+          </a:fillRef>
+          <a:effectRef idx="0">
+            <a:schemeClr val="accent1"/>
+          </a:effectRef>
+          <a:fontRef idx="minor">
+            <a:schemeClr val="tx1"/>
+          </a:fontRef>
+        </p:style>
+      </p:cxnSp>
+      <p:sp>
+        <p:nvSpPr>
+          <p:cNvPr id="53" name="箭头: 下 52">
+            <a:extLst>
+              <a:ext uri="{FF2B5EF4-FFF2-40B4-BE49-F238E27FC236}">
+                <a16:creationId xmlns:a16="http://schemas.microsoft.com/office/drawing/2014/main" id="{FE94D54E-B0A3-4F04-AE17-4E361081D438}"/>
+              </a:ext>
+            </a:extLst>
+          </p:cNvPr>
+          <p:cNvSpPr/>
+          <p:nvPr/>
+        </p:nvSpPr>
+        <p:spPr>
+          <a:xfrm>
+            <a:off x="2604446" y="3528243"/>
+            <a:ext cx="291548" cy="139639"/>
+          </a:xfrm>
+          <a:prstGeom prst="downArrow">
+            <a:avLst/>
+          </a:prstGeom>
+        </p:spPr>
+        <p:style>
+          <a:lnRef idx="2">
+            <a:schemeClr val="accent1">
+              <a:shade val="50000"/>
+            </a:schemeClr>
+          </a:lnRef>
+          <a:fillRef idx="1">
+            <a:schemeClr val="accent1"/>
+          </a:fillRef>
+          <a:effectRef idx="0">
+            <a:schemeClr val="accent1"/>
+          </a:effectRef>
+          <a:fontRef idx="minor">
+            <a:schemeClr val="lt1"/>
+          </a:fontRef>
+        </p:style>
+        <p:txBody>
+          <a:bodyPr rtlCol="0" anchor="ctr"/>
+          <a:lstStyle/>
+          <a:p>
+            <a:pPr algn="ctr"/>
+            <a:endParaRPr lang="zh-CN" altLang="en-US"/>
+          </a:p>
+        </p:txBody>
+      </p:sp>
+      <p:sp>
+        <p:nvSpPr>
+          <p:cNvPr id="54" name="箭头: 下 53">
+            <a:extLst>
+              <a:ext uri="{FF2B5EF4-FFF2-40B4-BE49-F238E27FC236}">
+                <a16:creationId xmlns:a16="http://schemas.microsoft.com/office/drawing/2014/main" id="{489FAB5A-C5C8-4D77-9377-E88526A7F767}"/>
+              </a:ext>
+            </a:extLst>
+          </p:cNvPr>
+          <p:cNvSpPr/>
+          <p:nvPr/>
+        </p:nvSpPr>
+        <p:spPr>
+          <a:xfrm>
+            <a:off x="6226136" y="3541962"/>
+            <a:ext cx="291548" cy="139639"/>
+          </a:xfrm>
+          <a:prstGeom prst="downArrow">
+            <a:avLst/>
+          </a:prstGeom>
+        </p:spPr>
+        <p:style>
+          <a:lnRef idx="2">
+            <a:schemeClr val="accent1">
+              <a:shade val="50000"/>
+            </a:schemeClr>
+          </a:lnRef>
+          <a:fillRef idx="1">
+            <a:schemeClr val="accent1"/>
+          </a:fillRef>
+          <a:effectRef idx="0">
+            <a:schemeClr val="accent1"/>
+          </a:effectRef>
+          <a:fontRef idx="minor">
+            <a:schemeClr val="lt1"/>
+          </a:fontRef>
+        </p:style>
+        <p:txBody>
+          <a:bodyPr rtlCol="0" anchor="ctr"/>
+          <a:lstStyle/>
+          <a:p>
+            <a:pPr algn="ctr"/>
+            <a:endParaRPr lang="zh-CN" altLang="en-US"/>
+          </a:p>
+        </p:txBody>
+      </p:sp>
+      <p:sp>
+        <p:nvSpPr>
+          <p:cNvPr id="55" name="箭头: 下 54">
+            <a:extLst>
+              <a:ext uri="{FF2B5EF4-FFF2-40B4-BE49-F238E27FC236}">
+                <a16:creationId xmlns:a16="http://schemas.microsoft.com/office/drawing/2014/main" id="{BBB5EE85-D6DD-42BB-9E2D-40A75ADA0A63}"/>
+              </a:ext>
+            </a:extLst>
+          </p:cNvPr>
+          <p:cNvSpPr/>
+          <p:nvPr/>
+        </p:nvSpPr>
+        <p:spPr>
+          <a:xfrm>
+            <a:off x="9847826" y="3509903"/>
+            <a:ext cx="291548" cy="139639"/>
+          </a:xfrm>
+          <a:prstGeom prst="downArrow">
+            <a:avLst/>
+          </a:prstGeom>
+        </p:spPr>
+        <p:style>
+          <a:lnRef idx="2">
+            <a:schemeClr val="accent1">
+              <a:shade val="50000"/>
+            </a:schemeClr>
+          </a:lnRef>
+          <a:fillRef idx="1">
+            <a:schemeClr val="accent1"/>
+          </a:fillRef>
+          <a:effectRef idx="0">
+            <a:schemeClr val="accent1"/>
+          </a:effectRef>
+          <a:fontRef idx="minor">
+            <a:schemeClr val="lt1"/>
+          </a:fontRef>
+        </p:style>
+        <p:txBody>
+          <a:bodyPr rtlCol="0" anchor="ctr"/>
+          <a:lstStyle/>
+          <a:p>
+            <a:pPr algn="ctr"/>
+            <a:endParaRPr lang="zh-CN" altLang="en-US"/>
+          </a:p>
+        </p:txBody>
+      </p:sp>
+      <p:sp>
+        <p:nvSpPr>
+          <p:cNvPr id="56" name="箭头: 下 55">
+            <a:extLst>
+              <a:ext uri="{FF2B5EF4-FFF2-40B4-BE49-F238E27FC236}">
+                <a16:creationId xmlns:a16="http://schemas.microsoft.com/office/drawing/2014/main" id="{79AD31CB-78D8-4D70-A1EA-F899D9D7CA9D}"/>
+              </a:ext>
+            </a:extLst>
+          </p:cNvPr>
+          <p:cNvSpPr/>
+          <p:nvPr/>
+        </p:nvSpPr>
+        <p:spPr>
+          <a:xfrm>
+            <a:off x="2604446" y="5286113"/>
+            <a:ext cx="291548" cy="139639"/>
+          </a:xfrm>
+          <a:prstGeom prst="downArrow">
+            <a:avLst/>
+          </a:prstGeom>
+        </p:spPr>
+        <p:style>
+          <a:lnRef idx="2">
+            <a:schemeClr val="accent1">
+              <a:shade val="50000"/>
+            </a:schemeClr>
+          </a:lnRef>
+          <a:fillRef idx="1">
+            <a:schemeClr val="accent1"/>
+          </a:fillRef>
+          <a:effectRef idx="0">
+            <a:schemeClr val="accent1"/>
+          </a:effectRef>
+          <a:fontRef idx="minor">
+            <a:schemeClr val="lt1"/>
+          </a:fontRef>
+        </p:style>
+        <p:txBody>
+          <a:bodyPr rtlCol="0" anchor="ctr"/>
+          <a:lstStyle/>
+          <a:p>
+            <a:pPr algn="ctr"/>
+            <a:endParaRPr lang="zh-CN" altLang="en-US"/>
+          </a:p>
+        </p:txBody>
+      </p:sp>
+      <p:sp>
+        <p:nvSpPr>
+          <p:cNvPr id="57" name="箭头: 下 56">
+            <a:extLst>
+              <a:ext uri="{FF2B5EF4-FFF2-40B4-BE49-F238E27FC236}">
+                <a16:creationId xmlns:a16="http://schemas.microsoft.com/office/drawing/2014/main" id="{5A1BF188-47F7-4376-B31F-95BEBA92D5CE}"/>
+              </a:ext>
+            </a:extLst>
+          </p:cNvPr>
+          <p:cNvSpPr/>
+          <p:nvPr/>
+        </p:nvSpPr>
+        <p:spPr>
+          <a:xfrm>
+            <a:off x="6221402" y="5286113"/>
+            <a:ext cx="291548" cy="139639"/>
+          </a:xfrm>
+          <a:prstGeom prst="downArrow">
+            <a:avLst/>
+          </a:prstGeom>
+        </p:spPr>
+        <p:style>
+          <a:lnRef idx="2">
+            <a:schemeClr val="accent1">
+              <a:shade val="50000"/>
+            </a:schemeClr>
+          </a:lnRef>
+          <a:fillRef idx="1">
+            <a:schemeClr val="accent1"/>
+          </a:fillRef>
+          <a:effectRef idx="0">
+            <a:schemeClr val="accent1"/>
+          </a:effectRef>
+          <a:fontRef idx="minor">
+            <a:schemeClr val="lt1"/>
+          </a:fontRef>
+        </p:style>
+        <p:txBody>
+          <a:bodyPr rtlCol="0" anchor="ctr"/>
+          <a:lstStyle/>
+          <a:p>
+            <a:pPr algn="ctr"/>
+            <a:endParaRPr lang="zh-CN" altLang="en-US"/>
+          </a:p>
+        </p:txBody>
+      </p:sp>
+      <p:sp>
+        <p:nvSpPr>
+          <p:cNvPr id="58" name="箭头: 下 57">
+            <a:extLst>
+              <a:ext uri="{FF2B5EF4-FFF2-40B4-BE49-F238E27FC236}">
+                <a16:creationId xmlns:a16="http://schemas.microsoft.com/office/drawing/2014/main" id="{1275A5C7-79E3-44FF-B879-6CBE701279E9}"/>
+              </a:ext>
+            </a:extLst>
+          </p:cNvPr>
+          <p:cNvSpPr/>
+          <p:nvPr/>
+        </p:nvSpPr>
+        <p:spPr>
+          <a:xfrm>
+            <a:off x="9847826" y="4885622"/>
+            <a:ext cx="291548" cy="139639"/>
+          </a:xfrm>
+          <a:prstGeom prst="downArrow">
+            <a:avLst/>
+          </a:prstGeom>
+        </p:spPr>
+        <p:style>
+          <a:lnRef idx="2">
+            <a:schemeClr val="accent1">
+              <a:shade val="50000"/>
+            </a:schemeClr>
+          </a:lnRef>
+          <a:fillRef idx="1">
+            <a:schemeClr val="accent1"/>
+          </a:fillRef>
+          <a:effectRef idx="0">
+            <a:schemeClr val="accent1"/>
+          </a:effectRef>
+          <a:fontRef idx="minor">
+            <a:schemeClr val="lt1"/>
+          </a:fontRef>
+        </p:style>
+        <p:txBody>
+          <a:bodyPr rtlCol="0" anchor="ctr"/>
+          <a:lstStyle/>
+          <a:p>
+            <a:pPr algn="ctr"/>
+            <a:endParaRPr lang="zh-CN" altLang="en-US"/>
+          </a:p>
+        </p:txBody>
+      </p:sp>
+      <p:cxnSp>
+        <p:nvCxnSpPr>
+          <p:cNvPr id="59" name="直接箭头连接符 58">
+            <a:extLst>
+              <a:ext uri="{FF2B5EF4-FFF2-40B4-BE49-F238E27FC236}">
+                <a16:creationId xmlns:a16="http://schemas.microsoft.com/office/drawing/2014/main" id="{C34EA8E8-9C4B-4B7C-B9FC-A94461B16590}"/>
+              </a:ext>
+            </a:extLst>
+          </p:cNvPr>
+          <p:cNvCxnSpPr>
+            <a:cxnSpLocks/>
+          </p:cNvCxnSpPr>
+          <p:nvPr/>
+        </p:nvCxnSpPr>
+        <p:spPr>
+          <a:xfrm flipH="1">
+            <a:off x="1258957" y="5787841"/>
+            <a:ext cx="1345489" cy="674524"/>
+          </a:xfrm>
+          <a:prstGeom prst="straightConnector1">
+            <a:avLst/>
+          </a:prstGeom>
+          <a:ln>
+            <a:tailEnd type="triangle"/>
+          </a:ln>
+        </p:spPr>
+        <p:style>
+          <a:lnRef idx="1">
+            <a:schemeClr val="accent1"/>
+          </a:lnRef>
+          <a:fillRef idx="0">
+            <a:schemeClr val="accent1"/>
+          </a:fillRef>
+          <a:effectRef idx="0">
+            <a:schemeClr val="accent1"/>
+          </a:effectRef>
+          <a:fontRef idx="minor">
+            <a:schemeClr val="tx1"/>
+          </a:fontRef>
+        </p:style>
+      </p:cxnSp>
+      <p:cxnSp>
+        <p:nvCxnSpPr>
+          <p:cNvPr id="62" name="直接箭头连接符 61">
+            <a:extLst>
+              <a:ext uri="{FF2B5EF4-FFF2-40B4-BE49-F238E27FC236}">
+                <a16:creationId xmlns:a16="http://schemas.microsoft.com/office/drawing/2014/main" id="{E449E257-AD0F-4D8B-8211-3DCB46F3654E}"/>
+              </a:ext>
+            </a:extLst>
+          </p:cNvPr>
+          <p:cNvCxnSpPr>
+            <a:cxnSpLocks/>
+          </p:cNvCxnSpPr>
+          <p:nvPr/>
+        </p:nvCxnSpPr>
+        <p:spPr>
+          <a:xfrm flipH="1">
+            <a:off x="5260414" y="5775602"/>
+            <a:ext cx="1011468" cy="696192"/>
+          </a:xfrm>
+          <a:prstGeom prst="straightConnector1">
+            <a:avLst/>
+          </a:prstGeom>
+          <a:ln>
+            <a:tailEnd type="triangle"/>
+          </a:ln>
+        </p:spPr>
+        <p:style>
+          <a:lnRef idx="1">
+            <a:schemeClr val="accent1"/>
+          </a:lnRef>
+          <a:fillRef idx="0">
+            <a:schemeClr val="accent1"/>
+          </a:fillRef>
+          <a:effectRef idx="0">
+            <a:schemeClr val="accent1"/>
+          </a:effectRef>
+          <a:fontRef idx="minor">
+            <a:schemeClr val="tx1"/>
+          </a:fontRef>
+        </p:style>
+      </p:cxnSp>
+      <p:cxnSp>
+        <p:nvCxnSpPr>
+          <p:cNvPr id="65" name="直接箭头连接符 64">
+            <a:extLst>
+              <a:ext uri="{FF2B5EF4-FFF2-40B4-BE49-F238E27FC236}">
+                <a16:creationId xmlns:a16="http://schemas.microsoft.com/office/drawing/2014/main" id="{29828A78-8F58-4F70-914C-575F05573CD3}"/>
+              </a:ext>
+            </a:extLst>
+          </p:cNvPr>
+          <p:cNvCxnSpPr>
+            <a:cxnSpLocks/>
+            <a:stCxn id="31" idx="2"/>
+          </p:cNvCxnSpPr>
+          <p:nvPr/>
+        </p:nvCxnSpPr>
+        <p:spPr>
+          <a:xfrm>
+            <a:off x="10148440" y="6018673"/>
+            <a:ext cx="0" cy="447489"/>
+          </a:xfrm>
+          <a:prstGeom prst="straightConnector1">
+            <a:avLst/>
+          </a:prstGeom>
+          <a:ln>
+            <a:tailEnd type="triangle"/>
+          </a:ln>
+        </p:spPr>
+        <p:style>
+          <a:lnRef idx="1">
+            <a:schemeClr val="accent1"/>
+          </a:lnRef>
+          <a:fillRef idx="0">
+            <a:schemeClr val="accent1"/>
+          </a:fillRef>
+          <a:effectRef idx="0">
+            <a:schemeClr val="accent1"/>
+          </a:effectRef>
+          <a:fontRef idx="minor">
+            <a:schemeClr val="tx1"/>
+          </a:fontRef>
+        </p:style>
+      </p:cxnSp>
+    </p:spTree>
+    <p:extLst>
+      <p:ext uri="{BB962C8B-B14F-4D97-AF65-F5344CB8AC3E}">
+        <p14:creationId xmlns:p14="http://schemas.microsoft.com/office/powerpoint/2010/main" val="2824629639"/>
+      </p:ext>
+    </p:extLst>
+  </p:cSld>
+  <p:clrMapOvr>
+    <a:masterClrMapping/>
+  </p:clrMapOvr>
+</p:sld>
+</file>
+
 <file path=ppt/theme/theme1.xml><?xml version="1.0" encoding="utf-8"?>
 <a:theme xmlns:a="http://schemas.openxmlformats.org/drawingml/2006/main" name="Office 主题​​">
   <a:themeElements>

--- a/安全认证方案.pptx
+++ b/安全认证方案.pptx
@@ -11,6 +11,7 @@
     <p:sldId id="259" r:id="rId5"/>
     <p:sldId id="260" r:id="rId6"/>
     <p:sldId id="261" r:id="rId7"/>
+    <p:sldId id="262" r:id="rId8"/>
   </p:sldIdLst>
   <p:sldSz cx="12192000" cy="6858000"/>
   <p:notesSz cx="6858000" cy="9144000"/>
@@ -4059,7 +4060,7 @@
           <a:p>
             <a:fld id="{C0ED74D5-C5FA-45E3-A277-33329A496674}" type="datetimeFigureOut">
               <a:rPr lang="zh-CN" altLang="en-US" smtClean="0"/>
-              <a:t>2018/5/29</a:t>
+              <a:t>2018/5/30</a:t>
             </a:fld>
             <a:endParaRPr lang="zh-CN" altLang="en-US"/>
           </a:p>
@@ -4257,7 +4258,7 @@
           <a:p>
             <a:fld id="{C0ED74D5-C5FA-45E3-A277-33329A496674}" type="datetimeFigureOut">
               <a:rPr lang="zh-CN" altLang="en-US" smtClean="0"/>
-              <a:t>2018/5/29</a:t>
+              <a:t>2018/5/30</a:t>
             </a:fld>
             <a:endParaRPr lang="zh-CN" altLang="en-US"/>
           </a:p>
@@ -4465,7 +4466,7 @@
           <a:p>
             <a:fld id="{C0ED74D5-C5FA-45E3-A277-33329A496674}" type="datetimeFigureOut">
               <a:rPr lang="zh-CN" altLang="en-US" smtClean="0"/>
-              <a:t>2018/5/29</a:t>
+              <a:t>2018/5/30</a:t>
             </a:fld>
             <a:endParaRPr lang="zh-CN" altLang="en-US"/>
           </a:p>
@@ -4663,7 +4664,7 @@
           <a:p>
             <a:fld id="{C0ED74D5-C5FA-45E3-A277-33329A496674}" type="datetimeFigureOut">
               <a:rPr lang="zh-CN" altLang="en-US" smtClean="0"/>
-              <a:t>2018/5/29</a:t>
+              <a:t>2018/5/30</a:t>
             </a:fld>
             <a:endParaRPr lang="zh-CN" altLang="en-US"/>
           </a:p>
@@ -4938,7 +4939,7 @@
           <a:p>
             <a:fld id="{C0ED74D5-C5FA-45E3-A277-33329A496674}" type="datetimeFigureOut">
               <a:rPr lang="zh-CN" altLang="en-US" smtClean="0"/>
-              <a:t>2018/5/29</a:t>
+              <a:t>2018/5/30</a:t>
             </a:fld>
             <a:endParaRPr lang="zh-CN" altLang="en-US"/>
           </a:p>
@@ -5203,7 +5204,7 @@
           <a:p>
             <a:fld id="{C0ED74D5-C5FA-45E3-A277-33329A496674}" type="datetimeFigureOut">
               <a:rPr lang="zh-CN" altLang="en-US" smtClean="0"/>
-              <a:t>2018/5/29</a:t>
+              <a:t>2018/5/30</a:t>
             </a:fld>
             <a:endParaRPr lang="zh-CN" altLang="en-US"/>
           </a:p>
@@ -5615,7 +5616,7 @@
           <a:p>
             <a:fld id="{C0ED74D5-C5FA-45E3-A277-33329A496674}" type="datetimeFigureOut">
               <a:rPr lang="zh-CN" altLang="en-US" smtClean="0"/>
-              <a:t>2018/5/29</a:t>
+              <a:t>2018/5/30</a:t>
             </a:fld>
             <a:endParaRPr lang="zh-CN" altLang="en-US"/>
           </a:p>
@@ -5756,7 +5757,7 @@
           <a:p>
             <a:fld id="{C0ED74D5-C5FA-45E3-A277-33329A496674}" type="datetimeFigureOut">
               <a:rPr lang="zh-CN" altLang="en-US" smtClean="0"/>
-              <a:t>2018/5/29</a:t>
+              <a:t>2018/5/30</a:t>
             </a:fld>
             <a:endParaRPr lang="zh-CN" altLang="en-US"/>
           </a:p>
@@ -5869,7 +5870,7 @@
           <a:p>
             <a:fld id="{C0ED74D5-C5FA-45E3-A277-33329A496674}" type="datetimeFigureOut">
               <a:rPr lang="zh-CN" altLang="en-US" smtClean="0"/>
-              <a:t>2018/5/29</a:t>
+              <a:t>2018/5/30</a:t>
             </a:fld>
             <a:endParaRPr lang="zh-CN" altLang="en-US"/>
           </a:p>
@@ -6180,7 +6181,7 @@
           <a:p>
             <a:fld id="{C0ED74D5-C5FA-45E3-A277-33329A496674}" type="datetimeFigureOut">
               <a:rPr lang="zh-CN" altLang="en-US" smtClean="0"/>
-              <a:t>2018/5/29</a:t>
+              <a:t>2018/5/30</a:t>
             </a:fld>
             <a:endParaRPr lang="zh-CN" altLang="en-US"/>
           </a:p>
@@ -6468,7 +6469,7 @@
           <a:p>
             <a:fld id="{C0ED74D5-C5FA-45E3-A277-33329A496674}" type="datetimeFigureOut">
               <a:rPr lang="zh-CN" altLang="en-US" smtClean="0"/>
-              <a:t>2018/5/29</a:t>
+              <a:t>2018/5/30</a:t>
             </a:fld>
             <a:endParaRPr lang="zh-CN" altLang="en-US"/>
           </a:p>
@@ -6709,7 +6710,7 @@
           <a:p>
             <a:fld id="{C0ED74D5-C5FA-45E3-A277-33329A496674}" type="datetimeFigureOut">
               <a:rPr lang="zh-CN" altLang="en-US" smtClean="0"/>
-              <a:t>2018/5/29</a:t>
+              <a:t>2018/5/30</a:t>
             </a:fld>
             <a:endParaRPr lang="zh-CN" altLang="en-US"/>
           </a:p>
@@ -18836,43 +18837,6 @@
       </p:sp>
       <p:sp>
         <p:nvSpPr>
-          <p:cNvPr id="16" name="矩形 15">
-            <a:extLst>
-              <a:ext uri="{FF2B5EF4-FFF2-40B4-BE49-F238E27FC236}">
-                <a16:creationId xmlns:a16="http://schemas.microsoft.com/office/drawing/2014/main" id="{96034F8B-0C68-43A6-B8CD-3DF0608B3AAC}"/>
-              </a:ext>
-            </a:extLst>
-          </p:cNvPr>
-          <p:cNvSpPr/>
-          <p:nvPr/>
-        </p:nvSpPr>
-        <p:spPr>
-          <a:xfrm>
-            <a:off x="8755633" y="3635991"/>
-            <a:ext cx="2683565" cy="923330"/>
-          </a:xfrm>
-          <a:prstGeom prst="rect">
-            <a:avLst/>
-          </a:prstGeom>
-        </p:spPr>
-        <p:txBody>
-          <a:bodyPr wrap="square">
-            <a:spAutoFit/>
-          </a:bodyPr>
-          <a:lstStyle/>
-          <a:p>
-            <a:r>
-              <a:rPr lang="zh-CN" altLang="en-US" dirty="0">
-                <a:latin typeface="微软雅黑" panose="020B0503020204020204" pitchFamily="34" charset="-122"/>
-                <a:ea typeface="微软雅黑" panose="020B0503020204020204" pitchFamily="34" charset="-122"/>
-              </a:rPr>
-              <a:t>H60H-lZNnJoQuxqXe3KLJzTqWL2-kjRaLlKp_PYFrbQ</a:t>
-            </a:r>
-          </a:p>
-        </p:txBody>
-      </p:sp>
-      <p:sp>
-        <p:nvSpPr>
           <p:cNvPr id="17" name="Rectangle 2">
             <a:extLst>
               <a:ext uri="{FF2B5EF4-FFF2-40B4-BE49-F238E27FC236}">
@@ -19446,7 +19410,7 @@
         </p:nvSpPr>
         <p:spPr bwMode="auto">
           <a:xfrm>
-            <a:off x="8671555" y="5003010"/>
+            <a:off x="8904967" y="5014177"/>
             <a:ext cx="2953769" cy="1015663"/>
           </a:xfrm>
           <a:prstGeom prst="rect">
@@ -19891,52 +19855,6 @@
       </p:sp>
       <p:sp>
         <p:nvSpPr>
-          <p:cNvPr id="55" name="箭头: 下 54">
-            <a:extLst>
-              <a:ext uri="{FF2B5EF4-FFF2-40B4-BE49-F238E27FC236}">
-                <a16:creationId xmlns:a16="http://schemas.microsoft.com/office/drawing/2014/main" id="{BBB5EE85-D6DD-42BB-9E2D-40A75ADA0A63}"/>
-              </a:ext>
-            </a:extLst>
-          </p:cNvPr>
-          <p:cNvSpPr/>
-          <p:nvPr/>
-        </p:nvSpPr>
-        <p:spPr>
-          <a:xfrm>
-            <a:off x="9847826" y="3509903"/>
-            <a:ext cx="291548" cy="139639"/>
-          </a:xfrm>
-          <a:prstGeom prst="downArrow">
-            <a:avLst/>
-          </a:prstGeom>
-        </p:spPr>
-        <p:style>
-          <a:lnRef idx="2">
-            <a:schemeClr val="accent1">
-              <a:shade val="50000"/>
-            </a:schemeClr>
-          </a:lnRef>
-          <a:fillRef idx="1">
-            <a:schemeClr val="accent1"/>
-          </a:fillRef>
-          <a:effectRef idx="0">
-            <a:schemeClr val="accent1"/>
-          </a:effectRef>
-          <a:fontRef idx="minor">
-            <a:schemeClr val="lt1"/>
-          </a:fontRef>
-        </p:style>
-        <p:txBody>
-          <a:bodyPr rtlCol="0" anchor="ctr"/>
-          <a:lstStyle/>
-          <a:p>
-            <a:pPr algn="ctr"/>
-            <a:endParaRPr lang="zh-CN" altLang="en-US"/>
-          </a:p>
-        </p:txBody>
-      </p:sp>
-      <p:sp>
-        <p:nvSpPr>
           <p:cNvPr id="56" name="箭头: 下 55">
             <a:extLst>
               <a:ext uri="{FF2B5EF4-FFF2-40B4-BE49-F238E27FC236}">
@@ -20041,7 +19959,7 @@
         </p:nvSpPr>
         <p:spPr>
           <a:xfrm>
-            <a:off x="9847826" y="4885622"/>
+            <a:off x="9951641" y="3597275"/>
             <a:ext cx="291548" cy="139639"/>
           </a:xfrm>
           <a:prstGeom prst="downArrow">
@@ -20172,8 +20090,8 @@
         </p:nvCxnSpPr>
         <p:spPr>
           <a:xfrm>
-            <a:off x="10148440" y="6018673"/>
-            <a:ext cx="0" cy="447489"/>
+            <a:off x="10381852" y="6029841"/>
+            <a:ext cx="0" cy="447488"/>
           </a:xfrm>
           <a:prstGeom prst="straightConnector1">
             <a:avLst/>
@@ -20201,6 +20119,365 @@
     <p:extLst>
       <p:ext uri="{BB962C8B-B14F-4D97-AF65-F5344CB8AC3E}">
         <p14:creationId xmlns:p14="http://schemas.microsoft.com/office/powerpoint/2010/main" val="2824629639"/>
+      </p:ext>
+    </p:extLst>
+  </p:cSld>
+  <p:clrMapOvr>
+    <a:masterClrMapping/>
+  </p:clrMapOvr>
+</p:sld>
+</file>
+
+<file path=ppt/slides/slide7.xml><?xml version="1.0" encoding="utf-8"?>
+<p:sld xmlns:a="http://schemas.openxmlformats.org/drawingml/2006/main" xmlns:r="http://schemas.openxmlformats.org/officeDocument/2006/relationships" xmlns:p="http://schemas.openxmlformats.org/presentationml/2006/main">
+  <p:cSld>
+    <p:spTree>
+      <p:nvGrpSpPr>
+        <p:cNvPr id="1" name=""/>
+        <p:cNvGrpSpPr/>
+        <p:nvPr/>
+      </p:nvGrpSpPr>
+      <p:grpSpPr>
+        <a:xfrm>
+          <a:off x="0" y="0"/>
+          <a:ext cx="0" cy="0"/>
+          <a:chOff x="0" y="0"/>
+          <a:chExt cx="0" cy="0"/>
+        </a:xfrm>
+      </p:grpSpPr>
+      <p:grpSp>
+        <p:nvGrpSpPr>
+          <p:cNvPr id="4" name="组合 3">
+            <a:extLst>
+              <a:ext uri="{FF2B5EF4-FFF2-40B4-BE49-F238E27FC236}">
+                <a16:creationId xmlns:a16="http://schemas.microsoft.com/office/drawing/2014/main" id="{FAB19391-44BF-44AB-A358-2AF3DA7C28E8}"/>
+              </a:ext>
+            </a:extLst>
+          </p:cNvPr>
+          <p:cNvGrpSpPr/>
+          <p:nvPr/>
+        </p:nvGrpSpPr>
+        <p:grpSpPr>
+          <a:xfrm>
+            <a:off x="164616" y="178180"/>
+            <a:ext cx="2804616" cy="368580"/>
+            <a:chOff x="164616" y="178180"/>
+            <a:chExt cx="2804616" cy="368580"/>
+          </a:xfrm>
+        </p:grpSpPr>
+        <p:cxnSp>
+          <p:nvCxnSpPr>
+            <p:cNvPr id="5" name="直接连接符 4">
+              <a:extLst>
+                <a:ext uri="{FF2B5EF4-FFF2-40B4-BE49-F238E27FC236}">
+                  <a16:creationId xmlns:a16="http://schemas.microsoft.com/office/drawing/2014/main" id="{89225D1A-1444-4948-B6BF-EAC9BE414AA6}"/>
+                </a:ext>
+              </a:extLst>
+            </p:cNvPr>
+            <p:cNvCxnSpPr>
+              <a:cxnSpLocks/>
+            </p:cNvCxnSpPr>
+            <p:nvPr/>
+          </p:nvCxnSpPr>
+          <p:spPr>
+            <a:xfrm flipV="1">
+              <a:off x="164616" y="535956"/>
+              <a:ext cx="2804616" cy="10804"/>
+            </a:xfrm>
+            <a:prstGeom prst="line">
+              <a:avLst/>
+            </a:prstGeom>
+            <a:ln>
+              <a:solidFill>
+                <a:srgbClr val="314865"/>
+              </a:solidFill>
+            </a:ln>
+          </p:spPr>
+          <p:style>
+            <a:lnRef idx="1">
+              <a:schemeClr val="accent1"/>
+            </a:lnRef>
+            <a:fillRef idx="0">
+              <a:schemeClr val="accent1"/>
+            </a:fillRef>
+            <a:effectRef idx="0">
+              <a:schemeClr val="accent1"/>
+            </a:effectRef>
+            <a:fontRef idx="minor">
+              <a:schemeClr val="tx1"/>
+            </a:fontRef>
+          </p:style>
+        </p:cxnSp>
+        <p:sp>
+          <p:nvSpPr>
+            <p:cNvPr id="6" name="文本框 5">
+              <a:extLst>
+                <a:ext uri="{FF2B5EF4-FFF2-40B4-BE49-F238E27FC236}">
+                  <a16:creationId xmlns:a16="http://schemas.microsoft.com/office/drawing/2014/main" id="{293FCAD5-5C65-4D50-ABE4-727E980ACB47}"/>
+                </a:ext>
+              </a:extLst>
+            </p:cNvPr>
+            <p:cNvSpPr txBox="1"/>
+            <p:nvPr/>
+          </p:nvSpPr>
+          <p:spPr>
+            <a:xfrm>
+              <a:off x="534486" y="178180"/>
+              <a:ext cx="2434746" cy="338554"/>
+            </a:xfrm>
+            <a:prstGeom prst="rect">
+              <a:avLst/>
+            </a:prstGeom>
+            <a:noFill/>
+          </p:spPr>
+          <p:txBody>
+            <a:bodyPr wrap="square" rtlCol="0">
+              <a:spAutoFit/>
+            </a:bodyPr>
+            <a:lstStyle/>
+            <a:p>
+              <a:pPr>
+                <a:spcBef>
+                  <a:spcPct val="20000"/>
+                </a:spcBef>
+                <a:buClr>
+                  <a:schemeClr val="hlink"/>
+                </a:buClr>
+                <a:buSzPct val="65000"/>
+              </a:pPr>
+              <a:r>
+                <a:rPr lang="en-US" altLang="zh-CN" sz="1600" b="1" dirty="0">
+                  <a:solidFill>
+                    <a:srgbClr val="314865"/>
+                  </a:solidFill>
+                  <a:effectLst>
+                    <a:innerShdw blurRad="63500" dist="50800" dir="13500000">
+                      <a:prstClr val="black">
+                        <a:alpha val="50000"/>
+                      </a:prstClr>
+                    </a:innerShdw>
+                  </a:effectLst>
+                  <a:latin typeface="Arial"/>
+                  <a:ea typeface="微软雅黑"/>
+                  <a:sym typeface="Arial"/>
+                </a:rPr>
+                <a:t>oauth2</a:t>
+              </a:r>
+              <a:r>
+                <a:rPr lang="zh-CN" altLang="en-US" sz="1600" b="1">
+                  <a:solidFill>
+                    <a:srgbClr val="314865"/>
+                  </a:solidFill>
+                  <a:effectLst>
+                    <a:innerShdw blurRad="63500" dist="50800" dir="13500000">
+                      <a:prstClr val="black">
+                        <a:alpha val="50000"/>
+                      </a:prstClr>
+                    </a:innerShdw>
+                  </a:effectLst>
+                  <a:latin typeface="Arial"/>
+                  <a:ea typeface="微软雅黑"/>
+                  <a:sym typeface="Arial"/>
+                </a:rPr>
+                <a:t>认证</a:t>
+              </a:r>
+              <a:endParaRPr lang="zh-CN" altLang="en-US" sz="1600" b="1" dirty="0">
+                <a:solidFill>
+                  <a:srgbClr val="314865"/>
+                </a:solidFill>
+                <a:effectLst>
+                  <a:innerShdw blurRad="63500" dist="50800" dir="13500000">
+                    <a:prstClr val="black">
+                      <a:alpha val="50000"/>
+                    </a:prstClr>
+                  </a:innerShdw>
+                </a:effectLst>
+                <a:latin typeface="Arial"/>
+                <a:ea typeface="微软雅黑"/>
+                <a:sym typeface="Arial"/>
+              </a:endParaRPr>
+            </a:p>
+          </p:txBody>
+        </p:sp>
+        <p:sp>
+          <p:nvSpPr>
+            <p:cNvPr id="7" name="矩形 6">
+              <a:extLst>
+                <a:ext uri="{FF2B5EF4-FFF2-40B4-BE49-F238E27FC236}">
+                  <a16:creationId xmlns:a16="http://schemas.microsoft.com/office/drawing/2014/main" id="{3E8E9EB4-436E-49B3-94D2-0E703507C967}"/>
+                </a:ext>
+              </a:extLst>
+            </p:cNvPr>
+            <p:cNvSpPr/>
+            <p:nvPr/>
+          </p:nvSpPr>
+          <p:spPr>
+            <a:xfrm>
+              <a:off x="164616" y="178180"/>
+              <a:ext cx="47829" cy="284416"/>
+            </a:xfrm>
+            <a:prstGeom prst="rect">
+              <a:avLst/>
+            </a:prstGeom>
+            <a:solidFill>
+              <a:srgbClr val="314865"/>
+            </a:solidFill>
+            <a:ln>
+              <a:solidFill>
+                <a:srgbClr val="314865"/>
+              </a:solidFill>
+            </a:ln>
+          </p:spPr>
+          <p:style>
+            <a:lnRef idx="2">
+              <a:schemeClr val="accent1">
+                <a:shade val="50000"/>
+              </a:schemeClr>
+            </a:lnRef>
+            <a:fillRef idx="1">
+              <a:schemeClr val="accent1"/>
+            </a:fillRef>
+            <a:effectRef idx="0">
+              <a:schemeClr val="accent1"/>
+            </a:effectRef>
+            <a:fontRef idx="minor">
+              <a:schemeClr val="lt1"/>
+            </a:fontRef>
+          </p:style>
+          <p:txBody>
+            <a:bodyPr rtlCol="0" anchor="ctr"/>
+            <a:lstStyle/>
+            <a:p>
+              <a:pPr algn="ctr"/>
+              <a:endParaRPr lang="zh-CN" altLang="en-US">
+                <a:latin typeface="Arial"/>
+                <a:ea typeface="微软雅黑"/>
+                <a:sym typeface="Arial"/>
+              </a:endParaRPr>
+            </a:p>
+          </p:txBody>
+        </p:sp>
+        <p:sp>
+          <p:nvSpPr>
+            <p:cNvPr id="8" name="矩形 7">
+              <a:extLst>
+                <a:ext uri="{FF2B5EF4-FFF2-40B4-BE49-F238E27FC236}">
+                  <a16:creationId xmlns:a16="http://schemas.microsoft.com/office/drawing/2014/main" id="{AC8FD59B-6D43-4FF1-8BC5-E410493FDFE7}"/>
+                </a:ext>
+              </a:extLst>
+            </p:cNvPr>
+            <p:cNvSpPr/>
+            <p:nvPr/>
+          </p:nvSpPr>
+          <p:spPr>
+            <a:xfrm>
+              <a:off x="275779" y="252586"/>
+              <a:ext cx="47828" cy="210010"/>
+            </a:xfrm>
+            <a:prstGeom prst="rect">
+              <a:avLst/>
+            </a:prstGeom>
+            <a:solidFill>
+              <a:srgbClr val="314865"/>
+            </a:solidFill>
+            <a:ln>
+              <a:solidFill>
+                <a:srgbClr val="314865"/>
+              </a:solidFill>
+            </a:ln>
+          </p:spPr>
+          <p:style>
+            <a:lnRef idx="2">
+              <a:schemeClr val="accent1">
+                <a:shade val="50000"/>
+              </a:schemeClr>
+            </a:lnRef>
+            <a:fillRef idx="1">
+              <a:schemeClr val="accent1"/>
+            </a:fillRef>
+            <a:effectRef idx="0">
+              <a:schemeClr val="accent1"/>
+            </a:effectRef>
+            <a:fontRef idx="minor">
+              <a:schemeClr val="lt1"/>
+            </a:fontRef>
+          </p:style>
+          <p:txBody>
+            <a:bodyPr rtlCol="0" anchor="ctr"/>
+            <a:lstStyle/>
+            <a:p>
+              <a:pPr algn="ctr"/>
+              <a:endParaRPr lang="zh-CN" altLang="en-US">
+                <a:latin typeface="Arial"/>
+                <a:ea typeface="微软雅黑"/>
+                <a:sym typeface="Arial"/>
+              </a:endParaRPr>
+            </a:p>
+          </p:txBody>
+        </p:sp>
+        <p:sp>
+          <p:nvSpPr>
+            <p:cNvPr id="9" name="矩形 8">
+              <a:extLst>
+                <a:ext uri="{FF2B5EF4-FFF2-40B4-BE49-F238E27FC236}">
+                  <a16:creationId xmlns:a16="http://schemas.microsoft.com/office/drawing/2014/main" id="{2E5B1B86-ADE4-4C01-AEF3-6BD2AC994D54}"/>
+                </a:ext>
+              </a:extLst>
+            </p:cNvPr>
+            <p:cNvSpPr/>
+            <p:nvPr/>
+          </p:nvSpPr>
+          <p:spPr>
+            <a:xfrm flipH="1">
+              <a:off x="377808" y="320388"/>
+              <a:ext cx="47827" cy="142208"/>
+            </a:xfrm>
+            <a:prstGeom prst="rect">
+              <a:avLst/>
+            </a:prstGeom>
+            <a:solidFill>
+              <a:srgbClr val="314865"/>
+            </a:solidFill>
+            <a:ln>
+              <a:solidFill>
+                <a:srgbClr val="314865"/>
+              </a:solidFill>
+            </a:ln>
+          </p:spPr>
+          <p:style>
+            <a:lnRef idx="2">
+              <a:schemeClr val="accent1">
+                <a:shade val="50000"/>
+              </a:schemeClr>
+            </a:lnRef>
+            <a:fillRef idx="1">
+              <a:schemeClr val="accent1"/>
+            </a:fillRef>
+            <a:effectRef idx="0">
+              <a:schemeClr val="accent1"/>
+            </a:effectRef>
+            <a:fontRef idx="minor">
+              <a:schemeClr val="lt1"/>
+            </a:fontRef>
+          </p:style>
+          <p:txBody>
+            <a:bodyPr rtlCol="0" anchor="ctr"/>
+            <a:lstStyle/>
+            <a:p>
+              <a:pPr algn="ctr"/>
+              <a:endParaRPr lang="zh-CN" altLang="en-US">
+                <a:latin typeface="Arial"/>
+                <a:ea typeface="微软雅黑"/>
+                <a:sym typeface="Arial"/>
+              </a:endParaRPr>
+            </a:p>
+          </p:txBody>
+        </p:sp>
+      </p:grpSp>
+    </p:spTree>
+    <p:extLst>
+      <p:ext uri="{BB962C8B-B14F-4D97-AF65-F5344CB8AC3E}">
+        <p14:creationId xmlns:p14="http://schemas.microsoft.com/office/powerpoint/2010/main" val="4251562853"/>
       </p:ext>
     </p:extLst>
   </p:cSld>
